--- a/prezentace/xnovm288-obhajoba (sablona bc).pptx
+++ b/prezentace/xnovm288-obhajoba (sablona bc).pptx
@@ -5,29 +5,27 @@
     <p:sldMasterId id="2147483648" r:id="rId4"/>
   </p:sldMasterIdLst>
   <p:notesMasterIdLst>
-    <p:notesMasterId r:id="rId22"/>
+    <p:notesMasterId r:id="rId20"/>
   </p:notesMasterIdLst>
   <p:handoutMasterIdLst>
-    <p:handoutMasterId r:id="rId23"/>
+    <p:handoutMasterId r:id="rId21"/>
   </p:handoutMasterIdLst>
   <p:sldIdLst>
     <p:sldId id="257" r:id="rId5"/>
     <p:sldId id="258" r:id="rId6"/>
-    <p:sldId id="259" r:id="rId7"/>
-    <p:sldId id="260" r:id="rId8"/>
-    <p:sldId id="261" r:id="rId9"/>
-    <p:sldId id="262" r:id="rId10"/>
-    <p:sldId id="269" r:id="rId11"/>
-    <p:sldId id="268" r:id="rId12"/>
-    <p:sldId id="271" r:id="rId13"/>
-    <p:sldId id="272" r:id="rId14"/>
-    <p:sldId id="270" r:id="rId15"/>
-    <p:sldId id="263" r:id="rId16"/>
-    <p:sldId id="264" r:id="rId17"/>
-    <p:sldId id="265" r:id="rId18"/>
-    <p:sldId id="266" r:id="rId19"/>
-    <p:sldId id="267" r:id="rId20"/>
-    <p:sldId id="273" r:id="rId21"/>
+    <p:sldId id="260" r:id="rId7"/>
+    <p:sldId id="261" r:id="rId8"/>
+    <p:sldId id="262" r:id="rId9"/>
+    <p:sldId id="269" r:id="rId10"/>
+    <p:sldId id="268" r:id="rId11"/>
+    <p:sldId id="271" r:id="rId12"/>
+    <p:sldId id="272" r:id="rId13"/>
+    <p:sldId id="263" r:id="rId14"/>
+    <p:sldId id="264" r:id="rId15"/>
+    <p:sldId id="266" r:id="rId16"/>
+    <p:sldId id="267" r:id="rId17"/>
+    <p:sldId id="273" r:id="rId18"/>
+    <p:sldId id="274" r:id="rId19"/>
   </p:sldIdLst>
   <p:sldSz cx="18288000" cy="10287000"/>
   <p:notesSz cx="6797675" cy="9926638"/>
@@ -860,7 +858,7 @@
           <a:p>
             <a:fld id="{1A2A8A12-C138-49DA-8AA6-D12B63798F3E}" type="slidenum">
               <a:rPr lang="cs-CZ" smtClean="0"/>
-              <a:t>4</a:t>
+              <a:t>3</a:t>
             </a:fld>
             <a:endParaRPr lang="cs-CZ"/>
           </a:p>
@@ -956,7 +954,7 @@
           <a:p>
             <a:fld id="{1A2A8A12-C138-49DA-8AA6-D12B63798F3E}" type="slidenum">
               <a:rPr lang="cs-CZ" smtClean="0"/>
-              <a:t>6</a:t>
+              <a:t>5</a:t>
             </a:fld>
             <a:endParaRPr lang="cs-CZ"/>
           </a:p>
@@ -1091,7 +1089,7 @@
           <a:p>
             <a:fld id="{1A2A8A12-C138-49DA-8AA6-D12B63798F3E}" type="slidenum">
               <a:rPr lang="cs-CZ" smtClean="0"/>
-              <a:t>7</a:t>
+              <a:t>6</a:t>
             </a:fld>
             <a:endParaRPr lang="cs-CZ"/>
           </a:p>
@@ -1201,7 +1199,7 @@
           <a:p>
             <a:fld id="{1A2A8A12-C138-49DA-8AA6-D12B63798F3E}" type="slidenum">
               <a:rPr lang="cs-CZ" smtClean="0"/>
-              <a:t>8</a:t>
+              <a:t>7</a:t>
             </a:fld>
             <a:endParaRPr lang="cs-CZ"/>
           </a:p>
@@ -1332,7 +1330,7 @@
           <a:p>
             <a:fld id="{1A2A8A12-C138-49DA-8AA6-D12B63798F3E}" type="slidenum">
               <a:rPr lang="cs-CZ" smtClean="0"/>
-              <a:t>9</a:t>
+              <a:t>8</a:t>
             </a:fld>
             <a:endParaRPr lang="cs-CZ"/>
           </a:p>
@@ -1471,7 +1469,7 @@
           <a:p>
             <a:fld id="{1A2A8A12-C138-49DA-8AA6-D12B63798F3E}" type="slidenum">
               <a:rPr lang="cs-CZ" smtClean="0"/>
-              <a:t>10</a:t>
+              <a:t>9</a:t>
             </a:fld>
             <a:endParaRPr lang="cs-CZ"/>
           </a:p>
@@ -1481,6 +1479,129 @@
     <p:extLst>
       <p:ext uri="{BB962C8B-B14F-4D97-AF65-F5344CB8AC3E}">
         <p14:creationId xmlns:p14="http://schemas.microsoft.com/office/powerpoint/2010/main" val="3824022020"/>
+      </p:ext>
+    </p:extLst>
+  </p:cSld>
+  <p:clrMapOvr>
+    <a:masterClrMapping/>
+  </p:clrMapOvr>
+</p:notes>
+</file>
+
+<file path=ppt/notesSlides/notesSlide8.xml><?xml version="1.0" encoding="utf-8"?>
+<p:notes xmlns:a="http://schemas.openxmlformats.org/drawingml/2006/main" xmlns:r="http://schemas.openxmlformats.org/officeDocument/2006/relationships" xmlns:p="http://schemas.openxmlformats.org/presentationml/2006/main">
+  <p:cSld>
+    <p:spTree>
+      <p:nvGrpSpPr>
+        <p:cNvPr id="1" name=""/>
+        <p:cNvGrpSpPr/>
+        <p:nvPr/>
+      </p:nvGrpSpPr>
+      <p:grpSpPr>
+        <a:xfrm>
+          <a:off x="0" y="0"/>
+          <a:ext cx="0" cy="0"/>
+          <a:chOff x="0" y="0"/>
+          <a:chExt cx="0" cy="0"/>
+        </a:xfrm>
+      </p:grpSpPr>
+      <p:sp>
+        <p:nvSpPr>
+          <p:cNvPr id="2" name="Zástupný symbol pro obrázek snímku 1"/>
+          <p:cNvSpPr>
+            <a:spLocks noGrp="1" noRot="1" noChangeAspect="1"/>
+          </p:cNvSpPr>
+          <p:nvPr>
+            <p:ph type="sldImg"/>
+          </p:nvPr>
+        </p:nvSpPr>
+        <p:spPr/>
+      </p:sp>
+      <p:sp>
+        <p:nvSpPr>
+          <p:cNvPr id="3" name="Zástupný symbol pro poznámky 2"/>
+          <p:cNvSpPr>
+            <a:spLocks noGrp="1"/>
+          </p:cNvSpPr>
+          <p:nvPr>
+            <p:ph type="body" idx="1"/>
+          </p:nvPr>
+        </p:nvSpPr>
+        <p:spPr/>
+        <p:txBody>
+          <a:bodyPr/>
+          <a:lstStyle/>
+          <a:p>
+            <a:r>
+              <a:rPr lang="cs-CZ" dirty="0"/>
+              <a:t>	Z již existujících řešení je nejpodobnější Node-RED k jehož spuštění uživatel potřebuje Node.js. Oproti této práci, která využívá .NET </a:t>
+            </a:r>
+            <a:r>
+              <a:rPr lang="cs-CZ" dirty="0" err="1"/>
+              <a:t>Core</a:t>
+            </a:r>
+            <a:r>
+              <a:rPr lang="cs-CZ" dirty="0"/>
+              <a:t>, který je často na Windows již nainstalován. Případně se dá s drobnými úpravami převést na .NET Framework, který je přímo součást Windows.</a:t>
+            </a:r>
+          </a:p>
+          <a:p>
+            <a:r>
+              <a:rPr lang="cs-CZ" dirty="0"/>
+              <a:t>	Z pohledu koncového uživatele Node-RED je webová aplikace ve které logiku zadává blokovým programováním. Tato práce poskytuje okenní aplikaci, kde logiku zadává v textové podobě, ale je možné doprogramovat další typy uživatelského rozhraní včetně mobilní aplikace nebo API.</a:t>
+            </a:r>
+          </a:p>
+          <a:p>
+            <a:r>
+              <a:rPr lang="cs-CZ" dirty="0"/>
+              <a:t>	Z pohledu programátora, který by potřeboval doplnit modul pro komunikaci s nepodporovanou platformou, v Node-RED musí vytvořit nový </a:t>
+            </a:r>
+            <a:r>
+              <a:rPr lang="cs-CZ" dirty="0" err="1"/>
+              <a:t>npm</a:t>
+            </a:r>
+            <a:r>
+              <a:rPr lang="cs-CZ" dirty="0"/>
+              <a:t> modul jenž je popsán pomocí JSON, </a:t>
+            </a:r>
+            <a:r>
+              <a:rPr lang="cs-CZ" dirty="0" err="1"/>
+              <a:t>JavaScriptu</a:t>
+            </a:r>
+            <a:r>
+              <a:rPr lang="cs-CZ" dirty="0"/>
+              <a:t> a HTML. Oproti tomu v řešení vytvořené touto prací stačí vytvořit DLL nebo přidat novou třídu do projektu pro příslušnou vrstvu pomocí C# nebo jiného .NET jazyku.</a:t>
+            </a:r>
+          </a:p>
+        </p:txBody>
+      </p:sp>
+      <p:sp>
+        <p:nvSpPr>
+          <p:cNvPr id="4" name="Zástupný symbol pro číslo snímku 3"/>
+          <p:cNvSpPr>
+            <a:spLocks noGrp="1"/>
+          </p:cNvSpPr>
+          <p:nvPr>
+            <p:ph type="sldNum" sz="quarter" idx="5"/>
+          </p:nvPr>
+        </p:nvSpPr>
+        <p:spPr/>
+        <p:txBody>
+          <a:bodyPr/>
+          <a:lstStyle/>
+          <a:p>
+            <a:fld id="{1A2A8A12-C138-49DA-8AA6-D12B63798F3E}" type="slidenum">
+              <a:rPr lang="cs-CZ" smtClean="0"/>
+              <a:t>10</a:t>
+            </a:fld>
+            <a:endParaRPr lang="cs-CZ"/>
+          </a:p>
+        </p:txBody>
+      </p:sp>
+    </p:spTree>
+    <p:extLst>
+      <p:ext uri="{BB962C8B-B14F-4D97-AF65-F5344CB8AC3E}">
+        <p14:creationId xmlns:p14="http://schemas.microsoft.com/office/powerpoint/2010/main" val="2634671077"/>
       </p:ext>
     </p:extLst>
   </p:cSld>
@@ -8999,6 +9120,3936 @@
   <p:cSld>
     <p:spTree>
       <p:nvGrpSpPr>
+        <p:cNvPr id="1" name=""/>
+        <p:cNvGrpSpPr/>
+        <p:nvPr/>
+      </p:nvGrpSpPr>
+      <p:grpSpPr>
+        <a:xfrm>
+          <a:off x="0" y="0"/>
+          <a:ext cx="0" cy="0"/>
+          <a:chOff x="0" y="0"/>
+          <a:chExt cx="0" cy="0"/>
+        </a:xfrm>
+      </p:grpSpPr>
+      <p:sp>
+        <p:nvSpPr>
+          <p:cNvPr id="2" name="Zástupný text 1">
+            <a:extLst>
+              <a:ext uri="{FF2B5EF4-FFF2-40B4-BE49-F238E27FC236}">
+                <a16:creationId xmlns:a16="http://schemas.microsoft.com/office/drawing/2014/main" id="{32DEB359-6B80-3613-966B-FAA9301011F6}"/>
+              </a:ext>
+            </a:extLst>
+          </p:cNvPr>
+          <p:cNvSpPr>
+            <a:spLocks noGrp="1"/>
+          </p:cNvSpPr>
+          <p:nvPr>
+            <p:ph type="body" sz="quarter" idx="10"/>
+          </p:nvPr>
+        </p:nvSpPr>
+        <p:spPr/>
+        <p:txBody>
+          <a:bodyPr/>
+          <a:lstStyle/>
+          <a:p>
+            <a:r>
+              <a:rPr lang="cs-CZ" dirty="0"/>
+              <a:t>Výsledky a jejich zhodnocení</a:t>
+            </a:r>
+          </a:p>
+        </p:txBody>
+      </p:sp>
+      <p:sp>
+        <p:nvSpPr>
+          <p:cNvPr id="3" name="Zástupný text 2">
+            <a:extLst>
+              <a:ext uri="{FF2B5EF4-FFF2-40B4-BE49-F238E27FC236}">
+                <a16:creationId xmlns:a16="http://schemas.microsoft.com/office/drawing/2014/main" id="{3E850045-51D5-2556-4104-278A4FD24E04}"/>
+              </a:ext>
+            </a:extLst>
+          </p:cNvPr>
+          <p:cNvSpPr>
+            <a:spLocks noGrp="1"/>
+          </p:cNvSpPr>
+          <p:nvPr>
+            <p:ph type="body" sz="quarter" idx="12"/>
+          </p:nvPr>
+        </p:nvSpPr>
+        <p:spPr/>
+        <p:txBody>
+          <a:bodyPr/>
+          <a:lstStyle/>
+          <a:p>
+            <a:r>
+              <a:rPr lang="pl-PL" sz="4400" b="1" dirty="0"/>
+              <a:t>Návrh a realizace kontrolního systému na WiFi síti</a:t>
+            </a:r>
+          </a:p>
+        </p:txBody>
+      </p:sp>
+      <p:graphicFrame>
+        <p:nvGraphicFramePr>
+          <p:cNvPr id="7" name="Tabulka 6">
+            <a:extLst>
+              <a:ext uri="{FF2B5EF4-FFF2-40B4-BE49-F238E27FC236}">
+                <a16:creationId xmlns:a16="http://schemas.microsoft.com/office/drawing/2014/main" id="{7886450D-A371-9F18-3754-721EACB9AB3A}"/>
+              </a:ext>
+            </a:extLst>
+          </p:cNvPr>
+          <p:cNvGraphicFramePr>
+            <a:graphicFrameLocks noGrp="1"/>
+          </p:cNvGraphicFramePr>
+          <p:nvPr>
+            <p:extLst>
+              <p:ext uri="{D42A27DB-BD31-4B8C-83A1-F6EECF244321}">
+                <p14:modId xmlns:p14="http://schemas.microsoft.com/office/powerpoint/2010/main" val="2750200567"/>
+              </p:ext>
+            </p:extLst>
+          </p:nvPr>
+        </p:nvGraphicFramePr>
+        <p:xfrm>
+          <a:off x="340659" y="4137660"/>
+          <a:ext cx="17660469" cy="3520440"/>
+        </p:xfrm>
+        <a:graphic>
+          <a:graphicData uri="http://schemas.openxmlformats.org/drawingml/2006/table">
+            <a:tbl>
+              <a:tblPr firstRow="1" bandRow="1">
+                <a:tableStyleId>{5940675A-B579-460E-94D1-54222C63F5DA}</a:tableStyleId>
+              </a:tblPr>
+              <a:tblGrid>
+                <a:gridCol w="5886823">
+                  <a:extLst>
+                    <a:ext uri="{9D8B030D-6E8A-4147-A177-3AD203B41FA5}">
+                      <a16:colId xmlns:a16="http://schemas.microsoft.com/office/drawing/2014/main" val="3689280211"/>
+                    </a:ext>
+                  </a:extLst>
+                </a:gridCol>
+                <a:gridCol w="5886823">
+                  <a:extLst>
+                    <a:ext uri="{9D8B030D-6E8A-4147-A177-3AD203B41FA5}">
+                      <a16:colId xmlns:a16="http://schemas.microsoft.com/office/drawing/2014/main" val="1277198754"/>
+                    </a:ext>
+                  </a:extLst>
+                </a:gridCol>
+                <a:gridCol w="5886823">
+                  <a:extLst>
+                    <a:ext uri="{9D8B030D-6E8A-4147-A177-3AD203B41FA5}">
+                      <a16:colId xmlns:a16="http://schemas.microsoft.com/office/drawing/2014/main" val="2149954101"/>
+                    </a:ext>
+                  </a:extLst>
+                </a:gridCol>
+              </a:tblGrid>
+              <a:tr h="370840">
+                <a:tc>
+                  <a:txBody>
+                    <a:bodyPr/>
+                    <a:lstStyle/>
+                    <a:p>
+                      <a:endParaRPr lang="cs-CZ"/>
+                    </a:p>
+                  </a:txBody>
+                  <a:tcPr/>
+                </a:tc>
+                <a:tc>
+                  <a:txBody>
+                    <a:bodyPr/>
+                    <a:lstStyle/>
+                    <a:p>
+                      <a:r>
+                        <a:rPr lang="cs-CZ" dirty="0"/>
+                        <a:t>Tato DP</a:t>
+                      </a:r>
+                    </a:p>
+                  </a:txBody>
+                  <a:tcPr/>
+                </a:tc>
+                <a:tc>
+                  <a:txBody>
+                    <a:bodyPr/>
+                    <a:lstStyle/>
+                    <a:p>
+                      <a:r>
+                        <a:rPr lang="cs-CZ" dirty="0"/>
+                        <a:t>Node-RED</a:t>
+                      </a:r>
+                    </a:p>
+                  </a:txBody>
+                  <a:tcPr/>
+                </a:tc>
+                <a:extLst>
+                  <a:ext uri="{0D108BD9-81ED-4DB2-BD59-A6C34878D82A}">
+                    <a16:rowId xmlns:a16="http://schemas.microsoft.com/office/drawing/2014/main" val="688173998"/>
+                  </a:ext>
+                </a:extLst>
+              </a:tr>
+              <a:tr h="370840">
+                <a:tc>
+                  <a:txBody>
+                    <a:bodyPr/>
+                    <a:lstStyle/>
+                    <a:p>
+                      <a:r>
+                        <a:rPr lang="cs-CZ" dirty="0"/>
+                        <a:t>jazyky</a:t>
+                      </a:r>
+                    </a:p>
+                  </a:txBody>
+                  <a:tcPr/>
+                </a:tc>
+                <a:tc>
+                  <a:txBody>
+                    <a:bodyPr/>
+                    <a:lstStyle/>
+                    <a:p>
+                      <a:r>
+                        <a:rPr lang="cs-CZ" dirty="0"/>
+                        <a:t>.NET (C#, VB, …)</a:t>
+                      </a:r>
+                    </a:p>
+                  </a:txBody>
+                  <a:tcPr/>
+                </a:tc>
+                <a:tc>
+                  <a:txBody>
+                    <a:bodyPr/>
+                    <a:lstStyle/>
+                    <a:p>
+                      <a:r>
+                        <a:rPr lang="cs-CZ" dirty="0"/>
+                        <a:t>JavaScript</a:t>
+                      </a:r>
+                    </a:p>
+                  </a:txBody>
+                  <a:tcPr/>
+                </a:tc>
+                <a:extLst>
+                  <a:ext uri="{0D108BD9-81ED-4DB2-BD59-A6C34878D82A}">
+                    <a16:rowId xmlns:a16="http://schemas.microsoft.com/office/drawing/2014/main" val="1176487176"/>
+                  </a:ext>
+                </a:extLst>
+              </a:tr>
+              <a:tr h="370840">
+                <a:tc>
+                  <a:txBody>
+                    <a:bodyPr/>
+                    <a:lstStyle/>
+                    <a:p>
+                      <a:r>
+                        <a:rPr lang="cs-CZ" dirty="0"/>
+                        <a:t>Požadavky pro spuštění</a:t>
+                      </a:r>
+                    </a:p>
+                  </a:txBody>
+                  <a:tcPr/>
+                </a:tc>
+                <a:tc>
+                  <a:txBody>
+                    <a:bodyPr/>
+                    <a:lstStyle/>
+                    <a:p>
+                      <a:r>
+                        <a:rPr lang="cs-CZ" dirty="0"/>
+                        <a:t>.NET </a:t>
+                      </a:r>
+                      <a:r>
+                        <a:rPr lang="cs-CZ" dirty="0" err="1"/>
+                        <a:t>Core</a:t>
+                      </a:r>
+                      <a:r>
+                        <a:rPr lang="cs-CZ" dirty="0"/>
+                        <a:t> 8.0</a:t>
+                      </a:r>
+                    </a:p>
+                  </a:txBody>
+                  <a:tcPr/>
+                </a:tc>
+                <a:tc>
+                  <a:txBody>
+                    <a:bodyPr/>
+                    <a:lstStyle/>
+                    <a:p>
+                      <a:r>
+                        <a:rPr lang="cs-CZ" dirty="0"/>
+                        <a:t>Node.js</a:t>
+                      </a:r>
+                    </a:p>
+                  </a:txBody>
+                  <a:tcPr/>
+                </a:tc>
+                <a:extLst>
+                  <a:ext uri="{0D108BD9-81ED-4DB2-BD59-A6C34878D82A}">
+                    <a16:rowId xmlns:a16="http://schemas.microsoft.com/office/drawing/2014/main" val="2282596977"/>
+                  </a:ext>
+                </a:extLst>
+              </a:tr>
+              <a:tr h="370840">
+                <a:tc>
+                  <a:txBody>
+                    <a:bodyPr/>
+                    <a:lstStyle/>
+                    <a:p>
+                      <a:r>
+                        <a:rPr lang="cs-CZ" dirty="0"/>
+                        <a:t>Uživatelské rozhraní</a:t>
+                      </a:r>
+                    </a:p>
+                  </a:txBody>
+                  <a:tcPr/>
+                </a:tc>
+                <a:tc>
+                  <a:txBody>
+                    <a:bodyPr/>
+                    <a:lstStyle/>
+                    <a:p>
+                      <a:r>
+                        <a:rPr lang="cs-CZ" dirty="0"/>
+                        <a:t>Okenní aplikace s možností vlastního</a:t>
+                      </a:r>
+                    </a:p>
+                  </a:txBody>
+                  <a:tcPr/>
+                </a:tc>
+                <a:tc>
+                  <a:txBody>
+                    <a:bodyPr/>
+                    <a:lstStyle/>
+                    <a:p>
+                      <a:r>
+                        <a:rPr lang="cs-CZ" dirty="0"/>
+                        <a:t>Webové</a:t>
+                      </a:r>
+                    </a:p>
+                  </a:txBody>
+                  <a:tcPr/>
+                </a:tc>
+                <a:extLst>
+                  <a:ext uri="{0D108BD9-81ED-4DB2-BD59-A6C34878D82A}">
+                    <a16:rowId xmlns:a16="http://schemas.microsoft.com/office/drawing/2014/main" val="2384413300"/>
+                  </a:ext>
+                </a:extLst>
+              </a:tr>
+              <a:tr h="370840">
+                <a:tc>
+                  <a:txBody>
+                    <a:bodyPr/>
+                    <a:lstStyle/>
+                    <a:p>
+                      <a:r>
+                        <a:rPr lang="cs-CZ" dirty="0"/>
+                        <a:t>Zadávání logiky uživatelem</a:t>
+                      </a:r>
+                    </a:p>
+                  </a:txBody>
+                  <a:tcPr/>
+                </a:tc>
+                <a:tc>
+                  <a:txBody>
+                    <a:bodyPr/>
+                    <a:lstStyle/>
+                    <a:p>
+                      <a:r>
+                        <a:rPr lang="cs-CZ" dirty="0"/>
+                        <a:t>Textově s možností rozšíření</a:t>
+                      </a:r>
+                    </a:p>
+                  </a:txBody>
+                  <a:tcPr/>
+                </a:tc>
+                <a:tc>
+                  <a:txBody>
+                    <a:bodyPr/>
+                    <a:lstStyle/>
+                    <a:p>
+                      <a:r>
+                        <a:rPr lang="cs-CZ" dirty="0"/>
+                        <a:t>Blokově </a:t>
+                      </a:r>
+                    </a:p>
+                  </a:txBody>
+                  <a:tcPr/>
+                </a:tc>
+                <a:extLst>
+                  <a:ext uri="{0D108BD9-81ED-4DB2-BD59-A6C34878D82A}">
+                    <a16:rowId xmlns:a16="http://schemas.microsoft.com/office/drawing/2014/main" val="3448102560"/>
+                  </a:ext>
+                </a:extLst>
+              </a:tr>
+              <a:tr h="370840">
+                <a:tc>
+                  <a:txBody>
+                    <a:bodyPr/>
+                    <a:lstStyle/>
+                    <a:p>
+                      <a:r>
+                        <a:rPr lang="cs-CZ" dirty="0"/>
+                        <a:t>Začátek vyhodnocení větve</a:t>
+                      </a:r>
+                    </a:p>
+                  </a:txBody>
+                  <a:tcPr/>
+                </a:tc>
+                <a:tc>
+                  <a:txBody>
+                    <a:bodyPr/>
+                    <a:lstStyle/>
+                    <a:p>
+                      <a:r>
+                        <a:rPr lang="cs-CZ" dirty="0"/>
+                        <a:t>Časovač</a:t>
+                      </a:r>
+                    </a:p>
+                  </a:txBody>
+                  <a:tcPr/>
+                </a:tc>
+                <a:tc>
+                  <a:txBody>
+                    <a:bodyPr/>
+                    <a:lstStyle/>
+                    <a:p>
+                      <a:r>
+                        <a:rPr lang="cs-CZ" dirty="0"/>
+                        <a:t>Zpráva ze vstupního zařízení</a:t>
+                      </a:r>
+                    </a:p>
+                  </a:txBody>
+                  <a:tcPr/>
+                </a:tc>
+                <a:extLst>
+                  <a:ext uri="{0D108BD9-81ED-4DB2-BD59-A6C34878D82A}">
+                    <a16:rowId xmlns:a16="http://schemas.microsoft.com/office/drawing/2014/main" val="2834471150"/>
+                  </a:ext>
+                </a:extLst>
+              </a:tr>
+              <a:tr h="370840">
+                <a:tc>
+                  <a:txBody>
+                    <a:bodyPr/>
+                    <a:lstStyle/>
+                    <a:p>
+                      <a:r>
+                        <a:rPr lang="cs-CZ" dirty="0"/>
+                        <a:t>Přidání vlastního modulu</a:t>
+                      </a:r>
+                    </a:p>
+                  </a:txBody>
+                  <a:tcPr/>
+                </a:tc>
+                <a:tc>
+                  <a:txBody>
+                    <a:bodyPr/>
+                    <a:lstStyle/>
+                    <a:p>
+                      <a:r>
+                        <a:rPr lang="cs-CZ" dirty="0"/>
+                        <a:t>DLL v .NET nebo nová třída v této práci</a:t>
+                      </a:r>
+                    </a:p>
+                  </a:txBody>
+                  <a:tcPr/>
+                </a:tc>
+                <a:tc>
+                  <a:txBody>
+                    <a:bodyPr/>
+                    <a:lstStyle/>
+                    <a:p>
+                      <a:r>
+                        <a:rPr lang="cs-CZ" dirty="0" err="1"/>
+                        <a:t>npm</a:t>
+                      </a:r>
+                      <a:r>
+                        <a:rPr lang="cs-CZ" dirty="0"/>
+                        <a:t> modul v JSON + JS + HTML</a:t>
+                      </a:r>
+                    </a:p>
+                  </a:txBody>
+                  <a:tcPr/>
+                </a:tc>
+                <a:extLst>
+                  <a:ext uri="{0D108BD9-81ED-4DB2-BD59-A6C34878D82A}">
+                    <a16:rowId xmlns:a16="http://schemas.microsoft.com/office/drawing/2014/main" val="967824025"/>
+                  </a:ext>
+                </a:extLst>
+              </a:tr>
+            </a:tbl>
+          </a:graphicData>
+        </a:graphic>
+      </p:graphicFrame>
+    </p:spTree>
+    <p:extLst>
+      <p:ext uri="{BB962C8B-B14F-4D97-AF65-F5344CB8AC3E}">
+        <p14:creationId xmlns:p14="http://schemas.microsoft.com/office/powerpoint/2010/main" val="2764225651"/>
+      </p:ext>
+    </p:extLst>
+  </p:cSld>
+  <p:clrMapOvr>
+    <a:masterClrMapping/>
+  </p:clrMapOvr>
+</p:sld>
+</file>
+
+<file path=ppt/slides/slide11.xml><?xml version="1.0" encoding="utf-8"?>
+<p:sld xmlns:a="http://schemas.openxmlformats.org/drawingml/2006/main" xmlns:r="http://schemas.openxmlformats.org/officeDocument/2006/relationships" xmlns:p="http://schemas.openxmlformats.org/presentationml/2006/main">
+  <p:cSld>
+    <p:spTree>
+      <p:nvGrpSpPr>
+        <p:cNvPr id="1" name=""/>
+        <p:cNvGrpSpPr/>
+        <p:nvPr/>
+      </p:nvGrpSpPr>
+      <p:grpSpPr>
+        <a:xfrm>
+          <a:off x="0" y="0"/>
+          <a:ext cx="0" cy="0"/>
+          <a:chOff x="0" y="0"/>
+          <a:chExt cx="0" cy="0"/>
+        </a:xfrm>
+      </p:grpSpPr>
+      <p:sp>
+        <p:nvSpPr>
+          <p:cNvPr id="2" name="Zástupný text 1">
+            <a:extLst>
+              <a:ext uri="{FF2B5EF4-FFF2-40B4-BE49-F238E27FC236}">
+                <a16:creationId xmlns:a16="http://schemas.microsoft.com/office/drawing/2014/main" id="{32DEB359-6B80-3613-966B-FAA9301011F6}"/>
+              </a:ext>
+            </a:extLst>
+          </p:cNvPr>
+          <p:cNvSpPr>
+            <a:spLocks noGrp="1"/>
+          </p:cNvSpPr>
+          <p:nvPr>
+            <p:ph type="body" sz="quarter" idx="10"/>
+          </p:nvPr>
+        </p:nvSpPr>
+        <p:spPr/>
+        <p:txBody>
+          <a:bodyPr/>
+          <a:lstStyle/>
+          <a:p>
+            <a:r>
+              <a:rPr lang="cs-CZ" dirty="0"/>
+              <a:t>Závěr</a:t>
+            </a:r>
+          </a:p>
+        </p:txBody>
+      </p:sp>
+      <p:sp>
+        <p:nvSpPr>
+          <p:cNvPr id="3" name="Zástupný text 2">
+            <a:extLst>
+              <a:ext uri="{FF2B5EF4-FFF2-40B4-BE49-F238E27FC236}">
+                <a16:creationId xmlns:a16="http://schemas.microsoft.com/office/drawing/2014/main" id="{3E850045-51D5-2556-4104-278A4FD24E04}"/>
+              </a:ext>
+            </a:extLst>
+          </p:cNvPr>
+          <p:cNvSpPr>
+            <a:spLocks noGrp="1"/>
+          </p:cNvSpPr>
+          <p:nvPr>
+            <p:ph type="body" sz="quarter" idx="12"/>
+          </p:nvPr>
+        </p:nvSpPr>
+        <p:spPr/>
+        <p:txBody>
+          <a:bodyPr/>
+          <a:lstStyle/>
+          <a:p>
+            <a:r>
+              <a:rPr lang="pl-PL" sz="4400" b="1" dirty="0"/>
+              <a:t>Návrh a realizace kontrolního systému na WiFi síti</a:t>
+            </a:r>
+          </a:p>
+        </p:txBody>
+      </p:sp>
+      <p:sp>
+        <p:nvSpPr>
+          <p:cNvPr id="5" name="Zástupný text 4">
+            <a:extLst>
+              <a:ext uri="{FF2B5EF4-FFF2-40B4-BE49-F238E27FC236}">
+                <a16:creationId xmlns:a16="http://schemas.microsoft.com/office/drawing/2014/main" id="{F6EF8A6A-A94B-E009-2904-00483D9F88E4}"/>
+              </a:ext>
+            </a:extLst>
+          </p:cNvPr>
+          <p:cNvSpPr>
+            <a:spLocks noGrp="1"/>
+          </p:cNvSpPr>
+          <p:nvPr>
+            <p:ph type="body" sz="quarter" idx="16"/>
+          </p:nvPr>
+        </p:nvSpPr>
+        <p:spPr>
+          <a:xfrm>
+            <a:off x="1079500" y="3422469"/>
+            <a:ext cx="15680146" cy="5821414"/>
+          </a:xfrm>
+        </p:spPr>
+        <p:txBody>
+          <a:bodyPr/>
+          <a:lstStyle/>
+          <a:p>
+            <a:pPr algn="just"/>
+            <a:r>
+              <a:rPr lang="cs-CZ" dirty="0"/>
+              <a:t>v této části především slovně shrnout výsledky práce, pokud jsou měření tak shrnout i výsledky měření,</a:t>
+            </a:r>
+          </a:p>
+          <a:p>
+            <a:pPr algn="just"/>
+            <a:r>
+              <a:rPr lang="cs-CZ" dirty="0"/>
+              <a:t>podstatné je ale dát zjištěné výsledky a data do souvislostí – tedy co to znamená, jak je interpretovat a jaký skvělý pokrok práce přinesla,</a:t>
+            </a:r>
+          </a:p>
+          <a:p>
+            <a:r>
+              <a:rPr lang="cs-CZ" b="1" dirty="0"/>
+              <a:t>Závěr by měly být max. na jedné stránce, pokud je tam nějaký zásadní graf pak max. na dvou.</a:t>
+            </a:r>
+          </a:p>
+          <a:p>
+            <a:endParaRPr lang="cs-CZ" b="1" dirty="0"/>
+          </a:p>
+          <a:p>
+            <a:pPr algn="just"/>
+            <a:r>
+              <a:rPr lang="cs-CZ" b="1" dirty="0"/>
+              <a:t>Závěr musí být úderný – ten spolu s Úvodem většinou komise poslouchá – tedy nebuďte skromní (ale zase to nepřežeňte, není to děkovačka za Nobelovu cenu!)</a:t>
+            </a:r>
+          </a:p>
+          <a:p>
+            <a:pPr algn="just"/>
+            <a:endParaRPr lang="cs-CZ" dirty="0"/>
+          </a:p>
+        </p:txBody>
+      </p:sp>
+    </p:spTree>
+    <p:extLst>
+      <p:ext uri="{BB962C8B-B14F-4D97-AF65-F5344CB8AC3E}">
+        <p14:creationId xmlns:p14="http://schemas.microsoft.com/office/powerpoint/2010/main" val="655701420"/>
+      </p:ext>
+    </p:extLst>
+  </p:cSld>
+  <p:clrMapOvr>
+    <a:masterClrMapping/>
+  </p:clrMapOvr>
+</p:sld>
+</file>
+
+<file path=ppt/slides/slide12.xml><?xml version="1.0" encoding="utf-8"?>
+<p:sld xmlns:a="http://schemas.openxmlformats.org/drawingml/2006/main" xmlns:r="http://schemas.openxmlformats.org/officeDocument/2006/relationships" xmlns:p="http://schemas.openxmlformats.org/presentationml/2006/main">
+  <p:cSld>
+    <p:spTree>
+      <p:nvGrpSpPr>
+        <p:cNvPr id="1" name=""/>
+        <p:cNvGrpSpPr/>
+        <p:nvPr/>
+      </p:nvGrpSpPr>
+      <p:grpSpPr>
+        <a:xfrm>
+          <a:off x="0" y="0"/>
+          <a:ext cx="0" cy="0"/>
+          <a:chOff x="0" y="0"/>
+          <a:chExt cx="0" cy="0"/>
+        </a:xfrm>
+      </p:grpSpPr>
+      <p:sp>
+        <p:nvSpPr>
+          <p:cNvPr id="2" name="Zástupný text 1">
+            <a:extLst>
+              <a:ext uri="{FF2B5EF4-FFF2-40B4-BE49-F238E27FC236}">
+                <a16:creationId xmlns:a16="http://schemas.microsoft.com/office/drawing/2014/main" id="{32DEB359-6B80-3613-966B-FAA9301011F6}"/>
+              </a:ext>
+            </a:extLst>
+          </p:cNvPr>
+          <p:cNvSpPr>
+            <a:spLocks noGrp="1"/>
+          </p:cNvSpPr>
+          <p:nvPr>
+            <p:ph type="body" sz="quarter" idx="10"/>
+          </p:nvPr>
+        </p:nvSpPr>
+        <p:spPr/>
+        <p:txBody>
+          <a:bodyPr/>
+          <a:lstStyle/>
+          <a:p>
+            <a:r>
+              <a:rPr lang="cs-CZ" sz="8800" dirty="0"/>
+              <a:t>Otázka oponenta č.1</a:t>
+            </a:r>
+            <a:endParaRPr lang="cs-CZ" dirty="0"/>
+          </a:p>
+        </p:txBody>
+      </p:sp>
+      <p:sp>
+        <p:nvSpPr>
+          <p:cNvPr id="3" name="Zástupný text 2">
+            <a:extLst>
+              <a:ext uri="{FF2B5EF4-FFF2-40B4-BE49-F238E27FC236}">
+                <a16:creationId xmlns:a16="http://schemas.microsoft.com/office/drawing/2014/main" id="{3E850045-51D5-2556-4104-278A4FD24E04}"/>
+              </a:ext>
+            </a:extLst>
+          </p:cNvPr>
+          <p:cNvSpPr>
+            <a:spLocks noGrp="1"/>
+          </p:cNvSpPr>
+          <p:nvPr>
+            <p:ph type="body" sz="quarter" idx="12"/>
+          </p:nvPr>
+        </p:nvSpPr>
+        <p:spPr/>
+        <p:txBody>
+          <a:bodyPr/>
+          <a:lstStyle/>
+          <a:p>
+            <a:r>
+              <a:rPr lang="pl-PL" sz="4400" b="1" dirty="0"/>
+              <a:t>Návrh a realizace kontrolního systému na WiFi síti</a:t>
+            </a:r>
+          </a:p>
+        </p:txBody>
+      </p:sp>
+      <p:sp>
+        <p:nvSpPr>
+          <p:cNvPr id="5" name="Zástupný text 4">
+            <a:extLst>
+              <a:ext uri="{FF2B5EF4-FFF2-40B4-BE49-F238E27FC236}">
+                <a16:creationId xmlns:a16="http://schemas.microsoft.com/office/drawing/2014/main" id="{F6EF8A6A-A94B-E009-2904-00483D9F88E4}"/>
+              </a:ext>
+            </a:extLst>
+          </p:cNvPr>
+          <p:cNvSpPr>
+            <a:spLocks noGrp="1"/>
+          </p:cNvSpPr>
+          <p:nvPr>
+            <p:ph type="body" sz="quarter" idx="16"/>
+          </p:nvPr>
+        </p:nvSpPr>
+        <p:spPr>
+          <a:xfrm>
+            <a:off x="1079500" y="3422469"/>
+            <a:ext cx="15680146" cy="5821414"/>
+          </a:xfrm>
+        </p:spPr>
+        <p:txBody>
+          <a:bodyPr/>
+          <a:lstStyle/>
+          <a:p>
+            <a:pPr marL="0" indent="0">
+              <a:buNone/>
+            </a:pPr>
+            <a:r>
+              <a:rPr lang="cs-CZ" sz="4800" dirty="0"/>
+              <a:t>„</a:t>
+            </a:r>
+            <a:r>
+              <a:rPr lang="cs-CZ" sz="4800" b="1" dirty="0">
+                <a:effectLst>
+                  <a:outerShdw blurRad="38100" dist="38100" dir="2700000" algn="tl">
+                    <a:srgbClr val="000000">
+                      <a:alpha val="43137"/>
+                    </a:srgbClr>
+                  </a:outerShdw>
+                </a:effectLst>
+              </a:rPr>
+              <a:t>Na str. 49 je uvedeno: „</a:t>
+            </a:r>
+            <a:r>
+              <a:rPr lang="cs-CZ" sz="4800" b="1" dirty="0" err="1">
+                <a:effectLst>
+                  <a:outerShdw blurRad="38100" dist="38100" dir="2700000" algn="tl">
+                    <a:srgbClr val="000000">
+                      <a:alpha val="43137"/>
+                    </a:srgbClr>
+                  </a:outerShdw>
+                </a:effectLst>
+              </a:rPr>
+              <a:t>For</a:t>
+            </a:r>
+            <a:r>
+              <a:rPr lang="cs-CZ" sz="4800" b="1" dirty="0">
+                <a:effectLst>
+                  <a:outerShdw blurRad="38100" dist="38100" dir="2700000" algn="tl">
+                    <a:srgbClr val="000000">
+                      <a:alpha val="43137"/>
+                    </a:srgbClr>
+                  </a:outerShdw>
+                </a:effectLst>
+              </a:rPr>
+              <a:t> byl zvolen místo </a:t>
+            </a:r>
+            <a:r>
+              <a:rPr lang="cs-CZ" sz="4800" b="1" dirty="0" err="1">
+                <a:effectLst>
+                  <a:outerShdw blurRad="38100" dist="38100" dir="2700000" algn="tl">
+                    <a:srgbClr val="000000">
+                      <a:alpha val="43137"/>
+                    </a:srgbClr>
+                  </a:outerShdw>
+                </a:effectLst>
+              </a:rPr>
+              <a:t>foreach</a:t>
+            </a:r>
+            <a:r>
+              <a:rPr lang="cs-CZ" sz="4800" b="1" dirty="0">
+                <a:effectLst>
+                  <a:outerShdw blurRad="38100" dist="38100" dir="2700000" algn="tl">
+                    <a:srgbClr val="000000">
+                      <a:alpha val="43137"/>
+                    </a:srgbClr>
+                  </a:outerShdw>
+                </a:effectLst>
+              </a:rPr>
+              <a:t> proto, aby bylo možné v chybové hlášce přesně určit místo, kde nastal problém.“ Vysvětlete rozdíl mezi příkazy </a:t>
+            </a:r>
+            <a:r>
+              <a:rPr lang="cs-CZ" sz="4800" b="1" dirty="0" err="1">
+                <a:effectLst>
+                  <a:outerShdw blurRad="38100" dist="38100" dir="2700000" algn="tl">
+                    <a:srgbClr val="000000">
+                      <a:alpha val="43137"/>
+                    </a:srgbClr>
+                  </a:outerShdw>
+                </a:effectLst>
+              </a:rPr>
+              <a:t>for</a:t>
+            </a:r>
+            <a:r>
+              <a:rPr lang="cs-CZ" sz="4800" b="1" dirty="0">
+                <a:effectLst>
+                  <a:outerShdw blurRad="38100" dist="38100" dir="2700000" algn="tl">
+                    <a:srgbClr val="000000">
+                      <a:alpha val="43137"/>
+                    </a:srgbClr>
+                  </a:outerShdw>
+                </a:effectLst>
+              </a:rPr>
+              <a:t> a </a:t>
+            </a:r>
+            <a:r>
+              <a:rPr lang="cs-CZ" sz="4800" b="1" dirty="0" err="1">
+                <a:effectLst>
+                  <a:outerShdw blurRad="38100" dist="38100" dir="2700000" algn="tl">
+                    <a:srgbClr val="000000">
+                      <a:alpha val="43137"/>
+                    </a:srgbClr>
+                  </a:outerShdw>
+                </a:effectLst>
+              </a:rPr>
+              <a:t>foreach</a:t>
+            </a:r>
+            <a:r>
+              <a:rPr lang="cs-CZ" sz="4800" b="1" dirty="0">
+                <a:effectLst>
+                  <a:outerShdw blurRad="38100" dist="38100" dir="2700000" algn="tl">
+                    <a:srgbClr val="000000">
+                      <a:alpha val="43137"/>
+                    </a:srgbClr>
+                  </a:outerShdw>
+                </a:effectLst>
+              </a:rPr>
+              <a:t> a proč druhý z nich neumožňuje přesné určení místa výskytu chyby. “</a:t>
+            </a:r>
+          </a:p>
+          <a:p>
+            <a:r>
+              <a:rPr lang="cs-CZ" b="1" dirty="0" err="1"/>
+              <a:t>For</a:t>
+            </a:r>
+            <a:r>
+              <a:rPr lang="cs-CZ" b="1" dirty="0"/>
+              <a:t> = k dispozici index</a:t>
+            </a:r>
+          </a:p>
+          <a:p>
+            <a:r>
+              <a:rPr lang="cs-CZ" b="1" dirty="0" err="1"/>
+              <a:t>Foreach</a:t>
+            </a:r>
+            <a:r>
+              <a:rPr lang="cs-CZ" b="1" dirty="0"/>
+              <a:t> = k dispozici prvek kolekce (v tomto případě znak)</a:t>
+            </a:r>
+          </a:p>
+          <a:p>
+            <a:endParaRPr lang="cs-CZ" b="1" dirty="0"/>
+          </a:p>
+          <a:p>
+            <a:pPr marL="0" indent="0" algn="just">
+              <a:buNone/>
+            </a:pPr>
+            <a:endParaRPr lang="cs-CZ" dirty="0"/>
+          </a:p>
+        </p:txBody>
+      </p:sp>
+    </p:spTree>
+    <p:extLst>
+      <p:ext uri="{BB962C8B-B14F-4D97-AF65-F5344CB8AC3E}">
+        <p14:creationId xmlns:p14="http://schemas.microsoft.com/office/powerpoint/2010/main" val="481893954"/>
+      </p:ext>
+    </p:extLst>
+  </p:cSld>
+  <p:clrMapOvr>
+    <a:masterClrMapping/>
+  </p:clrMapOvr>
+</p:sld>
+</file>
+
+<file path=ppt/slides/slide13.xml><?xml version="1.0" encoding="utf-8"?>
+<p:sld xmlns:a="http://schemas.openxmlformats.org/drawingml/2006/main" xmlns:r="http://schemas.openxmlformats.org/officeDocument/2006/relationships" xmlns:p="http://schemas.openxmlformats.org/presentationml/2006/main">
+  <p:cSld>
+    <p:spTree>
+      <p:nvGrpSpPr>
+        <p:cNvPr id="1" name=""/>
+        <p:cNvGrpSpPr/>
+        <p:nvPr/>
+      </p:nvGrpSpPr>
+      <p:grpSpPr>
+        <a:xfrm>
+          <a:off x="0" y="0"/>
+          <a:ext cx="0" cy="0"/>
+          <a:chOff x="0" y="0"/>
+          <a:chExt cx="0" cy="0"/>
+        </a:xfrm>
+      </p:grpSpPr>
+      <p:sp>
+        <p:nvSpPr>
+          <p:cNvPr id="2" name="Zástupný text 1">
+            <a:extLst>
+              <a:ext uri="{FF2B5EF4-FFF2-40B4-BE49-F238E27FC236}">
+                <a16:creationId xmlns:a16="http://schemas.microsoft.com/office/drawing/2014/main" id="{32DEB359-6B80-3613-966B-FAA9301011F6}"/>
+              </a:ext>
+            </a:extLst>
+          </p:cNvPr>
+          <p:cNvSpPr>
+            <a:spLocks noGrp="1"/>
+          </p:cNvSpPr>
+          <p:nvPr>
+            <p:ph type="body" sz="quarter" idx="10"/>
+          </p:nvPr>
+        </p:nvSpPr>
+        <p:spPr/>
+        <p:txBody>
+          <a:bodyPr/>
+          <a:lstStyle/>
+          <a:p>
+            <a:r>
+              <a:rPr lang="cs-CZ" sz="8800" dirty="0"/>
+              <a:t>Otázka oponenta č.2</a:t>
+            </a:r>
+            <a:endParaRPr lang="cs-CZ" dirty="0"/>
+          </a:p>
+        </p:txBody>
+      </p:sp>
+      <p:sp>
+        <p:nvSpPr>
+          <p:cNvPr id="3" name="Zástupný text 2">
+            <a:extLst>
+              <a:ext uri="{FF2B5EF4-FFF2-40B4-BE49-F238E27FC236}">
+                <a16:creationId xmlns:a16="http://schemas.microsoft.com/office/drawing/2014/main" id="{3E850045-51D5-2556-4104-278A4FD24E04}"/>
+              </a:ext>
+            </a:extLst>
+          </p:cNvPr>
+          <p:cNvSpPr>
+            <a:spLocks noGrp="1"/>
+          </p:cNvSpPr>
+          <p:nvPr>
+            <p:ph type="body" sz="quarter" idx="12"/>
+          </p:nvPr>
+        </p:nvSpPr>
+        <p:spPr/>
+        <p:txBody>
+          <a:bodyPr/>
+          <a:lstStyle/>
+          <a:p>
+            <a:r>
+              <a:rPr lang="pl-PL" sz="4400" b="1" dirty="0"/>
+              <a:t>Návrh a realizace kontrolního systému na WiFi síti</a:t>
+            </a:r>
+          </a:p>
+        </p:txBody>
+      </p:sp>
+      <p:sp>
+        <p:nvSpPr>
+          <p:cNvPr id="5" name="Zástupný text 4">
+            <a:extLst>
+              <a:ext uri="{FF2B5EF4-FFF2-40B4-BE49-F238E27FC236}">
+                <a16:creationId xmlns:a16="http://schemas.microsoft.com/office/drawing/2014/main" id="{F6EF8A6A-A94B-E009-2904-00483D9F88E4}"/>
+              </a:ext>
+            </a:extLst>
+          </p:cNvPr>
+          <p:cNvSpPr>
+            <a:spLocks noGrp="1"/>
+          </p:cNvSpPr>
+          <p:nvPr>
+            <p:ph type="body" sz="quarter" idx="16"/>
+          </p:nvPr>
+        </p:nvSpPr>
+        <p:spPr>
+          <a:xfrm>
+            <a:off x="1079500" y="3422469"/>
+            <a:ext cx="15680146" cy="5821414"/>
+          </a:xfrm>
+        </p:spPr>
+        <p:txBody>
+          <a:bodyPr/>
+          <a:lstStyle/>
+          <a:p>
+            <a:pPr marL="0" indent="0">
+              <a:buNone/>
+            </a:pPr>
+            <a:r>
+              <a:rPr lang="cs-CZ" sz="4800" dirty="0"/>
+              <a:t>„</a:t>
+            </a:r>
+            <a:r>
+              <a:rPr lang="cs-CZ" sz="4800" b="1" dirty="0">
+                <a:effectLst>
+                  <a:outerShdw blurRad="38100" dist="38100" dir="2700000" algn="tl">
+                    <a:srgbClr val="000000">
+                      <a:alpha val="43137"/>
+                    </a:srgbClr>
+                  </a:outerShdw>
+                </a:effectLst>
+              </a:rPr>
+              <a:t> Na str. 43, a poté několikrát dále v práci, zmiňujete „výsledek, levou a pravou hodnotu“ datového toku. Vysvětlete blíže význam těchto hodnot.“</a:t>
+            </a:r>
+          </a:p>
+          <a:p>
+            <a:endParaRPr lang="cs-CZ" b="1" dirty="0"/>
+          </a:p>
+          <a:p>
+            <a:pPr algn="just"/>
+            <a:r>
+              <a:rPr lang="cs-CZ" b="1" dirty="0"/>
+              <a:t>Levá hodnota = hodnota nalevo od operátoru</a:t>
+            </a:r>
+          </a:p>
+          <a:p>
+            <a:pPr algn="just"/>
+            <a:r>
+              <a:rPr lang="cs-CZ" b="1" dirty="0"/>
+              <a:t>Pravá hodnota = hodnota napravo od operátoru</a:t>
+            </a:r>
+          </a:p>
+          <a:p>
+            <a:pPr algn="just"/>
+            <a:r>
+              <a:rPr lang="cs-CZ" b="1" dirty="0"/>
+              <a:t>Výsledek = výsledek operace</a:t>
+            </a:r>
+            <a:endParaRPr lang="cs-CZ" dirty="0"/>
+          </a:p>
+          <a:p>
+            <a:pPr marL="0" indent="0" algn="just">
+              <a:buNone/>
+            </a:pPr>
+            <a:endParaRPr lang="cs-CZ" dirty="0"/>
+          </a:p>
+        </p:txBody>
+      </p:sp>
+    </p:spTree>
+    <p:extLst>
+      <p:ext uri="{BB962C8B-B14F-4D97-AF65-F5344CB8AC3E}">
+        <p14:creationId xmlns:p14="http://schemas.microsoft.com/office/powerpoint/2010/main" val="906891428"/>
+      </p:ext>
+    </p:extLst>
+  </p:cSld>
+  <p:clrMapOvr>
+    <a:masterClrMapping/>
+  </p:clrMapOvr>
+</p:sld>
+</file>
+
+<file path=ppt/slides/slide14.xml><?xml version="1.0" encoding="utf-8"?>
+<p:sld xmlns:a="http://schemas.openxmlformats.org/drawingml/2006/main" xmlns:r="http://schemas.openxmlformats.org/officeDocument/2006/relationships" xmlns:p="http://schemas.openxmlformats.org/presentationml/2006/main">
+  <p:cSld>
+    <p:spTree>
+      <p:nvGrpSpPr>
+        <p:cNvPr id="1" name="">
+          <a:extLst>
+            <a:ext uri="{FF2B5EF4-FFF2-40B4-BE49-F238E27FC236}">
+              <a16:creationId xmlns:a16="http://schemas.microsoft.com/office/drawing/2014/main" id="{67E4A788-7510-1124-96A9-7BB43ACB30A0}"/>
+            </a:ext>
+          </a:extLst>
+        </p:cNvPr>
+        <p:cNvGrpSpPr/>
+        <p:nvPr/>
+      </p:nvGrpSpPr>
+      <p:grpSpPr>
+        <a:xfrm>
+          <a:off x="0" y="0"/>
+          <a:ext cx="0" cy="0"/>
+          <a:chOff x="0" y="0"/>
+          <a:chExt cx="0" cy="0"/>
+        </a:xfrm>
+      </p:grpSpPr>
+      <p:sp>
+        <p:nvSpPr>
+          <p:cNvPr id="2" name="Zástupný text 1">
+            <a:extLst>
+              <a:ext uri="{FF2B5EF4-FFF2-40B4-BE49-F238E27FC236}">
+                <a16:creationId xmlns:a16="http://schemas.microsoft.com/office/drawing/2014/main" id="{49950821-6444-5A7C-DC7D-FBE207796CEB}"/>
+              </a:ext>
+            </a:extLst>
+          </p:cNvPr>
+          <p:cNvSpPr>
+            <a:spLocks noGrp="1"/>
+          </p:cNvSpPr>
+          <p:nvPr>
+            <p:ph type="body" sz="quarter" idx="10"/>
+          </p:nvPr>
+        </p:nvSpPr>
+        <p:spPr/>
+        <p:txBody>
+          <a:bodyPr/>
+          <a:lstStyle/>
+          <a:p>
+            <a:r>
+              <a:rPr lang="cs-CZ" sz="8800" dirty="0"/>
+              <a:t>Otázka oponenta č.3</a:t>
+            </a:r>
+            <a:endParaRPr lang="cs-CZ" dirty="0"/>
+          </a:p>
+        </p:txBody>
+      </p:sp>
+      <p:sp>
+        <p:nvSpPr>
+          <p:cNvPr id="3" name="Zástupný text 2">
+            <a:extLst>
+              <a:ext uri="{FF2B5EF4-FFF2-40B4-BE49-F238E27FC236}">
+                <a16:creationId xmlns:a16="http://schemas.microsoft.com/office/drawing/2014/main" id="{88EAE539-863A-2291-3BCE-66B82132280B}"/>
+              </a:ext>
+            </a:extLst>
+          </p:cNvPr>
+          <p:cNvSpPr>
+            <a:spLocks noGrp="1"/>
+          </p:cNvSpPr>
+          <p:nvPr>
+            <p:ph type="body" sz="quarter" idx="12"/>
+          </p:nvPr>
+        </p:nvSpPr>
+        <p:spPr/>
+        <p:txBody>
+          <a:bodyPr/>
+          <a:lstStyle/>
+          <a:p>
+            <a:r>
+              <a:rPr lang="pl-PL" sz="4400" b="1" dirty="0"/>
+              <a:t>Návrh a realizace kontrolního systému na WiFi síti</a:t>
+            </a:r>
+          </a:p>
+        </p:txBody>
+      </p:sp>
+      <p:sp>
+        <p:nvSpPr>
+          <p:cNvPr id="5" name="Zástupný text 4">
+            <a:extLst>
+              <a:ext uri="{FF2B5EF4-FFF2-40B4-BE49-F238E27FC236}">
+                <a16:creationId xmlns:a16="http://schemas.microsoft.com/office/drawing/2014/main" id="{167A1AE3-7914-2143-31D6-A9073563247E}"/>
+              </a:ext>
+            </a:extLst>
+          </p:cNvPr>
+          <p:cNvSpPr>
+            <a:spLocks noGrp="1"/>
+          </p:cNvSpPr>
+          <p:nvPr>
+            <p:ph type="body" sz="quarter" idx="16"/>
+          </p:nvPr>
+        </p:nvSpPr>
+        <p:spPr>
+          <a:xfrm>
+            <a:off x="1079500" y="3422469"/>
+            <a:ext cx="15680146" cy="5821414"/>
+          </a:xfrm>
+        </p:spPr>
+        <p:txBody>
+          <a:bodyPr/>
+          <a:lstStyle/>
+          <a:p>
+            <a:pPr marL="0" indent="0">
+              <a:buNone/>
+            </a:pPr>
+            <a:r>
+              <a:rPr lang="cs-CZ" sz="4800" dirty="0"/>
+              <a:t>„</a:t>
+            </a:r>
+            <a:r>
+              <a:rPr lang="cs-CZ" sz="4800" b="1" dirty="0">
+                <a:effectLst>
+                  <a:outerShdw blurRad="38100" dist="38100" dir="2700000" algn="tl">
+                    <a:srgbClr val="000000">
+                      <a:alpha val="43137"/>
+                    </a:srgbClr>
+                  </a:outerShdw>
+                </a:effectLst>
+              </a:rPr>
+              <a:t>V závěru uvádíte, že vizualizace nebyla implementována. Jakým způsobem byste tuto vizualizaci realizoval a co by k tomu bylo potřeba? “</a:t>
+            </a:r>
+          </a:p>
+          <a:p>
+            <a:endParaRPr lang="cs-CZ" b="1" dirty="0"/>
+          </a:p>
+          <a:p>
+            <a:pPr algn="just"/>
+            <a:r>
+              <a:rPr lang="cs-CZ" b="1" dirty="0"/>
+              <a:t>Realizoval bych jí jako grafy</a:t>
+            </a:r>
+          </a:p>
+          <a:p>
+            <a:pPr algn="just"/>
+            <a:r>
+              <a:rPr lang="cs-CZ" b="1" dirty="0"/>
+              <a:t>Byla by potřeba knihovna třetí strany obsahující graf</a:t>
+            </a:r>
+            <a:endParaRPr lang="cs-CZ" dirty="0"/>
+          </a:p>
+          <a:p>
+            <a:pPr marL="0" indent="0" algn="just">
+              <a:buNone/>
+            </a:pPr>
+            <a:endParaRPr lang="cs-CZ" dirty="0"/>
+          </a:p>
+        </p:txBody>
+      </p:sp>
+    </p:spTree>
+    <p:extLst>
+      <p:ext uri="{BB962C8B-B14F-4D97-AF65-F5344CB8AC3E}">
+        <p14:creationId xmlns:p14="http://schemas.microsoft.com/office/powerpoint/2010/main" val="2938125489"/>
+      </p:ext>
+    </p:extLst>
+  </p:cSld>
+  <p:clrMapOvr>
+    <a:masterClrMapping/>
+  </p:clrMapOvr>
+</p:sld>
+</file>
+
+<file path=ppt/slides/slide15.xml><?xml version="1.0" encoding="utf-8"?>
+<p:sld xmlns:a="http://schemas.openxmlformats.org/drawingml/2006/main" xmlns:r="http://schemas.openxmlformats.org/officeDocument/2006/relationships" xmlns:p="http://schemas.openxmlformats.org/presentationml/2006/main">
+  <p:cSld>
+    <p:spTree>
+      <p:nvGrpSpPr>
+        <p:cNvPr id="1" name="">
+          <a:extLst>
+            <a:ext uri="{FF2B5EF4-FFF2-40B4-BE49-F238E27FC236}">
+              <a16:creationId xmlns:a16="http://schemas.microsoft.com/office/drawing/2014/main" id="{73E4581B-F06D-6D19-0CB8-230EDE198382}"/>
+            </a:ext>
+          </a:extLst>
+        </p:cNvPr>
+        <p:cNvGrpSpPr/>
+        <p:nvPr/>
+      </p:nvGrpSpPr>
+      <p:grpSpPr>
+        <a:xfrm>
+          <a:off x="0" y="0"/>
+          <a:ext cx="0" cy="0"/>
+          <a:chOff x="0" y="0"/>
+          <a:chExt cx="0" cy="0"/>
+        </a:xfrm>
+      </p:grpSpPr>
+      <p:sp>
+        <p:nvSpPr>
+          <p:cNvPr id="2" name="Zástupný text 1">
+            <a:extLst>
+              <a:ext uri="{FF2B5EF4-FFF2-40B4-BE49-F238E27FC236}">
+                <a16:creationId xmlns:a16="http://schemas.microsoft.com/office/drawing/2014/main" id="{0C2A19F2-CC79-4070-BF95-DAF027D678F4}"/>
+              </a:ext>
+            </a:extLst>
+          </p:cNvPr>
+          <p:cNvSpPr>
+            <a:spLocks noGrp="1"/>
+          </p:cNvSpPr>
+          <p:nvPr>
+            <p:ph type="body" sz="quarter" idx="10"/>
+          </p:nvPr>
+        </p:nvSpPr>
+        <p:spPr/>
+        <p:txBody>
+          <a:bodyPr/>
+          <a:lstStyle/>
+          <a:p>
+            <a:r>
+              <a:rPr lang="cs-CZ" dirty="0"/>
+              <a:t>Zdroje</a:t>
+            </a:r>
+          </a:p>
+        </p:txBody>
+      </p:sp>
+      <p:sp>
+        <p:nvSpPr>
+          <p:cNvPr id="3" name="Zástupný text 2">
+            <a:extLst>
+              <a:ext uri="{FF2B5EF4-FFF2-40B4-BE49-F238E27FC236}">
+                <a16:creationId xmlns:a16="http://schemas.microsoft.com/office/drawing/2014/main" id="{8782B712-C439-973C-3708-FBA9661B4849}"/>
+              </a:ext>
+            </a:extLst>
+          </p:cNvPr>
+          <p:cNvSpPr>
+            <a:spLocks noGrp="1"/>
+          </p:cNvSpPr>
+          <p:nvPr>
+            <p:ph type="body" sz="quarter" idx="12"/>
+          </p:nvPr>
+        </p:nvSpPr>
+        <p:spPr/>
+        <p:txBody>
+          <a:bodyPr/>
+          <a:lstStyle/>
+          <a:p>
+            <a:r>
+              <a:rPr lang="pl-PL" sz="4400" b="1" dirty="0"/>
+              <a:t>Návrh a realizace kontrolního systému na WiFi síti</a:t>
+            </a:r>
+          </a:p>
+        </p:txBody>
+      </p:sp>
+      <p:sp>
+        <p:nvSpPr>
+          <p:cNvPr id="6" name="Zástupný text 5">
+            <a:extLst>
+              <a:ext uri="{FF2B5EF4-FFF2-40B4-BE49-F238E27FC236}">
+                <a16:creationId xmlns:a16="http://schemas.microsoft.com/office/drawing/2014/main" id="{0820D8FA-8671-F038-898D-EABD70CAB422}"/>
+              </a:ext>
+            </a:extLst>
+          </p:cNvPr>
+          <p:cNvSpPr>
+            <a:spLocks noGrp="1"/>
+          </p:cNvSpPr>
+          <p:nvPr>
+            <p:ph type="body" sz="quarter" idx="16"/>
+          </p:nvPr>
+        </p:nvSpPr>
+        <p:spPr/>
+        <p:txBody>
+          <a:bodyPr/>
+          <a:lstStyle/>
+          <a:p>
+            <a:pPr marL="0" marR="0" lvl="0" indent="0" defTabSz="914400" rtl="0" eaLnBrk="0" fontAlgn="base" latinLnBrk="0" hangingPunct="0">
+              <a:lnSpc>
+                <a:spcPct val="100000"/>
+              </a:lnSpc>
+              <a:spcBef>
+                <a:spcPct val="0"/>
+              </a:spcBef>
+              <a:spcAft>
+                <a:spcPts val="1200"/>
+              </a:spcAft>
+              <a:buClrTx/>
+              <a:buSzTx/>
+              <a:buFontTx/>
+              <a:buNone/>
+              <a:tabLst/>
+            </a:pPr>
+            <a:r>
+              <a:rPr kumimoji="0" lang="cs-CZ" altLang="cs-CZ" sz="2000" b="0" i="0" u="none" strike="noStrike" cap="none" normalizeH="0" baseline="0" dirty="0">
+                <a:ln>
+                  <a:noFill/>
+                </a:ln>
+                <a:solidFill>
+                  <a:schemeClr val="tx1"/>
+                </a:solidFill>
+                <a:effectLst/>
+                <a:latin typeface="Aptos" panose="020B0004020202020204" pitchFamily="34" charset="0"/>
+                <a:ea typeface="Times New Roman" panose="02020603050405020304" pitchFamily="18" charset="0"/>
+                <a:cs typeface="Times New Roman" panose="02020603050405020304" pitchFamily="18" charset="0"/>
+              </a:rPr>
+              <a:t>[1] 	</a:t>
+            </a:r>
+            <a:r>
+              <a:rPr kumimoji="0" lang="cs-CZ" altLang="cs-CZ" sz="2000" b="0" i="1" u="none" strike="noStrike" cap="none" normalizeH="0" baseline="0" dirty="0">
+                <a:ln>
+                  <a:noFill/>
+                </a:ln>
+                <a:solidFill>
+                  <a:schemeClr val="tx1"/>
+                </a:solidFill>
+                <a:effectLst/>
+                <a:latin typeface="Aptos" panose="020B0004020202020204" pitchFamily="34" charset="0"/>
+                <a:ea typeface="Times New Roman" panose="02020603050405020304" pitchFamily="18" charset="0"/>
+                <a:cs typeface="Times New Roman" panose="02020603050405020304" pitchFamily="18" charset="0"/>
+              </a:rPr>
+              <a:t>20210111080102!STM32_logo.png (166×166)</a:t>
+            </a:r>
+            <a:r>
+              <a:rPr kumimoji="0" lang="cs-CZ" altLang="cs-CZ" sz="2000" b="0" i="0" u="none" strike="noStrike" cap="none" normalizeH="0" baseline="0" dirty="0">
+                <a:ln>
+                  <a:noFill/>
+                </a:ln>
+                <a:solidFill>
+                  <a:schemeClr val="tx1"/>
+                </a:solidFill>
+                <a:effectLst/>
+                <a:latin typeface="Aptos" panose="020B0004020202020204" pitchFamily="34" charset="0"/>
+                <a:ea typeface="Times New Roman" panose="02020603050405020304" pitchFamily="18" charset="0"/>
+                <a:cs typeface="Times New Roman" panose="02020603050405020304" pitchFamily="18" charset="0"/>
+              </a:rPr>
+              <a:t> [online]. [</a:t>
+            </a:r>
+            <a:r>
+              <a:rPr kumimoji="0" lang="cs-CZ" altLang="cs-CZ" sz="2000" b="0" i="0" u="none" strike="noStrike" cap="none" normalizeH="0" baseline="0" dirty="0" err="1">
+                <a:ln>
+                  <a:noFill/>
+                </a:ln>
+                <a:solidFill>
+                  <a:schemeClr val="tx1"/>
+                </a:solidFill>
+                <a:effectLst/>
+                <a:latin typeface="Aptos" panose="020B0004020202020204" pitchFamily="34" charset="0"/>
+                <a:ea typeface="Times New Roman" panose="02020603050405020304" pitchFamily="18" charset="0"/>
+                <a:cs typeface="Times New Roman" panose="02020603050405020304" pitchFamily="18" charset="0"/>
+              </a:rPr>
+              <a:t>accessed</a:t>
+            </a:r>
+            <a:r>
+              <a:rPr kumimoji="0" lang="cs-CZ" altLang="cs-CZ" sz="2000" b="0" i="0" u="none" strike="noStrike" cap="none" normalizeH="0" baseline="0" dirty="0">
+                <a:ln>
+                  <a:noFill/>
+                </a:ln>
+                <a:solidFill>
+                  <a:schemeClr val="tx1"/>
+                </a:solidFill>
+                <a:effectLst/>
+                <a:latin typeface="Aptos" panose="020B0004020202020204" pitchFamily="34" charset="0"/>
+                <a:ea typeface="Times New Roman" panose="02020603050405020304" pitchFamily="18" charset="0"/>
+                <a:cs typeface="Times New Roman" panose="02020603050405020304" pitchFamily="18" charset="0"/>
+              </a:rPr>
+              <a:t>. 2025-05-11]. </a:t>
+            </a:r>
+            <a:r>
+              <a:rPr kumimoji="0" lang="cs-CZ" altLang="cs-CZ" sz="2000" b="0" i="0" u="none" strike="noStrike" cap="none" normalizeH="0" baseline="0" dirty="0" err="1">
+                <a:ln>
+                  <a:noFill/>
+                </a:ln>
+                <a:solidFill>
+                  <a:schemeClr val="tx1"/>
+                </a:solidFill>
+                <a:effectLst/>
+                <a:latin typeface="Aptos" panose="020B0004020202020204" pitchFamily="34" charset="0"/>
+                <a:ea typeface="Times New Roman" panose="02020603050405020304" pitchFamily="18" charset="0"/>
+                <a:cs typeface="Times New Roman" panose="02020603050405020304" pitchFamily="18" charset="0"/>
+              </a:rPr>
+              <a:t>Available</a:t>
+            </a:r>
+            <a:r>
+              <a:rPr kumimoji="0" lang="cs-CZ" altLang="cs-CZ" sz="2000" b="0" i="0" u="none" strike="noStrike" cap="none" normalizeH="0" baseline="0" dirty="0">
+                <a:ln>
+                  <a:noFill/>
+                </a:ln>
+                <a:solidFill>
+                  <a:schemeClr val="tx1"/>
+                </a:solidFill>
+                <a:effectLst/>
+                <a:latin typeface="Aptos" panose="020B0004020202020204" pitchFamily="34" charset="0"/>
+                <a:ea typeface="Times New Roman" panose="02020603050405020304" pitchFamily="18" charset="0"/>
+                <a:cs typeface="Times New Roman" panose="02020603050405020304" pitchFamily="18" charset="0"/>
+              </a:rPr>
+              <a:t> 	</a:t>
+            </a:r>
+            <a:r>
+              <a:rPr kumimoji="0" lang="cs-CZ" altLang="cs-CZ" sz="2000" b="0" i="0" u="none" strike="noStrike" cap="none" normalizeH="0" baseline="0" dirty="0" err="1">
+                <a:ln>
+                  <a:noFill/>
+                </a:ln>
+                <a:solidFill>
+                  <a:schemeClr val="tx1"/>
+                </a:solidFill>
+                <a:effectLst/>
+                <a:latin typeface="Aptos" panose="020B0004020202020204" pitchFamily="34" charset="0"/>
+                <a:ea typeface="Times New Roman" panose="02020603050405020304" pitchFamily="18" charset="0"/>
+                <a:cs typeface="Times New Roman" panose="02020603050405020304" pitchFamily="18" charset="0"/>
+              </a:rPr>
+              <a:t>at</a:t>
+            </a:r>
+            <a:r>
+              <a:rPr kumimoji="0" lang="cs-CZ" altLang="cs-CZ" sz="2000" b="0" i="0" u="none" strike="noStrike" cap="none" normalizeH="0" baseline="0" dirty="0">
+                <a:ln>
+                  <a:noFill/>
+                </a:ln>
+                <a:solidFill>
+                  <a:schemeClr val="tx1"/>
+                </a:solidFill>
+                <a:effectLst/>
+                <a:latin typeface="Aptos" panose="020B0004020202020204" pitchFamily="34" charset="0"/>
+                <a:ea typeface="Times New Roman" panose="02020603050405020304" pitchFamily="18" charset="0"/>
+                <a:cs typeface="Times New Roman" panose="02020603050405020304" pitchFamily="18" charset="0"/>
+              </a:rPr>
+              <a:t>: https://wiki.st.com/stm32mpu/nsfr_img_auth.php/archive/2/2f/20210111080102%21STM32_logo.png</a:t>
+            </a:r>
+            <a:endParaRPr kumimoji="0" lang="cs-CZ" altLang="cs-CZ" sz="2000" b="0" i="0" u="none" strike="noStrike" cap="none" normalizeH="0" baseline="0" dirty="0">
+              <a:ln>
+                <a:noFill/>
+              </a:ln>
+              <a:solidFill>
+                <a:schemeClr val="tx1"/>
+              </a:solidFill>
+              <a:effectLst/>
+            </a:endParaRPr>
+          </a:p>
+          <a:p>
+            <a:pPr marL="0" marR="0" lvl="0" indent="0" defTabSz="914400" rtl="0" eaLnBrk="0" fontAlgn="base" latinLnBrk="0" hangingPunct="0">
+              <a:lnSpc>
+                <a:spcPct val="100000"/>
+              </a:lnSpc>
+              <a:spcBef>
+                <a:spcPct val="0"/>
+              </a:spcBef>
+              <a:spcAft>
+                <a:spcPts val="1200"/>
+              </a:spcAft>
+              <a:buClrTx/>
+              <a:buSzTx/>
+              <a:buFontTx/>
+              <a:buNone/>
+              <a:tabLst/>
+            </a:pPr>
+            <a:r>
+              <a:rPr kumimoji="0" lang="cs-CZ" altLang="cs-CZ" sz="2000" b="0" i="0" u="none" strike="noStrike" cap="none" normalizeH="0" baseline="0" dirty="0">
+                <a:ln>
+                  <a:noFill/>
+                </a:ln>
+                <a:solidFill>
+                  <a:schemeClr val="tx1"/>
+                </a:solidFill>
+                <a:effectLst/>
+                <a:latin typeface="Aptos" panose="020B0004020202020204" pitchFamily="34" charset="0"/>
+                <a:ea typeface="Times New Roman" panose="02020603050405020304" pitchFamily="18" charset="0"/>
+                <a:cs typeface="Times New Roman" panose="02020603050405020304" pitchFamily="18" charset="0"/>
+              </a:rPr>
+              <a:t>[2] 	</a:t>
+            </a:r>
+            <a:r>
+              <a:rPr kumimoji="0" lang="cs-CZ" altLang="cs-CZ" sz="2000" b="0" i="1" u="none" strike="noStrike" cap="none" normalizeH="0" baseline="0" dirty="0">
+                <a:ln>
+                  <a:noFill/>
+                </a:ln>
+                <a:solidFill>
+                  <a:schemeClr val="tx1"/>
+                </a:solidFill>
+                <a:effectLst/>
+                <a:latin typeface="Aptos" panose="020B0004020202020204" pitchFamily="34" charset="0"/>
+                <a:ea typeface="Times New Roman" panose="02020603050405020304" pitchFamily="18" charset="0"/>
+                <a:cs typeface="Times New Roman" panose="02020603050405020304" pitchFamily="18" charset="0"/>
+              </a:rPr>
+              <a:t>logo-ai.png (200×200)</a:t>
+            </a:r>
+            <a:r>
+              <a:rPr kumimoji="0" lang="cs-CZ" altLang="cs-CZ" sz="2000" b="0" i="0" u="none" strike="noStrike" cap="none" normalizeH="0" baseline="0" dirty="0">
+                <a:ln>
+                  <a:noFill/>
+                </a:ln>
+                <a:solidFill>
+                  <a:schemeClr val="tx1"/>
+                </a:solidFill>
+                <a:effectLst/>
+                <a:latin typeface="Aptos" panose="020B0004020202020204" pitchFamily="34" charset="0"/>
+                <a:ea typeface="Times New Roman" panose="02020603050405020304" pitchFamily="18" charset="0"/>
+                <a:cs typeface="Times New Roman" panose="02020603050405020304" pitchFamily="18" charset="0"/>
+              </a:rPr>
+              <a:t> [online]. [</a:t>
+            </a:r>
+            <a:r>
+              <a:rPr kumimoji="0" lang="cs-CZ" altLang="cs-CZ" sz="2000" b="0" i="0" u="none" strike="noStrike" cap="none" normalizeH="0" baseline="0" dirty="0" err="1">
+                <a:ln>
+                  <a:noFill/>
+                </a:ln>
+                <a:solidFill>
+                  <a:schemeClr val="tx1"/>
+                </a:solidFill>
+                <a:effectLst/>
+                <a:latin typeface="Aptos" panose="020B0004020202020204" pitchFamily="34" charset="0"/>
+                <a:ea typeface="Times New Roman" panose="02020603050405020304" pitchFamily="18" charset="0"/>
+                <a:cs typeface="Times New Roman" panose="02020603050405020304" pitchFamily="18" charset="0"/>
+              </a:rPr>
+              <a:t>accessed</a:t>
+            </a:r>
+            <a:r>
+              <a:rPr kumimoji="0" lang="cs-CZ" altLang="cs-CZ" sz="2000" b="0" i="0" u="none" strike="noStrike" cap="none" normalizeH="0" baseline="0" dirty="0">
+                <a:ln>
+                  <a:noFill/>
+                </a:ln>
+                <a:solidFill>
+                  <a:schemeClr val="tx1"/>
+                </a:solidFill>
+                <a:effectLst/>
+                <a:latin typeface="Aptos" panose="020B0004020202020204" pitchFamily="34" charset="0"/>
+                <a:ea typeface="Times New Roman" panose="02020603050405020304" pitchFamily="18" charset="0"/>
+                <a:cs typeface="Times New Roman" panose="02020603050405020304" pitchFamily="18" charset="0"/>
+              </a:rPr>
+              <a:t>. 2025-05-11]. </a:t>
+            </a:r>
+            <a:r>
+              <a:rPr kumimoji="0" lang="cs-CZ" altLang="cs-CZ" sz="2000" b="0" i="0" u="none" strike="noStrike" cap="none" normalizeH="0" baseline="0" dirty="0" err="1">
+                <a:ln>
+                  <a:noFill/>
+                </a:ln>
+                <a:solidFill>
+                  <a:schemeClr val="tx1"/>
+                </a:solidFill>
+                <a:effectLst/>
+                <a:latin typeface="Aptos" panose="020B0004020202020204" pitchFamily="34" charset="0"/>
+                <a:ea typeface="Times New Roman" panose="02020603050405020304" pitchFamily="18" charset="0"/>
+                <a:cs typeface="Times New Roman" panose="02020603050405020304" pitchFamily="18" charset="0"/>
+              </a:rPr>
+              <a:t>Available</a:t>
+            </a:r>
+            <a:r>
+              <a:rPr kumimoji="0" lang="cs-CZ" altLang="cs-CZ" sz="2000" b="0" i="0" u="none" strike="noStrike" cap="none" normalizeH="0" baseline="0" dirty="0">
+                <a:ln>
+                  <a:noFill/>
+                </a:ln>
+                <a:solidFill>
+                  <a:schemeClr val="tx1"/>
+                </a:solidFill>
+                <a:effectLst/>
+                <a:latin typeface="Aptos" panose="020B0004020202020204" pitchFamily="34" charset="0"/>
+                <a:ea typeface="Times New Roman" panose="02020603050405020304" pitchFamily="18" charset="0"/>
+                <a:cs typeface="Times New Roman" panose="02020603050405020304" pitchFamily="18" charset="0"/>
+              </a:rPr>
+              <a:t> 	</a:t>
+            </a:r>
+            <a:r>
+              <a:rPr kumimoji="0" lang="cs-CZ" altLang="cs-CZ" sz="2000" b="0" i="0" u="none" strike="noStrike" cap="none" normalizeH="0" baseline="0" dirty="0" err="1">
+                <a:ln>
+                  <a:noFill/>
+                </a:ln>
+                <a:solidFill>
+                  <a:schemeClr val="tx1"/>
+                </a:solidFill>
+                <a:effectLst/>
+                <a:latin typeface="Aptos" panose="020B0004020202020204" pitchFamily="34" charset="0"/>
+                <a:ea typeface="Times New Roman" panose="02020603050405020304" pitchFamily="18" charset="0"/>
+                <a:cs typeface="Times New Roman" panose="02020603050405020304" pitchFamily="18" charset="0"/>
+              </a:rPr>
+              <a:t>at</a:t>
+            </a:r>
+            <a:r>
+              <a:rPr kumimoji="0" lang="cs-CZ" altLang="cs-CZ" sz="2000" b="0" i="0" u="none" strike="noStrike" cap="none" normalizeH="0" baseline="0" dirty="0">
+                <a:ln>
+                  <a:noFill/>
+                </a:ln>
+                <a:solidFill>
+                  <a:schemeClr val="tx1"/>
+                </a:solidFill>
+                <a:effectLst/>
+                <a:latin typeface="Aptos" panose="020B0004020202020204" pitchFamily="34" charset="0"/>
+                <a:ea typeface="Times New Roman" panose="02020603050405020304" pitchFamily="18" charset="0"/>
+                <a:cs typeface="Times New Roman" panose="02020603050405020304" pitchFamily="18" charset="0"/>
+              </a:rPr>
+              <a:t>: https://www.espressif.com/sites/all/themes/espressif/images/logo-ai.png</a:t>
+            </a:r>
+            <a:endParaRPr kumimoji="0" lang="cs-CZ" altLang="cs-CZ" sz="2000" b="0" i="0" u="none" strike="noStrike" cap="none" normalizeH="0" baseline="0" dirty="0">
+              <a:ln>
+                <a:noFill/>
+              </a:ln>
+              <a:solidFill>
+                <a:schemeClr val="tx1"/>
+              </a:solidFill>
+              <a:effectLst/>
+            </a:endParaRPr>
+          </a:p>
+          <a:p>
+            <a:pPr marL="0" marR="0" lvl="0" indent="0" defTabSz="914400" rtl="0" eaLnBrk="0" fontAlgn="base" latinLnBrk="0" hangingPunct="0">
+              <a:lnSpc>
+                <a:spcPct val="100000"/>
+              </a:lnSpc>
+              <a:spcBef>
+                <a:spcPct val="0"/>
+              </a:spcBef>
+              <a:spcAft>
+                <a:spcPts val="1200"/>
+              </a:spcAft>
+              <a:buClrTx/>
+              <a:buSzTx/>
+              <a:buFontTx/>
+              <a:buNone/>
+              <a:tabLst/>
+            </a:pPr>
+            <a:r>
+              <a:rPr kumimoji="0" lang="cs-CZ" altLang="cs-CZ" sz="2000" b="0" i="0" u="none" strike="noStrike" cap="none" normalizeH="0" baseline="0" dirty="0">
+                <a:ln>
+                  <a:noFill/>
+                </a:ln>
+                <a:solidFill>
+                  <a:schemeClr val="tx1"/>
+                </a:solidFill>
+                <a:effectLst/>
+                <a:latin typeface="Aptos" panose="020B0004020202020204" pitchFamily="34" charset="0"/>
+                <a:ea typeface="Times New Roman" panose="02020603050405020304" pitchFamily="18" charset="0"/>
+                <a:cs typeface="Times New Roman" panose="02020603050405020304" pitchFamily="18" charset="0"/>
+              </a:rPr>
+              <a:t>[3] 	</a:t>
+            </a:r>
+            <a:r>
+              <a:rPr kumimoji="0" lang="cs-CZ" altLang="cs-CZ" sz="2000" b="0" i="1" u="none" strike="noStrike" cap="none" normalizeH="0" baseline="0" dirty="0">
+                <a:ln>
+                  <a:noFill/>
+                </a:ln>
+                <a:solidFill>
+                  <a:schemeClr val="tx1"/>
+                </a:solidFill>
+                <a:effectLst/>
+                <a:latin typeface="Aptos" panose="020B0004020202020204" pitchFamily="34" charset="0"/>
+                <a:ea typeface="Times New Roman" panose="02020603050405020304" pitchFamily="18" charset="0"/>
+                <a:cs typeface="Times New Roman" panose="02020603050405020304" pitchFamily="18" charset="0"/>
+              </a:rPr>
+              <a:t>uk-SMART-THINGS-541426874 (624×624)</a:t>
+            </a:r>
+            <a:r>
+              <a:rPr kumimoji="0" lang="cs-CZ" altLang="cs-CZ" sz="2000" b="0" i="0" u="none" strike="noStrike" cap="none" normalizeH="0" baseline="0" dirty="0">
+                <a:ln>
+                  <a:noFill/>
+                </a:ln>
+                <a:solidFill>
+                  <a:schemeClr val="tx1"/>
+                </a:solidFill>
+                <a:effectLst/>
+                <a:latin typeface="Aptos" panose="020B0004020202020204" pitchFamily="34" charset="0"/>
+                <a:ea typeface="Times New Roman" panose="02020603050405020304" pitchFamily="18" charset="0"/>
+                <a:cs typeface="Times New Roman" panose="02020603050405020304" pitchFamily="18" charset="0"/>
+              </a:rPr>
+              <a:t> [online]. [</a:t>
+            </a:r>
+            <a:r>
+              <a:rPr kumimoji="0" lang="cs-CZ" altLang="cs-CZ" sz="2000" b="0" i="0" u="none" strike="noStrike" cap="none" normalizeH="0" baseline="0" dirty="0" err="1">
+                <a:ln>
+                  <a:noFill/>
+                </a:ln>
+                <a:solidFill>
+                  <a:schemeClr val="tx1"/>
+                </a:solidFill>
+                <a:effectLst/>
+                <a:latin typeface="Aptos" panose="020B0004020202020204" pitchFamily="34" charset="0"/>
+                <a:ea typeface="Times New Roman" panose="02020603050405020304" pitchFamily="18" charset="0"/>
+                <a:cs typeface="Times New Roman" panose="02020603050405020304" pitchFamily="18" charset="0"/>
+              </a:rPr>
+              <a:t>accessed</a:t>
+            </a:r>
+            <a:r>
+              <a:rPr kumimoji="0" lang="cs-CZ" altLang="cs-CZ" sz="2000" b="0" i="0" u="none" strike="noStrike" cap="none" normalizeH="0" baseline="0" dirty="0">
+                <a:ln>
+                  <a:noFill/>
+                </a:ln>
+                <a:solidFill>
+                  <a:schemeClr val="tx1"/>
+                </a:solidFill>
+                <a:effectLst/>
+                <a:latin typeface="Aptos" panose="020B0004020202020204" pitchFamily="34" charset="0"/>
+                <a:ea typeface="Times New Roman" panose="02020603050405020304" pitchFamily="18" charset="0"/>
+                <a:cs typeface="Times New Roman" panose="02020603050405020304" pitchFamily="18" charset="0"/>
+              </a:rPr>
+              <a:t>. 2025-05-11]. </a:t>
+            </a:r>
+            <a:r>
+              <a:rPr kumimoji="0" lang="cs-CZ" altLang="cs-CZ" sz="2000" b="0" i="0" u="none" strike="noStrike" cap="none" normalizeH="0" baseline="0" dirty="0" err="1">
+                <a:ln>
+                  <a:noFill/>
+                </a:ln>
+                <a:solidFill>
+                  <a:schemeClr val="tx1"/>
+                </a:solidFill>
+                <a:effectLst/>
+                <a:latin typeface="Aptos" panose="020B0004020202020204" pitchFamily="34" charset="0"/>
+                <a:ea typeface="Times New Roman" panose="02020603050405020304" pitchFamily="18" charset="0"/>
+                <a:cs typeface="Times New Roman" panose="02020603050405020304" pitchFamily="18" charset="0"/>
+              </a:rPr>
+              <a:t>Available</a:t>
+            </a:r>
+            <a:r>
+              <a:rPr kumimoji="0" lang="cs-CZ" altLang="cs-CZ" sz="2000" b="0" i="0" u="none" strike="noStrike" cap="none" normalizeH="0" baseline="0" dirty="0">
+                <a:ln>
+                  <a:noFill/>
+                </a:ln>
+                <a:solidFill>
+                  <a:schemeClr val="tx1"/>
+                </a:solidFill>
+                <a:effectLst/>
+                <a:latin typeface="Aptos" panose="020B0004020202020204" pitchFamily="34" charset="0"/>
+                <a:ea typeface="Times New Roman" panose="02020603050405020304" pitchFamily="18" charset="0"/>
+                <a:cs typeface="Times New Roman" panose="02020603050405020304" pitchFamily="18" charset="0"/>
+              </a:rPr>
+              <a:t> 	</a:t>
+            </a:r>
+            <a:r>
+              <a:rPr kumimoji="0" lang="cs-CZ" altLang="cs-CZ" sz="2000" b="0" i="0" u="none" strike="noStrike" cap="none" normalizeH="0" baseline="0" dirty="0" err="1">
+                <a:ln>
+                  <a:noFill/>
+                </a:ln>
+                <a:solidFill>
+                  <a:schemeClr val="tx1"/>
+                </a:solidFill>
+                <a:effectLst/>
+                <a:latin typeface="Aptos" panose="020B0004020202020204" pitchFamily="34" charset="0"/>
+                <a:ea typeface="Times New Roman" panose="02020603050405020304" pitchFamily="18" charset="0"/>
+                <a:cs typeface="Times New Roman" panose="02020603050405020304" pitchFamily="18" charset="0"/>
+              </a:rPr>
+              <a:t>at</a:t>
+            </a:r>
+            <a:r>
+              <a:rPr kumimoji="0" lang="cs-CZ" altLang="cs-CZ" sz="2000" b="0" i="0" u="none" strike="noStrike" cap="none" normalizeH="0" baseline="0" dirty="0">
+                <a:ln>
+                  <a:noFill/>
+                </a:ln>
+                <a:solidFill>
+                  <a:schemeClr val="tx1"/>
+                </a:solidFill>
+                <a:effectLst/>
+                <a:latin typeface="Aptos" panose="020B0004020202020204" pitchFamily="34" charset="0"/>
+                <a:ea typeface="Times New Roman" panose="02020603050405020304" pitchFamily="18" charset="0"/>
+                <a:cs typeface="Times New Roman" panose="02020603050405020304" pitchFamily="18" charset="0"/>
+              </a:rPr>
+              <a:t>: https://images.samsung.com/is/image/samsung/p6pim/uk/support/uk-SMART-THINGS-541426874?$624_624_PNG$</a:t>
+            </a:r>
+            <a:endParaRPr kumimoji="0" lang="cs-CZ" altLang="cs-CZ" sz="2000" b="0" i="0" u="none" strike="noStrike" cap="none" normalizeH="0" baseline="0" dirty="0">
+              <a:ln>
+                <a:noFill/>
+              </a:ln>
+              <a:solidFill>
+                <a:schemeClr val="tx1"/>
+              </a:solidFill>
+              <a:effectLst/>
+            </a:endParaRPr>
+          </a:p>
+          <a:p>
+            <a:pPr marL="0" marR="0" lvl="0" indent="0" defTabSz="914400" rtl="0" eaLnBrk="0" fontAlgn="base" latinLnBrk="0" hangingPunct="0">
+              <a:lnSpc>
+                <a:spcPct val="100000"/>
+              </a:lnSpc>
+              <a:spcBef>
+                <a:spcPct val="0"/>
+              </a:spcBef>
+              <a:spcAft>
+                <a:spcPts val="1200"/>
+              </a:spcAft>
+              <a:buClrTx/>
+              <a:buSzTx/>
+              <a:buFontTx/>
+              <a:buNone/>
+              <a:tabLst/>
+            </a:pPr>
+            <a:r>
+              <a:rPr kumimoji="0" lang="cs-CZ" altLang="cs-CZ" sz="2000" b="0" i="0" u="none" strike="noStrike" cap="none" normalizeH="0" baseline="0" dirty="0">
+                <a:ln>
+                  <a:noFill/>
+                </a:ln>
+                <a:solidFill>
+                  <a:schemeClr val="tx1"/>
+                </a:solidFill>
+                <a:effectLst/>
+                <a:latin typeface="Aptos" panose="020B0004020202020204" pitchFamily="34" charset="0"/>
+                <a:ea typeface="Times New Roman" panose="02020603050405020304" pitchFamily="18" charset="0"/>
+                <a:cs typeface="Times New Roman" panose="02020603050405020304" pitchFamily="18" charset="0"/>
+              </a:rPr>
+              <a:t>[4] 	</a:t>
+            </a:r>
+            <a:r>
+              <a:rPr kumimoji="0" lang="cs-CZ" altLang="cs-CZ" sz="2000" b="0" i="1" u="none" strike="noStrike" cap="none" normalizeH="0" baseline="0" dirty="0">
+                <a:ln>
+                  <a:noFill/>
+                </a:ln>
+                <a:solidFill>
+                  <a:schemeClr val="tx1"/>
+                </a:solidFill>
+                <a:effectLst/>
+                <a:latin typeface="Aptos" panose="020B0004020202020204" pitchFamily="34" charset="0"/>
+                <a:ea typeface="Times New Roman" panose="02020603050405020304" pitchFamily="18" charset="0"/>
+                <a:cs typeface="Times New Roman" panose="02020603050405020304" pitchFamily="18" charset="0"/>
+              </a:rPr>
+              <a:t>ESP8266 </a:t>
+            </a:r>
+            <a:r>
+              <a:rPr kumimoji="0" lang="cs-CZ" altLang="cs-CZ" sz="2000" b="0" i="1" u="none" strike="noStrike" cap="none" normalizeH="0" baseline="0" dirty="0" err="1">
+                <a:ln>
+                  <a:noFill/>
+                </a:ln>
+                <a:solidFill>
+                  <a:schemeClr val="tx1"/>
+                </a:solidFill>
+                <a:effectLst/>
+                <a:latin typeface="Aptos" panose="020B0004020202020204" pitchFamily="34" charset="0"/>
+                <a:ea typeface="Times New Roman" panose="02020603050405020304" pitchFamily="18" charset="0"/>
+                <a:cs typeface="Times New Roman" panose="02020603050405020304" pitchFamily="18" charset="0"/>
+              </a:rPr>
+              <a:t>Pinout</a:t>
+            </a:r>
+            <a:r>
+              <a:rPr kumimoji="0" lang="cs-CZ" altLang="cs-CZ" sz="2000" b="0" i="1" u="none" strike="noStrike" cap="none" normalizeH="0" baseline="0" dirty="0">
+                <a:ln>
+                  <a:noFill/>
+                </a:ln>
+                <a:solidFill>
+                  <a:schemeClr val="tx1"/>
+                </a:solidFill>
+                <a:effectLst/>
+                <a:latin typeface="Aptos" panose="020B0004020202020204" pitchFamily="34" charset="0"/>
+                <a:ea typeface="Times New Roman" panose="02020603050405020304" pitchFamily="18" charset="0"/>
+                <a:cs typeface="Times New Roman" panose="02020603050405020304" pitchFamily="18" charset="0"/>
+              </a:rPr>
+              <a:t> Reference: </a:t>
+            </a:r>
+            <a:r>
+              <a:rPr kumimoji="0" lang="cs-CZ" altLang="cs-CZ" sz="2000" b="0" i="1" u="none" strike="noStrike" cap="none" normalizeH="0" baseline="0" dirty="0" err="1">
+                <a:ln>
+                  <a:noFill/>
+                </a:ln>
+                <a:solidFill>
+                  <a:schemeClr val="tx1"/>
+                </a:solidFill>
+                <a:effectLst/>
+                <a:latin typeface="Aptos" panose="020B0004020202020204" pitchFamily="34" charset="0"/>
+                <a:ea typeface="Times New Roman" panose="02020603050405020304" pitchFamily="18" charset="0"/>
+                <a:cs typeface="Times New Roman" panose="02020603050405020304" pitchFamily="18" charset="0"/>
+              </a:rPr>
+              <a:t>How</a:t>
+            </a:r>
+            <a:r>
+              <a:rPr kumimoji="0" lang="cs-CZ" altLang="cs-CZ" sz="2000" b="0" i="1" u="none" strike="noStrike" cap="none" normalizeH="0" baseline="0" dirty="0">
+                <a:ln>
+                  <a:noFill/>
+                </a:ln>
+                <a:solidFill>
+                  <a:schemeClr val="tx1"/>
+                </a:solidFill>
+                <a:effectLst/>
+                <a:latin typeface="Aptos" panose="020B0004020202020204" pitchFamily="34" charset="0"/>
+                <a:ea typeface="Times New Roman" panose="02020603050405020304" pitchFamily="18" charset="0"/>
+                <a:cs typeface="Times New Roman" panose="02020603050405020304" pitchFamily="18" charset="0"/>
+              </a:rPr>
+              <a:t> To Use ESP8266 GPIO </a:t>
+            </a:r>
+            <a:r>
+              <a:rPr kumimoji="0" lang="cs-CZ" altLang="cs-CZ" sz="2000" b="0" i="1" u="none" strike="noStrike" cap="none" normalizeH="0" baseline="0" dirty="0" err="1">
+                <a:ln>
+                  <a:noFill/>
+                </a:ln>
+                <a:solidFill>
+                  <a:schemeClr val="tx1"/>
+                </a:solidFill>
+                <a:effectLst/>
+                <a:latin typeface="Aptos" panose="020B0004020202020204" pitchFamily="34" charset="0"/>
+                <a:ea typeface="Times New Roman" panose="02020603050405020304" pitchFamily="18" charset="0"/>
+                <a:cs typeface="Times New Roman" panose="02020603050405020304" pitchFamily="18" charset="0"/>
+              </a:rPr>
+              <a:t>Pins</a:t>
+            </a:r>
+            <a:r>
+              <a:rPr kumimoji="0" lang="cs-CZ" altLang="cs-CZ" sz="2000" b="0" i="0" u="none" strike="noStrike" cap="none" normalizeH="0" baseline="0" dirty="0">
+                <a:ln>
+                  <a:noFill/>
+                </a:ln>
+                <a:solidFill>
+                  <a:schemeClr val="tx1"/>
+                </a:solidFill>
+                <a:effectLst/>
+                <a:latin typeface="Aptos" panose="020B0004020202020204" pitchFamily="34" charset="0"/>
+                <a:ea typeface="Times New Roman" panose="02020603050405020304" pitchFamily="18" charset="0"/>
+                <a:cs typeface="Times New Roman" panose="02020603050405020304" pitchFamily="18" charset="0"/>
+              </a:rPr>
+              <a:t> [online]. [</a:t>
+            </a:r>
+            <a:r>
+              <a:rPr kumimoji="0" lang="cs-CZ" altLang="cs-CZ" sz="2000" b="0" i="0" u="none" strike="noStrike" cap="none" normalizeH="0" baseline="0" dirty="0" err="1">
+                <a:ln>
+                  <a:noFill/>
+                </a:ln>
+                <a:solidFill>
+                  <a:schemeClr val="tx1"/>
+                </a:solidFill>
+                <a:effectLst/>
+                <a:latin typeface="Aptos" panose="020B0004020202020204" pitchFamily="34" charset="0"/>
+                <a:ea typeface="Times New Roman" panose="02020603050405020304" pitchFamily="18" charset="0"/>
+                <a:cs typeface="Times New Roman" panose="02020603050405020304" pitchFamily="18" charset="0"/>
+              </a:rPr>
+              <a:t>accessed</a:t>
+            </a:r>
+            <a:r>
+              <a:rPr kumimoji="0" lang="cs-CZ" altLang="cs-CZ" sz="2000" b="0" i="0" u="none" strike="noStrike" cap="none" normalizeH="0" baseline="0" dirty="0">
+                <a:ln>
+                  <a:noFill/>
+                </a:ln>
+                <a:solidFill>
+                  <a:schemeClr val="tx1"/>
+                </a:solidFill>
+                <a:effectLst/>
+                <a:latin typeface="Aptos" panose="020B0004020202020204" pitchFamily="34" charset="0"/>
+                <a:ea typeface="Times New Roman" panose="02020603050405020304" pitchFamily="18" charset="0"/>
+                <a:cs typeface="Times New Roman" panose="02020603050405020304" pitchFamily="18" charset="0"/>
+              </a:rPr>
+              <a:t>. 2025-03-19]. </a:t>
+            </a:r>
+            <a:r>
+              <a:rPr kumimoji="0" lang="cs-CZ" altLang="cs-CZ" sz="2000" b="0" i="0" u="none" strike="noStrike" cap="none" normalizeH="0" baseline="0" dirty="0" err="1">
+                <a:ln>
+                  <a:noFill/>
+                </a:ln>
+                <a:solidFill>
+                  <a:schemeClr val="tx1"/>
+                </a:solidFill>
+                <a:effectLst/>
+                <a:latin typeface="Aptos" panose="020B0004020202020204" pitchFamily="34" charset="0"/>
+                <a:ea typeface="Times New Roman" panose="02020603050405020304" pitchFamily="18" charset="0"/>
+                <a:cs typeface="Times New Roman" panose="02020603050405020304" pitchFamily="18" charset="0"/>
+              </a:rPr>
+              <a:t>Available</a:t>
+            </a:r>
+            <a:r>
+              <a:rPr kumimoji="0" lang="cs-CZ" altLang="cs-CZ" sz="2000" b="0" i="0" u="none" strike="noStrike" cap="none" normalizeH="0" baseline="0" dirty="0">
+                <a:ln>
+                  <a:noFill/>
+                </a:ln>
+                <a:solidFill>
+                  <a:schemeClr val="tx1"/>
+                </a:solidFill>
+                <a:effectLst/>
+                <a:latin typeface="Aptos" panose="020B0004020202020204" pitchFamily="34" charset="0"/>
+                <a:ea typeface="Times New Roman" panose="02020603050405020304" pitchFamily="18" charset="0"/>
+                <a:cs typeface="Times New Roman" panose="02020603050405020304" pitchFamily="18" charset="0"/>
+              </a:rPr>
+              <a:t> 	</a:t>
+            </a:r>
+            <a:r>
+              <a:rPr kumimoji="0" lang="cs-CZ" altLang="cs-CZ" sz="2000" b="0" i="0" u="none" strike="noStrike" cap="none" normalizeH="0" baseline="0" dirty="0" err="1">
+                <a:ln>
+                  <a:noFill/>
+                </a:ln>
+                <a:solidFill>
+                  <a:schemeClr val="tx1"/>
+                </a:solidFill>
+                <a:effectLst/>
+                <a:latin typeface="Aptos" panose="020B0004020202020204" pitchFamily="34" charset="0"/>
+                <a:ea typeface="Times New Roman" panose="02020603050405020304" pitchFamily="18" charset="0"/>
+                <a:cs typeface="Times New Roman" panose="02020603050405020304" pitchFamily="18" charset="0"/>
+              </a:rPr>
+              <a:t>at</a:t>
+            </a:r>
+            <a:r>
+              <a:rPr kumimoji="0" lang="cs-CZ" altLang="cs-CZ" sz="2000" b="0" i="0" u="none" strike="noStrike" cap="none" normalizeH="0" baseline="0" dirty="0">
+                <a:ln>
+                  <a:noFill/>
+                </a:ln>
+                <a:solidFill>
+                  <a:schemeClr val="tx1"/>
+                </a:solidFill>
+                <a:effectLst/>
+                <a:latin typeface="Aptos" panose="020B0004020202020204" pitchFamily="34" charset="0"/>
+                <a:ea typeface="Times New Roman" panose="02020603050405020304" pitchFamily="18" charset="0"/>
+                <a:cs typeface="Times New Roman" panose="02020603050405020304" pitchFamily="18" charset="0"/>
+              </a:rPr>
+              <a:t>: https://electropeak.com/learn/esp8266-pinout-reference-how-to-use-esp8266-gpio-pins/</a:t>
+            </a:r>
+            <a:endParaRPr kumimoji="0" lang="cs-CZ" altLang="cs-CZ" sz="2000" b="0" i="0" u="none" strike="noStrike" cap="none" normalizeH="0" baseline="0" dirty="0">
+              <a:ln>
+                <a:noFill/>
+              </a:ln>
+              <a:solidFill>
+                <a:schemeClr val="tx1"/>
+              </a:solidFill>
+              <a:effectLst/>
+            </a:endParaRPr>
+          </a:p>
+          <a:p>
+            <a:pPr marL="0" marR="0" lvl="0" indent="0" defTabSz="914400" rtl="0" eaLnBrk="0" fontAlgn="base" latinLnBrk="0" hangingPunct="0">
+              <a:lnSpc>
+                <a:spcPct val="100000"/>
+              </a:lnSpc>
+              <a:spcBef>
+                <a:spcPct val="0"/>
+              </a:spcBef>
+              <a:spcAft>
+                <a:spcPts val="1200"/>
+              </a:spcAft>
+              <a:buClrTx/>
+              <a:buSzTx/>
+              <a:buFontTx/>
+              <a:buNone/>
+              <a:tabLst/>
+            </a:pPr>
+            <a:r>
+              <a:rPr kumimoji="0" lang="cs-CZ" altLang="cs-CZ" sz="2000" b="0" i="0" u="none" strike="noStrike" cap="none" normalizeH="0" baseline="0" dirty="0">
+                <a:ln>
+                  <a:noFill/>
+                </a:ln>
+                <a:solidFill>
+                  <a:schemeClr val="tx1"/>
+                </a:solidFill>
+                <a:effectLst/>
+                <a:latin typeface="Aptos" panose="020B0004020202020204" pitchFamily="34" charset="0"/>
+                <a:ea typeface="Times New Roman" panose="02020603050405020304" pitchFamily="18" charset="0"/>
+                <a:cs typeface="Times New Roman" panose="02020603050405020304" pitchFamily="18" charset="0"/>
+              </a:rPr>
+              <a:t> </a:t>
+            </a:r>
+            <a:endParaRPr kumimoji="0" lang="cs-CZ" altLang="cs-CZ" sz="2000" b="0" i="0" u="none" strike="noStrike" cap="none" normalizeH="0" baseline="0" dirty="0">
+              <a:ln>
+                <a:noFill/>
+              </a:ln>
+              <a:solidFill>
+                <a:schemeClr val="tx1"/>
+              </a:solidFill>
+              <a:effectLst/>
+              <a:latin typeface="Arial" panose="020B0604020202020204" pitchFamily="34" charset="0"/>
+            </a:endParaRPr>
+          </a:p>
+        </p:txBody>
+      </p:sp>
+    </p:spTree>
+    <p:extLst>
+      <p:ext uri="{BB962C8B-B14F-4D97-AF65-F5344CB8AC3E}">
+        <p14:creationId xmlns:p14="http://schemas.microsoft.com/office/powerpoint/2010/main" val="1464903595"/>
+      </p:ext>
+    </p:extLst>
+  </p:cSld>
+  <p:clrMapOvr>
+    <a:masterClrMapping/>
+  </p:clrMapOvr>
+</p:sld>
+</file>
+
+<file path=ppt/slides/slide2.xml><?xml version="1.0" encoding="utf-8"?>
+<p:sld xmlns:a="http://schemas.openxmlformats.org/drawingml/2006/main" xmlns:r="http://schemas.openxmlformats.org/officeDocument/2006/relationships" xmlns:p="http://schemas.openxmlformats.org/presentationml/2006/main">
+  <p:cSld>
+    <p:spTree>
+      <p:nvGrpSpPr>
+        <p:cNvPr id="1" name=""/>
+        <p:cNvGrpSpPr/>
+        <p:nvPr/>
+      </p:nvGrpSpPr>
+      <p:grpSpPr>
+        <a:xfrm>
+          <a:off x="0" y="0"/>
+          <a:ext cx="0" cy="0"/>
+          <a:chOff x="0" y="0"/>
+          <a:chExt cx="0" cy="0"/>
+        </a:xfrm>
+      </p:grpSpPr>
+      <p:sp>
+        <p:nvSpPr>
+          <p:cNvPr id="2" name="Zástupný text 1">
+            <a:extLst>
+              <a:ext uri="{FF2B5EF4-FFF2-40B4-BE49-F238E27FC236}">
+                <a16:creationId xmlns:a16="http://schemas.microsoft.com/office/drawing/2014/main" id="{32DEB359-6B80-3613-966B-FAA9301011F6}"/>
+              </a:ext>
+            </a:extLst>
+          </p:cNvPr>
+          <p:cNvSpPr>
+            <a:spLocks noGrp="1"/>
+          </p:cNvSpPr>
+          <p:nvPr>
+            <p:ph type="body" sz="quarter" idx="10"/>
+          </p:nvPr>
+        </p:nvSpPr>
+        <p:spPr/>
+        <p:txBody>
+          <a:bodyPr/>
+          <a:lstStyle/>
+          <a:p>
+            <a:r>
+              <a:rPr lang="cs-CZ" dirty="0"/>
+              <a:t>Úvod</a:t>
+            </a:r>
+          </a:p>
+        </p:txBody>
+      </p:sp>
+      <p:sp>
+        <p:nvSpPr>
+          <p:cNvPr id="3" name="Zástupný text 2">
+            <a:extLst>
+              <a:ext uri="{FF2B5EF4-FFF2-40B4-BE49-F238E27FC236}">
+                <a16:creationId xmlns:a16="http://schemas.microsoft.com/office/drawing/2014/main" id="{3E850045-51D5-2556-4104-278A4FD24E04}"/>
+              </a:ext>
+            </a:extLst>
+          </p:cNvPr>
+          <p:cNvSpPr>
+            <a:spLocks noGrp="1"/>
+          </p:cNvSpPr>
+          <p:nvPr>
+            <p:ph type="body" sz="quarter" idx="12"/>
+          </p:nvPr>
+        </p:nvSpPr>
+        <p:spPr/>
+        <p:txBody>
+          <a:bodyPr/>
+          <a:lstStyle/>
+          <a:p>
+            <a:r>
+              <a:rPr lang="pl-PL" sz="4400" b="1" dirty="0"/>
+              <a:t>Návrh a realizace kontrolního systému na WiFi síti</a:t>
+            </a:r>
+          </a:p>
+        </p:txBody>
+      </p:sp>
+      <p:sp>
+        <p:nvSpPr>
+          <p:cNvPr id="5" name="Zástupný text 4">
+            <a:extLst>
+              <a:ext uri="{FF2B5EF4-FFF2-40B4-BE49-F238E27FC236}">
+                <a16:creationId xmlns:a16="http://schemas.microsoft.com/office/drawing/2014/main" id="{F6EF8A6A-A94B-E009-2904-00483D9F88E4}"/>
+              </a:ext>
+            </a:extLst>
+          </p:cNvPr>
+          <p:cNvSpPr>
+            <a:spLocks noGrp="1"/>
+          </p:cNvSpPr>
+          <p:nvPr>
+            <p:ph type="body" sz="quarter" idx="16"/>
+          </p:nvPr>
+        </p:nvSpPr>
+        <p:spPr>
+          <a:xfrm>
+            <a:off x="1079500" y="3422469"/>
+            <a:ext cx="15680146" cy="5821414"/>
+          </a:xfrm>
+        </p:spPr>
+        <p:txBody>
+          <a:bodyPr/>
+          <a:lstStyle/>
+          <a:p>
+            <a:pPr algn="just"/>
+            <a:r>
+              <a:rPr lang="cs-CZ" dirty="0"/>
+              <a:t>Rostoucí zájem o </a:t>
+            </a:r>
+            <a:r>
+              <a:rPr lang="cs-CZ" dirty="0" err="1"/>
+              <a:t>IoT</a:t>
+            </a:r>
+            <a:r>
+              <a:rPr lang="cs-CZ" dirty="0"/>
+              <a:t> a automatizaci</a:t>
+            </a:r>
+          </a:p>
+          <a:p>
+            <a:pPr algn="just"/>
+            <a:r>
+              <a:rPr lang="cs-CZ" dirty="0"/>
+              <a:t>Propojení různých systémů</a:t>
+            </a:r>
+          </a:p>
+          <a:p>
+            <a:pPr algn="just"/>
+            <a:endParaRPr lang="cs-CZ" dirty="0"/>
+          </a:p>
+        </p:txBody>
+      </p:sp>
+    </p:spTree>
+    <p:extLst>
+      <p:ext uri="{BB962C8B-B14F-4D97-AF65-F5344CB8AC3E}">
+        <p14:creationId xmlns:p14="http://schemas.microsoft.com/office/powerpoint/2010/main" val="3001362055"/>
+      </p:ext>
+    </p:extLst>
+  </p:cSld>
+  <p:clrMapOvr>
+    <a:masterClrMapping/>
+  </p:clrMapOvr>
+</p:sld>
+</file>
+
+<file path=ppt/slides/slide3.xml><?xml version="1.0" encoding="utf-8"?>
+<p:sld xmlns:a="http://schemas.openxmlformats.org/drawingml/2006/main" xmlns:r="http://schemas.openxmlformats.org/officeDocument/2006/relationships" xmlns:p="http://schemas.openxmlformats.org/presentationml/2006/main">
+  <p:cSld>
+    <p:spTree>
+      <p:nvGrpSpPr>
+        <p:cNvPr id="1" name=""/>
+        <p:cNvGrpSpPr/>
+        <p:nvPr/>
+      </p:nvGrpSpPr>
+      <p:grpSpPr>
+        <a:xfrm>
+          <a:off x="0" y="0"/>
+          <a:ext cx="0" cy="0"/>
+          <a:chOff x="0" y="0"/>
+          <a:chExt cx="0" cy="0"/>
+        </a:xfrm>
+      </p:grpSpPr>
+      <p:sp>
+        <p:nvSpPr>
+          <p:cNvPr id="2" name="Zástupný text 1">
+            <a:extLst>
+              <a:ext uri="{FF2B5EF4-FFF2-40B4-BE49-F238E27FC236}">
+                <a16:creationId xmlns:a16="http://schemas.microsoft.com/office/drawing/2014/main" id="{32DEB359-6B80-3613-966B-FAA9301011F6}"/>
+              </a:ext>
+            </a:extLst>
+          </p:cNvPr>
+          <p:cNvSpPr>
+            <a:spLocks noGrp="1"/>
+          </p:cNvSpPr>
+          <p:nvPr>
+            <p:ph type="body" sz="quarter" idx="10"/>
+          </p:nvPr>
+        </p:nvSpPr>
+        <p:spPr/>
+        <p:txBody>
+          <a:bodyPr/>
+          <a:lstStyle/>
+          <a:p>
+            <a:r>
+              <a:rPr lang="cs-CZ" dirty="0"/>
+              <a:t>Cíl práce</a:t>
+            </a:r>
+          </a:p>
+        </p:txBody>
+      </p:sp>
+      <p:sp>
+        <p:nvSpPr>
+          <p:cNvPr id="3" name="Zástupný text 2">
+            <a:extLst>
+              <a:ext uri="{FF2B5EF4-FFF2-40B4-BE49-F238E27FC236}">
+                <a16:creationId xmlns:a16="http://schemas.microsoft.com/office/drawing/2014/main" id="{3E850045-51D5-2556-4104-278A4FD24E04}"/>
+              </a:ext>
+            </a:extLst>
+          </p:cNvPr>
+          <p:cNvSpPr>
+            <a:spLocks noGrp="1"/>
+          </p:cNvSpPr>
+          <p:nvPr>
+            <p:ph type="body" sz="quarter" idx="12"/>
+          </p:nvPr>
+        </p:nvSpPr>
+        <p:spPr/>
+        <p:txBody>
+          <a:bodyPr/>
+          <a:lstStyle/>
+          <a:p>
+            <a:r>
+              <a:rPr lang="pl-PL" sz="4400" b="1" dirty="0"/>
+              <a:t>Návrh a realizace kontrolního systému na WiFi síti</a:t>
+            </a:r>
+          </a:p>
+        </p:txBody>
+      </p:sp>
+      <p:sp>
+        <p:nvSpPr>
+          <p:cNvPr id="5" name="Zástupný text 4">
+            <a:extLst>
+              <a:ext uri="{FF2B5EF4-FFF2-40B4-BE49-F238E27FC236}">
+                <a16:creationId xmlns:a16="http://schemas.microsoft.com/office/drawing/2014/main" id="{F6EF8A6A-A94B-E009-2904-00483D9F88E4}"/>
+              </a:ext>
+            </a:extLst>
+          </p:cNvPr>
+          <p:cNvSpPr>
+            <a:spLocks noGrp="1"/>
+          </p:cNvSpPr>
+          <p:nvPr>
+            <p:ph type="body" sz="quarter" idx="16"/>
+          </p:nvPr>
+        </p:nvSpPr>
+        <p:spPr>
+          <a:xfrm>
+            <a:off x="1079500" y="3422469"/>
+            <a:ext cx="15680146" cy="5821414"/>
+          </a:xfrm>
+        </p:spPr>
+        <p:txBody>
+          <a:bodyPr/>
+          <a:lstStyle/>
+          <a:p>
+            <a:r>
+              <a:rPr lang="cs-CZ" dirty="0"/>
+              <a:t>Vytvořit systém vykonávající uživatelem zadanou logiku</a:t>
+            </a:r>
+          </a:p>
+          <a:p>
+            <a:pPr lvl="1"/>
+            <a:r>
+              <a:rPr lang="cs-CZ" dirty="0"/>
+              <a:t>Modulární</a:t>
+            </a:r>
+          </a:p>
+          <a:p>
+            <a:pPr lvl="1"/>
+            <a:r>
+              <a:rPr lang="cs-CZ" dirty="0"/>
+              <a:t>Pro používání není nutná znalost programování</a:t>
+            </a:r>
+          </a:p>
+          <a:p>
+            <a:r>
+              <a:rPr lang="cs-CZ" dirty="0"/>
+              <a:t>Vytvoření knihovny pro uzly a vzorovou implementaci</a:t>
+            </a:r>
+          </a:p>
+          <a:p>
+            <a:pPr lvl="1"/>
+            <a:r>
+              <a:rPr lang="cs-CZ" dirty="0"/>
+              <a:t>Přenositelnost napříč platformami</a:t>
+            </a:r>
+          </a:p>
+          <a:p>
+            <a:pPr lvl="1"/>
+            <a:r>
+              <a:rPr lang="cs-CZ" dirty="0"/>
+              <a:t>Použitelnost i s jiným řešením</a:t>
+            </a:r>
+          </a:p>
+          <a:p>
+            <a:pPr algn="just"/>
+            <a:endParaRPr lang="cs-CZ" dirty="0"/>
+          </a:p>
+        </p:txBody>
+      </p:sp>
+    </p:spTree>
+    <p:extLst>
+      <p:ext uri="{BB962C8B-B14F-4D97-AF65-F5344CB8AC3E}">
+        <p14:creationId xmlns:p14="http://schemas.microsoft.com/office/powerpoint/2010/main" val="2073701392"/>
+      </p:ext>
+    </p:extLst>
+  </p:cSld>
+  <p:clrMapOvr>
+    <a:masterClrMapping/>
+  </p:clrMapOvr>
+</p:sld>
+</file>
+
+<file path=ppt/slides/slide4.xml><?xml version="1.0" encoding="utf-8"?>
+<p:sld xmlns:a="http://schemas.openxmlformats.org/drawingml/2006/main" xmlns:r="http://schemas.openxmlformats.org/officeDocument/2006/relationships" xmlns:p="http://schemas.openxmlformats.org/presentationml/2006/main">
+  <p:cSld>
+    <p:spTree>
+      <p:nvGrpSpPr>
+        <p:cNvPr id="1" name=""/>
+        <p:cNvGrpSpPr/>
+        <p:nvPr/>
+      </p:nvGrpSpPr>
+      <p:grpSpPr>
+        <a:xfrm>
+          <a:off x="0" y="0"/>
+          <a:ext cx="0" cy="0"/>
+          <a:chOff x="0" y="0"/>
+          <a:chExt cx="0" cy="0"/>
+        </a:xfrm>
+      </p:grpSpPr>
+      <p:sp>
+        <p:nvSpPr>
+          <p:cNvPr id="2" name="Zástupný text 1">
+            <a:extLst>
+              <a:ext uri="{FF2B5EF4-FFF2-40B4-BE49-F238E27FC236}">
+                <a16:creationId xmlns:a16="http://schemas.microsoft.com/office/drawing/2014/main" id="{32DEB359-6B80-3613-966B-FAA9301011F6}"/>
+              </a:ext>
+            </a:extLst>
+          </p:cNvPr>
+          <p:cNvSpPr>
+            <a:spLocks noGrp="1"/>
+          </p:cNvSpPr>
+          <p:nvPr>
+            <p:ph type="body" sz="quarter" idx="10"/>
+          </p:nvPr>
+        </p:nvSpPr>
+        <p:spPr/>
+        <p:txBody>
+          <a:bodyPr/>
+          <a:lstStyle/>
+          <a:p>
+            <a:r>
+              <a:rPr lang="cs-CZ" dirty="0"/>
+              <a:t>Metodika</a:t>
+            </a:r>
+          </a:p>
+        </p:txBody>
+      </p:sp>
+      <p:sp>
+        <p:nvSpPr>
+          <p:cNvPr id="3" name="Zástupný text 2">
+            <a:extLst>
+              <a:ext uri="{FF2B5EF4-FFF2-40B4-BE49-F238E27FC236}">
+                <a16:creationId xmlns:a16="http://schemas.microsoft.com/office/drawing/2014/main" id="{3E850045-51D5-2556-4104-278A4FD24E04}"/>
+              </a:ext>
+            </a:extLst>
+          </p:cNvPr>
+          <p:cNvSpPr>
+            <a:spLocks noGrp="1"/>
+          </p:cNvSpPr>
+          <p:nvPr>
+            <p:ph type="body" sz="quarter" idx="12"/>
+          </p:nvPr>
+        </p:nvSpPr>
+        <p:spPr/>
+        <p:txBody>
+          <a:bodyPr/>
+          <a:lstStyle/>
+          <a:p>
+            <a:r>
+              <a:rPr lang="pl-PL" sz="4400" b="1" dirty="0"/>
+              <a:t>Návrh a realizace kontrolního systému na WiFi síti</a:t>
+            </a:r>
+          </a:p>
+        </p:txBody>
+      </p:sp>
+      <p:sp>
+        <p:nvSpPr>
+          <p:cNvPr id="5" name="Zástupný text 4">
+            <a:extLst>
+              <a:ext uri="{FF2B5EF4-FFF2-40B4-BE49-F238E27FC236}">
+                <a16:creationId xmlns:a16="http://schemas.microsoft.com/office/drawing/2014/main" id="{F6EF8A6A-A94B-E009-2904-00483D9F88E4}"/>
+              </a:ext>
+            </a:extLst>
+          </p:cNvPr>
+          <p:cNvSpPr>
+            <a:spLocks noGrp="1"/>
+          </p:cNvSpPr>
+          <p:nvPr>
+            <p:ph type="body" sz="quarter" idx="16"/>
+          </p:nvPr>
+        </p:nvSpPr>
+        <p:spPr>
+          <a:xfrm>
+            <a:off x="1079500" y="3422469"/>
+            <a:ext cx="15680146" cy="5821414"/>
+          </a:xfrm>
+        </p:spPr>
+        <p:txBody>
+          <a:bodyPr/>
+          <a:lstStyle/>
+          <a:p>
+            <a:pPr algn="just"/>
+            <a:r>
+              <a:rPr lang="cs-CZ" dirty="0"/>
+              <a:t>Prostudování hardwarových a softwarových možností řešení</a:t>
+            </a:r>
+          </a:p>
+          <a:p>
+            <a:pPr algn="just"/>
+            <a:r>
+              <a:rPr lang="cs-CZ" dirty="0"/>
+              <a:t>Specifikace funkcí systému podle cílů práce</a:t>
+            </a:r>
+          </a:p>
+          <a:p>
+            <a:pPr algn="just"/>
+            <a:r>
+              <a:rPr lang="cs-CZ" dirty="0"/>
+              <a:t>Návrh tříd</a:t>
+            </a:r>
+          </a:p>
+          <a:p>
+            <a:pPr algn="just"/>
+            <a:r>
+              <a:rPr lang="cs-CZ" dirty="0"/>
+              <a:t>Realizace</a:t>
+            </a:r>
+          </a:p>
+          <a:p>
+            <a:pPr algn="just"/>
+            <a:endParaRPr lang="cs-CZ" dirty="0"/>
+          </a:p>
+        </p:txBody>
+      </p:sp>
+    </p:spTree>
+    <p:extLst>
+      <p:ext uri="{BB962C8B-B14F-4D97-AF65-F5344CB8AC3E}">
+        <p14:creationId xmlns:p14="http://schemas.microsoft.com/office/powerpoint/2010/main" val="4205360344"/>
+      </p:ext>
+    </p:extLst>
+  </p:cSld>
+  <p:clrMapOvr>
+    <a:masterClrMapping/>
+  </p:clrMapOvr>
+</p:sld>
+</file>
+
+<file path=ppt/slides/slide5.xml><?xml version="1.0" encoding="utf-8"?>
+<p:sld xmlns:a="http://schemas.openxmlformats.org/drawingml/2006/main" xmlns:r="http://schemas.openxmlformats.org/officeDocument/2006/relationships" xmlns:p="http://schemas.openxmlformats.org/presentationml/2006/main">
+  <p:cSld>
+    <p:spTree>
+      <p:nvGrpSpPr>
+        <p:cNvPr id="1" name=""/>
+        <p:cNvGrpSpPr/>
+        <p:nvPr/>
+      </p:nvGrpSpPr>
+      <p:grpSpPr>
+        <a:xfrm>
+          <a:off x="0" y="0"/>
+          <a:ext cx="0" cy="0"/>
+          <a:chOff x="0" y="0"/>
+          <a:chExt cx="0" cy="0"/>
+        </a:xfrm>
+      </p:grpSpPr>
+      <p:sp>
+        <p:nvSpPr>
+          <p:cNvPr id="2" name="Zástupný text 1">
+            <a:extLst>
+              <a:ext uri="{FF2B5EF4-FFF2-40B4-BE49-F238E27FC236}">
+                <a16:creationId xmlns:a16="http://schemas.microsoft.com/office/drawing/2014/main" id="{32DEB359-6B80-3613-966B-FAA9301011F6}"/>
+              </a:ext>
+            </a:extLst>
+          </p:cNvPr>
+          <p:cNvSpPr>
+            <a:spLocks noGrp="1"/>
+          </p:cNvSpPr>
+          <p:nvPr>
+            <p:ph type="body" sz="quarter" idx="10"/>
+          </p:nvPr>
+        </p:nvSpPr>
+        <p:spPr/>
+        <p:txBody>
+          <a:bodyPr/>
+          <a:lstStyle/>
+          <a:p>
+            <a:r>
+              <a:rPr lang="cs-CZ" dirty="0"/>
+              <a:t>Princip komunikace</a:t>
+            </a:r>
+          </a:p>
+        </p:txBody>
+      </p:sp>
+      <p:sp>
+        <p:nvSpPr>
+          <p:cNvPr id="3" name="Zástupný text 2">
+            <a:extLst>
+              <a:ext uri="{FF2B5EF4-FFF2-40B4-BE49-F238E27FC236}">
+                <a16:creationId xmlns:a16="http://schemas.microsoft.com/office/drawing/2014/main" id="{3E850045-51D5-2556-4104-278A4FD24E04}"/>
+              </a:ext>
+            </a:extLst>
+          </p:cNvPr>
+          <p:cNvSpPr>
+            <a:spLocks noGrp="1"/>
+          </p:cNvSpPr>
+          <p:nvPr>
+            <p:ph type="body" sz="quarter" idx="12"/>
+          </p:nvPr>
+        </p:nvSpPr>
+        <p:spPr/>
+        <p:txBody>
+          <a:bodyPr/>
+          <a:lstStyle/>
+          <a:p>
+            <a:r>
+              <a:rPr lang="pl-PL" sz="4400" b="1" dirty="0"/>
+              <a:t>Návrh a realizace kontrolního systému na WiFi síti</a:t>
+            </a:r>
+          </a:p>
+        </p:txBody>
+      </p:sp>
+      <p:sp>
+        <p:nvSpPr>
+          <p:cNvPr id="5" name="Zástupný text 4">
+            <a:extLst>
+              <a:ext uri="{FF2B5EF4-FFF2-40B4-BE49-F238E27FC236}">
+                <a16:creationId xmlns:a16="http://schemas.microsoft.com/office/drawing/2014/main" id="{F6EF8A6A-A94B-E009-2904-00483D9F88E4}"/>
+              </a:ext>
+            </a:extLst>
+          </p:cNvPr>
+          <p:cNvSpPr>
+            <a:spLocks noGrp="1"/>
+          </p:cNvSpPr>
+          <p:nvPr>
+            <p:ph type="body" sz="quarter" idx="16"/>
+          </p:nvPr>
+        </p:nvSpPr>
+        <p:spPr>
+          <a:xfrm>
+            <a:off x="1079500" y="3422469"/>
+            <a:ext cx="15680146" cy="5821414"/>
+          </a:xfrm>
+        </p:spPr>
+        <p:txBody>
+          <a:bodyPr/>
+          <a:lstStyle/>
+          <a:p>
+            <a:r>
+              <a:rPr lang="cs-CZ" dirty="0"/>
+              <a:t>Jeden uzel může být součástí více systémů</a:t>
+            </a:r>
+          </a:p>
+          <a:p>
+            <a:r>
+              <a:rPr lang="cs-CZ" dirty="0"/>
+              <a:t>Iniciátorem komunikace je hlavní uzel</a:t>
+            </a:r>
+          </a:p>
+          <a:p>
+            <a:pPr marL="0" indent="0">
+              <a:buNone/>
+            </a:pPr>
+            <a:endParaRPr lang="cs-CZ" dirty="0"/>
+          </a:p>
+          <a:p>
+            <a:pPr algn="just"/>
+            <a:endParaRPr lang="cs-CZ" dirty="0"/>
+          </a:p>
+        </p:txBody>
+      </p:sp>
+      <p:pic>
+        <p:nvPicPr>
+          <p:cNvPr id="4" name="Obrázek 3">
+            <a:extLst>
+              <a:ext uri="{FF2B5EF4-FFF2-40B4-BE49-F238E27FC236}">
+                <a16:creationId xmlns:a16="http://schemas.microsoft.com/office/drawing/2014/main" id="{02CFFEBD-9421-5157-833E-0BC291F511C3}"/>
+              </a:ext>
+            </a:extLst>
+          </p:cNvPr>
+          <p:cNvPicPr>
+            <a:picLocks noChangeAspect="1"/>
+          </p:cNvPicPr>
+          <p:nvPr/>
+        </p:nvPicPr>
+        <p:blipFill>
+          <a:blip r:embed="rId3"/>
+          <a:stretch>
+            <a:fillRect/>
+          </a:stretch>
+        </p:blipFill>
+        <p:spPr>
+          <a:xfrm>
+            <a:off x="2293897" y="5453143"/>
+            <a:ext cx="13236687" cy="3603185"/>
+          </a:xfrm>
+          <a:prstGeom prst="rect">
+            <a:avLst/>
+          </a:prstGeom>
+        </p:spPr>
+      </p:pic>
+    </p:spTree>
+    <p:extLst>
+      <p:ext uri="{BB962C8B-B14F-4D97-AF65-F5344CB8AC3E}">
+        <p14:creationId xmlns:p14="http://schemas.microsoft.com/office/powerpoint/2010/main" val="3267835862"/>
+      </p:ext>
+    </p:extLst>
+  </p:cSld>
+  <p:clrMapOvr>
+    <a:masterClrMapping/>
+  </p:clrMapOvr>
+</p:sld>
+</file>
+
+<file path=ppt/slides/slide6.xml><?xml version="1.0" encoding="utf-8"?>
+<p:sld xmlns:a="http://schemas.openxmlformats.org/drawingml/2006/main" xmlns:r="http://schemas.openxmlformats.org/officeDocument/2006/relationships" xmlns:p="http://schemas.openxmlformats.org/presentationml/2006/main">
+  <p:cSld>
+    <p:spTree>
+      <p:nvGrpSpPr>
+        <p:cNvPr id="1" name="">
+          <a:extLst>
+            <a:ext uri="{FF2B5EF4-FFF2-40B4-BE49-F238E27FC236}">
+              <a16:creationId xmlns:a16="http://schemas.microsoft.com/office/drawing/2014/main" id="{CCC5098D-C450-7EF5-5A78-AA1C3018E8E9}"/>
+            </a:ext>
+          </a:extLst>
+        </p:cNvPr>
+        <p:cNvGrpSpPr/>
+        <p:nvPr/>
+      </p:nvGrpSpPr>
+      <p:grpSpPr>
+        <a:xfrm>
+          <a:off x="0" y="0"/>
+          <a:ext cx="0" cy="0"/>
+          <a:chOff x="0" y="0"/>
+          <a:chExt cx="0" cy="0"/>
+        </a:xfrm>
+      </p:grpSpPr>
+      <p:sp>
+        <p:nvSpPr>
+          <p:cNvPr id="2" name="Zástupný text 1">
+            <a:extLst>
+              <a:ext uri="{FF2B5EF4-FFF2-40B4-BE49-F238E27FC236}">
+                <a16:creationId xmlns:a16="http://schemas.microsoft.com/office/drawing/2014/main" id="{00F6B59F-E98E-34C7-8DAA-9D90F7EBCE2A}"/>
+              </a:ext>
+            </a:extLst>
+          </p:cNvPr>
+          <p:cNvSpPr>
+            <a:spLocks noGrp="1"/>
+          </p:cNvSpPr>
+          <p:nvPr>
+            <p:ph type="body" sz="quarter" idx="10"/>
+          </p:nvPr>
+        </p:nvSpPr>
+        <p:spPr/>
+        <p:txBody>
+          <a:bodyPr/>
+          <a:lstStyle/>
+          <a:p>
+            <a:r>
+              <a:rPr lang="cs-CZ" dirty="0" err="1"/>
+              <a:t>GetInfo</a:t>
+            </a:r>
+            <a:endParaRPr lang="cs-CZ" dirty="0"/>
+          </a:p>
+        </p:txBody>
+      </p:sp>
+      <p:sp>
+        <p:nvSpPr>
+          <p:cNvPr id="3" name="Zástupný text 2">
+            <a:extLst>
+              <a:ext uri="{FF2B5EF4-FFF2-40B4-BE49-F238E27FC236}">
+                <a16:creationId xmlns:a16="http://schemas.microsoft.com/office/drawing/2014/main" id="{C34E4F07-B27D-7846-3678-A5AFCA57C90A}"/>
+              </a:ext>
+            </a:extLst>
+          </p:cNvPr>
+          <p:cNvSpPr>
+            <a:spLocks noGrp="1"/>
+          </p:cNvSpPr>
+          <p:nvPr>
+            <p:ph type="body" sz="quarter" idx="12"/>
+          </p:nvPr>
+        </p:nvSpPr>
+        <p:spPr/>
+        <p:txBody>
+          <a:bodyPr/>
+          <a:lstStyle/>
+          <a:p>
+            <a:r>
+              <a:rPr lang="pl-PL" sz="4400" b="1" dirty="0"/>
+              <a:t>Návrh a realizace kontrolního systému na WiFi síti</a:t>
+            </a:r>
+          </a:p>
+        </p:txBody>
+      </p:sp>
+      <p:sp>
+        <p:nvSpPr>
+          <p:cNvPr id="5" name="Zástupný text 4">
+            <a:extLst>
+              <a:ext uri="{FF2B5EF4-FFF2-40B4-BE49-F238E27FC236}">
+                <a16:creationId xmlns:a16="http://schemas.microsoft.com/office/drawing/2014/main" id="{8E61CDB2-0468-8124-B146-C7F65E460997}"/>
+              </a:ext>
+            </a:extLst>
+          </p:cNvPr>
+          <p:cNvSpPr>
+            <a:spLocks noGrp="1"/>
+          </p:cNvSpPr>
+          <p:nvPr>
+            <p:ph type="body" sz="quarter" idx="16"/>
+          </p:nvPr>
+        </p:nvSpPr>
+        <p:spPr>
+          <a:xfrm>
+            <a:off x="1079500" y="3422469"/>
+            <a:ext cx="15680146" cy="5821414"/>
+          </a:xfrm>
+        </p:spPr>
+        <p:txBody>
+          <a:bodyPr/>
+          <a:lstStyle/>
+          <a:p>
+            <a:r>
+              <a:rPr lang="cs-CZ" dirty="0"/>
+              <a:t>Uzel nemá pevně dané seznam </a:t>
+            </a:r>
+            <a:r>
+              <a:rPr lang="cs-CZ" dirty="0" err="1"/>
+              <a:t>endpointů</a:t>
+            </a:r>
+            <a:endParaRPr lang="cs-CZ" dirty="0"/>
+          </a:p>
+          <a:p>
+            <a:r>
+              <a:rPr lang="cs-CZ" dirty="0"/>
+              <a:t>Při přidání do systému nutno zjistit, jaké jsou k dispozici</a:t>
+            </a:r>
+          </a:p>
+          <a:p>
+            <a:pPr marL="0" indent="0">
+              <a:buNone/>
+            </a:pPr>
+            <a:endParaRPr lang="cs-CZ" dirty="0"/>
+          </a:p>
+          <a:p>
+            <a:pPr algn="just"/>
+            <a:endParaRPr lang="cs-CZ" dirty="0"/>
+          </a:p>
+        </p:txBody>
+      </p:sp>
+      <p:pic>
+        <p:nvPicPr>
+          <p:cNvPr id="6" name="Obrázek 5">
+            <a:extLst>
+              <a:ext uri="{FF2B5EF4-FFF2-40B4-BE49-F238E27FC236}">
+                <a16:creationId xmlns:a16="http://schemas.microsoft.com/office/drawing/2014/main" id="{050BBE36-0625-1C50-4206-5B66A5DE9AE2}"/>
+              </a:ext>
+            </a:extLst>
+          </p:cNvPr>
+          <p:cNvPicPr>
+            <a:picLocks noChangeAspect="1"/>
+          </p:cNvPicPr>
+          <p:nvPr/>
+        </p:nvPicPr>
+        <p:blipFill>
+          <a:blip r:embed="rId3"/>
+          <a:stretch>
+            <a:fillRect/>
+          </a:stretch>
+        </p:blipFill>
+        <p:spPr>
+          <a:xfrm>
+            <a:off x="1210870" y="5344160"/>
+            <a:ext cx="5322444" cy="3899722"/>
+          </a:xfrm>
+          <a:prstGeom prst="rect">
+            <a:avLst/>
+          </a:prstGeom>
+        </p:spPr>
+      </p:pic>
+      <p:sp>
+        <p:nvSpPr>
+          <p:cNvPr id="8" name="TextovéPole 7">
+            <a:extLst>
+              <a:ext uri="{FF2B5EF4-FFF2-40B4-BE49-F238E27FC236}">
+                <a16:creationId xmlns:a16="http://schemas.microsoft.com/office/drawing/2014/main" id="{D4AE84E6-C814-52FD-DE05-15AAA660215B}"/>
+              </a:ext>
+            </a:extLst>
+          </p:cNvPr>
+          <p:cNvSpPr txBox="1"/>
+          <p:nvPr/>
+        </p:nvSpPr>
+        <p:spPr>
+          <a:xfrm>
+            <a:off x="12886660" y="3636335"/>
+            <a:ext cx="6921796" cy="7155805"/>
+          </a:xfrm>
+          <a:prstGeom prst="rect">
+            <a:avLst/>
+          </a:prstGeom>
+          <a:noFill/>
+        </p:spPr>
+        <p:txBody>
+          <a:bodyPr wrap="square" rtlCol="0">
+            <a:spAutoFit/>
+          </a:bodyPr>
+          <a:lstStyle/>
+          <a:p>
+            <a:pPr>
+              <a:buNone/>
+            </a:pPr>
+            <a:r>
+              <a:rPr lang="cs-CZ" b="0" dirty="0">
+                <a:solidFill>
+                  <a:srgbClr val="000000"/>
+                </a:solidFill>
+                <a:effectLst/>
+                <a:latin typeface="IBMPlexMono"/>
+              </a:rPr>
+              <a:t>[</a:t>
+            </a:r>
+          </a:p>
+          <a:p>
+            <a:pPr>
+              <a:buNone/>
+            </a:pPr>
+            <a:r>
+              <a:rPr lang="cs-CZ" dirty="0">
+                <a:solidFill>
+                  <a:srgbClr val="000000"/>
+                </a:solidFill>
+                <a:latin typeface="IBMPlexMono"/>
+              </a:rPr>
+              <a:t>  </a:t>
+            </a:r>
+            <a:r>
+              <a:rPr lang="cs-CZ" b="0" dirty="0">
+                <a:solidFill>
+                  <a:srgbClr val="000000"/>
+                </a:solidFill>
+                <a:effectLst/>
+                <a:latin typeface="IBMPlexMono"/>
+              </a:rPr>
+              <a:t>{</a:t>
+            </a:r>
+          </a:p>
+          <a:p>
+            <a:pPr>
+              <a:buNone/>
+            </a:pPr>
+            <a:r>
+              <a:rPr lang="cs-CZ" b="0" dirty="0">
+                <a:solidFill>
+                  <a:srgbClr val="000000"/>
+                </a:solidFill>
+                <a:effectLst/>
+                <a:latin typeface="IBMPlexMono"/>
+              </a:rPr>
+              <a:t>        </a:t>
+            </a:r>
+            <a:r>
+              <a:rPr lang="cs-CZ" b="0" dirty="0">
+                <a:solidFill>
+                  <a:srgbClr val="A31515"/>
+                </a:solidFill>
+                <a:effectLst/>
+                <a:latin typeface="IBMPlexMono"/>
+              </a:rPr>
+              <a:t>"HTTP"</a:t>
+            </a:r>
+            <a:r>
+              <a:rPr lang="cs-CZ" b="0" dirty="0">
+                <a:solidFill>
+                  <a:srgbClr val="000000"/>
+                </a:solidFill>
+                <a:effectLst/>
+                <a:latin typeface="IBMPlexMono"/>
+              </a:rPr>
+              <a:t>: </a:t>
+            </a:r>
+            <a:r>
+              <a:rPr lang="cs-CZ" b="0" dirty="0">
+                <a:solidFill>
+                  <a:srgbClr val="0451A5"/>
+                </a:solidFill>
+                <a:effectLst/>
+                <a:latin typeface="IBMPlexMono"/>
+              </a:rPr>
+              <a:t>"GET"</a:t>
+            </a:r>
+            <a:r>
+              <a:rPr lang="cs-CZ" b="0" dirty="0">
+                <a:solidFill>
+                  <a:srgbClr val="000000"/>
+                </a:solidFill>
+                <a:effectLst/>
+                <a:latin typeface="IBMPlexMono"/>
+              </a:rPr>
+              <a:t>,</a:t>
+            </a:r>
+          </a:p>
+          <a:p>
+            <a:pPr>
+              <a:buNone/>
+            </a:pPr>
+            <a:r>
+              <a:rPr lang="cs-CZ" b="0" dirty="0">
+                <a:solidFill>
+                  <a:srgbClr val="000000"/>
+                </a:solidFill>
+                <a:effectLst/>
+                <a:latin typeface="IBMPlexMono"/>
+              </a:rPr>
+              <a:t>        </a:t>
+            </a:r>
+            <a:r>
+              <a:rPr lang="cs-CZ" b="0" dirty="0">
+                <a:solidFill>
+                  <a:srgbClr val="A31515"/>
+                </a:solidFill>
+                <a:effectLst/>
+                <a:latin typeface="IBMPlexMono"/>
+              </a:rPr>
+              <a:t>"Type"</a:t>
+            </a:r>
+            <a:r>
+              <a:rPr lang="cs-CZ" b="0" dirty="0">
+                <a:solidFill>
+                  <a:srgbClr val="000000"/>
+                </a:solidFill>
+                <a:effectLst/>
+                <a:latin typeface="IBMPlexMono"/>
+              </a:rPr>
+              <a:t>: </a:t>
+            </a:r>
+            <a:r>
+              <a:rPr lang="cs-CZ" b="0" dirty="0">
+                <a:solidFill>
+                  <a:srgbClr val="0451A5"/>
+                </a:solidFill>
+                <a:effectLst/>
+                <a:latin typeface="IBMPlexMono"/>
+              </a:rPr>
+              <a:t>"EP_TYPE_GET"</a:t>
+            </a:r>
+            <a:r>
+              <a:rPr lang="cs-CZ" b="0" dirty="0">
+                <a:solidFill>
+                  <a:srgbClr val="000000"/>
+                </a:solidFill>
+                <a:effectLst/>
+                <a:latin typeface="IBMPlexMono"/>
+              </a:rPr>
+              <a:t>,</a:t>
+            </a:r>
+          </a:p>
+          <a:p>
+            <a:pPr>
+              <a:buNone/>
+            </a:pPr>
+            <a:r>
+              <a:rPr lang="cs-CZ" b="0" dirty="0">
+                <a:solidFill>
+                  <a:srgbClr val="000000"/>
+                </a:solidFill>
+                <a:effectLst/>
+                <a:latin typeface="IBMPlexMono"/>
+              </a:rPr>
+              <a:t>        </a:t>
+            </a:r>
+            <a:r>
+              <a:rPr lang="cs-CZ" b="0" dirty="0">
+                <a:solidFill>
+                  <a:srgbClr val="A31515"/>
+                </a:solidFill>
+                <a:effectLst/>
+                <a:latin typeface="IBMPlexMono"/>
+              </a:rPr>
+              <a:t>"URL"</a:t>
+            </a:r>
+            <a:r>
+              <a:rPr lang="cs-CZ" b="0" dirty="0">
+                <a:solidFill>
+                  <a:srgbClr val="000000"/>
+                </a:solidFill>
+                <a:effectLst/>
+                <a:latin typeface="IBMPlexMono"/>
+              </a:rPr>
+              <a:t>: </a:t>
+            </a:r>
+            <a:r>
+              <a:rPr lang="cs-CZ" b="0" dirty="0">
+                <a:solidFill>
+                  <a:srgbClr val="0451A5"/>
+                </a:solidFill>
+                <a:effectLst/>
+                <a:latin typeface="IBMPlexMono"/>
+              </a:rPr>
+              <a:t>"/</a:t>
+            </a:r>
+            <a:r>
+              <a:rPr lang="cs-CZ" b="0" dirty="0" err="1">
+                <a:solidFill>
+                  <a:srgbClr val="0451A5"/>
+                </a:solidFill>
+                <a:effectLst/>
+                <a:latin typeface="IBMPlexMono"/>
+              </a:rPr>
+              <a:t>slow</a:t>
+            </a:r>
+            <a:r>
+              <a:rPr lang="cs-CZ" b="0" dirty="0">
+                <a:solidFill>
+                  <a:srgbClr val="0451A5"/>
+                </a:solidFill>
+                <a:effectLst/>
+                <a:latin typeface="IBMPlexMono"/>
+              </a:rPr>
+              <a:t>"</a:t>
+            </a:r>
+            <a:r>
+              <a:rPr lang="cs-CZ" b="0" dirty="0">
+                <a:solidFill>
+                  <a:srgbClr val="000000"/>
+                </a:solidFill>
+                <a:effectLst/>
+                <a:latin typeface="IBMPlexMono"/>
+              </a:rPr>
+              <a:t>,</a:t>
+            </a:r>
+          </a:p>
+          <a:p>
+            <a:pPr>
+              <a:buNone/>
+            </a:pPr>
+            <a:r>
+              <a:rPr lang="cs-CZ" b="0" dirty="0">
+                <a:solidFill>
+                  <a:srgbClr val="000000"/>
+                </a:solidFill>
+                <a:effectLst/>
+                <a:latin typeface="IBMPlexMono"/>
+              </a:rPr>
+              <a:t>        </a:t>
+            </a:r>
+            <a:r>
+              <a:rPr lang="cs-CZ" b="0" dirty="0">
+                <a:solidFill>
+                  <a:srgbClr val="A31515"/>
+                </a:solidFill>
+                <a:effectLst/>
+                <a:latin typeface="IBMPlexMono"/>
+              </a:rPr>
+              <a:t>"</a:t>
+            </a:r>
+            <a:r>
+              <a:rPr lang="cs-CZ" b="0" dirty="0" err="1">
+                <a:solidFill>
+                  <a:srgbClr val="A31515"/>
+                </a:solidFill>
+                <a:effectLst/>
+                <a:latin typeface="IBMPlexMono"/>
+              </a:rPr>
+              <a:t>Vals</a:t>
+            </a:r>
+            <a:r>
+              <a:rPr lang="cs-CZ" b="0" dirty="0">
+                <a:solidFill>
+                  <a:srgbClr val="A31515"/>
+                </a:solidFill>
+                <a:effectLst/>
+                <a:latin typeface="IBMPlexMono"/>
+              </a:rPr>
+              <a:t>"</a:t>
+            </a:r>
+            <a:r>
+              <a:rPr lang="cs-CZ" b="0" dirty="0">
+                <a:solidFill>
+                  <a:srgbClr val="000000"/>
+                </a:solidFill>
+                <a:effectLst/>
+                <a:latin typeface="IBMPlexMono"/>
+              </a:rPr>
+              <a:t>: [</a:t>
+            </a:r>
+          </a:p>
+          <a:p>
+            <a:pPr>
+              <a:buNone/>
+            </a:pPr>
+            <a:r>
+              <a:rPr lang="cs-CZ" b="0" dirty="0">
+                <a:solidFill>
+                  <a:srgbClr val="000000"/>
+                </a:solidFill>
+                <a:effectLst/>
+                <a:latin typeface="IBMPlexMono"/>
+              </a:rPr>
+              <a:t>            {</a:t>
+            </a:r>
+          </a:p>
+          <a:p>
+            <a:pPr>
+              <a:buNone/>
+            </a:pPr>
+            <a:r>
+              <a:rPr lang="cs-CZ" b="0" dirty="0">
+                <a:solidFill>
+                  <a:srgbClr val="000000"/>
+                </a:solidFill>
+                <a:effectLst/>
+                <a:latin typeface="IBMPlexMono"/>
+              </a:rPr>
+              <a:t>                </a:t>
+            </a:r>
+            <a:r>
+              <a:rPr lang="cs-CZ" b="0" dirty="0">
+                <a:solidFill>
+                  <a:srgbClr val="A31515"/>
+                </a:solidFill>
+                <a:effectLst/>
+                <a:latin typeface="IBMPlexMono"/>
+              </a:rPr>
+              <a:t>"Name"</a:t>
+            </a:r>
+            <a:r>
+              <a:rPr lang="cs-CZ" b="0" dirty="0">
+                <a:solidFill>
+                  <a:srgbClr val="000000"/>
+                </a:solidFill>
+                <a:effectLst/>
+                <a:latin typeface="IBMPlexMono"/>
+              </a:rPr>
+              <a:t>: </a:t>
+            </a:r>
+            <a:r>
+              <a:rPr lang="cs-CZ" b="0" dirty="0">
+                <a:solidFill>
+                  <a:srgbClr val="0451A5"/>
+                </a:solidFill>
+                <a:effectLst/>
+                <a:latin typeface="IBMPlexMono"/>
+              </a:rPr>
+              <a:t>"a"</a:t>
+            </a:r>
+            <a:r>
+              <a:rPr lang="cs-CZ" b="0" dirty="0">
+                <a:solidFill>
+                  <a:srgbClr val="000000"/>
+                </a:solidFill>
+                <a:effectLst/>
+                <a:latin typeface="IBMPlexMono"/>
+              </a:rPr>
+              <a:t>,</a:t>
+            </a:r>
+          </a:p>
+          <a:p>
+            <a:pPr>
+              <a:buNone/>
+            </a:pPr>
+            <a:r>
+              <a:rPr lang="cs-CZ" b="0" dirty="0">
+                <a:solidFill>
+                  <a:srgbClr val="000000"/>
+                </a:solidFill>
+                <a:effectLst/>
+                <a:latin typeface="IBMPlexMono"/>
+              </a:rPr>
+              <a:t>                </a:t>
+            </a:r>
+            <a:r>
+              <a:rPr lang="cs-CZ" b="0" dirty="0">
+                <a:solidFill>
+                  <a:srgbClr val="A31515"/>
+                </a:solidFill>
+                <a:effectLst/>
+                <a:latin typeface="IBMPlexMono"/>
+              </a:rPr>
+              <a:t>"Type"</a:t>
+            </a:r>
+            <a:r>
+              <a:rPr lang="cs-CZ" b="0" dirty="0">
+                <a:solidFill>
+                  <a:srgbClr val="000000"/>
+                </a:solidFill>
+                <a:effectLst/>
+                <a:latin typeface="IBMPlexMono"/>
+              </a:rPr>
+              <a:t>: </a:t>
+            </a:r>
+            <a:r>
+              <a:rPr lang="cs-CZ" b="0" dirty="0">
+                <a:solidFill>
+                  <a:srgbClr val="0451A5"/>
+                </a:solidFill>
+                <a:effectLst/>
+                <a:latin typeface="IBMPlexMono"/>
+              </a:rPr>
+              <a:t>"INT"</a:t>
+            </a:r>
+            <a:endParaRPr lang="cs-CZ" b="0" dirty="0">
+              <a:solidFill>
+                <a:srgbClr val="000000"/>
+              </a:solidFill>
+              <a:effectLst/>
+              <a:latin typeface="IBMPlexMono"/>
+            </a:endParaRPr>
+          </a:p>
+          <a:p>
+            <a:pPr>
+              <a:buNone/>
+            </a:pPr>
+            <a:r>
+              <a:rPr lang="cs-CZ" b="0" dirty="0">
+                <a:solidFill>
+                  <a:srgbClr val="000000"/>
+                </a:solidFill>
+                <a:effectLst/>
+                <a:latin typeface="IBMPlexMono"/>
+              </a:rPr>
+              <a:t>            }</a:t>
+            </a:r>
+          </a:p>
+          <a:p>
+            <a:pPr>
+              <a:buNone/>
+            </a:pPr>
+            <a:r>
+              <a:rPr lang="cs-CZ" b="0" dirty="0">
+                <a:solidFill>
+                  <a:srgbClr val="000000"/>
+                </a:solidFill>
+                <a:effectLst/>
+                <a:latin typeface="IBMPlexMono"/>
+              </a:rPr>
+              <a:t>        ],</a:t>
+            </a:r>
+          </a:p>
+          <a:p>
+            <a:pPr>
+              <a:buNone/>
+            </a:pPr>
+            <a:r>
+              <a:rPr lang="cs-CZ" b="0" dirty="0">
+                <a:solidFill>
+                  <a:srgbClr val="000000"/>
+                </a:solidFill>
+                <a:effectLst/>
+                <a:latin typeface="IBMPlexMono"/>
+              </a:rPr>
+              <a:t>        </a:t>
+            </a:r>
+            <a:r>
+              <a:rPr lang="cs-CZ" b="0" dirty="0">
+                <a:solidFill>
+                  <a:srgbClr val="A31515"/>
+                </a:solidFill>
+                <a:effectLst/>
+                <a:latin typeface="IBMPlexMono"/>
+              </a:rPr>
+              <a:t>"</a:t>
+            </a:r>
+            <a:r>
+              <a:rPr lang="cs-CZ" b="0" dirty="0" err="1">
+                <a:solidFill>
+                  <a:srgbClr val="A31515"/>
+                </a:solidFill>
+                <a:effectLst/>
+                <a:latin typeface="IBMPlexMono"/>
+              </a:rPr>
+              <a:t>Args</a:t>
+            </a:r>
+            <a:r>
+              <a:rPr lang="cs-CZ" b="0" dirty="0">
+                <a:solidFill>
+                  <a:srgbClr val="A31515"/>
+                </a:solidFill>
+                <a:effectLst/>
+                <a:latin typeface="IBMPlexMono"/>
+              </a:rPr>
+              <a:t>"</a:t>
+            </a:r>
+            <a:r>
+              <a:rPr lang="cs-CZ" b="0" dirty="0">
+                <a:solidFill>
+                  <a:srgbClr val="000000"/>
+                </a:solidFill>
+                <a:effectLst/>
+                <a:latin typeface="IBMPlexMono"/>
+              </a:rPr>
+              <a:t>: [],</a:t>
+            </a:r>
+          </a:p>
+          <a:p>
+            <a:pPr>
+              <a:buNone/>
+            </a:pPr>
+            <a:r>
+              <a:rPr lang="cs-CZ" b="0" dirty="0">
+                <a:solidFill>
+                  <a:srgbClr val="000000"/>
+                </a:solidFill>
+                <a:effectLst/>
+                <a:latin typeface="IBMPlexMono"/>
+              </a:rPr>
+              <a:t>        </a:t>
+            </a:r>
+            <a:r>
+              <a:rPr lang="cs-CZ" b="0" dirty="0">
+                <a:solidFill>
+                  <a:srgbClr val="A31515"/>
+                </a:solidFill>
+                <a:effectLst/>
+                <a:latin typeface="IBMPlexMono"/>
+              </a:rPr>
+              <a:t>"</a:t>
+            </a:r>
+            <a:r>
+              <a:rPr lang="cs-CZ" b="0" dirty="0" err="1">
+                <a:solidFill>
+                  <a:srgbClr val="A31515"/>
+                </a:solidFill>
+                <a:effectLst/>
+                <a:latin typeface="IBMPlexMono"/>
+              </a:rPr>
+              <a:t>Delay</a:t>
+            </a:r>
+            <a:r>
+              <a:rPr lang="cs-CZ" b="0" dirty="0">
+                <a:solidFill>
+                  <a:srgbClr val="A31515"/>
+                </a:solidFill>
+                <a:effectLst/>
+                <a:latin typeface="IBMPlexMono"/>
+              </a:rPr>
+              <a:t>"</a:t>
+            </a:r>
+            <a:r>
+              <a:rPr lang="cs-CZ" b="0" dirty="0">
+                <a:solidFill>
+                  <a:srgbClr val="000000"/>
+                </a:solidFill>
+                <a:effectLst/>
+                <a:latin typeface="IBMPlexMono"/>
+              </a:rPr>
+              <a:t>: </a:t>
+            </a:r>
+            <a:r>
+              <a:rPr lang="cs-CZ" b="0" dirty="0">
+                <a:solidFill>
+                  <a:srgbClr val="098658"/>
+                </a:solidFill>
+                <a:effectLst/>
+                <a:latin typeface="IBMPlexMono"/>
+              </a:rPr>
+              <a:t>1000</a:t>
+            </a:r>
+            <a:endParaRPr lang="cs-CZ" b="0" dirty="0">
+              <a:solidFill>
+                <a:srgbClr val="000000"/>
+              </a:solidFill>
+              <a:effectLst/>
+              <a:latin typeface="IBMPlexMono"/>
+            </a:endParaRPr>
+          </a:p>
+          <a:p>
+            <a:pPr>
+              <a:buNone/>
+            </a:pPr>
+            <a:r>
+              <a:rPr lang="cs-CZ" b="0" dirty="0">
+                <a:solidFill>
+                  <a:srgbClr val="000000"/>
+                </a:solidFill>
+                <a:effectLst/>
+                <a:latin typeface="IBMPlexMono"/>
+              </a:rPr>
+              <a:t>    }</a:t>
+            </a:r>
+          </a:p>
+          <a:p>
+            <a:r>
+              <a:rPr lang="cs-CZ" b="0" dirty="0">
+                <a:solidFill>
+                  <a:srgbClr val="000000"/>
+                </a:solidFill>
+                <a:effectLst/>
+                <a:latin typeface="IBMPlexMono"/>
+              </a:rPr>
+              <a:t>]</a:t>
+            </a:r>
+          </a:p>
+          <a:p>
+            <a:pPr>
+              <a:buNone/>
+            </a:pPr>
+            <a:endParaRPr lang="cs-CZ" b="0" dirty="0">
+              <a:solidFill>
+                <a:srgbClr val="F8F8F2"/>
+              </a:solidFill>
+              <a:effectLst/>
+              <a:latin typeface="IBMPlexMono"/>
+            </a:endParaRPr>
+          </a:p>
+          <a:p>
+            <a:endParaRPr lang="cs-CZ" dirty="0"/>
+          </a:p>
+        </p:txBody>
+      </p:sp>
+    </p:spTree>
+    <p:extLst>
+      <p:ext uri="{BB962C8B-B14F-4D97-AF65-F5344CB8AC3E}">
+        <p14:creationId xmlns:p14="http://schemas.microsoft.com/office/powerpoint/2010/main" val="3870451564"/>
+      </p:ext>
+    </p:extLst>
+  </p:cSld>
+  <p:clrMapOvr>
+    <a:masterClrMapping/>
+  </p:clrMapOvr>
+</p:sld>
+</file>
+
+<file path=ppt/slides/slide7.xml><?xml version="1.0" encoding="utf-8"?>
+<p:sld xmlns:a="http://schemas.openxmlformats.org/drawingml/2006/main" xmlns:r="http://schemas.openxmlformats.org/officeDocument/2006/relationships" xmlns:p="http://schemas.openxmlformats.org/presentationml/2006/main">
+  <p:cSld>
+    <p:spTree>
+      <p:nvGrpSpPr>
+        <p:cNvPr id="1" name="">
+          <a:extLst>
+            <a:ext uri="{FF2B5EF4-FFF2-40B4-BE49-F238E27FC236}">
+              <a16:creationId xmlns:a16="http://schemas.microsoft.com/office/drawing/2014/main" id="{A8174684-73B7-3CD9-55B3-59535AC6429E}"/>
+            </a:ext>
+          </a:extLst>
+        </p:cNvPr>
+        <p:cNvGrpSpPr/>
+        <p:nvPr/>
+      </p:nvGrpSpPr>
+      <p:grpSpPr>
+        <a:xfrm>
+          <a:off x="0" y="0"/>
+          <a:ext cx="0" cy="0"/>
+          <a:chOff x="0" y="0"/>
+          <a:chExt cx="0" cy="0"/>
+        </a:xfrm>
+      </p:grpSpPr>
+      <p:sp>
+        <p:nvSpPr>
+          <p:cNvPr id="2" name="Zástupný text 1">
+            <a:extLst>
+              <a:ext uri="{FF2B5EF4-FFF2-40B4-BE49-F238E27FC236}">
+                <a16:creationId xmlns:a16="http://schemas.microsoft.com/office/drawing/2014/main" id="{27E6FB56-0919-95F2-79AC-1EB50CDC0A42}"/>
+              </a:ext>
+            </a:extLst>
+          </p:cNvPr>
+          <p:cNvSpPr>
+            <a:spLocks noGrp="1"/>
+          </p:cNvSpPr>
+          <p:nvPr>
+            <p:ph type="body" sz="quarter" idx="10"/>
+          </p:nvPr>
+        </p:nvSpPr>
+        <p:spPr/>
+        <p:txBody>
+          <a:bodyPr/>
+          <a:lstStyle/>
+          <a:p>
+            <a:r>
+              <a:rPr lang="cs-CZ" dirty="0"/>
+              <a:t>Moduly</a:t>
+            </a:r>
+          </a:p>
+        </p:txBody>
+      </p:sp>
+      <p:sp>
+        <p:nvSpPr>
+          <p:cNvPr id="3" name="Zástupný text 2">
+            <a:extLst>
+              <a:ext uri="{FF2B5EF4-FFF2-40B4-BE49-F238E27FC236}">
+                <a16:creationId xmlns:a16="http://schemas.microsoft.com/office/drawing/2014/main" id="{45D32C3A-6372-EE69-D855-C953A1ECF44C}"/>
+              </a:ext>
+            </a:extLst>
+          </p:cNvPr>
+          <p:cNvSpPr>
+            <a:spLocks noGrp="1"/>
+          </p:cNvSpPr>
+          <p:nvPr>
+            <p:ph type="body" sz="quarter" idx="12"/>
+          </p:nvPr>
+        </p:nvSpPr>
+        <p:spPr/>
+        <p:txBody>
+          <a:bodyPr/>
+          <a:lstStyle/>
+          <a:p>
+            <a:r>
+              <a:rPr lang="pl-PL" sz="4400" b="1" dirty="0"/>
+              <a:t>Návrh a realizace kontrolního systému na WiFi síti</a:t>
+            </a:r>
+          </a:p>
+        </p:txBody>
+      </p:sp>
+      <p:sp>
+        <p:nvSpPr>
+          <p:cNvPr id="5" name="Zástupný text 4">
+            <a:extLst>
+              <a:ext uri="{FF2B5EF4-FFF2-40B4-BE49-F238E27FC236}">
+                <a16:creationId xmlns:a16="http://schemas.microsoft.com/office/drawing/2014/main" id="{EB1EDABB-879C-5C9E-0C99-0639F035B6D3}"/>
+              </a:ext>
+            </a:extLst>
+          </p:cNvPr>
+          <p:cNvSpPr>
+            <a:spLocks noGrp="1"/>
+          </p:cNvSpPr>
+          <p:nvPr>
+            <p:ph type="body" sz="quarter" idx="16"/>
+          </p:nvPr>
+        </p:nvSpPr>
+        <p:spPr>
+          <a:xfrm>
+            <a:off x="1079500" y="3422469"/>
+            <a:ext cx="15680146" cy="5821414"/>
+          </a:xfrm>
+        </p:spPr>
+        <p:txBody>
+          <a:bodyPr/>
+          <a:lstStyle/>
+          <a:p>
+            <a:r>
+              <a:rPr lang="cs-CZ" dirty="0"/>
+              <a:t>Vrstvený model</a:t>
+            </a:r>
+          </a:p>
+          <a:p>
+            <a:r>
+              <a:rPr lang="cs-CZ" dirty="0" err="1"/>
+              <a:t>Dependency</a:t>
+            </a:r>
+            <a:r>
+              <a:rPr lang="cs-CZ" dirty="0"/>
+              <a:t> </a:t>
+            </a:r>
+            <a:r>
+              <a:rPr lang="cs-CZ" dirty="0" err="1"/>
+              <a:t>injection</a:t>
+            </a:r>
+            <a:endParaRPr lang="cs-CZ" dirty="0"/>
+          </a:p>
+          <a:p>
+            <a:pPr algn="just"/>
+            <a:endParaRPr lang="cs-CZ" dirty="0"/>
+          </a:p>
+        </p:txBody>
+      </p:sp>
+      <p:pic>
+        <p:nvPicPr>
+          <p:cNvPr id="4" name="Obrázek 3">
+            <a:extLst>
+              <a:ext uri="{FF2B5EF4-FFF2-40B4-BE49-F238E27FC236}">
+                <a16:creationId xmlns:a16="http://schemas.microsoft.com/office/drawing/2014/main" id="{D98011F6-1E95-F126-E96C-9621D80FA121}"/>
+              </a:ext>
+            </a:extLst>
+          </p:cNvPr>
+          <p:cNvPicPr>
+            <a:picLocks noChangeAspect="1"/>
+          </p:cNvPicPr>
+          <p:nvPr/>
+        </p:nvPicPr>
+        <p:blipFill>
+          <a:blip r:embed="rId3"/>
+          <a:stretch>
+            <a:fillRect/>
+          </a:stretch>
+        </p:blipFill>
+        <p:spPr>
+          <a:xfrm>
+            <a:off x="7666075" y="3079483"/>
+            <a:ext cx="8075130" cy="6507385"/>
+          </a:xfrm>
+          <a:prstGeom prst="rect">
+            <a:avLst/>
+          </a:prstGeom>
+        </p:spPr>
+      </p:pic>
+      <p:sp>
+        <p:nvSpPr>
+          <p:cNvPr id="6" name="TextovéPole 5">
+            <a:extLst>
+              <a:ext uri="{FF2B5EF4-FFF2-40B4-BE49-F238E27FC236}">
+                <a16:creationId xmlns:a16="http://schemas.microsoft.com/office/drawing/2014/main" id="{868DC543-4BBF-684D-B959-9C49D6B4F2B0}"/>
+              </a:ext>
+            </a:extLst>
+          </p:cNvPr>
+          <p:cNvSpPr txBox="1"/>
+          <p:nvPr/>
+        </p:nvSpPr>
+        <p:spPr>
+          <a:xfrm>
+            <a:off x="1079500" y="7176977"/>
+            <a:ext cx="4927895" cy="2169825"/>
+          </a:xfrm>
+          <a:prstGeom prst="rect">
+            <a:avLst/>
+          </a:prstGeom>
+          <a:noFill/>
+        </p:spPr>
+        <p:txBody>
+          <a:bodyPr wrap="square" rtlCol="0">
+            <a:spAutoFit/>
+          </a:bodyPr>
+          <a:lstStyle/>
+          <a:p>
+            <a:r>
+              <a:rPr lang="cs-CZ" dirty="0"/>
+              <a:t>Tmavě = implementováno</a:t>
+            </a:r>
+          </a:p>
+          <a:p>
+            <a:r>
+              <a:rPr lang="cs-CZ" dirty="0"/>
+              <a:t>Světle = možné rozšíření</a:t>
+            </a:r>
+          </a:p>
+          <a:p>
+            <a:endParaRPr lang="cs-CZ" dirty="0"/>
+          </a:p>
+          <a:p>
+            <a:r>
+              <a:rPr lang="cs-CZ" dirty="0"/>
+              <a:t>Fialová = C#</a:t>
+            </a:r>
+          </a:p>
+          <a:p>
+            <a:r>
+              <a:rPr lang="cs-CZ" dirty="0"/>
+              <a:t>Modrá = C++</a:t>
+            </a:r>
+          </a:p>
+        </p:txBody>
+      </p:sp>
+      <p:sp>
+        <p:nvSpPr>
+          <p:cNvPr id="7" name="TextovéPole 6">
+            <a:extLst>
+              <a:ext uri="{FF2B5EF4-FFF2-40B4-BE49-F238E27FC236}">
+                <a16:creationId xmlns:a16="http://schemas.microsoft.com/office/drawing/2014/main" id="{872CFB29-FB6C-D234-3B3C-77F97D2B8BC6}"/>
+              </a:ext>
+            </a:extLst>
+          </p:cNvPr>
+          <p:cNvSpPr txBox="1"/>
+          <p:nvPr/>
+        </p:nvSpPr>
+        <p:spPr>
+          <a:xfrm>
+            <a:off x="16010965" y="9018494"/>
+            <a:ext cx="851515" cy="507831"/>
+          </a:xfrm>
+          <a:prstGeom prst="rect">
+            <a:avLst/>
+          </a:prstGeom>
+          <a:noFill/>
+        </p:spPr>
+        <p:txBody>
+          <a:bodyPr wrap="none" rtlCol="0">
+            <a:spAutoFit/>
+          </a:bodyPr>
+          <a:lstStyle/>
+          <a:p>
+            <a:r>
+              <a:rPr lang="cs-CZ" dirty="0"/>
+              <a:t>[1-3]</a:t>
+            </a:r>
+          </a:p>
+        </p:txBody>
+      </p:sp>
+    </p:spTree>
+    <p:extLst>
+      <p:ext uri="{BB962C8B-B14F-4D97-AF65-F5344CB8AC3E}">
+        <p14:creationId xmlns:p14="http://schemas.microsoft.com/office/powerpoint/2010/main" val="1780252156"/>
+      </p:ext>
+    </p:extLst>
+  </p:cSld>
+  <p:clrMapOvr>
+    <a:masterClrMapping/>
+  </p:clrMapOvr>
+</p:sld>
+</file>
+
+<file path=ppt/slides/slide8.xml><?xml version="1.0" encoding="utf-8"?>
+<p:sld xmlns:a="http://schemas.openxmlformats.org/drawingml/2006/main" xmlns:r="http://schemas.openxmlformats.org/officeDocument/2006/relationships" xmlns:p="http://schemas.openxmlformats.org/presentationml/2006/main">
+  <p:cSld>
+    <p:spTree>
+      <p:nvGrpSpPr>
+        <p:cNvPr id="1" name="">
+          <a:extLst>
+            <a:ext uri="{FF2B5EF4-FFF2-40B4-BE49-F238E27FC236}">
+              <a16:creationId xmlns:a16="http://schemas.microsoft.com/office/drawing/2014/main" id="{0405CDB5-BEF0-3797-CFBE-7905AEC4342D}"/>
+            </a:ext>
+          </a:extLst>
+        </p:cNvPr>
+        <p:cNvGrpSpPr/>
+        <p:nvPr/>
+      </p:nvGrpSpPr>
+      <p:grpSpPr>
+        <a:xfrm>
+          <a:off x="0" y="0"/>
+          <a:ext cx="0" cy="0"/>
+          <a:chOff x="0" y="0"/>
+          <a:chExt cx="0" cy="0"/>
+        </a:xfrm>
+      </p:grpSpPr>
+      <p:sp>
+        <p:nvSpPr>
+          <p:cNvPr id="2" name="Zástupný text 1">
+            <a:extLst>
+              <a:ext uri="{FF2B5EF4-FFF2-40B4-BE49-F238E27FC236}">
+                <a16:creationId xmlns:a16="http://schemas.microsoft.com/office/drawing/2014/main" id="{14B9E8E7-7C5F-836A-4217-C14BDF4D097C}"/>
+              </a:ext>
+            </a:extLst>
+          </p:cNvPr>
+          <p:cNvSpPr>
+            <a:spLocks noGrp="1"/>
+          </p:cNvSpPr>
+          <p:nvPr>
+            <p:ph type="body" sz="quarter" idx="10"/>
+          </p:nvPr>
+        </p:nvSpPr>
+        <p:spPr/>
+        <p:txBody>
+          <a:bodyPr>
+            <a:normAutofit fontScale="92500"/>
+          </a:bodyPr>
+          <a:lstStyle/>
+          <a:p>
+            <a:r>
+              <a:rPr lang="cs-CZ" dirty="0"/>
+              <a:t>Zpracování uživatelského vstupu</a:t>
+            </a:r>
+          </a:p>
+        </p:txBody>
+      </p:sp>
+      <p:sp>
+        <p:nvSpPr>
+          <p:cNvPr id="3" name="Zástupný text 2">
+            <a:extLst>
+              <a:ext uri="{FF2B5EF4-FFF2-40B4-BE49-F238E27FC236}">
+                <a16:creationId xmlns:a16="http://schemas.microsoft.com/office/drawing/2014/main" id="{809ED839-ACB8-C438-C1C8-D50EDCFA0D72}"/>
+              </a:ext>
+            </a:extLst>
+          </p:cNvPr>
+          <p:cNvSpPr>
+            <a:spLocks noGrp="1"/>
+          </p:cNvSpPr>
+          <p:nvPr>
+            <p:ph type="body" sz="quarter" idx="12"/>
+          </p:nvPr>
+        </p:nvSpPr>
+        <p:spPr/>
+        <p:txBody>
+          <a:bodyPr/>
+          <a:lstStyle/>
+          <a:p>
+            <a:r>
+              <a:rPr lang="pl-PL" sz="4400" b="1" dirty="0"/>
+              <a:t>Návrh a realizace kontrolního systému na WiFi síti</a:t>
+            </a:r>
+          </a:p>
+        </p:txBody>
+      </p:sp>
+      <p:sp>
+        <p:nvSpPr>
+          <p:cNvPr id="5" name="Zástupný text 4">
+            <a:extLst>
+              <a:ext uri="{FF2B5EF4-FFF2-40B4-BE49-F238E27FC236}">
+                <a16:creationId xmlns:a16="http://schemas.microsoft.com/office/drawing/2014/main" id="{083898D9-B903-A0A0-73EC-6C1D419B9468}"/>
+              </a:ext>
+            </a:extLst>
+          </p:cNvPr>
+          <p:cNvSpPr>
+            <a:spLocks noGrp="1"/>
+          </p:cNvSpPr>
+          <p:nvPr>
+            <p:ph type="body" sz="quarter" idx="16"/>
+          </p:nvPr>
+        </p:nvSpPr>
+        <p:spPr>
+          <a:xfrm>
+            <a:off x="1079500" y="3422469"/>
+            <a:ext cx="15680146" cy="5821414"/>
+          </a:xfrm>
+        </p:spPr>
+        <p:txBody>
+          <a:bodyPr/>
+          <a:lstStyle/>
+          <a:p>
+            <a:r>
+              <a:rPr lang="cs-CZ" dirty="0"/>
+              <a:t>Konečný automat</a:t>
+            </a:r>
+          </a:p>
+          <a:p>
+            <a:pPr algn="just"/>
+            <a:endParaRPr lang="cs-CZ" dirty="0"/>
+          </a:p>
+        </p:txBody>
+      </p:sp>
+      <p:pic>
+        <p:nvPicPr>
+          <p:cNvPr id="7" name="Obrázek 6">
+            <a:extLst>
+              <a:ext uri="{FF2B5EF4-FFF2-40B4-BE49-F238E27FC236}">
+                <a16:creationId xmlns:a16="http://schemas.microsoft.com/office/drawing/2014/main" id="{42DB6807-59DE-333D-D332-41088B5BB50F}"/>
+              </a:ext>
+            </a:extLst>
+          </p:cNvPr>
+          <p:cNvPicPr>
+            <a:picLocks noChangeAspect="1"/>
+          </p:cNvPicPr>
+          <p:nvPr/>
+        </p:nvPicPr>
+        <p:blipFill>
+          <a:blip r:embed="rId3"/>
+          <a:stretch>
+            <a:fillRect/>
+          </a:stretch>
+        </p:blipFill>
+        <p:spPr>
+          <a:xfrm>
+            <a:off x="4016373" y="4632168"/>
+            <a:ext cx="9540139" cy="4289960"/>
+          </a:xfrm>
+          <a:prstGeom prst="rect">
+            <a:avLst/>
+          </a:prstGeom>
+        </p:spPr>
+      </p:pic>
+    </p:spTree>
+    <p:extLst>
+      <p:ext uri="{BB962C8B-B14F-4D97-AF65-F5344CB8AC3E}">
+        <p14:creationId xmlns:p14="http://schemas.microsoft.com/office/powerpoint/2010/main" val="4146560728"/>
+      </p:ext>
+    </p:extLst>
+  </p:cSld>
+  <p:clrMapOvr>
+    <a:masterClrMapping/>
+  </p:clrMapOvr>
+</p:sld>
+</file>
+
+<file path=ppt/slides/slide9.xml><?xml version="1.0" encoding="utf-8"?>
+<p:sld xmlns:a="http://schemas.openxmlformats.org/drawingml/2006/main" xmlns:r="http://schemas.openxmlformats.org/officeDocument/2006/relationships" xmlns:p="http://schemas.openxmlformats.org/presentationml/2006/main">
+  <p:cSld>
+    <p:spTree>
+      <p:nvGrpSpPr>
         <p:cNvPr id="1" name="">
           <a:extLst>
             <a:ext uri="{FF2B5EF4-FFF2-40B4-BE49-F238E27FC236}">
@@ -9399,3183 +13450,45 @@
           </a:graphicData>
         </a:graphic>
       </p:graphicFrame>
+      <p:sp>
+        <p:nvSpPr>
+          <p:cNvPr id="10" name="TextovéPole 9">
+            <a:extLst>
+              <a:ext uri="{FF2B5EF4-FFF2-40B4-BE49-F238E27FC236}">
+                <a16:creationId xmlns:a16="http://schemas.microsoft.com/office/drawing/2014/main" id="{BF1FEA06-A550-E272-40EC-CE771E09410D}"/>
+              </a:ext>
+            </a:extLst>
+          </p:cNvPr>
+          <p:cNvSpPr txBox="1"/>
+          <p:nvPr/>
+        </p:nvSpPr>
+        <p:spPr>
+          <a:xfrm>
+            <a:off x="16728141" y="8265459"/>
+            <a:ext cx="570990" cy="507831"/>
+          </a:xfrm>
+          <a:prstGeom prst="rect">
+            <a:avLst/>
+          </a:prstGeom>
+          <a:noFill/>
+        </p:spPr>
+        <p:txBody>
+          <a:bodyPr wrap="none" rtlCol="0">
+            <a:spAutoFit/>
+          </a:bodyPr>
+          <a:lstStyle/>
+          <a:p>
+            <a:r>
+              <a:rPr lang="cs-CZ" dirty="0"/>
+              <a:t>[4]</a:t>
+            </a:r>
+          </a:p>
+        </p:txBody>
+      </p:sp>
     </p:spTree>
     <p:extLst>
       <p:ext uri="{BB962C8B-B14F-4D97-AF65-F5344CB8AC3E}">
         <p14:creationId xmlns:p14="http://schemas.microsoft.com/office/powerpoint/2010/main" val="2867002821"/>
-      </p:ext>
-    </p:extLst>
-  </p:cSld>
-  <p:clrMapOvr>
-    <a:masterClrMapping/>
-  </p:clrMapOvr>
-</p:sld>
-</file>
-
-<file path=ppt/slides/slide11.xml><?xml version="1.0" encoding="utf-8"?>
-<p:sld xmlns:a="http://schemas.openxmlformats.org/drawingml/2006/main" xmlns:r="http://schemas.openxmlformats.org/officeDocument/2006/relationships" xmlns:p="http://schemas.openxmlformats.org/presentationml/2006/main">
-  <p:cSld>
-    <p:spTree>
-      <p:nvGrpSpPr>
-        <p:cNvPr id="1" name="">
-          <a:extLst>
-            <a:ext uri="{FF2B5EF4-FFF2-40B4-BE49-F238E27FC236}">
-              <a16:creationId xmlns:a16="http://schemas.microsoft.com/office/drawing/2014/main" id="{14948D85-1390-9171-C9CD-F22A94BDAD86}"/>
-            </a:ext>
-          </a:extLst>
-        </p:cNvPr>
-        <p:cNvGrpSpPr/>
-        <p:nvPr/>
-      </p:nvGrpSpPr>
-      <p:grpSpPr>
-        <a:xfrm>
-          <a:off x="0" y="0"/>
-          <a:ext cx="0" cy="0"/>
-          <a:chOff x="0" y="0"/>
-          <a:chExt cx="0" cy="0"/>
-        </a:xfrm>
-      </p:grpSpPr>
-      <p:sp>
-        <p:nvSpPr>
-          <p:cNvPr id="2" name="Zástupný text 1">
-            <a:extLst>
-              <a:ext uri="{FF2B5EF4-FFF2-40B4-BE49-F238E27FC236}">
-                <a16:creationId xmlns:a16="http://schemas.microsoft.com/office/drawing/2014/main" id="{DA675A43-FEA2-CBA9-4342-8026644B49A5}"/>
-              </a:ext>
-            </a:extLst>
-          </p:cNvPr>
-          <p:cNvSpPr>
-            <a:spLocks noGrp="1"/>
-          </p:cNvSpPr>
-          <p:nvPr>
-            <p:ph type="body" sz="quarter" idx="10"/>
-          </p:nvPr>
-        </p:nvSpPr>
-        <p:spPr/>
-        <p:txBody>
-          <a:bodyPr/>
-          <a:lstStyle/>
-          <a:p>
-            <a:r>
-              <a:rPr lang="cs-CZ" dirty="0"/>
-              <a:t>Vlastní řešení</a:t>
-            </a:r>
-          </a:p>
-        </p:txBody>
-      </p:sp>
-      <p:sp>
-        <p:nvSpPr>
-          <p:cNvPr id="3" name="Zástupný text 2">
-            <a:extLst>
-              <a:ext uri="{FF2B5EF4-FFF2-40B4-BE49-F238E27FC236}">
-                <a16:creationId xmlns:a16="http://schemas.microsoft.com/office/drawing/2014/main" id="{0F4294FB-D160-671B-692D-8E664B24C386}"/>
-              </a:ext>
-            </a:extLst>
-          </p:cNvPr>
-          <p:cNvSpPr>
-            <a:spLocks noGrp="1"/>
-          </p:cNvSpPr>
-          <p:nvPr>
-            <p:ph type="body" sz="quarter" idx="12"/>
-          </p:nvPr>
-        </p:nvSpPr>
-        <p:spPr/>
-        <p:txBody>
-          <a:bodyPr/>
-          <a:lstStyle/>
-          <a:p>
-            <a:r>
-              <a:rPr lang="pl-PL" sz="4400" b="1" dirty="0"/>
-              <a:t>Návrh a realizace kontrolního systému na WiFi síti</a:t>
-            </a:r>
-          </a:p>
-        </p:txBody>
-      </p:sp>
-      <p:sp>
-        <p:nvSpPr>
-          <p:cNvPr id="5" name="Zástupný text 4">
-            <a:extLst>
-              <a:ext uri="{FF2B5EF4-FFF2-40B4-BE49-F238E27FC236}">
-                <a16:creationId xmlns:a16="http://schemas.microsoft.com/office/drawing/2014/main" id="{9C0D14CF-2BD4-294E-B5FB-5F6F060D9B67}"/>
-              </a:ext>
-            </a:extLst>
-          </p:cNvPr>
-          <p:cNvSpPr>
-            <a:spLocks noGrp="1"/>
-          </p:cNvSpPr>
-          <p:nvPr>
-            <p:ph type="body" sz="quarter" idx="16"/>
-          </p:nvPr>
-        </p:nvSpPr>
-        <p:spPr>
-          <a:xfrm>
-            <a:off x="1079500" y="3422469"/>
-            <a:ext cx="15680146" cy="5821414"/>
-          </a:xfrm>
-        </p:spPr>
-        <p:txBody>
-          <a:bodyPr/>
-          <a:lstStyle/>
-          <a:p>
-            <a:r>
-              <a:rPr lang="cs-CZ" dirty="0"/>
-              <a:t>popis obsahu práce schématickou formou vycházející z metodiky,</a:t>
-            </a:r>
-          </a:p>
-          <a:p>
-            <a:pPr algn="just"/>
-            <a:r>
-              <a:rPr lang="cs-CZ" dirty="0"/>
-              <a:t>zmínit např. kritická místa, nutnosti změn v předpokládávané metodice, podrobněji vlastní postup včetně praktického řešení,</a:t>
-            </a:r>
-          </a:p>
-          <a:p>
-            <a:r>
-              <a:rPr lang="cs-CZ" dirty="0"/>
-              <a:t>optimálně opět doplněné schématem.</a:t>
-            </a:r>
-          </a:p>
-          <a:p>
-            <a:r>
-              <a:rPr lang="cs-CZ" b="1" dirty="0"/>
-              <a:t>Vlastní řešení by mělo být max. na dvě stránky u BP,  tři stránky u DP, pokud možno heslovitě, nikoli vázanou větou!</a:t>
-            </a:r>
-          </a:p>
-          <a:p>
-            <a:pPr algn="just"/>
-            <a:endParaRPr lang="cs-CZ" dirty="0"/>
-          </a:p>
-        </p:txBody>
-      </p:sp>
-    </p:spTree>
-    <p:extLst>
-      <p:ext uri="{BB962C8B-B14F-4D97-AF65-F5344CB8AC3E}">
-        <p14:creationId xmlns:p14="http://schemas.microsoft.com/office/powerpoint/2010/main" val="2635854745"/>
-      </p:ext>
-    </p:extLst>
-  </p:cSld>
-  <p:clrMapOvr>
-    <a:masterClrMapping/>
-  </p:clrMapOvr>
-</p:sld>
-</file>
-
-<file path=ppt/slides/slide12.xml><?xml version="1.0" encoding="utf-8"?>
-<p:sld xmlns:a="http://schemas.openxmlformats.org/drawingml/2006/main" xmlns:r="http://schemas.openxmlformats.org/officeDocument/2006/relationships" xmlns:p="http://schemas.openxmlformats.org/presentationml/2006/main">
-  <p:cSld>
-    <p:spTree>
-      <p:nvGrpSpPr>
-        <p:cNvPr id="1" name=""/>
-        <p:cNvGrpSpPr/>
-        <p:nvPr/>
-      </p:nvGrpSpPr>
-      <p:grpSpPr>
-        <a:xfrm>
-          <a:off x="0" y="0"/>
-          <a:ext cx="0" cy="0"/>
-          <a:chOff x="0" y="0"/>
-          <a:chExt cx="0" cy="0"/>
-        </a:xfrm>
-      </p:grpSpPr>
-      <p:sp>
-        <p:nvSpPr>
-          <p:cNvPr id="2" name="Zástupný text 1">
-            <a:extLst>
-              <a:ext uri="{FF2B5EF4-FFF2-40B4-BE49-F238E27FC236}">
-                <a16:creationId xmlns:a16="http://schemas.microsoft.com/office/drawing/2014/main" id="{32DEB359-6B80-3613-966B-FAA9301011F6}"/>
-              </a:ext>
-            </a:extLst>
-          </p:cNvPr>
-          <p:cNvSpPr>
-            <a:spLocks noGrp="1"/>
-          </p:cNvSpPr>
-          <p:nvPr>
-            <p:ph type="body" sz="quarter" idx="10"/>
-          </p:nvPr>
-        </p:nvSpPr>
-        <p:spPr/>
-        <p:txBody>
-          <a:bodyPr/>
-          <a:lstStyle/>
-          <a:p>
-            <a:r>
-              <a:rPr lang="cs-CZ" dirty="0"/>
-              <a:t>Výsledky a jejich zhodnocení</a:t>
-            </a:r>
-          </a:p>
-        </p:txBody>
-      </p:sp>
-      <p:sp>
-        <p:nvSpPr>
-          <p:cNvPr id="3" name="Zástupný text 2">
-            <a:extLst>
-              <a:ext uri="{FF2B5EF4-FFF2-40B4-BE49-F238E27FC236}">
-                <a16:creationId xmlns:a16="http://schemas.microsoft.com/office/drawing/2014/main" id="{3E850045-51D5-2556-4104-278A4FD24E04}"/>
-              </a:ext>
-            </a:extLst>
-          </p:cNvPr>
-          <p:cNvSpPr>
-            <a:spLocks noGrp="1"/>
-          </p:cNvSpPr>
-          <p:nvPr>
-            <p:ph type="body" sz="quarter" idx="12"/>
-          </p:nvPr>
-        </p:nvSpPr>
-        <p:spPr/>
-        <p:txBody>
-          <a:bodyPr/>
-          <a:lstStyle/>
-          <a:p>
-            <a:r>
-              <a:rPr lang="pl-PL" sz="4400" b="1" dirty="0"/>
-              <a:t>Návrh a realizace kontrolního systému na WiFi síti</a:t>
-            </a:r>
-          </a:p>
-        </p:txBody>
-      </p:sp>
-      <p:sp>
-        <p:nvSpPr>
-          <p:cNvPr id="5" name="Zástupný text 4">
-            <a:extLst>
-              <a:ext uri="{FF2B5EF4-FFF2-40B4-BE49-F238E27FC236}">
-                <a16:creationId xmlns:a16="http://schemas.microsoft.com/office/drawing/2014/main" id="{F6EF8A6A-A94B-E009-2904-00483D9F88E4}"/>
-              </a:ext>
-            </a:extLst>
-          </p:cNvPr>
-          <p:cNvSpPr>
-            <a:spLocks noGrp="1"/>
-          </p:cNvSpPr>
-          <p:nvPr>
-            <p:ph type="body" sz="quarter" idx="16"/>
-          </p:nvPr>
-        </p:nvSpPr>
-        <p:spPr>
-          <a:xfrm>
-            <a:off x="1079500" y="3422469"/>
-            <a:ext cx="15680146" cy="5821414"/>
-          </a:xfrm>
-        </p:spPr>
-        <p:txBody>
-          <a:bodyPr/>
-          <a:lstStyle/>
-          <a:p>
-            <a:pPr algn="just"/>
-            <a:r>
-              <a:rPr lang="cs-CZ" dirty="0"/>
-              <a:t>shrnutí výsledků, zjištěných vztahů,</a:t>
-            </a:r>
-          </a:p>
-          <a:p>
-            <a:pPr algn="just"/>
-            <a:r>
-              <a:rPr lang="cs-CZ" dirty="0"/>
-              <a:t>pokud je nějaké praktické měření, uvézt jako příklad tabulku dat,</a:t>
-            </a:r>
-          </a:p>
-          <a:p>
-            <a:pPr algn="just"/>
-            <a:r>
-              <a:rPr lang="cs-CZ" dirty="0"/>
-              <a:t>součástí je samozřejmě vždy statistické zhodnocení, </a:t>
-            </a:r>
-          </a:p>
-          <a:p>
-            <a:pPr algn="just"/>
-            <a:r>
-              <a:rPr lang="cs-CZ" dirty="0"/>
-              <a:t>byla-li definována hypotéza je zde její diskuse a potvrzení/vyvrácení.</a:t>
-            </a:r>
-          </a:p>
-          <a:p>
-            <a:r>
-              <a:rPr lang="cs-CZ" b="1" dirty="0"/>
-              <a:t>Výsledky by měly být max. na dvě stránky u BP,  tři stránky u DP, pokud možno heslovitě, nikoli vázanou větou! </a:t>
-            </a:r>
-          </a:p>
-          <a:p>
-            <a:r>
-              <a:rPr lang="cs-CZ" b="1" dirty="0"/>
-              <a:t>Je-li to jenom trochu možné, použijte tabulky, grafy,…</a:t>
-            </a:r>
-          </a:p>
-          <a:p>
-            <a:pPr algn="just"/>
-            <a:endParaRPr lang="cs-CZ" dirty="0"/>
-          </a:p>
-        </p:txBody>
-      </p:sp>
-    </p:spTree>
-    <p:extLst>
-      <p:ext uri="{BB962C8B-B14F-4D97-AF65-F5344CB8AC3E}">
-        <p14:creationId xmlns:p14="http://schemas.microsoft.com/office/powerpoint/2010/main" val="2764225651"/>
-      </p:ext>
-    </p:extLst>
-  </p:cSld>
-  <p:clrMapOvr>
-    <a:masterClrMapping/>
-  </p:clrMapOvr>
-</p:sld>
-</file>
-
-<file path=ppt/slides/slide13.xml><?xml version="1.0" encoding="utf-8"?>
-<p:sld xmlns:a="http://schemas.openxmlformats.org/drawingml/2006/main" xmlns:r="http://schemas.openxmlformats.org/officeDocument/2006/relationships" xmlns:p="http://schemas.openxmlformats.org/presentationml/2006/main">
-  <p:cSld>
-    <p:spTree>
-      <p:nvGrpSpPr>
-        <p:cNvPr id="1" name=""/>
-        <p:cNvGrpSpPr/>
-        <p:nvPr/>
-      </p:nvGrpSpPr>
-      <p:grpSpPr>
-        <a:xfrm>
-          <a:off x="0" y="0"/>
-          <a:ext cx="0" cy="0"/>
-          <a:chOff x="0" y="0"/>
-          <a:chExt cx="0" cy="0"/>
-        </a:xfrm>
-      </p:grpSpPr>
-      <p:sp>
-        <p:nvSpPr>
-          <p:cNvPr id="2" name="Zástupný text 1">
-            <a:extLst>
-              <a:ext uri="{FF2B5EF4-FFF2-40B4-BE49-F238E27FC236}">
-                <a16:creationId xmlns:a16="http://schemas.microsoft.com/office/drawing/2014/main" id="{32DEB359-6B80-3613-966B-FAA9301011F6}"/>
-              </a:ext>
-            </a:extLst>
-          </p:cNvPr>
-          <p:cNvSpPr>
-            <a:spLocks noGrp="1"/>
-          </p:cNvSpPr>
-          <p:nvPr>
-            <p:ph type="body" sz="quarter" idx="10"/>
-          </p:nvPr>
-        </p:nvSpPr>
-        <p:spPr/>
-        <p:txBody>
-          <a:bodyPr/>
-          <a:lstStyle/>
-          <a:p>
-            <a:r>
-              <a:rPr lang="cs-CZ" dirty="0"/>
-              <a:t>Závěr</a:t>
-            </a:r>
-          </a:p>
-        </p:txBody>
-      </p:sp>
-      <p:sp>
-        <p:nvSpPr>
-          <p:cNvPr id="3" name="Zástupný text 2">
-            <a:extLst>
-              <a:ext uri="{FF2B5EF4-FFF2-40B4-BE49-F238E27FC236}">
-                <a16:creationId xmlns:a16="http://schemas.microsoft.com/office/drawing/2014/main" id="{3E850045-51D5-2556-4104-278A4FD24E04}"/>
-              </a:ext>
-            </a:extLst>
-          </p:cNvPr>
-          <p:cNvSpPr>
-            <a:spLocks noGrp="1"/>
-          </p:cNvSpPr>
-          <p:nvPr>
-            <p:ph type="body" sz="quarter" idx="12"/>
-          </p:nvPr>
-        </p:nvSpPr>
-        <p:spPr/>
-        <p:txBody>
-          <a:bodyPr/>
-          <a:lstStyle/>
-          <a:p>
-            <a:r>
-              <a:rPr lang="pl-PL" sz="4400" b="1" dirty="0"/>
-              <a:t>Návrh a realizace kontrolního systému na WiFi síti</a:t>
-            </a:r>
-          </a:p>
-        </p:txBody>
-      </p:sp>
-      <p:sp>
-        <p:nvSpPr>
-          <p:cNvPr id="5" name="Zástupný text 4">
-            <a:extLst>
-              <a:ext uri="{FF2B5EF4-FFF2-40B4-BE49-F238E27FC236}">
-                <a16:creationId xmlns:a16="http://schemas.microsoft.com/office/drawing/2014/main" id="{F6EF8A6A-A94B-E009-2904-00483D9F88E4}"/>
-              </a:ext>
-            </a:extLst>
-          </p:cNvPr>
-          <p:cNvSpPr>
-            <a:spLocks noGrp="1"/>
-          </p:cNvSpPr>
-          <p:nvPr>
-            <p:ph type="body" sz="quarter" idx="16"/>
-          </p:nvPr>
-        </p:nvSpPr>
-        <p:spPr>
-          <a:xfrm>
-            <a:off x="1079500" y="3422469"/>
-            <a:ext cx="15680146" cy="5821414"/>
-          </a:xfrm>
-        </p:spPr>
-        <p:txBody>
-          <a:bodyPr/>
-          <a:lstStyle/>
-          <a:p>
-            <a:pPr algn="just"/>
-            <a:r>
-              <a:rPr lang="cs-CZ" dirty="0"/>
-              <a:t>v této části především slovně shrnout výsledky práce, pokud jsou měření tak shrnout i výsledky měření,</a:t>
-            </a:r>
-          </a:p>
-          <a:p>
-            <a:pPr algn="just"/>
-            <a:r>
-              <a:rPr lang="cs-CZ" dirty="0"/>
-              <a:t>podstatné je ale dát zjištěné výsledky a data do souvislostí – tedy co to znamená, jak je interpretovat a jaký skvělý pokrok práce přinesla,</a:t>
-            </a:r>
-          </a:p>
-          <a:p>
-            <a:r>
-              <a:rPr lang="cs-CZ" b="1" dirty="0"/>
-              <a:t>Závěr by měly být max. na jedné stránce, pokud je tam nějaký zásadní graf pak max. na dvou.</a:t>
-            </a:r>
-          </a:p>
-          <a:p>
-            <a:endParaRPr lang="cs-CZ" b="1" dirty="0"/>
-          </a:p>
-          <a:p>
-            <a:pPr algn="just"/>
-            <a:r>
-              <a:rPr lang="cs-CZ" b="1" dirty="0"/>
-              <a:t>Závěr musí být úderný – ten spolu s Úvodem většinou komise poslouchá – tedy nebuďte skromní (ale zase to nepřežeňte, není to děkovačka za Nobelovu cenu!)</a:t>
-            </a:r>
-          </a:p>
-          <a:p>
-            <a:pPr algn="just"/>
-            <a:endParaRPr lang="cs-CZ" dirty="0"/>
-          </a:p>
-        </p:txBody>
-      </p:sp>
-    </p:spTree>
-    <p:extLst>
-      <p:ext uri="{BB962C8B-B14F-4D97-AF65-F5344CB8AC3E}">
-        <p14:creationId xmlns:p14="http://schemas.microsoft.com/office/powerpoint/2010/main" val="655701420"/>
-      </p:ext>
-    </p:extLst>
-  </p:cSld>
-  <p:clrMapOvr>
-    <a:masterClrMapping/>
-  </p:clrMapOvr>
-</p:sld>
-</file>
-
-<file path=ppt/slides/slide14.xml><?xml version="1.0" encoding="utf-8"?>
-<p:sld xmlns:a="http://schemas.openxmlformats.org/drawingml/2006/main" xmlns:r="http://schemas.openxmlformats.org/officeDocument/2006/relationships" xmlns:p="http://schemas.openxmlformats.org/presentationml/2006/main">
-  <p:cSld>
-    <p:spTree>
-      <p:nvGrpSpPr>
-        <p:cNvPr id="1" name=""/>
-        <p:cNvGrpSpPr/>
-        <p:nvPr/>
-      </p:nvGrpSpPr>
-      <p:grpSpPr>
-        <a:xfrm>
-          <a:off x="0" y="0"/>
-          <a:ext cx="0" cy="0"/>
-          <a:chOff x="0" y="0"/>
-          <a:chExt cx="0" cy="0"/>
-        </a:xfrm>
-      </p:grpSpPr>
-      <p:sp>
-        <p:nvSpPr>
-          <p:cNvPr id="2" name="Zástupný text 1">
-            <a:extLst>
-              <a:ext uri="{FF2B5EF4-FFF2-40B4-BE49-F238E27FC236}">
-                <a16:creationId xmlns:a16="http://schemas.microsoft.com/office/drawing/2014/main" id="{32DEB359-6B80-3613-966B-FAA9301011F6}"/>
-              </a:ext>
-            </a:extLst>
-          </p:cNvPr>
-          <p:cNvSpPr>
-            <a:spLocks noGrp="1"/>
-          </p:cNvSpPr>
-          <p:nvPr>
-            <p:ph type="body" sz="quarter" idx="10"/>
-          </p:nvPr>
-        </p:nvSpPr>
-        <p:spPr/>
-        <p:txBody>
-          <a:bodyPr/>
-          <a:lstStyle/>
-          <a:p>
-            <a:r>
-              <a:rPr lang="cs-CZ" dirty="0"/>
-              <a:t>Závěr</a:t>
-            </a:r>
-          </a:p>
-        </p:txBody>
-      </p:sp>
-      <p:sp>
-        <p:nvSpPr>
-          <p:cNvPr id="3" name="Zástupný text 2">
-            <a:extLst>
-              <a:ext uri="{FF2B5EF4-FFF2-40B4-BE49-F238E27FC236}">
-                <a16:creationId xmlns:a16="http://schemas.microsoft.com/office/drawing/2014/main" id="{3E850045-51D5-2556-4104-278A4FD24E04}"/>
-              </a:ext>
-            </a:extLst>
-          </p:cNvPr>
-          <p:cNvSpPr>
-            <a:spLocks noGrp="1"/>
-          </p:cNvSpPr>
-          <p:nvPr>
-            <p:ph type="body" sz="quarter" idx="12"/>
-          </p:nvPr>
-        </p:nvSpPr>
-        <p:spPr/>
-        <p:txBody>
-          <a:bodyPr/>
-          <a:lstStyle/>
-          <a:p>
-            <a:r>
-              <a:rPr lang="pl-PL" sz="4400" b="1" dirty="0"/>
-              <a:t>Návrh a realizace kontrolního systému na WiFi síti</a:t>
-            </a:r>
-          </a:p>
-        </p:txBody>
-      </p:sp>
-      <p:sp>
-        <p:nvSpPr>
-          <p:cNvPr id="5" name="Zástupný text 4">
-            <a:extLst>
-              <a:ext uri="{FF2B5EF4-FFF2-40B4-BE49-F238E27FC236}">
-                <a16:creationId xmlns:a16="http://schemas.microsoft.com/office/drawing/2014/main" id="{F6EF8A6A-A94B-E009-2904-00483D9F88E4}"/>
-              </a:ext>
-            </a:extLst>
-          </p:cNvPr>
-          <p:cNvSpPr>
-            <a:spLocks noGrp="1"/>
-          </p:cNvSpPr>
-          <p:nvPr>
-            <p:ph type="body" sz="quarter" idx="16"/>
-          </p:nvPr>
-        </p:nvSpPr>
-        <p:spPr>
-          <a:xfrm>
-            <a:off x="1079500" y="3422469"/>
-            <a:ext cx="15680146" cy="5821414"/>
-          </a:xfrm>
-        </p:spPr>
-        <p:txBody>
-          <a:bodyPr/>
-          <a:lstStyle/>
-          <a:p>
-            <a:pPr algn="just"/>
-            <a:r>
-              <a:rPr lang="cs-CZ" dirty="0"/>
-              <a:t>zde student ukončí svoji obhajobu a čeká na přečtení posudků vedoucího práce a oponenta,</a:t>
-            </a:r>
-          </a:p>
-          <a:p>
-            <a:pPr algn="just"/>
-            <a:r>
-              <a:rPr lang="cs-CZ" dirty="0"/>
-              <a:t>je-li v oponentském posudku nějaký dotaz, bude později vyzván na odpověď – neodpovídá hned!</a:t>
-            </a:r>
-          </a:p>
-          <a:p>
-            <a:pPr algn="just"/>
-            <a:endParaRPr lang="cs-CZ" dirty="0"/>
-          </a:p>
-          <a:p>
-            <a:pPr algn="just"/>
-            <a:r>
-              <a:rPr lang="cs-CZ" b="1" dirty="0"/>
-              <a:t>Teprve na výzvu (zpravidla předsedy komise)  „překlikne“ na následující slide, kde na každém slide bude otázka a odpověď, tedy pokud má oponent tři otázky, budou tam tři slide..</a:t>
-            </a:r>
-          </a:p>
-          <a:p>
-            <a:pPr marL="0" indent="0" algn="just">
-              <a:buNone/>
-            </a:pPr>
-            <a:endParaRPr lang="cs-CZ" dirty="0"/>
-          </a:p>
-        </p:txBody>
-      </p:sp>
-    </p:spTree>
-    <p:extLst>
-      <p:ext uri="{BB962C8B-B14F-4D97-AF65-F5344CB8AC3E}">
-        <p14:creationId xmlns:p14="http://schemas.microsoft.com/office/powerpoint/2010/main" val="2495709030"/>
-      </p:ext>
-    </p:extLst>
-  </p:cSld>
-  <p:clrMapOvr>
-    <a:masterClrMapping/>
-  </p:clrMapOvr>
-</p:sld>
-</file>
-
-<file path=ppt/slides/slide15.xml><?xml version="1.0" encoding="utf-8"?>
-<p:sld xmlns:a="http://schemas.openxmlformats.org/drawingml/2006/main" xmlns:r="http://schemas.openxmlformats.org/officeDocument/2006/relationships" xmlns:p="http://schemas.openxmlformats.org/presentationml/2006/main">
-  <p:cSld>
-    <p:spTree>
-      <p:nvGrpSpPr>
-        <p:cNvPr id="1" name=""/>
-        <p:cNvGrpSpPr/>
-        <p:nvPr/>
-      </p:nvGrpSpPr>
-      <p:grpSpPr>
-        <a:xfrm>
-          <a:off x="0" y="0"/>
-          <a:ext cx="0" cy="0"/>
-          <a:chOff x="0" y="0"/>
-          <a:chExt cx="0" cy="0"/>
-        </a:xfrm>
-      </p:grpSpPr>
-      <p:sp>
-        <p:nvSpPr>
-          <p:cNvPr id="2" name="Zástupný text 1">
-            <a:extLst>
-              <a:ext uri="{FF2B5EF4-FFF2-40B4-BE49-F238E27FC236}">
-                <a16:creationId xmlns:a16="http://schemas.microsoft.com/office/drawing/2014/main" id="{32DEB359-6B80-3613-966B-FAA9301011F6}"/>
-              </a:ext>
-            </a:extLst>
-          </p:cNvPr>
-          <p:cNvSpPr>
-            <a:spLocks noGrp="1"/>
-          </p:cNvSpPr>
-          <p:nvPr>
-            <p:ph type="body" sz="quarter" idx="10"/>
-          </p:nvPr>
-        </p:nvSpPr>
-        <p:spPr/>
-        <p:txBody>
-          <a:bodyPr/>
-          <a:lstStyle/>
-          <a:p>
-            <a:r>
-              <a:rPr lang="cs-CZ" sz="8800" dirty="0"/>
-              <a:t>Otázka oponenta č.1</a:t>
-            </a:r>
-            <a:endParaRPr lang="cs-CZ" dirty="0"/>
-          </a:p>
-        </p:txBody>
-      </p:sp>
-      <p:sp>
-        <p:nvSpPr>
-          <p:cNvPr id="3" name="Zástupný text 2">
-            <a:extLst>
-              <a:ext uri="{FF2B5EF4-FFF2-40B4-BE49-F238E27FC236}">
-                <a16:creationId xmlns:a16="http://schemas.microsoft.com/office/drawing/2014/main" id="{3E850045-51D5-2556-4104-278A4FD24E04}"/>
-              </a:ext>
-            </a:extLst>
-          </p:cNvPr>
-          <p:cNvSpPr>
-            <a:spLocks noGrp="1"/>
-          </p:cNvSpPr>
-          <p:nvPr>
-            <p:ph type="body" sz="quarter" idx="12"/>
-          </p:nvPr>
-        </p:nvSpPr>
-        <p:spPr/>
-        <p:txBody>
-          <a:bodyPr/>
-          <a:lstStyle/>
-          <a:p>
-            <a:r>
-              <a:rPr lang="pl-PL" sz="4400" b="1" dirty="0"/>
-              <a:t>Návrh a realizace kontrolního systému na WiFi síti</a:t>
-            </a:r>
-          </a:p>
-        </p:txBody>
-      </p:sp>
-      <p:sp>
-        <p:nvSpPr>
-          <p:cNvPr id="5" name="Zástupný text 4">
-            <a:extLst>
-              <a:ext uri="{FF2B5EF4-FFF2-40B4-BE49-F238E27FC236}">
-                <a16:creationId xmlns:a16="http://schemas.microsoft.com/office/drawing/2014/main" id="{F6EF8A6A-A94B-E009-2904-00483D9F88E4}"/>
-              </a:ext>
-            </a:extLst>
-          </p:cNvPr>
-          <p:cNvSpPr>
-            <a:spLocks noGrp="1"/>
-          </p:cNvSpPr>
-          <p:nvPr>
-            <p:ph type="body" sz="quarter" idx="16"/>
-          </p:nvPr>
-        </p:nvSpPr>
-        <p:spPr>
-          <a:xfrm>
-            <a:off x="1079500" y="3422469"/>
-            <a:ext cx="15680146" cy="5821414"/>
-          </a:xfrm>
-        </p:spPr>
-        <p:txBody>
-          <a:bodyPr/>
-          <a:lstStyle/>
-          <a:p>
-            <a:pPr marL="0" indent="0">
-              <a:buNone/>
-            </a:pPr>
-            <a:r>
-              <a:rPr lang="cs-CZ" sz="4800" dirty="0"/>
-              <a:t>„</a:t>
-            </a:r>
-            <a:r>
-              <a:rPr lang="cs-CZ" sz="4800" b="1" dirty="0">
-                <a:effectLst>
-                  <a:outerShdw blurRad="38100" dist="38100" dir="2700000" algn="tl">
-                    <a:srgbClr val="000000">
-                      <a:alpha val="43137"/>
-                    </a:srgbClr>
-                  </a:outerShdw>
-                </a:effectLst>
-              </a:rPr>
-              <a:t>Na str. 49 je uvedeno: „</a:t>
-            </a:r>
-            <a:r>
-              <a:rPr lang="cs-CZ" sz="4800" b="1" dirty="0" err="1">
-                <a:effectLst>
-                  <a:outerShdw blurRad="38100" dist="38100" dir="2700000" algn="tl">
-                    <a:srgbClr val="000000">
-                      <a:alpha val="43137"/>
-                    </a:srgbClr>
-                  </a:outerShdw>
-                </a:effectLst>
-              </a:rPr>
-              <a:t>For</a:t>
-            </a:r>
-            <a:r>
-              <a:rPr lang="cs-CZ" sz="4800" b="1" dirty="0">
-                <a:effectLst>
-                  <a:outerShdw blurRad="38100" dist="38100" dir="2700000" algn="tl">
-                    <a:srgbClr val="000000">
-                      <a:alpha val="43137"/>
-                    </a:srgbClr>
-                  </a:outerShdw>
-                </a:effectLst>
-              </a:rPr>
-              <a:t> byl zvolen místo </a:t>
-            </a:r>
-            <a:r>
-              <a:rPr lang="cs-CZ" sz="4800" b="1" dirty="0" err="1">
-                <a:effectLst>
-                  <a:outerShdw blurRad="38100" dist="38100" dir="2700000" algn="tl">
-                    <a:srgbClr val="000000">
-                      <a:alpha val="43137"/>
-                    </a:srgbClr>
-                  </a:outerShdw>
-                </a:effectLst>
-              </a:rPr>
-              <a:t>foreach</a:t>
-            </a:r>
-            <a:r>
-              <a:rPr lang="cs-CZ" sz="4800" b="1" dirty="0">
-                <a:effectLst>
-                  <a:outerShdw blurRad="38100" dist="38100" dir="2700000" algn="tl">
-                    <a:srgbClr val="000000">
-                      <a:alpha val="43137"/>
-                    </a:srgbClr>
-                  </a:outerShdw>
-                </a:effectLst>
-              </a:rPr>
-              <a:t> proto, aby bylo možné v chybové hlášce přesně určit místo, kde nastal problém.“ Vysvětlete rozdíl mezi příkazy </a:t>
-            </a:r>
-            <a:r>
-              <a:rPr lang="cs-CZ" sz="4800" b="1" dirty="0" err="1">
-                <a:effectLst>
-                  <a:outerShdw blurRad="38100" dist="38100" dir="2700000" algn="tl">
-                    <a:srgbClr val="000000">
-                      <a:alpha val="43137"/>
-                    </a:srgbClr>
-                  </a:outerShdw>
-                </a:effectLst>
-              </a:rPr>
-              <a:t>for</a:t>
-            </a:r>
-            <a:r>
-              <a:rPr lang="cs-CZ" sz="4800" b="1" dirty="0">
-                <a:effectLst>
-                  <a:outerShdw blurRad="38100" dist="38100" dir="2700000" algn="tl">
-                    <a:srgbClr val="000000">
-                      <a:alpha val="43137"/>
-                    </a:srgbClr>
-                  </a:outerShdw>
-                </a:effectLst>
-              </a:rPr>
-              <a:t> a </a:t>
-            </a:r>
-            <a:r>
-              <a:rPr lang="cs-CZ" sz="4800" b="1" dirty="0" err="1">
-                <a:effectLst>
-                  <a:outerShdw blurRad="38100" dist="38100" dir="2700000" algn="tl">
-                    <a:srgbClr val="000000">
-                      <a:alpha val="43137"/>
-                    </a:srgbClr>
-                  </a:outerShdw>
-                </a:effectLst>
-              </a:rPr>
-              <a:t>foreach</a:t>
-            </a:r>
-            <a:r>
-              <a:rPr lang="cs-CZ" sz="4800" b="1" dirty="0">
-                <a:effectLst>
-                  <a:outerShdw blurRad="38100" dist="38100" dir="2700000" algn="tl">
-                    <a:srgbClr val="000000">
-                      <a:alpha val="43137"/>
-                    </a:srgbClr>
-                  </a:outerShdw>
-                </a:effectLst>
-              </a:rPr>
-              <a:t> a proč druhý z nich neumožňuje přesné určení místa výskytu chyby. “</a:t>
-            </a:r>
-          </a:p>
-          <a:p>
-            <a:r>
-              <a:rPr lang="cs-CZ" b="1" dirty="0" err="1"/>
-              <a:t>For</a:t>
-            </a:r>
-            <a:r>
-              <a:rPr lang="cs-CZ" b="1" dirty="0"/>
-              <a:t> = k dispozici index</a:t>
-            </a:r>
-          </a:p>
-          <a:p>
-            <a:r>
-              <a:rPr lang="cs-CZ" b="1" dirty="0" err="1"/>
-              <a:t>Foreach</a:t>
-            </a:r>
-            <a:r>
-              <a:rPr lang="cs-CZ" b="1" dirty="0"/>
-              <a:t> = k dispozici prvek kolekce (v tomto případě znak)</a:t>
-            </a:r>
-          </a:p>
-          <a:p>
-            <a:endParaRPr lang="cs-CZ" b="1" dirty="0"/>
-          </a:p>
-          <a:p>
-            <a:pPr marL="0" indent="0" algn="just">
-              <a:buNone/>
-            </a:pPr>
-            <a:endParaRPr lang="cs-CZ" dirty="0"/>
-          </a:p>
-        </p:txBody>
-      </p:sp>
-    </p:spTree>
-    <p:extLst>
-      <p:ext uri="{BB962C8B-B14F-4D97-AF65-F5344CB8AC3E}">
-        <p14:creationId xmlns:p14="http://schemas.microsoft.com/office/powerpoint/2010/main" val="481893954"/>
-      </p:ext>
-    </p:extLst>
-  </p:cSld>
-  <p:clrMapOvr>
-    <a:masterClrMapping/>
-  </p:clrMapOvr>
-</p:sld>
-</file>
-
-<file path=ppt/slides/slide16.xml><?xml version="1.0" encoding="utf-8"?>
-<p:sld xmlns:a="http://schemas.openxmlformats.org/drawingml/2006/main" xmlns:r="http://schemas.openxmlformats.org/officeDocument/2006/relationships" xmlns:p="http://schemas.openxmlformats.org/presentationml/2006/main">
-  <p:cSld>
-    <p:spTree>
-      <p:nvGrpSpPr>
-        <p:cNvPr id="1" name=""/>
-        <p:cNvGrpSpPr/>
-        <p:nvPr/>
-      </p:nvGrpSpPr>
-      <p:grpSpPr>
-        <a:xfrm>
-          <a:off x="0" y="0"/>
-          <a:ext cx="0" cy="0"/>
-          <a:chOff x="0" y="0"/>
-          <a:chExt cx="0" cy="0"/>
-        </a:xfrm>
-      </p:grpSpPr>
-      <p:sp>
-        <p:nvSpPr>
-          <p:cNvPr id="2" name="Zástupný text 1">
-            <a:extLst>
-              <a:ext uri="{FF2B5EF4-FFF2-40B4-BE49-F238E27FC236}">
-                <a16:creationId xmlns:a16="http://schemas.microsoft.com/office/drawing/2014/main" id="{32DEB359-6B80-3613-966B-FAA9301011F6}"/>
-              </a:ext>
-            </a:extLst>
-          </p:cNvPr>
-          <p:cNvSpPr>
-            <a:spLocks noGrp="1"/>
-          </p:cNvSpPr>
-          <p:nvPr>
-            <p:ph type="body" sz="quarter" idx="10"/>
-          </p:nvPr>
-        </p:nvSpPr>
-        <p:spPr/>
-        <p:txBody>
-          <a:bodyPr/>
-          <a:lstStyle/>
-          <a:p>
-            <a:r>
-              <a:rPr lang="cs-CZ" sz="8800" dirty="0"/>
-              <a:t>Otázka oponenta č.2</a:t>
-            </a:r>
-            <a:endParaRPr lang="cs-CZ" dirty="0"/>
-          </a:p>
-        </p:txBody>
-      </p:sp>
-      <p:sp>
-        <p:nvSpPr>
-          <p:cNvPr id="3" name="Zástupný text 2">
-            <a:extLst>
-              <a:ext uri="{FF2B5EF4-FFF2-40B4-BE49-F238E27FC236}">
-                <a16:creationId xmlns:a16="http://schemas.microsoft.com/office/drawing/2014/main" id="{3E850045-51D5-2556-4104-278A4FD24E04}"/>
-              </a:ext>
-            </a:extLst>
-          </p:cNvPr>
-          <p:cNvSpPr>
-            <a:spLocks noGrp="1"/>
-          </p:cNvSpPr>
-          <p:nvPr>
-            <p:ph type="body" sz="quarter" idx="12"/>
-          </p:nvPr>
-        </p:nvSpPr>
-        <p:spPr/>
-        <p:txBody>
-          <a:bodyPr/>
-          <a:lstStyle/>
-          <a:p>
-            <a:r>
-              <a:rPr lang="pl-PL" sz="4400" b="1" dirty="0"/>
-              <a:t>Návrh a realizace kontrolního systému na WiFi síti</a:t>
-            </a:r>
-          </a:p>
-        </p:txBody>
-      </p:sp>
-      <p:sp>
-        <p:nvSpPr>
-          <p:cNvPr id="5" name="Zástupný text 4">
-            <a:extLst>
-              <a:ext uri="{FF2B5EF4-FFF2-40B4-BE49-F238E27FC236}">
-                <a16:creationId xmlns:a16="http://schemas.microsoft.com/office/drawing/2014/main" id="{F6EF8A6A-A94B-E009-2904-00483D9F88E4}"/>
-              </a:ext>
-            </a:extLst>
-          </p:cNvPr>
-          <p:cNvSpPr>
-            <a:spLocks noGrp="1"/>
-          </p:cNvSpPr>
-          <p:nvPr>
-            <p:ph type="body" sz="quarter" idx="16"/>
-          </p:nvPr>
-        </p:nvSpPr>
-        <p:spPr>
-          <a:xfrm>
-            <a:off x="1079500" y="3422469"/>
-            <a:ext cx="15680146" cy="5821414"/>
-          </a:xfrm>
-        </p:spPr>
-        <p:txBody>
-          <a:bodyPr/>
-          <a:lstStyle/>
-          <a:p>
-            <a:pPr marL="0" indent="0">
-              <a:buNone/>
-            </a:pPr>
-            <a:r>
-              <a:rPr lang="cs-CZ" sz="4800" dirty="0"/>
-              <a:t>„</a:t>
-            </a:r>
-            <a:r>
-              <a:rPr lang="cs-CZ" sz="4800" b="1" dirty="0">
-                <a:effectLst>
-                  <a:outerShdw blurRad="38100" dist="38100" dir="2700000" algn="tl">
-                    <a:srgbClr val="000000">
-                      <a:alpha val="43137"/>
-                    </a:srgbClr>
-                  </a:outerShdw>
-                </a:effectLst>
-              </a:rPr>
-              <a:t> Na str. 43, a poté několikrát dále v práci, zmiňujete „výsledek, levou a pravou hodnotu“ datového toku. Vysvětlete blíže význam těchto hodnot.“</a:t>
-            </a:r>
-          </a:p>
-          <a:p>
-            <a:endParaRPr lang="cs-CZ" b="1" dirty="0"/>
-          </a:p>
-          <a:p>
-            <a:pPr algn="just"/>
-            <a:r>
-              <a:rPr lang="cs-CZ" b="1" dirty="0"/>
-              <a:t>Levá hodnota = hodnota nalevo od operátoru</a:t>
-            </a:r>
-          </a:p>
-          <a:p>
-            <a:pPr algn="just"/>
-            <a:r>
-              <a:rPr lang="cs-CZ" b="1" dirty="0"/>
-              <a:t>Pravá hodnota = hodnota napravo od operátoru</a:t>
-            </a:r>
-          </a:p>
-          <a:p>
-            <a:pPr algn="just"/>
-            <a:r>
-              <a:rPr lang="cs-CZ" b="1" dirty="0"/>
-              <a:t>Výsledek = výsledek operace</a:t>
-            </a:r>
-            <a:endParaRPr lang="cs-CZ" dirty="0"/>
-          </a:p>
-          <a:p>
-            <a:pPr marL="0" indent="0" algn="just">
-              <a:buNone/>
-            </a:pPr>
-            <a:endParaRPr lang="cs-CZ" dirty="0"/>
-          </a:p>
-        </p:txBody>
-      </p:sp>
-    </p:spTree>
-    <p:extLst>
-      <p:ext uri="{BB962C8B-B14F-4D97-AF65-F5344CB8AC3E}">
-        <p14:creationId xmlns:p14="http://schemas.microsoft.com/office/powerpoint/2010/main" val="906891428"/>
-      </p:ext>
-    </p:extLst>
-  </p:cSld>
-  <p:clrMapOvr>
-    <a:masterClrMapping/>
-  </p:clrMapOvr>
-</p:sld>
-</file>
-
-<file path=ppt/slides/slide17.xml><?xml version="1.0" encoding="utf-8"?>
-<p:sld xmlns:a="http://schemas.openxmlformats.org/drawingml/2006/main" xmlns:r="http://schemas.openxmlformats.org/officeDocument/2006/relationships" xmlns:p="http://schemas.openxmlformats.org/presentationml/2006/main">
-  <p:cSld>
-    <p:spTree>
-      <p:nvGrpSpPr>
-        <p:cNvPr id="1" name="">
-          <a:extLst>
-            <a:ext uri="{FF2B5EF4-FFF2-40B4-BE49-F238E27FC236}">
-              <a16:creationId xmlns:a16="http://schemas.microsoft.com/office/drawing/2014/main" id="{67E4A788-7510-1124-96A9-7BB43ACB30A0}"/>
-            </a:ext>
-          </a:extLst>
-        </p:cNvPr>
-        <p:cNvGrpSpPr/>
-        <p:nvPr/>
-      </p:nvGrpSpPr>
-      <p:grpSpPr>
-        <a:xfrm>
-          <a:off x="0" y="0"/>
-          <a:ext cx="0" cy="0"/>
-          <a:chOff x="0" y="0"/>
-          <a:chExt cx="0" cy="0"/>
-        </a:xfrm>
-      </p:grpSpPr>
-      <p:sp>
-        <p:nvSpPr>
-          <p:cNvPr id="2" name="Zástupný text 1">
-            <a:extLst>
-              <a:ext uri="{FF2B5EF4-FFF2-40B4-BE49-F238E27FC236}">
-                <a16:creationId xmlns:a16="http://schemas.microsoft.com/office/drawing/2014/main" id="{49950821-6444-5A7C-DC7D-FBE207796CEB}"/>
-              </a:ext>
-            </a:extLst>
-          </p:cNvPr>
-          <p:cNvSpPr>
-            <a:spLocks noGrp="1"/>
-          </p:cNvSpPr>
-          <p:nvPr>
-            <p:ph type="body" sz="quarter" idx="10"/>
-          </p:nvPr>
-        </p:nvSpPr>
-        <p:spPr/>
-        <p:txBody>
-          <a:bodyPr/>
-          <a:lstStyle/>
-          <a:p>
-            <a:r>
-              <a:rPr lang="cs-CZ" sz="8800" dirty="0"/>
-              <a:t>Otázka oponenta č.3</a:t>
-            </a:r>
-            <a:endParaRPr lang="cs-CZ" dirty="0"/>
-          </a:p>
-        </p:txBody>
-      </p:sp>
-      <p:sp>
-        <p:nvSpPr>
-          <p:cNvPr id="3" name="Zástupný text 2">
-            <a:extLst>
-              <a:ext uri="{FF2B5EF4-FFF2-40B4-BE49-F238E27FC236}">
-                <a16:creationId xmlns:a16="http://schemas.microsoft.com/office/drawing/2014/main" id="{88EAE539-863A-2291-3BCE-66B82132280B}"/>
-              </a:ext>
-            </a:extLst>
-          </p:cNvPr>
-          <p:cNvSpPr>
-            <a:spLocks noGrp="1"/>
-          </p:cNvSpPr>
-          <p:nvPr>
-            <p:ph type="body" sz="quarter" idx="12"/>
-          </p:nvPr>
-        </p:nvSpPr>
-        <p:spPr/>
-        <p:txBody>
-          <a:bodyPr/>
-          <a:lstStyle/>
-          <a:p>
-            <a:r>
-              <a:rPr lang="pl-PL" sz="4400" b="1" dirty="0"/>
-              <a:t>Návrh a realizace kontrolního systému na WiFi síti</a:t>
-            </a:r>
-          </a:p>
-        </p:txBody>
-      </p:sp>
-      <p:sp>
-        <p:nvSpPr>
-          <p:cNvPr id="5" name="Zástupný text 4">
-            <a:extLst>
-              <a:ext uri="{FF2B5EF4-FFF2-40B4-BE49-F238E27FC236}">
-                <a16:creationId xmlns:a16="http://schemas.microsoft.com/office/drawing/2014/main" id="{167A1AE3-7914-2143-31D6-A9073563247E}"/>
-              </a:ext>
-            </a:extLst>
-          </p:cNvPr>
-          <p:cNvSpPr>
-            <a:spLocks noGrp="1"/>
-          </p:cNvSpPr>
-          <p:nvPr>
-            <p:ph type="body" sz="quarter" idx="16"/>
-          </p:nvPr>
-        </p:nvSpPr>
-        <p:spPr>
-          <a:xfrm>
-            <a:off x="1079500" y="3422469"/>
-            <a:ext cx="15680146" cy="5821414"/>
-          </a:xfrm>
-        </p:spPr>
-        <p:txBody>
-          <a:bodyPr/>
-          <a:lstStyle/>
-          <a:p>
-            <a:pPr marL="0" indent="0">
-              <a:buNone/>
-            </a:pPr>
-            <a:r>
-              <a:rPr lang="cs-CZ" sz="4800" dirty="0"/>
-              <a:t>„</a:t>
-            </a:r>
-            <a:r>
-              <a:rPr lang="cs-CZ" sz="4800" b="1" dirty="0">
-                <a:effectLst>
-                  <a:outerShdw blurRad="38100" dist="38100" dir="2700000" algn="tl">
-                    <a:srgbClr val="000000">
-                      <a:alpha val="43137"/>
-                    </a:srgbClr>
-                  </a:outerShdw>
-                </a:effectLst>
-              </a:rPr>
-              <a:t>V závěru uvádíte, že vizualizace nebyla implementována. Jakým způsobem byste tuto vizualizaci realizoval a co by k tomu bylo potřeba? “</a:t>
-            </a:r>
-          </a:p>
-          <a:p>
-            <a:endParaRPr lang="cs-CZ" b="1" dirty="0"/>
-          </a:p>
-          <a:p>
-            <a:pPr algn="just"/>
-            <a:r>
-              <a:rPr lang="cs-CZ" b="1" dirty="0"/>
-              <a:t>Realizoval bych jí jako grafy</a:t>
-            </a:r>
-          </a:p>
-          <a:p>
-            <a:pPr algn="just"/>
-            <a:r>
-              <a:rPr lang="cs-CZ" b="1" dirty="0"/>
-              <a:t>Byla by potřeba knihovna třetí strany obsahující graf</a:t>
-            </a:r>
-            <a:endParaRPr lang="cs-CZ" dirty="0"/>
-          </a:p>
-          <a:p>
-            <a:pPr marL="0" indent="0" algn="just">
-              <a:buNone/>
-            </a:pPr>
-            <a:endParaRPr lang="cs-CZ" dirty="0"/>
-          </a:p>
-        </p:txBody>
-      </p:sp>
-    </p:spTree>
-    <p:extLst>
-      <p:ext uri="{BB962C8B-B14F-4D97-AF65-F5344CB8AC3E}">
-        <p14:creationId xmlns:p14="http://schemas.microsoft.com/office/powerpoint/2010/main" val="2938125489"/>
-      </p:ext>
-    </p:extLst>
-  </p:cSld>
-  <p:clrMapOvr>
-    <a:masterClrMapping/>
-  </p:clrMapOvr>
-</p:sld>
-</file>
-
-<file path=ppt/slides/slide2.xml><?xml version="1.0" encoding="utf-8"?>
-<p:sld xmlns:a="http://schemas.openxmlformats.org/drawingml/2006/main" xmlns:r="http://schemas.openxmlformats.org/officeDocument/2006/relationships" xmlns:p="http://schemas.openxmlformats.org/presentationml/2006/main">
-  <p:cSld>
-    <p:spTree>
-      <p:nvGrpSpPr>
-        <p:cNvPr id="1" name=""/>
-        <p:cNvGrpSpPr/>
-        <p:nvPr/>
-      </p:nvGrpSpPr>
-      <p:grpSpPr>
-        <a:xfrm>
-          <a:off x="0" y="0"/>
-          <a:ext cx="0" cy="0"/>
-          <a:chOff x="0" y="0"/>
-          <a:chExt cx="0" cy="0"/>
-        </a:xfrm>
-      </p:grpSpPr>
-      <p:sp>
-        <p:nvSpPr>
-          <p:cNvPr id="2" name="Zástupný text 1">
-            <a:extLst>
-              <a:ext uri="{FF2B5EF4-FFF2-40B4-BE49-F238E27FC236}">
-                <a16:creationId xmlns:a16="http://schemas.microsoft.com/office/drawing/2014/main" id="{32DEB359-6B80-3613-966B-FAA9301011F6}"/>
-              </a:ext>
-            </a:extLst>
-          </p:cNvPr>
-          <p:cNvSpPr>
-            <a:spLocks noGrp="1"/>
-          </p:cNvSpPr>
-          <p:nvPr>
-            <p:ph type="body" sz="quarter" idx="10"/>
-          </p:nvPr>
-        </p:nvSpPr>
-        <p:spPr/>
-        <p:txBody>
-          <a:bodyPr/>
-          <a:lstStyle/>
-          <a:p>
-            <a:r>
-              <a:rPr lang="cs-CZ" dirty="0"/>
-              <a:t>Úvod</a:t>
-            </a:r>
-          </a:p>
-        </p:txBody>
-      </p:sp>
-      <p:sp>
-        <p:nvSpPr>
-          <p:cNvPr id="3" name="Zástupný text 2">
-            <a:extLst>
-              <a:ext uri="{FF2B5EF4-FFF2-40B4-BE49-F238E27FC236}">
-                <a16:creationId xmlns:a16="http://schemas.microsoft.com/office/drawing/2014/main" id="{3E850045-51D5-2556-4104-278A4FD24E04}"/>
-              </a:ext>
-            </a:extLst>
-          </p:cNvPr>
-          <p:cNvSpPr>
-            <a:spLocks noGrp="1"/>
-          </p:cNvSpPr>
-          <p:nvPr>
-            <p:ph type="body" sz="quarter" idx="12"/>
-          </p:nvPr>
-        </p:nvSpPr>
-        <p:spPr/>
-        <p:txBody>
-          <a:bodyPr/>
-          <a:lstStyle/>
-          <a:p>
-            <a:r>
-              <a:rPr lang="pl-PL" sz="4400" b="1" dirty="0"/>
-              <a:t>Návrh a realizace kontrolního systému na WiFi síti</a:t>
-            </a:r>
-          </a:p>
-        </p:txBody>
-      </p:sp>
-      <p:sp>
-        <p:nvSpPr>
-          <p:cNvPr id="5" name="Zástupný text 4">
-            <a:extLst>
-              <a:ext uri="{FF2B5EF4-FFF2-40B4-BE49-F238E27FC236}">
-                <a16:creationId xmlns:a16="http://schemas.microsoft.com/office/drawing/2014/main" id="{F6EF8A6A-A94B-E009-2904-00483D9F88E4}"/>
-              </a:ext>
-            </a:extLst>
-          </p:cNvPr>
-          <p:cNvSpPr>
-            <a:spLocks noGrp="1"/>
-          </p:cNvSpPr>
-          <p:nvPr>
-            <p:ph type="body" sz="quarter" idx="16"/>
-          </p:nvPr>
-        </p:nvSpPr>
-        <p:spPr>
-          <a:xfrm>
-            <a:off x="1079500" y="3422469"/>
-            <a:ext cx="15680146" cy="5821414"/>
-          </a:xfrm>
-        </p:spPr>
-        <p:txBody>
-          <a:bodyPr/>
-          <a:lstStyle/>
-          <a:p>
-            <a:pPr algn="just"/>
-            <a:r>
-              <a:rPr lang="cs-CZ" dirty="0"/>
-              <a:t>Rostoucí zájem o </a:t>
-            </a:r>
-            <a:r>
-              <a:rPr lang="cs-CZ" dirty="0" err="1"/>
-              <a:t>IoT</a:t>
-            </a:r>
-            <a:r>
-              <a:rPr lang="cs-CZ" dirty="0"/>
-              <a:t> a automatizaci</a:t>
-            </a:r>
-          </a:p>
-          <a:p>
-            <a:pPr algn="just"/>
-            <a:r>
-              <a:rPr lang="cs-CZ" dirty="0"/>
-              <a:t>Propojení různých systémů</a:t>
-            </a:r>
-          </a:p>
-          <a:p>
-            <a:pPr algn="just"/>
-            <a:endParaRPr lang="cs-CZ" dirty="0"/>
-          </a:p>
-        </p:txBody>
-      </p:sp>
-    </p:spTree>
-    <p:extLst>
-      <p:ext uri="{BB962C8B-B14F-4D97-AF65-F5344CB8AC3E}">
-        <p14:creationId xmlns:p14="http://schemas.microsoft.com/office/powerpoint/2010/main" val="3001362055"/>
-      </p:ext>
-    </p:extLst>
-  </p:cSld>
-  <p:clrMapOvr>
-    <a:masterClrMapping/>
-  </p:clrMapOvr>
-</p:sld>
-</file>
-
-<file path=ppt/slides/slide3.xml><?xml version="1.0" encoding="utf-8"?>
-<p:sld xmlns:a="http://schemas.openxmlformats.org/drawingml/2006/main" xmlns:r="http://schemas.openxmlformats.org/officeDocument/2006/relationships" xmlns:p="http://schemas.openxmlformats.org/presentationml/2006/main">
-  <p:cSld>
-    <p:spTree>
-      <p:nvGrpSpPr>
-        <p:cNvPr id="1" name=""/>
-        <p:cNvGrpSpPr/>
-        <p:nvPr/>
-      </p:nvGrpSpPr>
-      <p:grpSpPr>
-        <a:xfrm>
-          <a:off x="0" y="0"/>
-          <a:ext cx="0" cy="0"/>
-          <a:chOff x="0" y="0"/>
-          <a:chExt cx="0" cy="0"/>
-        </a:xfrm>
-      </p:grpSpPr>
-      <p:sp>
-        <p:nvSpPr>
-          <p:cNvPr id="2" name="Zástupný text 1">
-            <a:extLst>
-              <a:ext uri="{FF2B5EF4-FFF2-40B4-BE49-F238E27FC236}">
-                <a16:creationId xmlns:a16="http://schemas.microsoft.com/office/drawing/2014/main" id="{32DEB359-6B80-3613-966B-FAA9301011F6}"/>
-              </a:ext>
-            </a:extLst>
-          </p:cNvPr>
-          <p:cNvSpPr>
-            <a:spLocks noGrp="1"/>
-          </p:cNvSpPr>
-          <p:nvPr>
-            <p:ph type="body" sz="quarter" idx="10"/>
-          </p:nvPr>
-        </p:nvSpPr>
-        <p:spPr/>
-        <p:txBody>
-          <a:bodyPr/>
-          <a:lstStyle/>
-          <a:p>
-            <a:r>
-              <a:rPr lang="cs-CZ" dirty="0"/>
-              <a:t>Rozbor současného stavu</a:t>
-            </a:r>
-          </a:p>
-        </p:txBody>
-      </p:sp>
-      <p:sp>
-        <p:nvSpPr>
-          <p:cNvPr id="3" name="Zástupný text 2">
-            <a:extLst>
-              <a:ext uri="{FF2B5EF4-FFF2-40B4-BE49-F238E27FC236}">
-                <a16:creationId xmlns:a16="http://schemas.microsoft.com/office/drawing/2014/main" id="{3E850045-51D5-2556-4104-278A4FD24E04}"/>
-              </a:ext>
-            </a:extLst>
-          </p:cNvPr>
-          <p:cNvSpPr>
-            <a:spLocks noGrp="1"/>
-          </p:cNvSpPr>
-          <p:nvPr>
-            <p:ph type="body" sz="quarter" idx="12"/>
-          </p:nvPr>
-        </p:nvSpPr>
-        <p:spPr/>
-        <p:txBody>
-          <a:bodyPr/>
-          <a:lstStyle/>
-          <a:p>
-            <a:r>
-              <a:rPr lang="pl-PL" sz="4400" b="1" dirty="0"/>
-              <a:t>Návrh a realizace kontrolního systému na WiFi síti</a:t>
-            </a:r>
-          </a:p>
-        </p:txBody>
-      </p:sp>
-      <p:sp>
-        <p:nvSpPr>
-          <p:cNvPr id="5" name="Zástupný text 4">
-            <a:extLst>
-              <a:ext uri="{FF2B5EF4-FFF2-40B4-BE49-F238E27FC236}">
-                <a16:creationId xmlns:a16="http://schemas.microsoft.com/office/drawing/2014/main" id="{F6EF8A6A-A94B-E009-2904-00483D9F88E4}"/>
-              </a:ext>
-            </a:extLst>
-          </p:cNvPr>
-          <p:cNvSpPr>
-            <a:spLocks noGrp="1"/>
-          </p:cNvSpPr>
-          <p:nvPr>
-            <p:ph type="body" sz="quarter" idx="16"/>
-          </p:nvPr>
-        </p:nvSpPr>
-        <p:spPr>
-          <a:xfrm>
-            <a:off x="1079500" y="3422469"/>
-            <a:ext cx="15680146" cy="5821414"/>
-          </a:xfrm>
-        </p:spPr>
-        <p:txBody>
-          <a:bodyPr/>
-          <a:lstStyle/>
-          <a:p>
-            <a:r>
-              <a:rPr lang="cs-CZ" dirty="0"/>
-              <a:t>jednoduchý popis, v jaké stavu je aktuálně řešená problematika v ČR a ve světě,</a:t>
-            </a:r>
-          </a:p>
-          <a:p>
-            <a:r>
-              <a:rPr lang="cs-CZ" dirty="0"/>
-              <a:t>vhodné je vysvětlit principy, doplnit obrázky, případně grafy,</a:t>
-            </a:r>
-          </a:p>
-          <a:p>
-            <a:r>
-              <a:rPr lang="cs-CZ" dirty="0"/>
-              <a:t>v závěru by mohlo být několik citací světových autorů ze </a:t>
-            </a:r>
-            <a:r>
-              <a:rPr lang="cs-CZ" dirty="0" err="1"/>
-              <a:t>Scopus</a:t>
-            </a:r>
-            <a:r>
-              <a:rPr lang="cs-CZ" dirty="0"/>
-              <a:t> či Web </a:t>
-            </a:r>
-            <a:r>
-              <a:rPr lang="cs-CZ" dirty="0" err="1"/>
-              <a:t>of</a:t>
-            </a:r>
-            <a:r>
-              <a:rPr lang="cs-CZ" dirty="0"/>
-              <a:t> science, (a jejich publikací, případně konferencí) kteří se  uvedené problematice aktuálně věnují,</a:t>
-            </a:r>
-          </a:p>
-          <a:p>
-            <a:r>
-              <a:rPr lang="cs-CZ" dirty="0"/>
-              <a:t>na závěr zdůrazníte, že právě v tomto místě navazujete na zmíněné práce….</a:t>
-            </a:r>
-          </a:p>
-          <a:p>
-            <a:r>
-              <a:rPr lang="cs-CZ" dirty="0"/>
-              <a:t>Rozbor by měl být tak </a:t>
-            </a:r>
-            <a:r>
-              <a:rPr lang="cs-CZ" b="1" dirty="0"/>
-              <a:t>max. na dvě </a:t>
-            </a:r>
-            <a:r>
-              <a:rPr lang="cs-CZ" dirty="0"/>
-              <a:t>až tři stránky (lépe dvě). </a:t>
-            </a:r>
-          </a:p>
-          <a:p>
-            <a:r>
-              <a:rPr lang="cs-CZ" b="1" dirty="0"/>
-              <a:t>Pište v heslech – ne souvislé věty!!!! </a:t>
-            </a:r>
-          </a:p>
-          <a:p>
-            <a:r>
-              <a:rPr lang="cs-CZ" b="1" dirty="0"/>
-              <a:t>Spíše schémata, grafy, obrázky, rovnice..</a:t>
-            </a:r>
-          </a:p>
-          <a:p>
-            <a:pPr algn="just"/>
-            <a:endParaRPr lang="cs-CZ" dirty="0"/>
-          </a:p>
-        </p:txBody>
-      </p:sp>
-    </p:spTree>
-    <p:extLst>
-      <p:ext uri="{BB962C8B-B14F-4D97-AF65-F5344CB8AC3E}">
-        <p14:creationId xmlns:p14="http://schemas.microsoft.com/office/powerpoint/2010/main" val="1834898703"/>
-      </p:ext>
-    </p:extLst>
-  </p:cSld>
-  <p:clrMapOvr>
-    <a:masterClrMapping/>
-  </p:clrMapOvr>
-</p:sld>
-</file>
-
-<file path=ppt/slides/slide4.xml><?xml version="1.0" encoding="utf-8"?>
-<p:sld xmlns:a="http://schemas.openxmlformats.org/drawingml/2006/main" xmlns:r="http://schemas.openxmlformats.org/officeDocument/2006/relationships" xmlns:p="http://schemas.openxmlformats.org/presentationml/2006/main">
-  <p:cSld>
-    <p:spTree>
-      <p:nvGrpSpPr>
-        <p:cNvPr id="1" name=""/>
-        <p:cNvGrpSpPr/>
-        <p:nvPr/>
-      </p:nvGrpSpPr>
-      <p:grpSpPr>
-        <a:xfrm>
-          <a:off x="0" y="0"/>
-          <a:ext cx="0" cy="0"/>
-          <a:chOff x="0" y="0"/>
-          <a:chExt cx="0" cy="0"/>
-        </a:xfrm>
-      </p:grpSpPr>
-      <p:sp>
-        <p:nvSpPr>
-          <p:cNvPr id="2" name="Zástupný text 1">
-            <a:extLst>
-              <a:ext uri="{FF2B5EF4-FFF2-40B4-BE49-F238E27FC236}">
-                <a16:creationId xmlns:a16="http://schemas.microsoft.com/office/drawing/2014/main" id="{32DEB359-6B80-3613-966B-FAA9301011F6}"/>
-              </a:ext>
-            </a:extLst>
-          </p:cNvPr>
-          <p:cNvSpPr>
-            <a:spLocks noGrp="1"/>
-          </p:cNvSpPr>
-          <p:nvPr>
-            <p:ph type="body" sz="quarter" idx="10"/>
-          </p:nvPr>
-        </p:nvSpPr>
-        <p:spPr/>
-        <p:txBody>
-          <a:bodyPr/>
-          <a:lstStyle/>
-          <a:p>
-            <a:r>
-              <a:rPr lang="cs-CZ" dirty="0"/>
-              <a:t>Cíl práce</a:t>
-            </a:r>
-          </a:p>
-        </p:txBody>
-      </p:sp>
-      <p:sp>
-        <p:nvSpPr>
-          <p:cNvPr id="3" name="Zástupný text 2">
-            <a:extLst>
-              <a:ext uri="{FF2B5EF4-FFF2-40B4-BE49-F238E27FC236}">
-                <a16:creationId xmlns:a16="http://schemas.microsoft.com/office/drawing/2014/main" id="{3E850045-51D5-2556-4104-278A4FD24E04}"/>
-              </a:ext>
-            </a:extLst>
-          </p:cNvPr>
-          <p:cNvSpPr>
-            <a:spLocks noGrp="1"/>
-          </p:cNvSpPr>
-          <p:nvPr>
-            <p:ph type="body" sz="quarter" idx="12"/>
-          </p:nvPr>
-        </p:nvSpPr>
-        <p:spPr/>
-        <p:txBody>
-          <a:bodyPr/>
-          <a:lstStyle/>
-          <a:p>
-            <a:r>
-              <a:rPr lang="pl-PL" sz="4400" b="1" dirty="0"/>
-              <a:t>Návrh a realizace kontrolního systému na WiFi síti</a:t>
-            </a:r>
-          </a:p>
-        </p:txBody>
-      </p:sp>
-      <p:sp>
-        <p:nvSpPr>
-          <p:cNvPr id="5" name="Zástupný text 4">
-            <a:extLst>
-              <a:ext uri="{FF2B5EF4-FFF2-40B4-BE49-F238E27FC236}">
-                <a16:creationId xmlns:a16="http://schemas.microsoft.com/office/drawing/2014/main" id="{F6EF8A6A-A94B-E009-2904-00483D9F88E4}"/>
-              </a:ext>
-            </a:extLst>
-          </p:cNvPr>
-          <p:cNvSpPr>
-            <a:spLocks noGrp="1"/>
-          </p:cNvSpPr>
-          <p:nvPr>
-            <p:ph type="body" sz="quarter" idx="16"/>
-          </p:nvPr>
-        </p:nvSpPr>
-        <p:spPr>
-          <a:xfrm>
-            <a:off x="1079500" y="3422469"/>
-            <a:ext cx="15680146" cy="5821414"/>
-          </a:xfrm>
-        </p:spPr>
-        <p:txBody>
-          <a:bodyPr/>
-          <a:lstStyle/>
-          <a:p>
-            <a:r>
-              <a:rPr lang="cs-CZ" dirty="0"/>
-              <a:t>Vytvořit systém vykonávající uživatelem zadanou logiku</a:t>
-            </a:r>
-          </a:p>
-          <a:p>
-            <a:pPr lvl="1"/>
-            <a:r>
-              <a:rPr lang="cs-CZ" dirty="0"/>
-              <a:t>Modulární</a:t>
-            </a:r>
-          </a:p>
-          <a:p>
-            <a:pPr lvl="1"/>
-            <a:r>
-              <a:rPr lang="cs-CZ" dirty="0"/>
-              <a:t>Pro používání není nutná znalost programování</a:t>
-            </a:r>
-          </a:p>
-          <a:p>
-            <a:r>
-              <a:rPr lang="cs-CZ" dirty="0"/>
-              <a:t>Vytvoření knihovny pro uzly a vzorovou implementaci</a:t>
-            </a:r>
-          </a:p>
-          <a:p>
-            <a:pPr lvl="1"/>
-            <a:r>
-              <a:rPr lang="cs-CZ" dirty="0"/>
-              <a:t>Přenositelnost napříč platformami</a:t>
-            </a:r>
-          </a:p>
-          <a:p>
-            <a:pPr lvl="1"/>
-            <a:r>
-              <a:rPr lang="cs-CZ" dirty="0"/>
-              <a:t>Použitelnost i s jiným řešením</a:t>
-            </a:r>
-          </a:p>
-          <a:p>
-            <a:pPr algn="just"/>
-            <a:endParaRPr lang="cs-CZ" dirty="0"/>
-          </a:p>
-        </p:txBody>
-      </p:sp>
-    </p:spTree>
-    <p:extLst>
-      <p:ext uri="{BB962C8B-B14F-4D97-AF65-F5344CB8AC3E}">
-        <p14:creationId xmlns:p14="http://schemas.microsoft.com/office/powerpoint/2010/main" val="2073701392"/>
-      </p:ext>
-    </p:extLst>
-  </p:cSld>
-  <p:clrMapOvr>
-    <a:masterClrMapping/>
-  </p:clrMapOvr>
-</p:sld>
-</file>
-
-<file path=ppt/slides/slide5.xml><?xml version="1.0" encoding="utf-8"?>
-<p:sld xmlns:a="http://schemas.openxmlformats.org/drawingml/2006/main" xmlns:r="http://schemas.openxmlformats.org/officeDocument/2006/relationships" xmlns:p="http://schemas.openxmlformats.org/presentationml/2006/main">
-  <p:cSld>
-    <p:spTree>
-      <p:nvGrpSpPr>
-        <p:cNvPr id="1" name=""/>
-        <p:cNvGrpSpPr/>
-        <p:nvPr/>
-      </p:nvGrpSpPr>
-      <p:grpSpPr>
-        <a:xfrm>
-          <a:off x="0" y="0"/>
-          <a:ext cx="0" cy="0"/>
-          <a:chOff x="0" y="0"/>
-          <a:chExt cx="0" cy="0"/>
-        </a:xfrm>
-      </p:grpSpPr>
-      <p:sp>
-        <p:nvSpPr>
-          <p:cNvPr id="2" name="Zástupný text 1">
-            <a:extLst>
-              <a:ext uri="{FF2B5EF4-FFF2-40B4-BE49-F238E27FC236}">
-                <a16:creationId xmlns:a16="http://schemas.microsoft.com/office/drawing/2014/main" id="{32DEB359-6B80-3613-966B-FAA9301011F6}"/>
-              </a:ext>
-            </a:extLst>
-          </p:cNvPr>
-          <p:cNvSpPr>
-            <a:spLocks noGrp="1"/>
-          </p:cNvSpPr>
-          <p:nvPr>
-            <p:ph type="body" sz="quarter" idx="10"/>
-          </p:nvPr>
-        </p:nvSpPr>
-        <p:spPr/>
-        <p:txBody>
-          <a:bodyPr/>
-          <a:lstStyle/>
-          <a:p>
-            <a:r>
-              <a:rPr lang="cs-CZ" dirty="0"/>
-              <a:t>Metodika</a:t>
-            </a:r>
-          </a:p>
-        </p:txBody>
-      </p:sp>
-      <p:sp>
-        <p:nvSpPr>
-          <p:cNvPr id="3" name="Zástupný text 2">
-            <a:extLst>
-              <a:ext uri="{FF2B5EF4-FFF2-40B4-BE49-F238E27FC236}">
-                <a16:creationId xmlns:a16="http://schemas.microsoft.com/office/drawing/2014/main" id="{3E850045-51D5-2556-4104-278A4FD24E04}"/>
-              </a:ext>
-            </a:extLst>
-          </p:cNvPr>
-          <p:cNvSpPr>
-            <a:spLocks noGrp="1"/>
-          </p:cNvSpPr>
-          <p:nvPr>
-            <p:ph type="body" sz="quarter" idx="12"/>
-          </p:nvPr>
-        </p:nvSpPr>
-        <p:spPr/>
-        <p:txBody>
-          <a:bodyPr/>
-          <a:lstStyle/>
-          <a:p>
-            <a:r>
-              <a:rPr lang="pl-PL" sz="4400" b="1" dirty="0"/>
-              <a:t>Návrh a realizace kontrolního systému na WiFi síti</a:t>
-            </a:r>
-          </a:p>
-        </p:txBody>
-      </p:sp>
-      <p:sp>
-        <p:nvSpPr>
-          <p:cNvPr id="5" name="Zástupný text 4">
-            <a:extLst>
-              <a:ext uri="{FF2B5EF4-FFF2-40B4-BE49-F238E27FC236}">
-                <a16:creationId xmlns:a16="http://schemas.microsoft.com/office/drawing/2014/main" id="{F6EF8A6A-A94B-E009-2904-00483D9F88E4}"/>
-              </a:ext>
-            </a:extLst>
-          </p:cNvPr>
-          <p:cNvSpPr>
-            <a:spLocks noGrp="1"/>
-          </p:cNvSpPr>
-          <p:nvPr>
-            <p:ph type="body" sz="quarter" idx="16"/>
-          </p:nvPr>
-        </p:nvSpPr>
-        <p:spPr>
-          <a:xfrm>
-            <a:off x="1079500" y="3422469"/>
-            <a:ext cx="15680146" cy="5821414"/>
-          </a:xfrm>
-        </p:spPr>
-        <p:txBody>
-          <a:bodyPr/>
-          <a:lstStyle/>
-          <a:p>
-            <a:pPr algn="just"/>
-            <a:r>
-              <a:rPr lang="cs-CZ" dirty="0"/>
-              <a:t>Prostudování hardwarových a softwarových možností řešení</a:t>
-            </a:r>
-          </a:p>
-          <a:p>
-            <a:pPr algn="just"/>
-            <a:r>
-              <a:rPr lang="cs-CZ" dirty="0"/>
-              <a:t>Specifikace funkcí systému podle cílů práce</a:t>
-            </a:r>
-          </a:p>
-          <a:p>
-            <a:pPr algn="just"/>
-            <a:r>
-              <a:rPr lang="cs-CZ" dirty="0"/>
-              <a:t>Návrh tříd</a:t>
-            </a:r>
-          </a:p>
-          <a:p>
-            <a:pPr algn="just"/>
-            <a:r>
-              <a:rPr lang="cs-CZ" dirty="0"/>
-              <a:t>Realizace</a:t>
-            </a:r>
-          </a:p>
-          <a:p>
-            <a:pPr algn="just"/>
-            <a:endParaRPr lang="cs-CZ" dirty="0"/>
-          </a:p>
-        </p:txBody>
-      </p:sp>
-    </p:spTree>
-    <p:extLst>
-      <p:ext uri="{BB962C8B-B14F-4D97-AF65-F5344CB8AC3E}">
-        <p14:creationId xmlns:p14="http://schemas.microsoft.com/office/powerpoint/2010/main" val="4205360344"/>
-      </p:ext>
-    </p:extLst>
-  </p:cSld>
-  <p:clrMapOvr>
-    <a:masterClrMapping/>
-  </p:clrMapOvr>
-</p:sld>
-</file>
-
-<file path=ppt/slides/slide6.xml><?xml version="1.0" encoding="utf-8"?>
-<p:sld xmlns:a="http://schemas.openxmlformats.org/drawingml/2006/main" xmlns:r="http://schemas.openxmlformats.org/officeDocument/2006/relationships" xmlns:p="http://schemas.openxmlformats.org/presentationml/2006/main">
-  <p:cSld>
-    <p:spTree>
-      <p:nvGrpSpPr>
-        <p:cNvPr id="1" name=""/>
-        <p:cNvGrpSpPr/>
-        <p:nvPr/>
-      </p:nvGrpSpPr>
-      <p:grpSpPr>
-        <a:xfrm>
-          <a:off x="0" y="0"/>
-          <a:ext cx="0" cy="0"/>
-          <a:chOff x="0" y="0"/>
-          <a:chExt cx="0" cy="0"/>
-        </a:xfrm>
-      </p:grpSpPr>
-      <p:sp>
-        <p:nvSpPr>
-          <p:cNvPr id="2" name="Zástupný text 1">
-            <a:extLst>
-              <a:ext uri="{FF2B5EF4-FFF2-40B4-BE49-F238E27FC236}">
-                <a16:creationId xmlns:a16="http://schemas.microsoft.com/office/drawing/2014/main" id="{32DEB359-6B80-3613-966B-FAA9301011F6}"/>
-              </a:ext>
-            </a:extLst>
-          </p:cNvPr>
-          <p:cNvSpPr>
-            <a:spLocks noGrp="1"/>
-          </p:cNvSpPr>
-          <p:nvPr>
-            <p:ph type="body" sz="quarter" idx="10"/>
-          </p:nvPr>
-        </p:nvSpPr>
-        <p:spPr/>
-        <p:txBody>
-          <a:bodyPr/>
-          <a:lstStyle/>
-          <a:p>
-            <a:r>
-              <a:rPr lang="cs-CZ" dirty="0"/>
-              <a:t>Princip komunikace</a:t>
-            </a:r>
-          </a:p>
-        </p:txBody>
-      </p:sp>
-      <p:sp>
-        <p:nvSpPr>
-          <p:cNvPr id="3" name="Zástupný text 2">
-            <a:extLst>
-              <a:ext uri="{FF2B5EF4-FFF2-40B4-BE49-F238E27FC236}">
-                <a16:creationId xmlns:a16="http://schemas.microsoft.com/office/drawing/2014/main" id="{3E850045-51D5-2556-4104-278A4FD24E04}"/>
-              </a:ext>
-            </a:extLst>
-          </p:cNvPr>
-          <p:cNvSpPr>
-            <a:spLocks noGrp="1"/>
-          </p:cNvSpPr>
-          <p:nvPr>
-            <p:ph type="body" sz="quarter" idx="12"/>
-          </p:nvPr>
-        </p:nvSpPr>
-        <p:spPr/>
-        <p:txBody>
-          <a:bodyPr/>
-          <a:lstStyle/>
-          <a:p>
-            <a:r>
-              <a:rPr lang="pl-PL" sz="4400" b="1" dirty="0"/>
-              <a:t>Návrh a realizace kontrolního systému na WiFi síti</a:t>
-            </a:r>
-          </a:p>
-        </p:txBody>
-      </p:sp>
-      <p:sp>
-        <p:nvSpPr>
-          <p:cNvPr id="5" name="Zástupný text 4">
-            <a:extLst>
-              <a:ext uri="{FF2B5EF4-FFF2-40B4-BE49-F238E27FC236}">
-                <a16:creationId xmlns:a16="http://schemas.microsoft.com/office/drawing/2014/main" id="{F6EF8A6A-A94B-E009-2904-00483D9F88E4}"/>
-              </a:ext>
-            </a:extLst>
-          </p:cNvPr>
-          <p:cNvSpPr>
-            <a:spLocks noGrp="1"/>
-          </p:cNvSpPr>
-          <p:nvPr>
-            <p:ph type="body" sz="quarter" idx="16"/>
-          </p:nvPr>
-        </p:nvSpPr>
-        <p:spPr>
-          <a:xfrm>
-            <a:off x="1079500" y="3422469"/>
-            <a:ext cx="15680146" cy="5821414"/>
-          </a:xfrm>
-        </p:spPr>
-        <p:txBody>
-          <a:bodyPr/>
-          <a:lstStyle/>
-          <a:p>
-            <a:r>
-              <a:rPr lang="cs-CZ" dirty="0"/>
-              <a:t>Jeden uzel může být součástí více systémů</a:t>
-            </a:r>
-          </a:p>
-          <a:p>
-            <a:r>
-              <a:rPr lang="cs-CZ" dirty="0"/>
-              <a:t>Iniciátorem komunikace je hlavní uzel</a:t>
-            </a:r>
-          </a:p>
-          <a:p>
-            <a:pPr marL="0" indent="0">
-              <a:buNone/>
-            </a:pPr>
-            <a:endParaRPr lang="cs-CZ" dirty="0"/>
-          </a:p>
-          <a:p>
-            <a:pPr algn="just"/>
-            <a:endParaRPr lang="cs-CZ" dirty="0"/>
-          </a:p>
-        </p:txBody>
-      </p:sp>
-      <p:pic>
-        <p:nvPicPr>
-          <p:cNvPr id="4" name="Obrázek 3">
-            <a:extLst>
-              <a:ext uri="{FF2B5EF4-FFF2-40B4-BE49-F238E27FC236}">
-                <a16:creationId xmlns:a16="http://schemas.microsoft.com/office/drawing/2014/main" id="{02CFFEBD-9421-5157-833E-0BC291F511C3}"/>
-              </a:ext>
-            </a:extLst>
-          </p:cNvPr>
-          <p:cNvPicPr>
-            <a:picLocks noChangeAspect="1"/>
-          </p:cNvPicPr>
-          <p:nvPr/>
-        </p:nvPicPr>
-        <p:blipFill>
-          <a:blip r:embed="rId3"/>
-          <a:stretch>
-            <a:fillRect/>
-          </a:stretch>
-        </p:blipFill>
-        <p:spPr>
-          <a:xfrm>
-            <a:off x="2293897" y="5453143"/>
-            <a:ext cx="13236687" cy="3603185"/>
-          </a:xfrm>
-          <a:prstGeom prst="rect">
-            <a:avLst/>
-          </a:prstGeom>
-        </p:spPr>
-      </p:pic>
-    </p:spTree>
-    <p:extLst>
-      <p:ext uri="{BB962C8B-B14F-4D97-AF65-F5344CB8AC3E}">
-        <p14:creationId xmlns:p14="http://schemas.microsoft.com/office/powerpoint/2010/main" val="3267835862"/>
-      </p:ext>
-    </p:extLst>
-  </p:cSld>
-  <p:clrMapOvr>
-    <a:masterClrMapping/>
-  </p:clrMapOvr>
-</p:sld>
-</file>
-
-<file path=ppt/slides/slide7.xml><?xml version="1.0" encoding="utf-8"?>
-<p:sld xmlns:a="http://schemas.openxmlformats.org/drawingml/2006/main" xmlns:r="http://schemas.openxmlformats.org/officeDocument/2006/relationships" xmlns:p="http://schemas.openxmlformats.org/presentationml/2006/main">
-  <p:cSld>
-    <p:spTree>
-      <p:nvGrpSpPr>
-        <p:cNvPr id="1" name="">
-          <a:extLst>
-            <a:ext uri="{FF2B5EF4-FFF2-40B4-BE49-F238E27FC236}">
-              <a16:creationId xmlns:a16="http://schemas.microsoft.com/office/drawing/2014/main" id="{CCC5098D-C450-7EF5-5A78-AA1C3018E8E9}"/>
-            </a:ext>
-          </a:extLst>
-        </p:cNvPr>
-        <p:cNvGrpSpPr/>
-        <p:nvPr/>
-      </p:nvGrpSpPr>
-      <p:grpSpPr>
-        <a:xfrm>
-          <a:off x="0" y="0"/>
-          <a:ext cx="0" cy="0"/>
-          <a:chOff x="0" y="0"/>
-          <a:chExt cx="0" cy="0"/>
-        </a:xfrm>
-      </p:grpSpPr>
-      <p:sp>
-        <p:nvSpPr>
-          <p:cNvPr id="2" name="Zástupný text 1">
-            <a:extLst>
-              <a:ext uri="{FF2B5EF4-FFF2-40B4-BE49-F238E27FC236}">
-                <a16:creationId xmlns:a16="http://schemas.microsoft.com/office/drawing/2014/main" id="{00F6B59F-E98E-34C7-8DAA-9D90F7EBCE2A}"/>
-              </a:ext>
-            </a:extLst>
-          </p:cNvPr>
-          <p:cNvSpPr>
-            <a:spLocks noGrp="1"/>
-          </p:cNvSpPr>
-          <p:nvPr>
-            <p:ph type="body" sz="quarter" idx="10"/>
-          </p:nvPr>
-        </p:nvSpPr>
-        <p:spPr/>
-        <p:txBody>
-          <a:bodyPr/>
-          <a:lstStyle/>
-          <a:p>
-            <a:r>
-              <a:rPr lang="cs-CZ" dirty="0" err="1"/>
-              <a:t>GetInfo</a:t>
-            </a:r>
-            <a:endParaRPr lang="cs-CZ" dirty="0"/>
-          </a:p>
-        </p:txBody>
-      </p:sp>
-      <p:sp>
-        <p:nvSpPr>
-          <p:cNvPr id="3" name="Zástupný text 2">
-            <a:extLst>
-              <a:ext uri="{FF2B5EF4-FFF2-40B4-BE49-F238E27FC236}">
-                <a16:creationId xmlns:a16="http://schemas.microsoft.com/office/drawing/2014/main" id="{C34E4F07-B27D-7846-3678-A5AFCA57C90A}"/>
-              </a:ext>
-            </a:extLst>
-          </p:cNvPr>
-          <p:cNvSpPr>
-            <a:spLocks noGrp="1"/>
-          </p:cNvSpPr>
-          <p:nvPr>
-            <p:ph type="body" sz="quarter" idx="12"/>
-          </p:nvPr>
-        </p:nvSpPr>
-        <p:spPr/>
-        <p:txBody>
-          <a:bodyPr/>
-          <a:lstStyle/>
-          <a:p>
-            <a:r>
-              <a:rPr lang="pl-PL" sz="4400" b="1" dirty="0"/>
-              <a:t>Návrh a realizace kontrolního systému na WiFi síti</a:t>
-            </a:r>
-          </a:p>
-        </p:txBody>
-      </p:sp>
-      <p:sp>
-        <p:nvSpPr>
-          <p:cNvPr id="5" name="Zástupný text 4">
-            <a:extLst>
-              <a:ext uri="{FF2B5EF4-FFF2-40B4-BE49-F238E27FC236}">
-                <a16:creationId xmlns:a16="http://schemas.microsoft.com/office/drawing/2014/main" id="{8E61CDB2-0468-8124-B146-C7F65E460997}"/>
-              </a:ext>
-            </a:extLst>
-          </p:cNvPr>
-          <p:cNvSpPr>
-            <a:spLocks noGrp="1"/>
-          </p:cNvSpPr>
-          <p:nvPr>
-            <p:ph type="body" sz="quarter" idx="16"/>
-          </p:nvPr>
-        </p:nvSpPr>
-        <p:spPr>
-          <a:xfrm>
-            <a:off x="1079500" y="3422469"/>
-            <a:ext cx="15680146" cy="5821414"/>
-          </a:xfrm>
-        </p:spPr>
-        <p:txBody>
-          <a:bodyPr/>
-          <a:lstStyle/>
-          <a:p>
-            <a:r>
-              <a:rPr lang="cs-CZ" dirty="0"/>
-              <a:t>Uzel nemá pevně dané seznam </a:t>
-            </a:r>
-            <a:r>
-              <a:rPr lang="cs-CZ" dirty="0" err="1"/>
-              <a:t>endpointů</a:t>
-            </a:r>
-            <a:endParaRPr lang="cs-CZ" dirty="0"/>
-          </a:p>
-          <a:p>
-            <a:r>
-              <a:rPr lang="cs-CZ" dirty="0"/>
-              <a:t>Při přidání do systému nutno zjistit, jaké jsou k dispozici</a:t>
-            </a:r>
-          </a:p>
-          <a:p>
-            <a:pPr marL="0" indent="0">
-              <a:buNone/>
-            </a:pPr>
-            <a:endParaRPr lang="cs-CZ" dirty="0"/>
-          </a:p>
-          <a:p>
-            <a:pPr algn="just"/>
-            <a:endParaRPr lang="cs-CZ" dirty="0"/>
-          </a:p>
-        </p:txBody>
-      </p:sp>
-      <p:pic>
-        <p:nvPicPr>
-          <p:cNvPr id="6" name="Obrázek 5">
-            <a:extLst>
-              <a:ext uri="{FF2B5EF4-FFF2-40B4-BE49-F238E27FC236}">
-                <a16:creationId xmlns:a16="http://schemas.microsoft.com/office/drawing/2014/main" id="{050BBE36-0625-1C50-4206-5B66A5DE9AE2}"/>
-              </a:ext>
-            </a:extLst>
-          </p:cNvPr>
-          <p:cNvPicPr>
-            <a:picLocks noChangeAspect="1"/>
-          </p:cNvPicPr>
-          <p:nvPr/>
-        </p:nvPicPr>
-        <p:blipFill>
-          <a:blip r:embed="rId3"/>
-          <a:stretch>
-            <a:fillRect/>
-          </a:stretch>
-        </p:blipFill>
-        <p:spPr>
-          <a:xfrm>
-            <a:off x="1210870" y="5344160"/>
-            <a:ext cx="5322444" cy="3899722"/>
-          </a:xfrm>
-          <a:prstGeom prst="rect">
-            <a:avLst/>
-          </a:prstGeom>
-        </p:spPr>
-      </p:pic>
-      <p:sp>
-        <p:nvSpPr>
-          <p:cNvPr id="8" name="TextovéPole 7">
-            <a:extLst>
-              <a:ext uri="{FF2B5EF4-FFF2-40B4-BE49-F238E27FC236}">
-                <a16:creationId xmlns:a16="http://schemas.microsoft.com/office/drawing/2014/main" id="{D4AE84E6-C814-52FD-DE05-15AAA660215B}"/>
-              </a:ext>
-            </a:extLst>
-          </p:cNvPr>
-          <p:cNvSpPr txBox="1"/>
-          <p:nvPr/>
-        </p:nvSpPr>
-        <p:spPr>
-          <a:xfrm>
-            <a:off x="12886660" y="3636335"/>
-            <a:ext cx="6921796" cy="7155805"/>
-          </a:xfrm>
-          <a:prstGeom prst="rect">
-            <a:avLst/>
-          </a:prstGeom>
-          <a:noFill/>
-        </p:spPr>
-        <p:txBody>
-          <a:bodyPr wrap="square" rtlCol="0">
-            <a:spAutoFit/>
-          </a:bodyPr>
-          <a:lstStyle/>
-          <a:p>
-            <a:pPr>
-              <a:buNone/>
-            </a:pPr>
-            <a:r>
-              <a:rPr lang="cs-CZ" b="0" dirty="0">
-                <a:solidFill>
-                  <a:srgbClr val="000000"/>
-                </a:solidFill>
-                <a:effectLst/>
-                <a:latin typeface="IBMPlexMono"/>
-              </a:rPr>
-              <a:t>[</a:t>
-            </a:r>
-          </a:p>
-          <a:p>
-            <a:pPr>
-              <a:buNone/>
-            </a:pPr>
-            <a:r>
-              <a:rPr lang="cs-CZ" dirty="0">
-                <a:solidFill>
-                  <a:srgbClr val="000000"/>
-                </a:solidFill>
-                <a:latin typeface="IBMPlexMono"/>
-              </a:rPr>
-              <a:t>  </a:t>
-            </a:r>
-            <a:r>
-              <a:rPr lang="cs-CZ" b="0" dirty="0">
-                <a:solidFill>
-                  <a:srgbClr val="000000"/>
-                </a:solidFill>
-                <a:effectLst/>
-                <a:latin typeface="IBMPlexMono"/>
-              </a:rPr>
-              <a:t>{</a:t>
-            </a:r>
-          </a:p>
-          <a:p>
-            <a:pPr>
-              <a:buNone/>
-            </a:pPr>
-            <a:r>
-              <a:rPr lang="cs-CZ" b="0" dirty="0">
-                <a:solidFill>
-                  <a:srgbClr val="000000"/>
-                </a:solidFill>
-                <a:effectLst/>
-                <a:latin typeface="IBMPlexMono"/>
-              </a:rPr>
-              <a:t>        </a:t>
-            </a:r>
-            <a:r>
-              <a:rPr lang="cs-CZ" b="0" dirty="0">
-                <a:solidFill>
-                  <a:srgbClr val="A31515"/>
-                </a:solidFill>
-                <a:effectLst/>
-                <a:latin typeface="IBMPlexMono"/>
-              </a:rPr>
-              <a:t>"HTTP"</a:t>
-            </a:r>
-            <a:r>
-              <a:rPr lang="cs-CZ" b="0" dirty="0">
-                <a:solidFill>
-                  <a:srgbClr val="000000"/>
-                </a:solidFill>
-                <a:effectLst/>
-                <a:latin typeface="IBMPlexMono"/>
-              </a:rPr>
-              <a:t>: </a:t>
-            </a:r>
-            <a:r>
-              <a:rPr lang="cs-CZ" b="0" dirty="0">
-                <a:solidFill>
-                  <a:srgbClr val="0451A5"/>
-                </a:solidFill>
-                <a:effectLst/>
-                <a:latin typeface="IBMPlexMono"/>
-              </a:rPr>
-              <a:t>"GET"</a:t>
-            </a:r>
-            <a:r>
-              <a:rPr lang="cs-CZ" b="0" dirty="0">
-                <a:solidFill>
-                  <a:srgbClr val="000000"/>
-                </a:solidFill>
-                <a:effectLst/>
-                <a:latin typeface="IBMPlexMono"/>
-              </a:rPr>
-              <a:t>,</a:t>
-            </a:r>
-          </a:p>
-          <a:p>
-            <a:pPr>
-              <a:buNone/>
-            </a:pPr>
-            <a:r>
-              <a:rPr lang="cs-CZ" b="0" dirty="0">
-                <a:solidFill>
-                  <a:srgbClr val="000000"/>
-                </a:solidFill>
-                <a:effectLst/>
-                <a:latin typeface="IBMPlexMono"/>
-              </a:rPr>
-              <a:t>        </a:t>
-            </a:r>
-            <a:r>
-              <a:rPr lang="cs-CZ" b="0" dirty="0">
-                <a:solidFill>
-                  <a:srgbClr val="A31515"/>
-                </a:solidFill>
-                <a:effectLst/>
-                <a:latin typeface="IBMPlexMono"/>
-              </a:rPr>
-              <a:t>"Type"</a:t>
-            </a:r>
-            <a:r>
-              <a:rPr lang="cs-CZ" b="0" dirty="0">
-                <a:solidFill>
-                  <a:srgbClr val="000000"/>
-                </a:solidFill>
-                <a:effectLst/>
-                <a:latin typeface="IBMPlexMono"/>
-              </a:rPr>
-              <a:t>: </a:t>
-            </a:r>
-            <a:r>
-              <a:rPr lang="cs-CZ" b="0" dirty="0">
-                <a:solidFill>
-                  <a:srgbClr val="0451A5"/>
-                </a:solidFill>
-                <a:effectLst/>
-                <a:latin typeface="IBMPlexMono"/>
-              </a:rPr>
-              <a:t>"EP_TYPE_GET"</a:t>
-            </a:r>
-            <a:r>
-              <a:rPr lang="cs-CZ" b="0" dirty="0">
-                <a:solidFill>
-                  <a:srgbClr val="000000"/>
-                </a:solidFill>
-                <a:effectLst/>
-                <a:latin typeface="IBMPlexMono"/>
-              </a:rPr>
-              <a:t>,</a:t>
-            </a:r>
-          </a:p>
-          <a:p>
-            <a:pPr>
-              <a:buNone/>
-            </a:pPr>
-            <a:r>
-              <a:rPr lang="cs-CZ" b="0" dirty="0">
-                <a:solidFill>
-                  <a:srgbClr val="000000"/>
-                </a:solidFill>
-                <a:effectLst/>
-                <a:latin typeface="IBMPlexMono"/>
-              </a:rPr>
-              <a:t>        </a:t>
-            </a:r>
-            <a:r>
-              <a:rPr lang="cs-CZ" b="0" dirty="0">
-                <a:solidFill>
-                  <a:srgbClr val="A31515"/>
-                </a:solidFill>
-                <a:effectLst/>
-                <a:latin typeface="IBMPlexMono"/>
-              </a:rPr>
-              <a:t>"URL"</a:t>
-            </a:r>
-            <a:r>
-              <a:rPr lang="cs-CZ" b="0" dirty="0">
-                <a:solidFill>
-                  <a:srgbClr val="000000"/>
-                </a:solidFill>
-                <a:effectLst/>
-                <a:latin typeface="IBMPlexMono"/>
-              </a:rPr>
-              <a:t>: </a:t>
-            </a:r>
-            <a:r>
-              <a:rPr lang="cs-CZ" b="0" dirty="0">
-                <a:solidFill>
-                  <a:srgbClr val="0451A5"/>
-                </a:solidFill>
-                <a:effectLst/>
-                <a:latin typeface="IBMPlexMono"/>
-              </a:rPr>
-              <a:t>"/</a:t>
-            </a:r>
-            <a:r>
-              <a:rPr lang="cs-CZ" b="0" dirty="0" err="1">
-                <a:solidFill>
-                  <a:srgbClr val="0451A5"/>
-                </a:solidFill>
-                <a:effectLst/>
-                <a:latin typeface="IBMPlexMono"/>
-              </a:rPr>
-              <a:t>slow</a:t>
-            </a:r>
-            <a:r>
-              <a:rPr lang="cs-CZ" b="0" dirty="0">
-                <a:solidFill>
-                  <a:srgbClr val="0451A5"/>
-                </a:solidFill>
-                <a:effectLst/>
-                <a:latin typeface="IBMPlexMono"/>
-              </a:rPr>
-              <a:t>"</a:t>
-            </a:r>
-            <a:r>
-              <a:rPr lang="cs-CZ" b="0" dirty="0">
-                <a:solidFill>
-                  <a:srgbClr val="000000"/>
-                </a:solidFill>
-                <a:effectLst/>
-                <a:latin typeface="IBMPlexMono"/>
-              </a:rPr>
-              <a:t>,</a:t>
-            </a:r>
-          </a:p>
-          <a:p>
-            <a:pPr>
-              <a:buNone/>
-            </a:pPr>
-            <a:r>
-              <a:rPr lang="cs-CZ" b="0" dirty="0">
-                <a:solidFill>
-                  <a:srgbClr val="000000"/>
-                </a:solidFill>
-                <a:effectLst/>
-                <a:latin typeface="IBMPlexMono"/>
-              </a:rPr>
-              <a:t>        </a:t>
-            </a:r>
-            <a:r>
-              <a:rPr lang="cs-CZ" b="0" dirty="0">
-                <a:solidFill>
-                  <a:srgbClr val="A31515"/>
-                </a:solidFill>
-                <a:effectLst/>
-                <a:latin typeface="IBMPlexMono"/>
-              </a:rPr>
-              <a:t>"</a:t>
-            </a:r>
-            <a:r>
-              <a:rPr lang="cs-CZ" b="0" dirty="0" err="1">
-                <a:solidFill>
-                  <a:srgbClr val="A31515"/>
-                </a:solidFill>
-                <a:effectLst/>
-                <a:latin typeface="IBMPlexMono"/>
-              </a:rPr>
-              <a:t>Vals</a:t>
-            </a:r>
-            <a:r>
-              <a:rPr lang="cs-CZ" b="0" dirty="0">
-                <a:solidFill>
-                  <a:srgbClr val="A31515"/>
-                </a:solidFill>
-                <a:effectLst/>
-                <a:latin typeface="IBMPlexMono"/>
-              </a:rPr>
-              <a:t>"</a:t>
-            </a:r>
-            <a:r>
-              <a:rPr lang="cs-CZ" b="0" dirty="0">
-                <a:solidFill>
-                  <a:srgbClr val="000000"/>
-                </a:solidFill>
-                <a:effectLst/>
-                <a:latin typeface="IBMPlexMono"/>
-              </a:rPr>
-              <a:t>: [</a:t>
-            </a:r>
-          </a:p>
-          <a:p>
-            <a:pPr>
-              <a:buNone/>
-            </a:pPr>
-            <a:r>
-              <a:rPr lang="cs-CZ" b="0" dirty="0">
-                <a:solidFill>
-                  <a:srgbClr val="000000"/>
-                </a:solidFill>
-                <a:effectLst/>
-                <a:latin typeface="IBMPlexMono"/>
-              </a:rPr>
-              <a:t>            {</a:t>
-            </a:r>
-          </a:p>
-          <a:p>
-            <a:pPr>
-              <a:buNone/>
-            </a:pPr>
-            <a:r>
-              <a:rPr lang="cs-CZ" b="0" dirty="0">
-                <a:solidFill>
-                  <a:srgbClr val="000000"/>
-                </a:solidFill>
-                <a:effectLst/>
-                <a:latin typeface="IBMPlexMono"/>
-              </a:rPr>
-              <a:t>                </a:t>
-            </a:r>
-            <a:r>
-              <a:rPr lang="cs-CZ" b="0" dirty="0">
-                <a:solidFill>
-                  <a:srgbClr val="A31515"/>
-                </a:solidFill>
-                <a:effectLst/>
-                <a:latin typeface="IBMPlexMono"/>
-              </a:rPr>
-              <a:t>"Name"</a:t>
-            </a:r>
-            <a:r>
-              <a:rPr lang="cs-CZ" b="0" dirty="0">
-                <a:solidFill>
-                  <a:srgbClr val="000000"/>
-                </a:solidFill>
-                <a:effectLst/>
-                <a:latin typeface="IBMPlexMono"/>
-              </a:rPr>
-              <a:t>: </a:t>
-            </a:r>
-            <a:r>
-              <a:rPr lang="cs-CZ" b="0" dirty="0">
-                <a:solidFill>
-                  <a:srgbClr val="0451A5"/>
-                </a:solidFill>
-                <a:effectLst/>
-                <a:latin typeface="IBMPlexMono"/>
-              </a:rPr>
-              <a:t>"a"</a:t>
-            </a:r>
-            <a:r>
-              <a:rPr lang="cs-CZ" b="0" dirty="0">
-                <a:solidFill>
-                  <a:srgbClr val="000000"/>
-                </a:solidFill>
-                <a:effectLst/>
-                <a:latin typeface="IBMPlexMono"/>
-              </a:rPr>
-              <a:t>,</a:t>
-            </a:r>
-          </a:p>
-          <a:p>
-            <a:pPr>
-              <a:buNone/>
-            </a:pPr>
-            <a:r>
-              <a:rPr lang="cs-CZ" b="0" dirty="0">
-                <a:solidFill>
-                  <a:srgbClr val="000000"/>
-                </a:solidFill>
-                <a:effectLst/>
-                <a:latin typeface="IBMPlexMono"/>
-              </a:rPr>
-              <a:t>                </a:t>
-            </a:r>
-            <a:r>
-              <a:rPr lang="cs-CZ" b="0" dirty="0">
-                <a:solidFill>
-                  <a:srgbClr val="A31515"/>
-                </a:solidFill>
-                <a:effectLst/>
-                <a:latin typeface="IBMPlexMono"/>
-              </a:rPr>
-              <a:t>"Type"</a:t>
-            </a:r>
-            <a:r>
-              <a:rPr lang="cs-CZ" b="0" dirty="0">
-                <a:solidFill>
-                  <a:srgbClr val="000000"/>
-                </a:solidFill>
-                <a:effectLst/>
-                <a:latin typeface="IBMPlexMono"/>
-              </a:rPr>
-              <a:t>: </a:t>
-            </a:r>
-            <a:r>
-              <a:rPr lang="cs-CZ" b="0" dirty="0">
-                <a:solidFill>
-                  <a:srgbClr val="0451A5"/>
-                </a:solidFill>
-                <a:effectLst/>
-                <a:latin typeface="IBMPlexMono"/>
-              </a:rPr>
-              <a:t>"INT"</a:t>
-            </a:r>
-            <a:endParaRPr lang="cs-CZ" b="0" dirty="0">
-              <a:solidFill>
-                <a:srgbClr val="000000"/>
-              </a:solidFill>
-              <a:effectLst/>
-              <a:latin typeface="IBMPlexMono"/>
-            </a:endParaRPr>
-          </a:p>
-          <a:p>
-            <a:pPr>
-              <a:buNone/>
-            </a:pPr>
-            <a:r>
-              <a:rPr lang="cs-CZ" b="0" dirty="0">
-                <a:solidFill>
-                  <a:srgbClr val="000000"/>
-                </a:solidFill>
-                <a:effectLst/>
-                <a:latin typeface="IBMPlexMono"/>
-              </a:rPr>
-              <a:t>            }</a:t>
-            </a:r>
-          </a:p>
-          <a:p>
-            <a:pPr>
-              <a:buNone/>
-            </a:pPr>
-            <a:r>
-              <a:rPr lang="cs-CZ" b="0" dirty="0">
-                <a:solidFill>
-                  <a:srgbClr val="000000"/>
-                </a:solidFill>
-                <a:effectLst/>
-                <a:latin typeface="IBMPlexMono"/>
-              </a:rPr>
-              <a:t>        ],</a:t>
-            </a:r>
-          </a:p>
-          <a:p>
-            <a:pPr>
-              <a:buNone/>
-            </a:pPr>
-            <a:r>
-              <a:rPr lang="cs-CZ" b="0" dirty="0">
-                <a:solidFill>
-                  <a:srgbClr val="000000"/>
-                </a:solidFill>
-                <a:effectLst/>
-                <a:latin typeface="IBMPlexMono"/>
-              </a:rPr>
-              <a:t>        </a:t>
-            </a:r>
-            <a:r>
-              <a:rPr lang="cs-CZ" b="0" dirty="0">
-                <a:solidFill>
-                  <a:srgbClr val="A31515"/>
-                </a:solidFill>
-                <a:effectLst/>
-                <a:latin typeface="IBMPlexMono"/>
-              </a:rPr>
-              <a:t>"</a:t>
-            </a:r>
-            <a:r>
-              <a:rPr lang="cs-CZ" b="0" dirty="0" err="1">
-                <a:solidFill>
-                  <a:srgbClr val="A31515"/>
-                </a:solidFill>
-                <a:effectLst/>
-                <a:latin typeface="IBMPlexMono"/>
-              </a:rPr>
-              <a:t>Args</a:t>
-            </a:r>
-            <a:r>
-              <a:rPr lang="cs-CZ" b="0" dirty="0">
-                <a:solidFill>
-                  <a:srgbClr val="A31515"/>
-                </a:solidFill>
-                <a:effectLst/>
-                <a:latin typeface="IBMPlexMono"/>
-              </a:rPr>
-              <a:t>"</a:t>
-            </a:r>
-            <a:r>
-              <a:rPr lang="cs-CZ" b="0" dirty="0">
-                <a:solidFill>
-                  <a:srgbClr val="000000"/>
-                </a:solidFill>
-                <a:effectLst/>
-                <a:latin typeface="IBMPlexMono"/>
-              </a:rPr>
-              <a:t>: [],</a:t>
-            </a:r>
-          </a:p>
-          <a:p>
-            <a:pPr>
-              <a:buNone/>
-            </a:pPr>
-            <a:r>
-              <a:rPr lang="cs-CZ" b="0" dirty="0">
-                <a:solidFill>
-                  <a:srgbClr val="000000"/>
-                </a:solidFill>
-                <a:effectLst/>
-                <a:latin typeface="IBMPlexMono"/>
-              </a:rPr>
-              <a:t>        </a:t>
-            </a:r>
-            <a:r>
-              <a:rPr lang="cs-CZ" b="0" dirty="0">
-                <a:solidFill>
-                  <a:srgbClr val="A31515"/>
-                </a:solidFill>
-                <a:effectLst/>
-                <a:latin typeface="IBMPlexMono"/>
-              </a:rPr>
-              <a:t>"</a:t>
-            </a:r>
-            <a:r>
-              <a:rPr lang="cs-CZ" b="0" dirty="0" err="1">
-                <a:solidFill>
-                  <a:srgbClr val="A31515"/>
-                </a:solidFill>
-                <a:effectLst/>
-                <a:latin typeface="IBMPlexMono"/>
-              </a:rPr>
-              <a:t>Delay</a:t>
-            </a:r>
-            <a:r>
-              <a:rPr lang="cs-CZ" b="0" dirty="0">
-                <a:solidFill>
-                  <a:srgbClr val="A31515"/>
-                </a:solidFill>
-                <a:effectLst/>
-                <a:latin typeface="IBMPlexMono"/>
-              </a:rPr>
-              <a:t>"</a:t>
-            </a:r>
-            <a:r>
-              <a:rPr lang="cs-CZ" b="0" dirty="0">
-                <a:solidFill>
-                  <a:srgbClr val="000000"/>
-                </a:solidFill>
-                <a:effectLst/>
-                <a:latin typeface="IBMPlexMono"/>
-              </a:rPr>
-              <a:t>: </a:t>
-            </a:r>
-            <a:r>
-              <a:rPr lang="cs-CZ" b="0" dirty="0">
-                <a:solidFill>
-                  <a:srgbClr val="098658"/>
-                </a:solidFill>
-                <a:effectLst/>
-                <a:latin typeface="IBMPlexMono"/>
-              </a:rPr>
-              <a:t>1000</a:t>
-            </a:r>
-            <a:endParaRPr lang="cs-CZ" b="0" dirty="0">
-              <a:solidFill>
-                <a:srgbClr val="000000"/>
-              </a:solidFill>
-              <a:effectLst/>
-              <a:latin typeface="IBMPlexMono"/>
-            </a:endParaRPr>
-          </a:p>
-          <a:p>
-            <a:pPr>
-              <a:buNone/>
-            </a:pPr>
-            <a:r>
-              <a:rPr lang="cs-CZ" b="0" dirty="0">
-                <a:solidFill>
-                  <a:srgbClr val="000000"/>
-                </a:solidFill>
-                <a:effectLst/>
-                <a:latin typeface="IBMPlexMono"/>
-              </a:rPr>
-              <a:t>    }</a:t>
-            </a:r>
-          </a:p>
-          <a:p>
-            <a:r>
-              <a:rPr lang="cs-CZ" b="0" dirty="0">
-                <a:solidFill>
-                  <a:srgbClr val="000000"/>
-                </a:solidFill>
-                <a:effectLst/>
-                <a:latin typeface="IBMPlexMono"/>
-              </a:rPr>
-              <a:t>]</a:t>
-            </a:r>
-          </a:p>
-          <a:p>
-            <a:pPr>
-              <a:buNone/>
-            </a:pPr>
-            <a:endParaRPr lang="cs-CZ" b="0" dirty="0">
-              <a:solidFill>
-                <a:srgbClr val="F8F8F2"/>
-              </a:solidFill>
-              <a:effectLst/>
-              <a:latin typeface="IBMPlexMono"/>
-            </a:endParaRPr>
-          </a:p>
-          <a:p>
-            <a:endParaRPr lang="cs-CZ" dirty="0"/>
-          </a:p>
-        </p:txBody>
-      </p:sp>
-    </p:spTree>
-    <p:extLst>
-      <p:ext uri="{BB962C8B-B14F-4D97-AF65-F5344CB8AC3E}">
-        <p14:creationId xmlns:p14="http://schemas.microsoft.com/office/powerpoint/2010/main" val="3870451564"/>
-      </p:ext>
-    </p:extLst>
-  </p:cSld>
-  <p:clrMapOvr>
-    <a:masterClrMapping/>
-  </p:clrMapOvr>
-</p:sld>
-</file>
-
-<file path=ppt/slides/slide8.xml><?xml version="1.0" encoding="utf-8"?>
-<p:sld xmlns:a="http://schemas.openxmlformats.org/drawingml/2006/main" xmlns:r="http://schemas.openxmlformats.org/officeDocument/2006/relationships" xmlns:p="http://schemas.openxmlformats.org/presentationml/2006/main">
-  <p:cSld>
-    <p:spTree>
-      <p:nvGrpSpPr>
-        <p:cNvPr id="1" name="">
-          <a:extLst>
-            <a:ext uri="{FF2B5EF4-FFF2-40B4-BE49-F238E27FC236}">
-              <a16:creationId xmlns:a16="http://schemas.microsoft.com/office/drawing/2014/main" id="{A8174684-73B7-3CD9-55B3-59535AC6429E}"/>
-            </a:ext>
-          </a:extLst>
-        </p:cNvPr>
-        <p:cNvGrpSpPr/>
-        <p:nvPr/>
-      </p:nvGrpSpPr>
-      <p:grpSpPr>
-        <a:xfrm>
-          <a:off x="0" y="0"/>
-          <a:ext cx="0" cy="0"/>
-          <a:chOff x="0" y="0"/>
-          <a:chExt cx="0" cy="0"/>
-        </a:xfrm>
-      </p:grpSpPr>
-      <p:sp>
-        <p:nvSpPr>
-          <p:cNvPr id="2" name="Zástupný text 1">
-            <a:extLst>
-              <a:ext uri="{FF2B5EF4-FFF2-40B4-BE49-F238E27FC236}">
-                <a16:creationId xmlns:a16="http://schemas.microsoft.com/office/drawing/2014/main" id="{27E6FB56-0919-95F2-79AC-1EB50CDC0A42}"/>
-              </a:ext>
-            </a:extLst>
-          </p:cNvPr>
-          <p:cNvSpPr>
-            <a:spLocks noGrp="1"/>
-          </p:cNvSpPr>
-          <p:nvPr>
-            <p:ph type="body" sz="quarter" idx="10"/>
-          </p:nvPr>
-        </p:nvSpPr>
-        <p:spPr/>
-        <p:txBody>
-          <a:bodyPr/>
-          <a:lstStyle/>
-          <a:p>
-            <a:r>
-              <a:rPr lang="cs-CZ" dirty="0"/>
-              <a:t>Moduly</a:t>
-            </a:r>
-          </a:p>
-        </p:txBody>
-      </p:sp>
-      <p:sp>
-        <p:nvSpPr>
-          <p:cNvPr id="3" name="Zástupný text 2">
-            <a:extLst>
-              <a:ext uri="{FF2B5EF4-FFF2-40B4-BE49-F238E27FC236}">
-                <a16:creationId xmlns:a16="http://schemas.microsoft.com/office/drawing/2014/main" id="{45D32C3A-6372-EE69-D855-C953A1ECF44C}"/>
-              </a:ext>
-            </a:extLst>
-          </p:cNvPr>
-          <p:cNvSpPr>
-            <a:spLocks noGrp="1"/>
-          </p:cNvSpPr>
-          <p:nvPr>
-            <p:ph type="body" sz="quarter" idx="12"/>
-          </p:nvPr>
-        </p:nvSpPr>
-        <p:spPr/>
-        <p:txBody>
-          <a:bodyPr/>
-          <a:lstStyle/>
-          <a:p>
-            <a:r>
-              <a:rPr lang="pl-PL" sz="4400" b="1" dirty="0"/>
-              <a:t>Návrh a realizace kontrolního systému na WiFi síti</a:t>
-            </a:r>
-          </a:p>
-        </p:txBody>
-      </p:sp>
-      <p:sp>
-        <p:nvSpPr>
-          <p:cNvPr id="5" name="Zástupný text 4">
-            <a:extLst>
-              <a:ext uri="{FF2B5EF4-FFF2-40B4-BE49-F238E27FC236}">
-                <a16:creationId xmlns:a16="http://schemas.microsoft.com/office/drawing/2014/main" id="{EB1EDABB-879C-5C9E-0C99-0639F035B6D3}"/>
-              </a:ext>
-            </a:extLst>
-          </p:cNvPr>
-          <p:cNvSpPr>
-            <a:spLocks noGrp="1"/>
-          </p:cNvSpPr>
-          <p:nvPr>
-            <p:ph type="body" sz="quarter" idx="16"/>
-          </p:nvPr>
-        </p:nvSpPr>
-        <p:spPr>
-          <a:xfrm>
-            <a:off x="1079500" y="3422469"/>
-            <a:ext cx="15680146" cy="5821414"/>
-          </a:xfrm>
-        </p:spPr>
-        <p:txBody>
-          <a:bodyPr/>
-          <a:lstStyle/>
-          <a:p>
-            <a:r>
-              <a:rPr lang="cs-CZ" dirty="0"/>
-              <a:t>Vrstvený model</a:t>
-            </a:r>
-          </a:p>
-          <a:p>
-            <a:r>
-              <a:rPr lang="cs-CZ" dirty="0" err="1"/>
-              <a:t>Dependency</a:t>
-            </a:r>
-            <a:r>
-              <a:rPr lang="cs-CZ" dirty="0"/>
-              <a:t> </a:t>
-            </a:r>
-            <a:r>
-              <a:rPr lang="cs-CZ" dirty="0" err="1"/>
-              <a:t>injection</a:t>
-            </a:r>
-            <a:endParaRPr lang="cs-CZ" dirty="0"/>
-          </a:p>
-          <a:p>
-            <a:pPr algn="just"/>
-            <a:endParaRPr lang="cs-CZ" dirty="0"/>
-          </a:p>
-        </p:txBody>
-      </p:sp>
-      <p:pic>
-        <p:nvPicPr>
-          <p:cNvPr id="4" name="Obrázek 3">
-            <a:extLst>
-              <a:ext uri="{FF2B5EF4-FFF2-40B4-BE49-F238E27FC236}">
-                <a16:creationId xmlns:a16="http://schemas.microsoft.com/office/drawing/2014/main" id="{D98011F6-1E95-F126-E96C-9621D80FA121}"/>
-              </a:ext>
-            </a:extLst>
-          </p:cNvPr>
-          <p:cNvPicPr>
-            <a:picLocks noChangeAspect="1"/>
-          </p:cNvPicPr>
-          <p:nvPr/>
-        </p:nvPicPr>
-        <p:blipFill>
-          <a:blip r:embed="rId3"/>
-          <a:stretch>
-            <a:fillRect/>
-          </a:stretch>
-        </p:blipFill>
-        <p:spPr>
-          <a:xfrm>
-            <a:off x="7666075" y="3079483"/>
-            <a:ext cx="8075130" cy="6507385"/>
-          </a:xfrm>
-          <a:prstGeom prst="rect">
-            <a:avLst/>
-          </a:prstGeom>
-        </p:spPr>
-      </p:pic>
-      <p:sp>
-        <p:nvSpPr>
-          <p:cNvPr id="6" name="TextovéPole 5">
-            <a:extLst>
-              <a:ext uri="{FF2B5EF4-FFF2-40B4-BE49-F238E27FC236}">
-                <a16:creationId xmlns:a16="http://schemas.microsoft.com/office/drawing/2014/main" id="{868DC543-4BBF-684D-B959-9C49D6B4F2B0}"/>
-              </a:ext>
-            </a:extLst>
-          </p:cNvPr>
-          <p:cNvSpPr txBox="1"/>
-          <p:nvPr/>
-        </p:nvSpPr>
-        <p:spPr>
-          <a:xfrm>
-            <a:off x="1079500" y="7176977"/>
-            <a:ext cx="4927895" cy="2169825"/>
-          </a:xfrm>
-          <a:prstGeom prst="rect">
-            <a:avLst/>
-          </a:prstGeom>
-          <a:noFill/>
-        </p:spPr>
-        <p:txBody>
-          <a:bodyPr wrap="square" rtlCol="0">
-            <a:spAutoFit/>
-          </a:bodyPr>
-          <a:lstStyle/>
-          <a:p>
-            <a:r>
-              <a:rPr lang="cs-CZ" dirty="0"/>
-              <a:t>Tmavě = implementováno</a:t>
-            </a:r>
-          </a:p>
-          <a:p>
-            <a:r>
-              <a:rPr lang="cs-CZ" dirty="0"/>
-              <a:t>Světle = možné rozšíření</a:t>
-            </a:r>
-          </a:p>
-          <a:p>
-            <a:endParaRPr lang="cs-CZ" dirty="0"/>
-          </a:p>
-          <a:p>
-            <a:r>
-              <a:rPr lang="cs-CZ" dirty="0"/>
-              <a:t>Fialová = C#</a:t>
-            </a:r>
-          </a:p>
-          <a:p>
-            <a:r>
-              <a:rPr lang="cs-CZ" dirty="0"/>
-              <a:t>Modrá = C++</a:t>
-            </a:r>
-          </a:p>
-        </p:txBody>
-      </p:sp>
-    </p:spTree>
-    <p:extLst>
-      <p:ext uri="{BB962C8B-B14F-4D97-AF65-F5344CB8AC3E}">
-        <p14:creationId xmlns:p14="http://schemas.microsoft.com/office/powerpoint/2010/main" val="1780252156"/>
-      </p:ext>
-    </p:extLst>
-  </p:cSld>
-  <p:clrMapOvr>
-    <a:masterClrMapping/>
-  </p:clrMapOvr>
-</p:sld>
-</file>
-
-<file path=ppt/slides/slide9.xml><?xml version="1.0" encoding="utf-8"?>
-<p:sld xmlns:a="http://schemas.openxmlformats.org/drawingml/2006/main" xmlns:r="http://schemas.openxmlformats.org/officeDocument/2006/relationships" xmlns:p="http://schemas.openxmlformats.org/presentationml/2006/main">
-  <p:cSld>
-    <p:spTree>
-      <p:nvGrpSpPr>
-        <p:cNvPr id="1" name="">
-          <a:extLst>
-            <a:ext uri="{FF2B5EF4-FFF2-40B4-BE49-F238E27FC236}">
-              <a16:creationId xmlns:a16="http://schemas.microsoft.com/office/drawing/2014/main" id="{0405CDB5-BEF0-3797-CFBE-7905AEC4342D}"/>
-            </a:ext>
-          </a:extLst>
-        </p:cNvPr>
-        <p:cNvGrpSpPr/>
-        <p:nvPr/>
-      </p:nvGrpSpPr>
-      <p:grpSpPr>
-        <a:xfrm>
-          <a:off x="0" y="0"/>
-          <a:ext cx="0" cy="0"/>
-          <a:chOff x="0" y="0"/>
-          <a:chExt cx="0" cy="0"/>
-        </a:xfrm>
-      </p:grpSpPr>
-      <p:sp>
-        <p:nvSpPr>
-          <p:cNvPr id="2" name="Zástupný text 1">
-            <a:extLst>
-              <a:ext uri="{FF2B5EF4-FFF2-40B4-BE49-F238E27FC236}">
-                <a16:creationId xmlns:a16="http://schemas.microsoft.com/office/drawing/2014/main" id="{14B9E8E7-7C5F-836A-4217-C14BDF4D097C}"/>
-              </a:ext>
-            </a:extLst>
-          </p:cNvPr>
-          <p:cNvSpPr>
-            <a:spLocks noGrp="1"/>
-          </p:cNvSpPr>
-          <p:nvPr>
-            <p:ph type="body" sz="quarter" idx="10"/>
-          </p:nvPr>
-        </p:nvSpPr>
-        <p:spPr/>
-        <p:txBody>
-          <a:bodyPr>
-            <a:normAutofit fontScale="92500"/>
-          </a:bodyPr>
-          <a:lstStyle/>
-          <a:p>
-            <a:r>
-              <a:rPr lang="cs-CZ" dirty="0"/>
-              <a:t>Zpracování uživatelského vstupu</a:t>
-            </a:r>
-          </a:p>
-        </p:txBody>
-      </p:sp>
-      <p:sp>
-        <p:nvSpPr>
-          <p:cNvPr id="3" name="Zástupný text 2">
-            <a:extLst>
-              <a:ext uri="{FF2B5EF4-FFF2-40B4-BE49-F238E27FC236}">
-                <a16:creationId xmlns:a16="http://schemas.microsoft.com/office/drawing/2014/main" id="{809ED839-ACB8-C438-C1C8-D50EDCFA0D72}"/>
-              </a:ext>
-            </a:extLst>
-          </p:cNvPr>
-          <p:cNvSpPr>
-            <a:spLocks noGrp="1"/>
-          </p:cNvSpPr>
-          <p:nvPr>
-            <p:ph type="body" sz="quarter" idx="12"/>
-          </p:nvPr>
-        </p:nvSpPr>
-        <p:spPr/>
-        <p:txBody>
-          <a:bodyPr/>
-          <a:lstStyle/>
-          <a:p>
-            <a:r>
-              <a:rPr lang="pl-PL" sz="4400" b="1" dirty="0"/>
-              <a:t>Návrh a realizace kontrolního systému na WiFi síti</a:t>
-            </a:r>
-          </a:p>
-        </p:txBody>
-      </p:sp>
-      <p:sp>
-        <p:nvSpPr>
-          <p:cNvPr id="5" name="Zástupný text 4">
-            <a:extLst>
-              <a:ext uri="{FF2B5EF4-FFF2-40B4-BE49-F238E27FC236}">
-                <a16:creationId xmlns:a16="http://schemas.microsoft.com/office/drawing/2014/main" id="{083898D9-B903-A0A0-73EC-6C1D419B9468}"/>
-              </a:ext>
-            </a:extLst>
-          </p:cNvPr>
-          <p:cNvSpPr>
-            <a:spLocks noGrp="1"/>
-          </p:cNvSpPr>
-          <p:nvPr>
-            <p:ph type="body" sz="quarter" idx="16"/>
-          </p:nvPr>
-        </p:nvSpPr>
-        <p:spPr>
-          <a:xfrm>
-            <a:off x="1079500" y="3422469"/>
-            <a:ext cx="15680146" cy="5821414"/>
-          </a:xfrm>
-        </p:spPr>
-        <p:txBody>
-          <a:bodyPr/>
-          <a:lstStyle/>
-          <a:p>
-            <a:r>
-              <a:rPr lang="cs-CZ" dirty="0"/>
-              <a:t>Konečný automat</a:t>
-            </a:r>
-          </a:p>
-          <a:p>
-            <a:pPr algn="just"/>
-            <a:endParaRPr lang="cs-CZ" dirty="0"/>
-          </a:p>
-        </p:txBody>
-      </p:sp>
-      <p:pic>
-        <p:nvPicPr>
-          <p:cNvPr id="7" name="Obrázek 6">
-            <a:extLst>
-              <a:ext uri="{FF2B5EF4-FFF2-40B4-BE49-F238E27FC236}">
-                <a16:creationId xmlns:a16="http://schemas.microsoft.com/office/drawing/2014/main" id="{42DB6807-59DE-333D-D332-41088B5BB50F}"/>
-              </a:ext>
-            </a:extLst>
-          </p:cNvPr>
-          <p:cNvPicPr>
-            <a:picLocks noChangeAspect="1"/>
-          </p:cNvPicPr>
-          <p:nvPr/>
-        </p:nvPicPr>
-        <p:blipFill>
-          <a:blip r:embed="rId3"/>
-          <a:stretch>
-            <a:fillRect/>
-          </a:stretch>
-        </p:blipFill>
-        <p:spPr>
-          <a:xfrm>
-            <a:off x="4016373" y="4632168"/>
-            <a:ext cx="9540139" cy="4289960"/>
-          </a:xfrm>
-          <a:prstGeom prst="rect">
-            <a:avLst/>
-          </a:prstGeom>
-        </p:spPr>
-      </p:pic>
-    </p:spTree>
-    <p:extLst>
-      <p:ext uri="{BB962C8B-B14F-4D97-AF65-F5344CB8AC3E}">
-        <p14:creationId xmlns:p14="http://schemas.microsoft.com/office/powerpoint/2010/main" val="4146560728"/>
       </p:ext>
     </p:extLst>
   </p:cSld>

--- a/prezentace/xnovm288-obhajoba (sablona bc).pptx
+++ b/prezentace/xnovm288-obhajoba (sablona bc).pptx
@@ -5,10 +5,10 @@
     <p:sldMasterId id="2147483648" r:id="rId4"/>
   </p:sldMasterIdLst>
   <p:notesMasterIdLst>
-    <p:notesMasterId r:id="rId20"/>
+    <p:notesMasterId r:id="rId21"/>
   </p:notesMasterIdLst>
   <p:handoutMasterIdLst>
-    <p:handoutMasterId r:id="rId21"/>
+    <p:handoutMasterId r:id="rId22"/>
   </p:handoutMasterIdLst>
   <p:sldIdLst>
     <p:sldId id="257" r:id="rId5"/>
@@ -21,11 +21,12 @@
     <p:sldId id="271" r:id="rId12"/>
     <p:sldId id="272" r:id="rId13"/>
     <p:sldId id="263" r:id="rId14"/>
-    <p:sldId id="264" r:id="rId15"/>
-    <p:sldId id="266" r:id="rId16"/>
-    <p:sldId id="267" r:id="rId17"/>
-    <p:sldId id="273" r:id="rId18"/>
-    <p:sldId id="274" r:id="rId19"/>
+    <p:sldId id="275" r:id="rId15"/>
+    <p:sldId id="264" r:id="rId16"/>
+    <p:sldId id="266" r:id="rId17"/>
+    <p:sldId id="267" r:id="rId18"/>
+    <p:sldId id="273" r:id="rId19"/>
+    <p:sldId id="274" r:id="rId20"/>
   </p:sldIdLst>
   <p:sldSz cx="18288000" cy="10287000"/>
   <p:notesSz cx="6797675" cy="9926638"/>
@@ -1602,6 +1603,165 @@
     <p:extLst>
       <p:ext uri="{BB962C8B-B14F-4D97-AF65-F5344CB8AC3E}">
         <p14:creationId xmlns:p14="http://schemas.microsoft.com/office/powerpoint/2010/main" val="2634671077"/>
+      </p:ext>
+    </p:extLst>
+  </p:cSld>
+  <p:clrMapOvr>
+    <a:masterClrMapping/>
+  </p:clrMapOvr>
+</p:notes>
+</file>
+
+<file path=ppt/notesSlides/notesSlide9.xml><?xml version="1.0" encoding="utf-8"?>
+<p:notes xmlns:a="http://schemas.openxmlformats.org/drawingml/2006/main" xmlns:r="http://schemas.openxmlformats.org/officeDocument/2006/relationships" xmlns:p="http://schemas.openxmlformats.org/presentationml/2006/main">
+  <p:cSld>
+    <p:spTree>
+      <p:nvGrpSpPr>
+        <p:cNvPr id="1" name="">
+          <a:extLst>
+            <a:ext uri="{FF2B5EF4-FFF2-40B4-BE49-F238E27FC236}">
+              <a16:creationId xmlns:a16="http://schemas.microsoft.com/office/drawing/2014/main" id="{3D4F4659-1011-37BF-4B80-D1EDD26FAA9F}"/>
+            </a:ext>
+          </a:extLst>
+        </p:cNvPr>
+        <p:cNvGrpSpPr/>
+        <p:nvPr/>
+      </p:nvGrpSpPr>
+      <p:grpSpPr>
+        <a:xfrm>
+          <a:off x="0" y="0"/>
+          <a:ext cx="0" cy="0"/>
+          <a:chOff x="0" y="0"/>
+          <a:chExt cx="0" cy="0"/>
+        </a:xfrm>
+      </p:grpSpPr>
+      <p:sp>
+        <p:nvSpPr>
+          <p:cNvPr id="2" name="Zástupný symbol pro obrázek snímku 1">
+            <a:extLst>
+              <a:ext uri="{FF2B5EF4-FFF2-40B4-BE49-F238E27FC236}">
+                <a16:creationId xmlns:a16="http://schemas.microsoft.com/office/drawing/2014/main" id="{944F059F-EB52-4144-E5F0-7C57212A075E}"/>
+              </a:ext>
+            </a:extLst>
+          </p:cNvPr>
+          <p:cNvSpPr>
+            <a:spLocks noGrp="1" noRot="1" noChangeAspect="1"/>
+          </p:cNvSpPr>
+          <p:nvPr>
+            <p:ph type="sldImg"/>
+          </p:nvPr>
+        </p:nvSpPr>
+        <p:spPr/>
+      </p:sp>
+      <p:sp>
+        <p:nvSpPr>
+          <p:cNvPr id="3" name="Zástupný symbol pro poznámky 2">
+            <a:extLst>
+              <a:ext uri="{FF2B5EF4-FFF2-40B4-BE49-F238E27FC236}">
+                <a16:creationId xmlns:a16="http://schemas.microsoft.com/office/drawing/2014/main" id="{138A64F0-CC04-1F2A-2445-FDD114BA2CB3}"/>
+              </a:ext>
+            </a:extLst>
+          </p:cNvPr>
+          <p:cNvSpPr>
+            <a:spLocks noGrp="1"/>
+          </p:cNvSpPr>
+          <p:nvPr>
+            <p:ph type="body" idx="1"/>
+          </p:nvPr>
+        </p:nvSpPr>
+        <p:spPr/>
+        <p:txBody>
+          <a:bodyPr/>
+          <a:lstStyle/>
+          <a:p>
+            <a:r>
+              <a:rPr lang="cs-CZ" dirty="0"/>
+              <a:t>V případě potřeby spustit vyhodnocování logiky na zařízení s menší spotřebou než je počítač, je Node-RED možné spustit na </a:t>
+            </a:r>
+            <a:r>
+              <a:rPr lang="cs-CZ" dirty="0" err="1"/>
+              <a:t>raspberry</a:t>
+            </a:r>
+            <a:r>
+              <a:rPr lang="cs-CZ" dirty="0"/>
+              <a:t> </a:t>
+            </a:r>
+            <a:r>
+              <a:rPr lang="cs-CZ" dirty="0" err="1"/>
+              <a:t>Pi</a:t>
+            </a:r>
+            <a:r>
+              <a:rPr lang="cs-CZ" dirty="0"/>
+              <a:t> nebo </a:t>
+            </a:r>
+            <a:r>
+              <a:rPr lang="cs-CZ" dirty="0" err="1"/>
+              <a:t>BeagleBone</a:t>
+            </a:r>
+            <a:r>
+              <a:rPr lang="cs-CZ" dirty="0"/>
+              <a:t>. Při využití .NET </a:t>
+            </a:r>
+            <a:r>
+              <a:rPr lang="cs-CZ" dirty="0" err="1"/>
+              <a:t>IoT</a:t>
+            </a:r>
+            <a:r>
+              <a:rPr lang="cs-CZ" dirty="0"/>
+              <a:t> je na těchto deskách možné spustit také hlavní uzel z této práce. s pomocí .NET </a:t>
+            </a:r>
+            <a:r>
+              <a:rPr lang="cs-CZ" dirty="0" err="1"/>
+              <a:t>nanoFramework</a:t>
+            </a:r>
+            <a:r>
+              <a:rPr lang="cs-CZ" dirty="0"/>
+              <a:t> je možné hlavní uzel spustit i na méně výkonných čipech, ale kvůli hardwarovému omezení nejsou podporovány všechny funkce. Pro ostatní čipy by mělo jít s drobnými úpravami v syntaxi </a:t>
+            </a:r>
+            <a:r>
+              <a:rPr lang="cs-CZ" dirty="0" err="1"/>
+              <a:t>kod</a:t>
+            </a:r>
+            <a:r>
+              <a:rPr lang="cs-CZ" dirty="0"/>
+              <a:t> převést do C++.</a:t>
+            </a:r>
+          </a:p>
+        </p:txBody>
+      </p:sp>
+      <p:sp>
+        <p:nvSpPr>
+          <p:cNvPr id="4" name="Zástupný symbol pro číslo snímku 3">
+            <a:extLst>
+              <a:ext uri="{FF2B5EF4-FFF2-40B4-BE49-F238E27FC236}">
+                <a16:creationId xmlns:a16="http://schemas.microsoft.com/office/drawing/2014/main" id="{141DCC21-F459-3A78-754E-A5FA4080B3E7}"/>
+              </a:ext>
+            </a:extLst>
+          </p:cNvPr>
+          <p:cNvSpPr>
+            <a:spLocks noGrp="1"/>
+          </p:cNvSpPr>
+          <p:nvPr>
+            <p:ph type="sldNum" sz="quarter" idx="5"/>
+          </p:nvPr>
+        </p:nvSpPr>
+        <p:spPr/>
+        <p:txBody>
+          <a:bodyPr/>
+          <a:lstStyle/>
+          <a:p>
+            <a:fld id="{1A2A8A12-C138-49DA-8AA6-D12B63798F3E}" type="slidenum">
+              <a:rPr lang="cs-CZ" smtClean="0"/>
+              <a:t>11</a:t>
+            </a:fld>
+            <a:endParaRPr lang="cs-CZ"/>
+          </a:p>
+        </p:txBody>
+      </p:sp>
+    </p:spTree>
+    <p:extLst>
+      <p:ext uri="{BB962C8B-B14F-4D97-AF65-F5344CB8AC3E}">
+        <p14:creationId xmlns:p14="http://schemas.microsoft.com/office/powerpoint/2010/main" val="1362214698"/>
       </p:ext>
     </p:extLst>
   </p:cSld>
@@ -9203,7 +9363,7 @@
           <p:nvPr>
             <p:extLst>
               <p:ext uri="{D42A27DB-BD31-4B8C-83A1-F6EECF244321}">
-                <p14:modId xmlns:p14="http://schemas.microsoft.com/office/powerpoint/2010/main" val="2750200567"/>
+                <p14:modId xmlns:p14="http://schemas.microsoft.com/office/powerpoint/2010/main" val="2708689308"/>
               </p:ext>
             </p:extLst>
           </p:nvPr>
@@ -9257,8 +9417,9 @@
                     <a:bodyPr/>
                     <a:lstStyle/>
                     <a:p>
+                      <a:pPr algn="ctr"/>
                       <a:r>
-                        <a:rPr lang="cs-CZ" dirty="0"/>
+                        <a:rPr lang="cs-CZ" b="1" dirty="0"/>
                         <a:t>Tato DP</a:t>
                       </a:r>
                     </a:p>
@@ -9270,8 +9431,9 @@
                     <a:bodyPr/>
                     <a:lstStyle/>
                     <a:p>
+                      <a:pPr algn="ctr"/>
                       <a:r>
-                        <a:rPr lang="cs-CZ" dirty="0"/>
+                        <a:rPr lang="cs-CZ" b="1" dirty="0"/>
                         <a:t>Node-RED</a:t>
                       </a:r>
                     </a:p>
@@ -9576,6 +9738,41 @@
           </a:graphicData>
         </a:graphic>
       </p:graphicFrame>
+      <p:sp>
+        <p:nvSpPr>
+          <p:cNvPr id="8" name="TextovéPole 7">
+            <a:extLst>
+              <a:ext uri="{FF2B5EF4-FFF2-40B4-BE49-F238E27FC236}">
+                <a16:creationId xmlns:a16="http://schemas.microsoft.com/office/drawing/2014/main" id="{67DE2AE3-9D7B-AFAF-82EC-B52CF75A815A}"/>
+              </a:ext>
+            </a:extLst>
+          </p:cNvPr>
+          <p:cNvSpPr txBox="1"/>
+          <p:nvPr/>
+        </p:nvSpPr>
+        <p:spPr>
+          <a:xfrm>
+            <a:off x="17068800" y="8946776"/>
+            <a:ext cx="570990" cy="507831"/>
+          </a:xfrm>
+          <a:prstGeom prst="rect">
+            <a:avLst/>
+          </a:prstGeom>
+          <a:noFill/>
+        </p:spPr>
+        <p:txBody>
+          <a:bodyPr wrap="none" rtlCol="0">
+            <a:spAutoFit/>
+          </a:bodyPr>
+          <a:lstStyle/>
+          <a:p>
+            <a:r>
+              <a:rPr lang="cs-CZ" dirty="0"/>
+              <a:t>[5]</a:t>
+            </a:r>
+          </a:p>
+        </p:txBody>
+      </p:sp>
     </p:spTree>
     <p:extLst>
       <p:ext uri="{BB962C8B-B14F-4D97-AF65-F5344CB8AC3E}">
@@ -9594,7 +9791,13 @@
   <p:cSld>
     <p:spTree>
       <p:nvGrpSpPr>
-        <p:cNvPr id="1" name=""/>
+        <p:cNvPr id="1" name="">
+          <a:extLst>
+            <a:ext uri="{FF2B5EF4-FFF2-40B4-BE49-F238E27FC236}">
+              <a16:creationId xmlns:a16="http://schemas.microsoft.com/office/drawing/2014/main" id="{91FF7BCC-F657-B693-D853-3124A7B027A7}"/>
+            </a:ext>
+          </a:extLst>
+        </p:cNvPr>
         <p:cNvGrpSpPr/>
         <p:nvPr/>
       </p:nvGrpSpPr>
@@ -9611,7 +9814,7 @@
           <p:cNvPr id="2" name="Zástupný text 1">
             <a:extLst>
               <a:ext uri="{FF2B5EF4-FFF2-40B4-BE49-F238E27FC236}">
-                <a16:creationId xmlns:a16="http://schemas.microsoft.com/office/drawing/2014/main" id="{32DEB359-6B80-3613-966B-FAA9301011F6}"/>
+                <a16:creationId xmlns:a16="http://schemas.microsoft.com/office/drawing/2014/main" id="{53ECE6C4-7B02-9A24-BD6C-9E9160C9E50E}"/>
               </a:ext>
             </a:extLst>
           </p:cNvPr>
@@ -9629,7 +9832,7 @@
           <a:p>
             <a:r>
               <a:rPr lang="cs-CZ" dirty="0"/>
-              <a:t>Závěr</a:t>
+              <a:t>Výsledky a jejich zhodnocení</a:t>
             </a:r>
           </a:p>
         </p:txBody>
@@ -9639,7 +9842,7 @@
           <p:cNvPr id="3" name="Zástupný text 2">
             <a:extLst>
               <a:ext uri="{FF2B5EF4-FFF2-40B4-BE49-F238E27FC236}">
-                <a16:creationId xmlns:a16="http://schemas.microsoft.com/office/drawing/2014/main" id="{3E850045-51D5-2556-4104-278A4FD24E04}"/>
+                <a16:creationId xmlns:a16="http://schemas.microsoft.com/office/drawing/2014/main" id="{31E8265D-CC3B-E141-C2FD-CF0B7FE5C755}"/>
               </a:ext>
             </a:extLst>
           </p:cNvPr>
@@ -9662,71 +9865,523 @@
           </a:p>
         </p:txBody>
       </p:sp>
-      <p:sp>
-        <p:nvSpPr>
-          <p:cNvPr id="5" name="Zástupný text 4">
-            <a:extLst>
-              <a:ext uri="{FF2B5EF4-FFF2-40B4-BE49-F238E27FC236}">
-                <a16:creationId xmlns:a16="http://schemas.microsoft.com/office/drawing/2014/main" id="{F6EF8A6A-A94B-E009-2904-00483D9F88E4}"/>
-              </a:ext>
-            </a:extLst>
-          </p:cNvPr>
-          <p:cNvSpPr>
-            <a:spLocks noGrp="1"/>
-          </p:cNvSpPr>
+      <p:graphicFrame>
+        <p:nvGraphicFramePr>
+          <p:cNvPr id="7" name="Tabulka 6">
+            <a:extLst>
+              <a:ext uri="{FF2B5EF4-FFF2-40B4-BE49-F238E27FC236}">
+                <a16:creationId xmlns:a16="http://schemas.microsoft.com/office/drawing/2014/main" id="{A467AFB2-CF2F-C79D-E486-8A7D9ED984FD}"/>
+              </a:ext>
+            </a:extLst>
+          </p:cNvPr>
+          <p:cNvGraphicFramePr>
+            <a:graphicFrameLocks noGrp="1"/>
+          </p:cNvGraphicFramePr>
           <p:nvPr>
-            <p:ph type="body" sz="quarter" idx="16"/>
+            <p:extLst>
+              <p:ext uri="{D42A27DB-BD31-4B8C-83A1-F6EECF244321}">
+                <p14:modId xmlns:p14="http://schemas.microsoft.com/office/powerpoint/2010/main" val="362559496"/>
+              </p:ext>
+            </p:extLst>
           </p:nvPr>
-        </p:nvSpPr>
-        <p:spPr>
-          <a:xfrm>
-            <a:off x="1079500" y="3422469"/>
-            <a:ext cx="15680146" cy="5821414"/>
-          </a:xfrm>
-        </p:spPr>
-        <p:txBody>
-          <a:bodyPr/>
-          <a:lstStyle/>
-          <a:p>
-            <a:pPr algn="just"/>
-            <a:r>
-              <a:rPr lang="cs-CZ" dirty="0"/>
-              <a:t>v této části především slovně shrnout výsledky práce, pokud jsou měření tak shrnout i výsledky měření,</a:t>
-            </a:r>
-          </a:p>
-          <a:p>
-            <a:pPr algn="just"/>
-            <a:r>
-              <a:rPr lang="cs-CZ" dirty="0"/>
-              <a:t>podstatné je ale dát zjištěné výsledky a data do souvislostí – tedy co to znamená, jak je interpretovat a jaký skvělý pokrok práce přinesla,</a:t>
-            </a:r>
-          </a:p>
-          <a:p>
-            <a:r>
-              <a:rPr lang="cs-CZ" b="1" dirty="0"/>
-              <a:t>Závěr by měly být max. na jedné stránce, pokud je tam nějaký zásadní graf pak max. na dvou.</a:t>
-            </a:r>
-          </a:p>
-          <a:p>
-            <a:endParaRPr lang="cs-CZ" b="1" dirty="0"/>
-          </a:p>
-          <a:p>
-            <a:pPr algn="just"/>
-            <a:r>
-              <a:rPr lang="cs-CZ" b="1" dirty="0"/>
-              <a:t>Závěr musí být úderný – ten spolu s Úvodem většinou komise poslouchá – tedy nebuďte skromní (ale zase to nepřežeňte, není to děkovačka za Nobelovu cenu!)</a:t>
-            </a:r>
-          </a:p>
-          <a:p>
-            <a:pPr algn="just"/>
-            <a:endParaRPr lang="cs-CZ" dirty="0"/>
-          </a:p>
-        </p:txBody>
-      </p:sp>
+        </p:nvGraphicFramePr>
+        <p:xfrm>
+          <a:off x="340659" y="4137660"/>
+          <a:ext cx="17552896" cy="3017520"/>
+        </p:xfrm>
+        <a:graphic>
+          <a:graphicData uri="http://schemas.openxmlformats.org/drawingml/2006/table">
+            <a:tbl>
+              <a:tblPr firstRow="1" bandRow="1">
+                <a:tableStyleId>{5940675A-B579-460E-94D1-54222C63F5DA}</a:tableStyleId>
+              </a:tblPr>
+              <a:tblGrid>
+                <a:gridCol w="4388224">
+                  <a:extLst>
+                    <a:ext uri="{9D8B030D-6E8A-4147-A177-3AD203B41FA5}">
+                      <a16:colId xmlns:a16="http://schemas.microsoft.com/office/drawing/2014/main" val="3689280211"/>
+                    </a:ext>
+                  </a:extLst>
+                </a:gridCol>
+                <a:gridCol w="4388224">
+                  <a:extLst>
+                    <a:ext uri="{9D8B030D-6E8A-4147-A177-3AD203B41FA5}">
+                      <a16:colId xmlns:a16="http://schemas.microsoft.com/office/drawing/2014/main" val="2149954101"/>
+                    </a:ext>
+                  </a:extLst>
+                </a:gridCol>
+                <a:gridCol w="4388224">
+                  <a:extLst>
+                    <a:ext uri="{9D8B030D-6E8A-4147-A177-3AD203B41FA5}">
+                      <a16:colId xmlns:a16="http://schemas.microsoft.com/office/drawing/2014/main" val="817780287"/>
+                    </a:ext>
+                  </a:extLst>
+                </a:gridCol>
+                <a:gridCol w="4388224">
+                  <a:extLst>
+                    <a:ext uri="{9D8B030D-6E8A-4147-A177-3AD203B41FA5}">
+                      <a16:colId xmlns:a16="http://schemas.microsoft.com/office/drawing/2014/main" val="878145145"/>
+                    </a:ext>
+                  </a:extLst>
+                </a:gridCol>
+              </a:tblGrid>
+              <a:tr h="370840">
+                <a:tc>
+                  <a:txBody>
+                    <a:bodyPr/>
+                    <a:lstStyle/>
+                    <a:p>
+                      <a:endParaRPr lang="cs-CZ" dirty="0"/>
+                    </a:p>
+                  </a:txBody>
+                  <a:tcPr/>
+                </a:tc>
+                <a:tc>
+                  <a:txBody>
+                    <a:bodyPr/>
+                    <a:lstStyle/>
+                    <a:p>
+                      <a:pPr algn="ctr"/>
+                      <a:r>
+                        <a:rPr lang="cs-CZ" b="1" dirty="0"/>
+                        <a:t>Node-RED</a:t>
+                      </a:r>
+                    </a:p>
+                  </a:txBody>
+                  <a:tcPr/>
+                </a:tc>
+                <a:tc>
+                  <a:txBody>
+                    <a:bodyPr/>
+                    <a:lstStyle/>
+                    <a:p>
+                      <a:pPr algn="ctr"/>
+                      <a:r>
+                        <a:rPr lang="cs-CZ" b="1" dirty="0"/>
+                        <a:t>.NET </a:t>
+                      </a:r>
+                      <a:r>
+                        <a:rPr lang="cs-CZ" b="1" dirty="0" err="1"/>
+                        <a:t>IoT</a:t>
+                      </a:r>
+                      <a:endParaRPr lang="cs-CZ" b="1" dirty="0"/>
+                    </a:p>
+                  </a:txBody>
+                  <a:tcPr/>
+                </a:tc>
+                <a:tc>
+                  <a:txBody>
+                    <a:bodyPr/>
+                    <a:lstStyle/>
+                    <a:p>
+                      <a:pPr algn="ctr"/>
+                      <a:r>
+                        <a:rPr lang="cs-CZ" b="1" dirty="0"/>
+                        <a:t>.NET </a:t>
+                      </a:r>
+                      <a:r>
+                        <a:rPr lang="cs-CZ" b="1" dirty="0" err="1"/>
+                        <a:t>nanoFramework</a:t>
+                      </a:r>
+                      <a:endParaRPr lang="cs-CZ" b="1" dirty="0"/>
+                    </a:p>
+                  </a:txBody>
+                  <a:tcPr/>
+                </a:tc>
+                <a:extLst>
+                  <a:ext uri="{0D108BD9-81ED-4DB2-BD59-A6C34878D82A}">
+                    <a16:rowId xmlns:a16="http://schemas.microsoft.com/office/drawing/2014/main" val="688173998"/>
+                  </a:ext>
+                </a:extLst>
+              </a:tr>
+              <a:tr h="370840">
+                <a:tc>
+                  <a:txBody>
+                    <a:bodyPr/>
+                    <a:lstStyle/>
+                    <a:p>
+                      <a:r>
+                        <a:rPr lang="cs-CZ" b="0" dirty="0" err="1"/>
+                        <a:t>Raspberry</a:t>
+                      </a:r>
+                      <a:r>
+                        <a:rPr lang="cs-CZ" b="0" dirty="0"/>
+                        <a:t> </a:t>
+                      </a:r>
+                      <a:r>
+                        <a:rPr lang="cs-CZ" b="0" dirty="0" err="1"/>
+                        <a:t>Pi</a:t>
+                      </a:r>
+                      <a:endParaRPr lang="cs-CZ" b="0" dirty="0"/>
+                    </a:p>
+                  </a:txBody>
+                  <a:tcPr/>
+                </a:tc>
+                <a:tc>
+                  <a:txBody>
+                    <a:bodyPr/>
+                    <a:lstStyle/>
+                    <a:p>
+                      <a:pPr algn="ctr"/>
+                      <a:r>
+                        <a:rPr lang="cs-CZ" b="0" dirty="0"/>
+                        <a:t>ano</a:t>
+                      </a:r>
+                    </a:p>
+                  </a:txBody>
+                  <a:tcPr>
+                    <a:solidFill>
+                      <a:srgbClr val="92D050"/>
+                    </a:solidFill>
+                  </a:tcPr>
+                </a:tc>
+                <a:tc>
+                  <a:txBody>
+                    <a:bodyPr/>
+                    <a:lstStyle/>
+                    <a:p>
+                      <a:pPr algn="ctr"/>
+                      <a:r>
+                        <a:rPr lang="cs-CZ" b="0" dirty="0"/>
+                        <a:t>ano</a:t>
+                      </a:r>
+                    </a:p>
+                  </a:txBody>
+                  <a:tcPr>
+                    <a:solidFill>
+                      <a:srgbClr val="92D050"/>
+                    </a:solidFill>
+                  </a:tcPr>
+                </a:tc>
+                <a:tc>
+                  <a:txBody>
+                    <a:bodyPr/>
+                    <a:lstStyle/>
+                    <a:p>
+                      <a:pPr algn="ctr"/>
+                      <a:r>
+                        <a:rPr lang="cs-CZ" b="0" dirty="0"/>
+                        <a:t>ne</a:t>
+                      </a:r>
+                    </a:p>
+                  </a:txBody>
+                  <a:tcPr>
+                    <a:solidFill>
+                      <a:srgbClr val="FF0000"/>
+                    </a:solidFill>
+                  </a:tcPr>
+                </a:tc>
+                <a:extLst>
+                  <a:ext uri="{0D108BD9-81ED-4DB2-BD59-A6C34878D82A}">
+                    <a16:rowId xmlns:a16="http://schemas.microsoft.com/office/drawing/2014/main" val="2326359717"/>
+                  </a:ext>
+                </a:extLst>
+              </a:tr>
+              <a:tr h="370840">
+                <a:tc>
+                  <a:txBody>
+                    <a:bodyPr/>
+                    <a:lstStyle/>
+                    <a:p>
+                      <a:r>
+                        <a:rPr lang="cs-CZ" b="0" dirty="0" err="1"/>
+                        <a:t>BeagleBone</a:t>
+                      </a:r>
+                      <a:endParaRPr lang="cs-CZ" b="0" dirty="0"/>
+                    </a:p>
+                  </a:txBody>
+                  <a:tcPr/>
+                </a:tc>
+                <a:tc>
+                  <a:txBody>
+                    <a:bodyPr/>
+                    <a:lstStyle/>
+                    <a:p>
+                      <a:pPr algn="ctr"/>
+                      <a:r>
+                        <a:rPr lang="cs-CZ" b="0" dirty="0"/>
+                        <a:t>ano</a:t>
+                      </a:r>
+                    </a:p>
+                  </a:txBody>
+                  <a:tcPr>
+                    <a:solidFill>
+                      <a:srgbClr val="92D050"/>
+                    </a:solidFill>
+                  </a:tcPr>
+                </a:tc>
+                <a:tc>
+                  <a:txBody>
+                    <a:bodyPr/>
+                    <a:lstStyle/>
+                    <a:p>
+                      <a:pPr algn="ctr"/>
+                      <a:r>
+                        <a:rPr lang="cs-CZ" b="0" dirty="0"/>
+                        <a:t>ano</a:t>
+                      </a:r>
+                    </a:p>
+                  </a:txBody>
+                  <a:tcPr>
+                    <a:solidFill>
+                      <a:srgbClr val="92D050"/>
+                    </a:solidFill>
+                  </a:tcPr>
+                </a:tc>
+                <a:tc>
+                  <a:txBody>
+                    <a:bodyPr/>
+                    <a:lstStyle/>
+                    <a:p>
+                      <a:pPr algn="ctr"/>
+                      <a:r>
+                        <a:rPr lang="cs-CZ" b="0" dirty="0"/>
+                        <a:t>ne</a:t>
+                      </a:r>
+                    </a:p>
+                  </a:txBody>
+                  <a:tcPr>
+                    <a:solidFill>
+                      <a:srgbClr val="FF0000"/>
+                    </a:solidFill>
+                  </a:tcPr>
+                </a:tc>
+                <a:extLst>
+                  <a:ext uri="{0D108BD9-81ED-4DB2-BD59-A6C34878D82A}">
+                    <a16:rowId xmlns:a16="http://schemas.microsoft.com/office/drawing/2014/main" val="2591010749"/>
+                  </a:ext>
+                </a:extLst>
+              </a:tr>
+              <a:tr h="370840">
+                <a:tc>
+                  <a:txBody>
+                    <a:bodyPr/>
+                    <a:lstStyle/>
+                    <a:p>
+                      <a:r>
+                        <a:rPr lang="cs-CZ" b="0" dirty="0"/>
+                        <a:t>ESP32</a:t>
+                      </a:r>
+                    </a:p>
+                  </a:txBody>
+                  <a:tcPr/>
+                </a:tc>
+                <a:tc>
+                  <a:txBody>
+                    <a:bodyPr/>
+                    <a:lstStyle/>
+                    <a:p>
+                      <a:pPr algn="ctr"/>
+                      <a:r>
+                        <a:rPr lang="cs-CZ" b="0" dirty="0"/>
+                        <a:t>ne</a:t>
+                      </a:r>
+                    </a:p>
+                  </a:txBody>
+                  <a:tcPr>
+                    <a:solidFill>
+                      <a:srgbClr val="FF0000"/>
+                    </a:solidFill>
+                  </a:tcPr>
+                </a:tc>
+                <a:tc>
+                  <a:txBody>
+                    <a:bodyPr/>
+                    <a:lstStyle/>
+                    <a:p>
+                      <a:pPr algn="ctr"/>
+                      <a:r>
+                        <a:rPr lang="cs-CZ" b="0" dirty="0"/>
+                        <a:t>ne</a:t>
+                      </a:r>
+                    </a:p>
+                  </a:txBody>
+                  <a:tcPr>
+                    <a:solidFill>
+                      <a:srgbClr val="FF0000"/>
+                    </a:solidFill>
+                  </a:tcPr>
+                </a:tc>
+                <a:tc>
+                  <a:txBody>
+                    <a:bodyPr/>
+                    <a:lstStyle/>
+                    <a:p>
+                      <a:pPr algn="ctr"/>
+                      <a:r>
+                        <a:rPr lang="cs-CZ" b="0" dirty="0"/>
+                        <a:t>S omezením</a:t>
+                      </a:r>
+                    </a:p>
+                  </a:txBody>
+                  <a:tcPr>
+                    <a:solidFill>
+                      <a:srgbClr val="FFFF00"/>
+                    </a:solidFill>
+                  </a:tcPr>
+                </a:tc>
+                <a:extLst>
+                  <a:ext uri="{0D108BD9-81ED-4DB2-BD59-A6C34878D82A}">
+                    <a16:rowId xmlns:a16="http://schemas.microsoft.com/office/drawing/2014/main" val="4177269617"/>
+                  </a:ext>
+                </a:extLst>
+              </a:tr>
+              <a:tr h="370840">
+                <a:tc>
+                  <a:txBody>
+                    <a:bodyPr/>
+                    <a:lstStyle/>
+                    <a:p>
+                      <a:r>
+                        <a:rPr lang="cs-CZ" b="0" dirty="0"/>
+                        <a:t>STM32F429</a:t>
+                      </a:r>
+                    </a:p>
+                  </a:txBody>
+                  <a:tcPr/>
+                </a:tc>
+                <a:tc>
+                  <a:txBody>
+                    <a:bodyPr/>
+                    <a:lstStyle/>
+                    <a:p>
+                      <a:pPr algn="ctr"/>
+                      <a:r>
+                        <a:rPr lang="cs-CZ" b="0" dirty="0"/>
+                        <a:t>ne</a:t>
+                      </a:r>
+                    </a:p>
+                  </a:txBody>
+                  <a:tcPr>
+                    <a:solidFill>
+                      <a:srgbClr val="FF0000"/>
+                    </a:solidFill>
+                  </a:tcPr>
+                </a:tc>
+                <a:tc>
+                  <a:txBody>
+                    <a:bodyPr/>
+                    <a:lstStyle/>
+                    <a:p>
+                      <a:pPr algn="ctr"/>
+                      <a:r>
+                        <a:rPr lang="cs-CZ" b="0" dirty="0"/>
+                        <a:t>ne</a:t>
+                      </a:r>
+                    </a:p>
+                  </a:txBody>
+                  <a:tcPr>
+                    <a:solidFill>
+                      <a:srgbClr val="FF0000"/>
+                    </a:solidFill>
+                  </a:tcPr>
+                </a:tc>
+                <a:tc>
+                  <a:txBody>
+                    <a:bodyPr/>
+                    <a:lstStyle/>
+                    <a:p>
+                      <a:pPr algn="ctr"/>
+                      <a:r>
+                        <a:rPr lang="cs-CZ" b="0" dirty="0"/>
+                        <a:t>S omezením</a:t>
+                      </a:r>
+                    </a:p>
+                  </a:txBody>
+                  <a:tcPr>
+                    <a:solidFill>
+                      <a:srgbClr val="FFFF00"/>
+                    </a:solidFill>
+                  </a:tcPr>
+                </a:tc>
+                <a:extLst>
+                  <a:ext uri="{0D108BD9-81ED-4DB2-BD59-A6C34878D82A}">
+                    <a16:rowId xmlns:a16="http://schemas.microsoft.com/office/drawing/2014/main" val="3027061832"/>
+                  </a:ext>
+                </a:extLst>
+              </a:tr>
+              <a:tr h="370840">
+                <a:tc>
+                  <a:txBody>
+                    <a:bodyPr/>
+                    <a:lstStyle/>
+                    <a:p>
+                      <a:r>
+                        <a:rPr lang="cs-CZ" b="0" dirty="0"/>
+                        <a:t>STM32F303</a:t>
+                      </a:r>
+                    </a:p>
+                  </a:txBody>
+                  <a:tcPr/>
+                </a:tc>
+                <a:tc>
+                  <a:txBody>
+                    <a:bodyPr/>
+                    <a:lstStyle/>
+                    <a:p>
+                      <a:pPr algn="ctr"/>
+                      <a:r>
+                        <a:rPr lang="cs-CZ" b="0" dirty="0"/>
+                        <a:t>ne</a:t>
+                      </a:r>
+                    </a:p>
+                  </a:txBody>
+                  <a:tcPr>
+                    <a:solidFill>
+                      <a:srgbClr val="FF0000"/>
+                    </a:solidFill>
+                  </a:tcPr>
+                </a:tc>
+                <a:tc>
+                  <a:txBody>
+                    <a:bodyPr/>
+                    <a:lstStyle/>
+                    <a:p>
+                      <a:pPr algn="ctr"/>
+                      <a:r>
+                        <a:rPr lang="cs-CZ" b="0" dirty="0"/>
+                        <a:t>ne</a:t>
+                      </a:r>
+                    </a:p>
+                  </a:txBody>
+                  <a:tcPr>
+                    <a:solidFill>
+                      <a:srgbClr val="FF0000"/>
+                    </a:solidFill>
+                  </a:tcPr>
+                </a:tc>
+                <a:tc>
+                  <a:txBody>
+                    <a:bodyPr/>
+                    <a:lstStyle/>
+                    <a:p>
+                      <a:pPr algn="ctr"/>
+                      <a:r>
+                        <a:rPr lang="cs-CZ" b="0" dirty="0"/>
+                        <a:t>ne</a:t>
+                      </a:r>
+                    </a:p>
+                  </a:txBody>
+                  <a:tcPr>
+                    <a:solidFill>
+                      <a:srgbClr val="FF0000"/>
+                    </a:solidFill>
+                  </a:tcPr>
+                </a:tc>
+                <a:extLst>
+                  <a:ext uri="{0D108BD9-81ED-4DB2-BD59-A6C34878D82A}">
+                    <a16:rowId xmlns:a16="http://schemas.microsoft.com/office/drawing/2014/main" val="1817210365"/>
+                  </a:ext>
+                </a:extLst>
+              </a:tr>
+            </a:tbl>
+          </a:graphicData>
+        </a:graphic>
+      </p:graphicFrame>
     </p:spTree>
     <p:extLst>
       <p:ext uri="{BB962C8B-B14F-4D97-AF65-F5344CB8AC3E}">
-        <p14:creationId xmlns:p14="http://schemas.microsoft.com/office/powerpoint/2010/main" val="655701420"/>
+        <p14:creationId xmlns:p14="http://schemas.microsoft.com/office/powerpoint/2010/main" val="359646632"/>
       </p:ext>
     </p:extLst>
   </p:cSld>
@@ -9775,10 +10430,9 @@
           <a:lstStyle/>
           <a:p>
             <a:r>
-              <a:rPr lang="cs-CZ" sz="8800" dirty="0"/>
-              <a:t>Otázka oponenta č.1</a:t>
-            </a:r>
-            <a:endParaRPr lang="cs-CZ" dirty="0"/>
+              <a:rPr lang="cs-CZ" dirty="0"/>
+              <a:t>Závěr</a:t>
+            </a:r>
           </a:p>
         </p:txBody>
       </p:sp>
@@ -9836,149 +10490,37 @@
           <a:bodyPr/>
           <a:lstStyle/>
           <a:p>
-            <a:pPr marL="0" indent="0">
-              <a:buNone/>
-            </a:pPr>
-            <a:r>
-              <a:rPr lang="cs-CZ" sz="4800" dirty="0"/>
-              <a:t>„</a:t>
-            </a:r>
-            <a:r>
-              <a:rPr lang="cs-CZ" sz="4800" b="1" dirty="0">
-                <a:effectLst>
-                  <a:outerShdw blurRad="38100" dist="38100" dir="2700000" algn="tl">
-                    <a:srgbClr val="000000">
-                      <a:alpha val="43137"/>
-                    </a:srgbClr>
-                  </a:outerShdw>
-                </a:effectLst>
-              </a:rPr>
-              <a:t>Na str. 49 je uvedeno: „</a:t>
-            </a:r>
-            <a:r>
-              <a:rPr lang="cs-CZ" sz="4800" b="1" dirty="0" err="1">
-                <a:effectLst>
-                  <a:outerShdw blurRad="38100" dist="38100" dir="2700000" algn="tl">
-                    <a:srgbClr val="000000">
-                      <a:alpha val="43137"/>
-                    </a:srgbClr>
-                  </a:outerShdw>
-                </a:effectLst>
-              </a:rPr>
-              <a:t>For</a:t>
-            </a:r>
-            <a:r>
-              <a:rPr lang="cs-CZ" sz="4800" b="1" dirty="0">
-                <a:effectLst>
-                  <a:outerShdw blurRad="38100" dist="38100" dir="2700000" algn="tl">
-                    <a:srgbClr val="000000">
-                      <a:alpha val="43137"/>
-                    </a:srgbClr>
-                  </a:outerShdw>
-                </a:effectLst>
-              </a:rPr>
-              <a:t> byl zvolen místo </a:t>
-            </a:r>
-            <a:r>
-              <a:rPr lang="cs-CZ" sz="4800" b="1" dirty="0" err="1">
-                <a:effectLst>
-                  <a:outerShdw blurRad="38100" dist="38100" dir="2700000" algn="tl">
-                    <a:srgbClr val="000000">
-                      <a:alpha val="43137"/>
-                    </a:srgbClr>
-                  </a:outerShdw>
-                </a:effectLst>
-              </a:rPr>
-              <a:t>foreach</a:t>
-            </a:r>
-            <a:r>
-              <a:rPr lang="cs-CZ" sz="4800" b="1" dirty="0">
-                <a:effectLst>
-                  <a:outerShdw blurRad="38100" dist="38100" dir="2700000" algn="tl">
-                    <a:srgbClr val="000000">
-                      <a:alpha val="43137"/>
-                    </a:srgbClr>
-                  </a:outerShdw>
-                </a:effectLst>
-              </a:rPr>
-              <a:t> proto, aby bylo možné v chybové hlášce přesně určit místo, kde nastal problém.“ Vysvětlete rozdíl mezi příkazy </a:t>
-            </a:r>
-            <a:r>
-              <a:rPr lang="cs-CZ" sz="4800" b="1" dirty="0" err="1">
-                <a:effectLst>
-                  <a:outerShdw blurRad="38100" dist="38100" dir="2700000" algn="tl">
-                    <a:srgbClr val="000000">
-                      <a:alpha val="43137"/>
-                    </a:srgbClr>
-                  </a:outerShdw>
-                </a:effectLst>
-              </a:rPr>
-              <a:t>for</a:t>
-            </a:r>
-            <a:r>
-              <a:rPr lang="cs-CZ" sz="4800" b="1" dirty="0">
-                <a:effectLst>
-                  <a:outerShdw blurRad="38100" dist="38100" dir="2700000" algn="tl">
-                    <a:srgbClr val="000000">
-                      <a:alpha val="43137"/>
-                    </a:srgbClr>
-                  </a:outerShdw>
-                </a:effectLst>
-              </a:rPr>
-              <a:t> a </a:t>
-            </a:r>
-            <a:r>
-              <a:rPr lang="cs-CZ" sz="4800" b="1" dirty="0" err="1">
-                <a:effectLst>
-                  <a:outerShdw blurRad="38100" dist="38100" dir="2700000" algn="tl">
-                    <a:srgbClr val="000000">
-                      <a:alpha val="43137"/>
-                    </a:srgbClr>
-                  </a:outerShdw>
-                </a:effectLst>
-              </a:rPr>
-              <a:t>foreach</a:t>
-            </a:r>
-            <a:r>
-              <a:rPr lang="cs-CZ" sz="4800" b="1" dirty="0">
-                <a:effectLst>
-                  <a:outerShdw blurRad="38100" dist="38100" dir="2700000" algn="tl">
-                    <a:srgbClr val="000000">
-                      <a:alpha val="43137"/>
-                    </a:srgbClr>
-                  </a:outerShdw>
-                </a:effectLst>
-              </a:rPr>
-              <a:t> a proč druhý z nich neumožňuje přesné určení místa výskytu chyby. “</a:t>
-            </a:r>
-          </a:p>
-          <a:p>
-            <a:r>
-              <a:rPr lang="cs-CZ" b="1" dirty="0" err="1"/>
-              <a:t>For</a:t>
-            </a:r>
+            <a:pPr algn="just"/>
+            <a:r>
+              <a:rPr lang="cs-CZ" dirty="0"/>
+              <a:t>v této části především slovně shrnout výsledky práce, pokud jsou měření tak shrnout i výsledky měření,</a:t>
+            </a:r>
+          </a:p>
+          <a:p>
+            <a:pPr algn="just"/>
+            <a:r>
+              <a:rPr lang="cs-CZ" dirty="0"/>
+              <a:t>podstatné je ale dát zjištěné výsledky a data do souvislostí – tedy co to znamená, jak je interpretovat a jaký skvělý pokrok práce přinesla,</a:t>
+            </a:r>
+          </a:p>
+          <a:p>
             <a:r>
               <a:rPr lang="cs-CZ" b="1" dirty="0"/>
-              <a:t> = k dispozici index</a:t>
-            </a:r>
-          </a:p>
-          <a:p>
-            <a:r>
-              <a:rPr lang="cs-CZ" b="1" dirty="0" err="1"/>
-              <a:t>Foreach</a:t>
-            </a:r>
+              <a:t>Závěr by měly být max. na jedné stránce, pokud je tam nějaký zásadní graf pak max. na dvou.</a:t>
+            </a:r>
+          </a:p>
+          <a:p>
+            <a:endParaRPr lang="cs-CZ" b="1" dirty="0"/>
+          </a:p>
+          <a:p>
+            <a:pPr algn="just"/>
             <a:r>
               <a:rPr lang="cs-CZ" b="1" dirty="0"/>
-              <a:t> = k dispozici prvek kolekce (v tomto případě znak)</a:t>
-            </a:r>
-          </a:p>
-          <a:p>
-            <a:endParaRPr lang="cs-CZ" b="1" dirty="0"/>
-          </a:p>
-          <a:p>
-            <a:pPr marL="0" indent="0" algn="just">
-              <a:buNone/>
-            </a:pPr>
+              <a:t>Závěr musí být úderný – ten spolu s Úvodem většinou komise poslouchá – tedy nebuďte skromní (ale zase to nepřežeňte, není to děkovačka za Nobelovu cenu!)</a:t>
+            </a:r>
+          </a:p>
+          <a:p>
+            <a:pPr algn="just"/>
             <a:endParaRPr lang="cs-CZ" dirty="0"/>
           </a:p>
         </p:txBody>
@@ -9986,7 +10528,7 @@
     </p:spTree>
     <p:extLst>
       <p:ext uri="{BB962C8B-B14F-4D97-AF65-F5344CB8AC3E}">
-        <p14:creationId xmlns:p14="http://schemas.microsoft.com/office/powerpoint/2010/main" val="481893954"/>
+        <p14:creationId xmlns:p14="http://schemas.microsoft.com/office/powerpoint/2010/main" val="655701420"/>
       </p:ext>
     </p:extLst>
   </p:cSld>
@@ -10036,6 +10578,266 @@
           <a:p>
             <a:r>
               <a:rPr lang="cs-CZ" sz="8800" dirty="0"/>
+              <a:t>Otázka oponenta č.1</a:t>
+            </a:r>
+            <a:endParaRPr lang="cs-CZ" dirty="0"/>
+          </a:p>
+        </p:txBody>
+      </p:sp>
+      <p:sp>
+        <p:nvSpPr>
+          <p:cNvPr id="3" name="Zástupný text 2">
+            <a:extLst>
+              <a:ext uri="{FF2B5EF4-FFF2-40B4-BE49-F238E27FC236}">
+                <a16:creationId xmlns:a16="http://schemas.microsoft.com/office/drawing/2014/main" id="{3E850045-51D5-2556-4104-278A4FD24E04}"/>
+              </a:ext>
+            </a:extLst>
+          </p:cNvPr>
+          <p:cNvSpPr>
+            <a:spLocks noGrp="1"/>
+          </p:cNvSpPr>
+          <p:nvPr>
+            <p:ph type="body" sz="quarter" idx="12"/>
+          </p:nvPr>
+        </p:nvSpPr>
+        <p:spPr/>
+        <p:txBody>
+          <a:bodyPr/>
+          <a:lstStyle/>
+          <a:p>
+            <a:r>
+              <a:rPr lang="pl-PL" sz="4400" b="1" dirty="0"/>
+              <a:t>Návrh a realizace kontrolního systému na WiFi síti</a:t>
+            </a:r>
+          </a:p>
+        </p:txBody>
+      </p:sp>
+      <p:sp>
+        <p:nvSpPr>
+          <p:cNvPr id="5" name="Zástupný text 4">
+            <a:extLst>
+              <a:ext uri="{FF2B5EF4-FFF2-40B4-BE49-F238E27FC236}">
+                <a16:creationId xmlns:a16="http://schemas.microsoft.com/office/drawing/2014/main" id="{F6EF8A6A-A94B-E009-2904-00483D9F88E4}"/>
+              </a:ext>
+            </a:extLst>
+          </p:cNvPr>
+          <p:cNvSpPr>
+            <a:spLocks noGrp="1"/>
+          </p:cNvSpPr>
+          <p:nvPr>
+            <p:ph type="body" sz="quarter" idx="16"/>
+          </p:nvPr>
+        </p:nvSpPr>
+        <p:spPr>
+          <a:xfrm>
+            <a:off x="1079500" y="3422469"/>
+            <a:ext cx="15680146" cy="5821414"/>
+          </a:xfrm>
+        </p:spPr>
+        <p:txBody>
+          <a:bodyPr/>
+          <a:lstStyle/>
+          <a:p>
+            <a:pPr marL="0" indent="0">
+              <a:buNone/>
+            </a:pPr>
+            <a:r>
+              <a:rPr lang="cs-CZ" sz="4800" dirty="0"/>
+              <a:t>„</a:t>
+            </a:r>
+            <a:r>
+              <a:rPr lang="cs-CZ" sz="4800" b="1" dirty="0">
+                <a:effectLst>
+                  <a:outerShdw blurRad="38100" dist="38100" dir="2700000" algn="tl">
+                    <a:srgbClr val="000000">
+                      <a:alpha val="43137"/>
+                    </a:srgbClr>
+                  </a:outerShdw>
+                </a:effectLst>
+              </a:rPr>
+              <a:t>Na str. 49 je uvedeno: „</a:t>
+            </a:r>
+            <a:r>
+              <a:rPr lang="cs-CZ" sz="4800" b="1" dirty="0" err="1">
+                <a:effectLst>
+                  <a:outerShdw blurRad="38100" dist="38100" dir="2700000" algn="tl">
+                    <a:srgbClr val="000000">
+                      <a:alpha val="43137"/>
+                    </a:srgbClr>
+                  </a:outerShdw>
+                </a:effectLst>
+              </a:rPr>
+              <a:t>For</a:t>
+            </a:r>
+            <a:r>
+              <a:rPr lang="cs-CZ" sz="4800" b="1" dirty="0">
+                <a:effectLst>
+                  <a:outerShdw blurRad="38100" dist="38100" dir="2700000" algn="tl">
+                    <a:srgbClr val="000000">
+                      <a:alpha val="43137"/>
+                    </a:srgbClr>
+                  </a:outerShdw>
+                </a:effectLst>
+              </a:rPr>
+              <a:t> byl zvolen místo </a:t>
+            </a:r>
+            <a:r>
+              <a:rPr lang="cs-CZ" sz="4800" b="1" dirty="0" err="1">
+                <a:effectLst>
+                  <a:outerShdw blurRad="38100" dist="38100" dir="2700000" algn="tl">
+                    <a:srgbClr val="000000">
+                      <a:alpha val="43137"/>
+                    </a:srgbClr>
+                  </a:outerShdw>
+                </a:effectLst>
+              </a:rPr>
+              <a:t>foreach</a:t>
+            </a:r>
+            <a:r>
+              <a:rPr lang="cs-CZ" sz="4800" b="1" dirty="0">
+                <a:effectLst>
+                  <a:outerShdw blurRad="38100" dist="38100" dir="2700000" algn="tl">
+                    <a:srgbClr val="000000">
+                      <a:alpha val="43137"/>
+                    </a:srgbClr>
+                  </a:outerShdw>
+                </a:effectLst>
+              </a:rPr>
+              <a:t> proto, aby bylo možné v chybové hlášce přesně určit místo, kde nastal problém.“ Vysvětlete rozdíl mezi příkazy </a:t>
+            </a:r>
+            <a:r>
+              <a:rPr lang="cs-CZ" sz="4800" b="1" dirty="0" err="1">
+                <a:effectLst>
+                  <a:outerShdw blurRad="38100" dist="38100" dir="2700000" algn="tl">
+                    <a:srgbClr val="000000">
+                      <a:alpha val="43137"/>
+                    </a:srgbClr>
+                  </a:outerShdw>
+                </a:effectLst>
+              </a:rPr>
+              <a:t>for</a:t>
+            </a:r>
+            <a:r>
+              <a:rPr lang="cs-CZ" sz="4800" b="1" dirty="0">
+                <a:effectLst>
+                  <a:outerShdw blurRad="38100" dist="38100" dir="2700000" algn="tl">
+                    <a:srgbClr val="000000">
+                      <a:alpha val="43137"/>
+                    </a:srgbClr>
+                  </a:outerShdw>
+                </a:effectLst>
+              </a:rPr>
+              <a:t> a </a:t>
+            </a:r>
+            <a:r>
+              <a:rPr lang="cs-CZ" sz="4800" b="1" dirty="0" err="1">
+                <a:effectLst>
+                  <a:outerShdw blurRad="38100" dist="38100" dir="2700000" algn="tl">
+                    <a:srgbClr val="000000">
+                      <a:alpha val="43137"/>
+                    </a:srgbClr>
+                  </a:outerShdw>
+                </a:effectLst>
+              </a:rPr>
+              <a:t>foreach</a:t>
+            </a:r>
+            <a:r>
+              <a:rPr lang="cs-CZ" sz="4800" b="1" dirty="0">
+                <a:effectLst>
+                  <a:outerShdw blurRad="38100" dist="38100" dir="2700000" algn="tl">
+                    <a:srgbClr val="000000">
+                      <a:alpha val="43137"/>
+                    </a:srgbClr>
+                  </a:outerShdw>
+                </a:effectLst>
+              </a:rPr>
+              <a:t> a proč druhý z nich neumožňuje přesné určení místa výskytu chyby. “</a:t>
+            </a:r>
+          </a:p>
+          <a:p>
+            <a:r>
+              <a:rPr lang="cs-CZ" b="1" dirty="0" err="1"/>
+              <a:t>For</a:t>
+            </a:r>
+            <a:r>
+              <a:rPr lang="cs-CZ" b="1" dirty="0"/>
+              <a:t> = k dispozici index</a:t>
+            </a:r>
+          </a:p>
+          <a:p>
+            <a:r>
+              <a:rPr lang="cs-CZ" b="1" dirty="0" err="1"/>
+              <a:t>Foreach</a:t>
+            </a:r>
+            <a:r>
+              <a:rPr lang="cs-CZ" b="1" dirty="0"/>
+              <a:t> = k dispozici prvek kolekce (v tomto případě znak)</a:t>
+            </a:r>
+          </a:p>
+          <a:p>
+            <a:endParaRPr lang="cs-CZ" b="1" dirty="0"/>
+          </a:p>
+          <a:p>
+            <a:pPr marL="0" indent="0" algn="just">
+              <a:buNone/>
+            </a:pPr>
+            <a:endParaRPr lang="cs-CZ" dirty="0"/>
+          </a:p>
+        </p:txBody>
+      </p:sp>
+    </p:spTree>
+    <p:extLst>
+      <p:ext uri="{BB962C8B-B14F-4D97-AF65-F5344CB8AC3E}">
+        <p14:creationId xmlns:p14="http://schemas.microsoft.com/office/powerpoint/2010/main" val="481893954"/>
+      </p:ext>
+    </p:extLst>
+  </p:cSld>
+  <p:clrMapOvr>
+    <a:masterClrMapping/>
+  </p:clrMapOvr>
+</p:sld>
+</file>
+
+<file path=ppt/slides/slide14.xml><?xml version="1.0" encoding="utf-8"?>
+<p:sld xmlns:a="http://schemas.openxmlformats.org/drawingml/2006/main" xmlns:r="http://schemas.openxmlformats.org/officeDocument/2006/relationships" xmlns:p="http://schemas.openxmlformats.org/presentationml/2006/main">
+  <p:cSld>
+    <p:spTree>
+      <p:nvGrpSpPr>
+        <p:cNvPr id="1" name=""/>
+        <p:cNvGrpSpPr/>
+        <p:nvPr/>
+      </p:nvGrpSpPr>
+      <p:grpSpPr>
+        <a:xfrm>
+          <a:off x="0" y="0"/>
+          <a:ext cx="0" cy="0"/>
+          <a:chOff x="0" y="0"/>
+          <a:chExt cx="0" cy="0"/>
+        </a:xfrm>
+      </p:grpSpPr>
+      <p:sp>
+        <p:nvSpPr>
+          <p:cNvPr id="2" name="Zástupný text 1">
+            <a:extLst>
+              <a:ext uri="{FF2B5EF4-FFF2-40B4-BE49-F238E27FC236}">
+                <a16:creationId xmlns:a16="http://schemas.microsoft.com/office/drawing/2014/main" id="{32DEB359-6B80-3613-966B-FAA9301011F6}"/>
+              </a:ext>
+            </a:extLst>
+          </p:cNvPr>
+          <p:cNvSpPr>
+            <a:spLocks noGrp="1"/>
+          </p:cNvSpPr>
+          <p:nvPr>
+            <p:ph type="body" sz="quarter" idx="10"/>
+          </p:nvPr>
+        </p:nvSpPr>
+        <p:spPr/>
+        <p:txBody>
+          <a:bodyPr/>
+          <a:lstStyle/>
+          <a:p>
+            <a:r>
+              <a:rPr lang="cs-CZ" sz="8800" dirty="0"/>
               <a:t>Otázka oponenta č.2</a:t>
             </a:r>
             <a:endParaRPr lang="cs-CZ" dirty="0"/>
@@ -10162,7 +10964,7 @@
 </p:sld>
 </file>
 
-<file path=ppt/slides/slide14.xml><?xml version="1.0" encoding="utf-8"?>
+<file path=ppt/slides/slide15.xml><?xml version="1.0" encoding="utf-8"?>
 <p:sld xmlns:a="http://schemas.openxmlformats.org/drawingml/2006/main" xmlns:r="http://schemas.openxmlformats.org/officeDocument/2006/relationships" xmlns:p="http://schemas.openxmlformats.org/presentationml/2006/main">
   <p:cSld>
     <p:spTree>
@@ -10327,7 +11129,7 @@
 </p:sld>
 </file>
 
-<file path=ppt/slides/slide15.xml><?xml version="1.0" encoding="utf-8"?>
+<file path=ppt/slides/slide16.xml><?xml version="1.0" encoding="utf-8"?>
 <p:sld xmlns:a="http://schemas.openxmlformats.org/drawingml/2006/main" xmlns:r="http://schemas.openxmlformats.org/officeDocument/2006/relationships" xmlns:p="http://schemas.openxmlformats.org/presentationml/2006/main">
   <p:cSld>
     <p:spTree>
@@ -10408,26 +11210,197 @@
       </p:sp>
       <p:sp>
         <p:nvSpPr>
-          <p:cNvPr id="6" name="Zástupný text 5">
-            <a:extLst>
-              <a:ext uri="{FF2B5EF4-FFF2-40B4-BE49-F238E27FC236}">
-                <a16:creationId xmlns:a16="http://schemas.microsoft.com/office/drawing/2014/main" id="{0820D8FA-8671-F038-898D-EABD70CAB422}"/>
+          <p:cNvPr id="7" name="Rectangle 1">
+            <a:extLst>
+              <a:ext uri="{FF2B5EF4-FFF2-40B4-BE49-F238E27FC236}">
+                <a16:creationId xmlns:a16="http://schemas.microsoft.com/office/drawing/2014/main" id="{6D079661-FB79-AC17-37D4-748540B3D74E}"/>
               </a:ext>
             </a:extLst>
           </p:cNvPr>
           <p:cNvSpPr>
-            <a:spLocks noGrp="1"/>
+            <a:spLocks noChangeArrowheads="1"/>
           </p:cNvSpPr>
-          <p:nvPr>
-            <p:ph type="body" sz="quarter" idx="16"/>
-          </p:nvPr>
-        </p:nvSpPr>
-        <p:spPr/>
-        <p:txBody>
-          <a:bodyPr/>
-          <a:lstStyle/>
-          <a:p>
-            <a:pPr marL="0" marR="0" lvl="0" indent="0" defTabSz="914400" rtl="0" eaLnBrk="0" fontAlgn="base" latinLnBrk="0" hangingPunct="0">
+          <p:nvPr/>
+        </p:nvSpPr>
+        <p:spPr bwMode="auto">
+          <a:xfrm>
+            <a:off x="569688" y="4868560"/>
+            <a:ext cx="17718312" cy="1569660"/>
+          </a:xfrm>
+          <a:prstGeom prst="rect">
+            <a:avLst/>
+          </a:prstGeom>
+          <a:noFill/>
+          <a:ln>
+            <a:noFill/>
+          </a:ln>
+          <a:effectLst/>
+          <a:extLst>
+            <a:ext uri="{909E8E84-426E-40DD-AFC4-6F175D3DCCD1}">
+              <a14:hiddenFill xmlns:a14="http://schemas.microsoft.com/office/drawing/2010/main">
+                <a:solidFill>
+                  <a:schemeClr val="accent1"/>
+                </a:solidFill>
+              </a14:hiddenFill>
+            </a:ext>
+            <a:ext uri="{91240B29-F687-4F45-9708-019B960494DF}">
+              <a14:hiddenLine xmlns:a14="http://schemas.microsoft.com/office/drawing/2010/main" w="9525">
+                <a:solidFill>
+                  <a:schemeClr val="tx1"/>
+                </a:solidFill>
+                <a:miter lim="800000"/>
+                <a:headEnd/>
+                <a:tailEnd/>
+              </a14:hiddenLine>
+            </a:ext>
+            <a:ext uri="{AF507438-7753-43E0-B8FC-AC1667EBCBE1}">
+              <a14:hiddenEffects xmlns:a14="http://schemas.microsoft.com/office/drawing/2010/main">
+                <a:effectLst>
+                  <a:outerShdw dist="35921" dir="2700000" algn="ctr" rotWithShape="0">
+                    <a:schemeClr val="bg2"/>
+                  </a:outerShdw>
+                </a:effectLst>
+              </a14:hiddenEffects>
+            </a:ext>
+          </a:extLst>
+        </p:spPr>
+        <p:txBody>
+          <a:bodyPr vert="horz" wrap="none" lIns="91440" tIns="45720" rIns="91440" bIns="45720" numCol="1" anchor="ctr" anchorCtr="0" compatLnSpc="1">
+            <a:prstTxWarp prst="textNoShape">
+              <a:avLst/>
+            </a:prstTxWarp>
+            <a:spAutoFit/>
+          </a:bodyPr>
+          <a:lstStyle>
+            <a:lvl1pPr eaLnBrk="0" fontAlgn="base" hangingPunct="0">
+              <a:spcBef>
+                <a:spcPct val="0"/>
+              </a:spcBef>
+              <a:spcAft>
+                <a:spcPct val="0"/>
+              </a:spcAft>
+              <a:defRPr>
+                <a:solidFill>
+                  <a:schemeClr val="tx1"/>
+                </a:solidFill>
+                <a:latin typeface="Arial" panose="020B0604020202020204" pitchFamily="34" charset="0"/>
+              </a:defRPr>
+            </a:lvl1pPr>
+            <a:lvl2pPr marL="457200" eaLnBrk="0" fontAlgn="base" hangingPunct="0">
+              <a:spcBef>
+                <a:spcPct val="0"/>
+              </a:spcBef>
+              <a:spcAft>
+                <a:spcPct val="0"/>
+              </a:spcAft>
+              <a:defRPr>
+                <a:solidFill>
+                  <a:schemeClr val="tx1"/>
+                </a:solidFill>
+                <a:latin typeface="Arial" panose="020B0604020202020204" pitchFamily="34" charset="0"/>
+              </a:defRPr>
+            </a:lvl2pPr>
+            <a:lvl3pPr marL="914400" eaLnBrk="0" fontAlgn="base" hangingPunct="0">
+              <a:spcBef>
+                <a:spcPct val="0"/>
+              </a:spcBef>
+              <a:spcAft>
+                <a:spcPct val="0"/>
+              </a:spcAft>
+              <a:defRPr>
+                <a:solidFill>
+                  <a:schemeClr val="tx1"/>
+                </a:solidFill>
+                <a:latin typeface="Arial" panose="020B0604020202020204" pitchFamily="34" charset="0"/>
+              </a:defRPr>
+            </a:lvl3pPr>
+            <a:lvl4pPr marL="1371600" eaLnBrk="0" fontAlgn="base" hangingPunct="0">
+              <a:spcBef>
+                <a:spcPct val="0"/>
+              </a:spcBef>
+              <a:spcAft>
+                <a:spcPct val="0"/>
+              </a:spcAft>
+              <a:defRPr>
+                <a:solidFill>
+                  <a:schemeClr val="tx1"/>
+                </a:solidFill>
+                <a:latin typeface="Arial" panose="020B0604020202020204" pitchFamily="34" charset="0"/>
+              </a:defRPr>
+            </a:lvl4pPr>
+            <a:lvl5pPr marL="1828800" eaLnBrk="0" fontAlgn="base" hangingPunct="0">
+              <a:spcBef>
+                <a:spcPct val="0"/>
+              </a:spcBef>
+              <a:spcAft>
+                <a:spcPct val="0"/>
+              </a:spcAft>
+              <a:defRPr>
+                <a:solidFill>
+                  <a:schemeClr val="tx1"/>
+                </a:solidFill>
+                <a:latin typeface="Arial" panose="020B0604020202020204" pitchFamily="34" charset="0"/>
+              </a:defRPr>
+            </a:lvl5pPr>
+            <a:lvl6pPr marL="2286000" eaLnBrk="0" fontAlgn="base" hangingPunct="0">
+              <a:spcBef>
+                <a:spcPct val="0"/>
+              </a:spcBef>
+              <a:spcAft>
+                <a:spcPct val="0"/>
+              </a:spcAft>
+              <a:defRPr>
+                <a:solidFill>
+                  <a:schemeClr val="tx1"/>
+                </a:solidFill>
+                <a:latin typeface="Arial" panose="020B0604020202020204" pitchFamily="34" charset="0"/>
+              </a:defRPr>
+            </a:lvl6pPr>
+            <a:lvl7pPr marL="2743200" eaLnBrk="0" fontAlgn="base" hangingPunct="0">
+              <a:spcBef>
+                <a:spcPct val="0"/>
+              </a:spcBef>
+              <a:spcAft>
+                <a:spcPct val="0"/>
+              </a:spcAft>
+              <a:defRPr>
+                <a:solidFill>
+                  <a:schemeClr val="tx1"/>
+                </a:solidFill>
+                <a:latin typeface="Arial" panose="020B0604020202020204" pitchFamily="34" charset="0"/>
+              </a:defRPr>
+            </a:lvl7pPr>
+            <a:lvl8pPr marL="3200400" eaLnBrk="0" fontAlgn="base" hangingPunct="0">
+              <a:spcBef>
+                <a:spcPct val="0"/>
+              </a:spcBef>
+              <a:spcAft>
+                <a:spcPct val="0"/>
+              </a:spcAft>
+              <a:defRPr>
+                <a:solidFill>
+                  <a:schemeClr val="tx1"/>
+                </a:solidFill>
+                <a:latin typeface="Arial" panose="020B0604020202020204" pitchFamily="34" charset="0"/>
+              </a:defRPr>
+            </a:lvl8pPr>
+            <a:lvl9pPr marL="3657600" eaLnBrk="0" fontAlgn="base" hangingPunct="0">
+              <a:spcBef>
+                <a:spcPct val="0"/>
+              </a:spcBef>
+              <a:spcAft>
+                <a:spcPct val="0"/>
+              </a:spcAft>
+              <a:defRPr>
+                <a:solidFill>
+                  <a:schemeClr val="tx1"/>
+                </a:solidFill>
+                <a:latin typeface="Arial" panose="020B0604020202020204" pitchFamily="34" charset="0"/>
+              </a:defRPr>
+            </a:lvl9pPr>
+          </a:lstStyle>
+          <a:p>
+            <a:pPr marL="0" marR="0" lvl="0" indent="0" algn="l" defTabSz="914400" rtl="0" eaLnBrk="0" fontAlgn="base" latinLnBrk="0" hangingPunct="0">
               <a:lnSpc>
                 <a:spcPct val="100000"/>
               </a:lnSpc>
@@ -10435,7 +11408,7 @@
                 <a:spcPct val="0"/>
               </a:spcBef>
               <a:spcAft>
-                <a:spcPts val="1200"/>
+                <a:spcPct val="0"/>
               </a:spcAft>
               <a:buClrTx/>
               <a:buSzTx/>
@@ -10444,7 +11417,7 @@
               <a:tabLst/>
             </a:pPr>
             <a:r>
-              <a:rPr kumimoji="0" lang="cs-CZ" altLang="cs-CZ" sz="2000" b="0" i="0" u="none" strike="noStrike" cap="none" normalizeH="0" baseline="0" dirty="0">
+              <a:rPr kumimoji="0" lang="cs-CZ" altLang="cs-CZ" sz="1600" b="0" i="0" u="none" strike="noStrike" cap="none" normalizeH="0" baseline="0" dirty="0">
                 <a:ln>
                   <a:noFill/>
                 </a:ln>
@@ -10452,14 +11425,14 @@
                   <a:schemeClr val="tx1"/>
                 </a:solidFill>
                 <a:effectLst/>
-                <a:latin typeface="Aptos" panose="020B0004020202020204" pitchFamily="34" charset="0"/>
+                <a:latin typeface="+mn-lt"/>
                 <a:ea typeface="Times New Roman" panose="02020603050405020304" pitchFamily="18" charset="0"/>
                 <a:cs typeface="Times New Roman" panose="02020603050405020304" pitchFamily="18" charset="0"/>
               </a:rPr>
               <a:t>[1] 	</a:t>
             </a:r>
             <a:r>
-              <a:rPr kumimoji="0" lang="cs-CZ" altLang="cs-CZ" sz="2000" b="0" i="1" u="none" strike="noStrike" cap="none" normalizeH="0" baseline="0" dirty="0">
+              <a:rPr kumimoji="0" lang="cs-CZ" altLang="cs-CZ" sz="1600" b="0" i="1" u="none" strike="noStrike" cap="none" normalizeH="0" baseline="0" dirty="0">
                 <a:ln>
                   <a:noFill/>
                 </a:ln>
@@ -10467,14 +11440,14 @@
                   <a:schemeClr val="tx1"/>
                 </a:solidFill>
                 <a:effectLst/>
-                <a:latin typeface="Aptos" panose="020B0004020202020204" pitchFamily="34" charset="0"/>
+                <a:latin typeface="+mn-lt"/>
                 <a:ea typeface="Times New Roman" panose="02020603050405020304" pitchFamily="18" charset="0"/>
                 <a:cs typeface="Times New Roman" panose="02020603050405020304" pitchFamily="18" charset="0"/>
               </a:rPr>
               <a:t>20210111080102!STM32_logo.png (166×166)</a:t>
             </a:r>
             <a:r>
-              <a:rPr kumimoji="0" lang="cs-CZ" altLang="cs-CZ" sz="2000" b="0" i="0" u="none" strike="noStrike" cap="none" normalizeH="0" baseline="0" dirty="0">
+              <a:rPr kumimoji="0" lang="cs-CZ" altLang="cs-CZ" sz="1600" b="0" i="0" u="none" strike="noStrike" cap="none" normalizeH="0" baseline="0" dirty="0">
                 <a:ln>
                   <a:noFill/>
                 </a:ln>
@@ -10482,103 +11455,13 @@
                   <a:schemeClr val="tx1"/>
                 </a:solidFill>
                 <a:effectLst/>
-                <a:latin typeface="Aptos" panose="020B0004020202020204" pitchFamily="34" charset="0"/>
+                <a:latin typeface="+mn-lt"/>
                 <a:ea typeface="Times New Roman" panose="02020603050405020304" pitchFamily="18" charset="0"/>
                 <a:cs typeface="Times New Roman" panose="02020603050405020304" pitchFamily="18" charset="0"/>
               </a:rPr>
-              <a:t> [online]. [</a:t>
-            </a:r>
-            <a:r>
-              <a:rPr kumimoji="0" lang="cs-CZ" altLang="cs-CZ" sz="2000" b="0" i="0" u="none" strike="noStrike" cap="none" normalizeH="0" baseline="0" dirty="0" err="1">
-                <a:ln>
-                  <a:noFill/>
-                </a:ln>
-                <a:solidFill>
-                  <a:schemeClr val="tx1"/>
-                </a:solidFill>
-                <a:effectLst/>
-                <a:latin typeface="Aptos" panose="020B0004020202020204" pitchFamily="34" charset="0"/>
-                <a:ea typeface="Times New Roman" panose="02020603050405020304" pitchFamily="18" charset="0"/>
-                <a:cs typeface="Times New Roman" panose="02020603050405020304" pitchFamily="18" charset="0"/>
-              </a:rPr>
-              <a:t>accessed</a:t>
-            </a:r>
-            <a:r>
-              <a:rPr kumimoji="0" lang="cs-CZ" altLang="cs-CZ" sz="2000" b="0" i="0" u="none" strike="noStrike" cap="none" normalizeH="0" baseline="0" dirty="0">
-                <a:ln>
-                  <a:noFill/>
-                </a:ln>
-                <a:solidFill>
-                  <a:schemeClr val="tx1"/>
-                </a:solidFill>
-                <a:effectLst/>
-                <a:latin typeface="Aptos" panose="020B0004020202020204" pitchFamily="34" charset="0"/>
-                <a:ea typeface="Times New Roman" panose="02020603050405020304" pitchFamily="18" charset="0"/>
-                <a:cs typeface="Times New Roman" panose="02020603050405020304" pitchFamily="18" charset="0"/>
-              </a:rPr>
-              <a:t>. 2025-05-11]. </a:t>
-            </a:r>
-            <a:r>
-              <a:rPr kumimoji="0" lang="cs-CZ" altLang="cs-CZ" sz="2000" b="0" i="0" u="none" strike="noStrike" cap="none" normalizeH="0" baseline="0" dirty="0" err="1">
-                <a:ln>
-                  <a:noFill/>
-                </a:ln>
-                <a:solidFill>
-                  <a:schemeClr val="tx1"/>
-                </a:solidFill>
-                <a:effectLst/>
-                <a:latin typeface="Aptos" panose="020B0004020202020204" pitchFamily="34" charset="0"/>
-                <a:ea typeface="Times New Roman" panose="02020603050405020304" pitchFamily="18" charset="0"/>
-                <a:cs typeface="Times New Roman" panose="02020603050405020304" pitchFamily="18" charset="0"/>
-              </a:rPr>
-              <a:t>Available</a:t>
-            </a:r>
-            <a:r>
-              <a:rPr kumimoji="0" lang="cs-CZ" altLang="cs-CZ" sz="2000" b="0" i="0" u="none" strike="noStrike" cap="none" normalizeH="0" baseline="0" dirty="0">
-                <a:ln>
-                  <a:noFill/>
-                </a:ln>
-                <a:solidFill>
-                  <a:schemeClr val="tx1"/>
-                </a:solidFill>
-                <a:effectLst/>
-                <a:latin typeface="Aptos" panose="020B0004020202020204" pitchFamily="34" charset="0"/>
-                <a:ea typeface="Times New Roman" panose="02020603050405020304" pitchFamily="18" charset="0"/>
-                <a:cs typeface="Times New Roman" panose="02020603050405020304" pitchFamily="18" charset="0"/>
-              </a:rPr>
-              <a:t> 	</a:t>
-            </a:r>
-            <a:r>
-              <a:rPr kumimoji="0" lang="cs-CZ" altLang="cs-CZ" sz="2000" b="0" i="0" u="none" strike="noStrike" cap="none" normalizeH="0" baseline="0" dirty="0" err="1">
-                <a:ln>
-                  <a:noFill/>
-                </a:ln>
-                <a:solidFill>
-                  <a:schemeClr val="tx1"/>
-                </a:solidFill>
-                <a:effectLst/>
-                <a:latin typeface="Aptos" panose="020B0004020202020204" pitchFamily="34" charset="0"/>
-                <a:ea typeface="Times New Roman" panose="02020603050405020304" pitchFamily="18" charset="0"/>
-                <a:cs typeface="Times New Roman" panose="02020603050405020304" pitchFamily="18" charset="0"/>
-              </a:rPr>
-              <a:t>at</a:t>
-            </a:r>
-            <a:r>
-              <a:rPr kumimoji="0" lang="cs-CZ" altLang="cs-CZ" sz="2000" b="0" i="0" u="none" strike="noStrike" cap="none" normalizeH="0" baseline="0" dirty="0">
-                <a:ln>
-                  <a:noFill/>
-                </a:ln>
-                <a:solidFill>
-                  <a:schemeClr val="tx1"/>
-                </a:solidFill>
-                <a:effectLst/>
-                <a:latin typeface="Aptos" panose="020B0004020202020204" pitchFamily="34" charset="0"/>
-                <a:ea typeface="Times New Roman" panose="02020603050405020304" pitchFamily="18" charset="0"/>
-                <a:cs typeface="Times New Roman" panose="02020603050405020304" pitchFamily="18" charset="0"/>
-              </a:rPr>
-              <a:t>: https://wiki.st.com/stm32mpu/nsfr_img_auth.php/archive/2/2f/20210111080102%21STM32_logo.png</a:t>
-            </a:r>
-            <a:endParaRPr kumimoji="0" lang="cs-CZ" altLang="cs-CZ" sz="2000" b="0" i="0" u="none" strike="noStrike" cap="none" normalizeH="0" baseline="0" dirty="0">
+              <a:t> [online]. [vid. 2025-05-11]. Dostupné z: https://wiki.st.com/stm32mpu/nsfr_img_auth.php/archive/2/2f/20210111080102%21STM32_logo.png</a:t>
+            </a:r>
+            <a:endParaRPr kumimoji="0" lang="cs-CZ" altLang="cs-CZ" sz="1600" b="0" i="0" u="none" strike="noStrike" cap="none" normalizeH="0" baseline="0" dirty="0">
               <a:ln>
                 <a:noFill/>
               </a:ln>
@@ -10586,10 +11469,11 @@
                 <a:schemeClr val="tx1"/>
               </a:solidFill>
               <a:effectLst/>
+              <a:latin typeface="+mn-lt"/>
             </a:endParaRPr>
           </a:p>
           <a:p>
-            <a:pPr marL="0" marR="0" lvl="0" indent="0" defTabSz="914400" rtl="0" eaLnBrk="0" fontAlgn="base" latinLnBrk="0" hangingPunct="0">
+            <a:pPr marL="0" marR="0" lvl="0" indent="0" algn="l" defTabSz="914400" rtl="0" eaLnBrk="0" fontAlgn="base" latinLnBrk="0" hangingPunct="0">
               <a:lnSpc>
                 <a:spcPct val="100000"/>
               </a:lnSpc>
@@ -10597,7 +11481,7 @@
                 <a:spcPct val="0"/>
               </a:spcBef>
               <a:spcAft>
-                <a:spcPts val="1200"/>
+                <a:spcPct val="0"/>
               </a:spcAft>
               <a:buClrTx/>
               <a:buSzTx/>
@@ -10606,7 +11490,7 @@
               <a:tabLst/>
             </a:pPr>
             <a:r>
-              <a:rPr kumimoji="0" lang="cs-CZ" altLang="cs-CZ" sz="2000" b="0" i="0" u="none" strike="noStrike" cap="none" normalizeH="0" baseline="0" dirty="0">
+              <a:rPr kumimoji="0" lang="cs-CZ" altLang="cs-CZ" sz="1600" b="0" i="0" u="none" strike="noStrike" cap="none" normalizeH="0" baseline="0" dirty="0">
                 <a:ln>
                   <a:noFill/>
                 </a:ln>
@@ -10614,14 +11498,14 @@
                   <a:schemeClr val="tx1"/>
                 </a:solidFill>
                 <a:effectLst/>
-                <a:latin typeface="Aptos" panose="020B0004020202020204" pitchFamily="34" charset="0"/>
+                <a:latin typeface="+mn-lt"/>
                 <a:ea typeface="Times New Roman" panose="02020603050405020304" pitchFamily="18" charset="0"/>
                 <a:cs typeface="Times New Roman" panose="02020603050405020304" pitchFamily="18" charset="0"/>
               </a:rPr>
               <a:t>[2] 	</a:t>
             </a:r>
             <a:r>
-              <a:rPr kumimoji="0" lang="cs-CZ" altLang="cs-CZ" sz="2000" b="0" i="1" u="none" strike="noStrike" cap="none" normalizeH="0" baseline="0" dirty="0">
+              <a:rPr kumimoji="0" lang="cs-CZ" altLang="cs-CZ" sz="1600" b="0" i="1" u="none" strike="noStrike" cap="none" normalizeH="0" baseline="0" dirty="0">
                 <a:ln>
                   <a:noFill/>
                 </a:ln>
@@ -10629,14 +11513,14 @@
                   <a:schemeClr val="tx1"/>
                 </a:solidFill>
                 <a:effectLst/>
-                <a:latin typeface="Aptos" panose="020B0004020202020204" pitchFamily="34" charset="0"/>
+                <a:latin typeface="+mn-lt"/>
                 <a:ea typeface="Times New Roman" panose="02020603050405020304" pitchFamily="18" charset="0"/>
                 <a:cs typeface="Times New Roman" panose="02020603050405020304" pitchFamily="18" charset="0"/>
               </a:rPr>
               <a:t>logo-ai.png (200×200)</a:t>
             </a:r>
             <a:r>
-              <a:rPr kumimoji="0" lang="cs-CZ" altLang="cs-CZ" sz="2000" b="0" i="0" u="none" strike="noStrike" cap="none" normalizeH="0" baseline="0" dirty="0">
+              <a:rPr kumimoji="0" lang="cs-CZ" altLang="cs-CZ" sz="1600" b="0" i="0" u="none" strike="noStrike" cap="none" normalizeH="0" baseline="0" dirty="0">
                 <a:ln>
                   <a:noFill/>
                 </a:ln>
@@ -10644,103 +11528,13 @@
                   <a:schemeClr val="tx1"/>
                 </a:solidFill>
                 <a:effectLst/>
-                <a:latin typeface="Aptos" panose="020B0004020202020204" pitchFamily="34" charset="0"/>
+                <a:latin typeface="+mn-lt"/>
                 <a:ea typeface="Times New Roman" panose="02020603050405020304" pitchFamily="18" charset="0"/>
                 <a:cs typeface="Times New Roman" panose="02020603050405020304" pitchFamily="18" charset="0"/>
               </a:rPr>
-              <a:t> [online]. [</a:t>
-            </a:r>
-            <a:r>
-              <a:rPr kumimoji="0" lang="cs-CZ" altLang="cs-CZ" sz="2000" b="0" i="0" u="none" strike="noStrike" cap="none" normalizeH="0" baseline="0" dirty="0" err="1">
-                <a:ln>
-                  <a:noFill/>
-                </a:ln>
-                <a:solidFill>
-                  <a:schemeClr val="tx1"/>
-                </a:solidFill>
-                <a:effectLst/>
-                <a:latin typeface="Aptos" panose="020B0004020202020204" pitchFamily="34" charset="0"/>
-                <a:ea typeface="Times New Roman" panose="02020603050405020304" pitchFamily="18" charset="0"/>
-                <a:cs typeface="Times New Roman" panose="02020603050405020304" pitchFamily="18" charset="0"/>
-              </a:rPr>
-              <a:t>accessed</a:t>
-            </a:r>
-            <a:r>
-              <a:rPr kumimoji="0" lang="cs-CZ" altLang="cs-CZ" sz="2000" b="0" i="0" u="none" strike="noStrike" cap="none" normalizeH="0" baseline="0" dirty="0">
-                <a:ln>
-                  <a:noFill/>
-                </a:ln>
-                <a:solidFill>
-                  <a:schemeClr val="tx1"/>
-                </a:solidFill>
-                <a:effectLst/>
-                <a:latin typeface="Aptos" panose="020B0004020202020204" pitchFamily="34" charset="0"/>
-                <a:ea typeface="Times New Roman" panose="02020603050405020304" pitchFamily="18" charset="0"/>
-                <a:cs typeface="Times New Roman" panose="02020603050405020304" pitchFamily="18" charset="0"/>
-              </a:rPr>
-              <a:t>. 2025-05-11]. </a:t>
-            </a:r>
-            <a:r>
-              <a:rPr kumimoji="0" lang="cs-CZ" altLang="cs-CZ" sz="2000" b="0" i="0" u="none" strike="noStrike" cap="none" normalizeH="0" baseline="0" dirty="0" err="1">
-                <a:ln>
-                  <a:noFill/>
-                </a:ln>
-                <a:solidFill>
-                  <a:schemeClr val="tx1"/>
-                </a:solidFill>
-                <a:effectLst/>
-                <a:latin typeface="Aptos" panose="020B0004020202020204" pitchFamily="34" charset="0"/>
-                <a:ea typeface="Times New Roman" panose="02020603050405020304" pitchFamily="18" charset="0"/>
-                <a:cs typeface="Times New Roman" panose="02020603050405020304" pitchFamily="18" charset="0"/>
-              </a:rPr>
-              <a:t>Available</a:t>
-            </a:r>
-            <a:r>
-              <a:rPr kumimoji="0" lang="cs-CZ" altLang="cs-CZ" sz="2000" b="0" i="0" u="none" strike="noStrike" cap="none" normalizeH="0" baseline="0" dirty="0">
-                <a:ln>
-                  <a:noFill/>
-                </a:ln>
-                <a:solidFill>
-                  <a:schemeClr val="tx1"/>
-                </a:solidFill>
-                <a:effectLst/>
-                <a:latin typeface="Aptos" panose="020B0004020202020204" pitchFamily="34" charset="0"/>
-                <a:ea typeface="Times New Roman" panose="02020603050405020304" pitchFamily="18" charset="0"/>
-                <a:cs typeface="Times New Roman" panose="02020603050405020304" pitchFamily="18" charset="0"/>
-              </a:rPr>
-              <a:t> 	</a:t>
-            </a:r>
-            <a:r>
-              <a:rPr kumimoji="0" lang="cs-CZ" altLang="cs-CZ" sz="2000" b="0" i="0" u="none" strike="noStrike" cap="none" normalizeH="0" baseline="0" dirty="0" err="1">
-                <a:ln>
-                  <a:noFill/>
-                </a:ln>
-                <a:solidFill>
-                  <a:schemeClr val="tx1"/>
-                </a:solidFill>
-                <a:effectLst/>
-                <a:latin typeface="Aptos" panose="020B0004020202020204" pitchFamily="34" charset="0"/>
-                <a:ea typeface="Times New Roman" panose="02020603050405020304" pitchFamily="18" charset="0"/>
-                <a:cs typeface="Times New Roman" panose="02020603050405020304" pitchFamily="18" charset="0"/>
-              </a:rPr>
-              <a:t>at</a:t>
-            </a:r>
-            <a:r>
-              <a:rPr kumimoji="0" lang="cs-CZ" altLang="cs-CZ" sz="2000" b="0" i="0" u="none" strike="noStrike" cap="none" normalizeH="0" baseline="0" dirty="0">
-                <a:ln>
-                  <a:noFill/>
-                </a:ln>
-                <a:solidFill>
-                  <a:schemeClr val="tx1"/>
-                </a:solidFill>
-                <a:effectLst/>
-                <a:latin typeface="Aptos" panose="020B0004020202020204" pitchFamily="34" charset="0"/>
-                <a:ea typeface="Times New Roman" panose="02020603050405020304" pitchFamily="18" charset="0"/>
-                <a:cs typeface="Times New Roman" panose="02020603050405020304" pitchFamily="18" charset="0"/>
-              </a:rPr>
-              <a:t>: https://www.espressif.com/sites/all/themes/espressif/images/logo-ai.png</a:t>
-            </a:r>
-            <a:endParaRPr kumimoji="0" lang="cs-CZ" altLang="cs-CZ" sz="2000" b="0" i="0" u="none" strike="noStrike" cap="none" normalizeH="0" baseline="0" dirty="0">
+              <a:t> [online]. [vid. 2025-05-11]. Dostupné z: https://www.espressif.com/sites/all/themes/espressif/images/logo-ai.png</a:t>
+            </a:r>
+            <a:endParaRPr kumimoji="0" lang="cs-CZ" altLang="cs-CZ" sz="1600" b="0" i="0" u="none" strike="noStrike" cap="none" normalizeH="0" baseline="0" dirty="0">
               <a:ln>
                 <a:noFill/>
               </a:ln>
@@ -10748,10 +11542,11 @@
                 <a:schemeClr val="tx1"/>
               </a:solidFill>
               <a:effectLst/>
+              <a:latin typeface="+mn-lt"/>
             </a:endParaRPr>
           </a:p>
           <a:p>
-            <a:pPr marL="0" marR="0" lvl="0" indent="0" defTabSz="914400" rtl="0" eaLnBrk="0" fontAlgn="base" latinLnBrk="0" hangingPunct="0">
+            <a:pPr marL="0" marR="0" lvl="0" indent="0" algn="l" defTabSz="914400" rtl="0" eaLnBrk="0" fontAlgn="base" latinLnBrk="0" hangingPunct="0">
               <a:lnSpc>
                 <a:spcPct val="100000"/>
               </a:lnSpc>
@@ -10759,7 +11554,7 @@
                 <a:spcPct val="0"/>
               </a:spcBef>
               <a:spcAft>
-                <a:spcPts val="1200"/>
+                <a:spcPct val="0"/>
               </a:spcAft>
               <a:buClrTx/>
               <a:buSzTx/>
@@ -10768,7 +11563,7 @@
               <a:tabLst/>
             </a:pPr>
             <a:r>
-              <a:rPr kumimoji="0" lang="cs-CZ" altLang="cs-CZ" sz="2000" b="0" i="0" u="none" strike="noStrike" cap="none" normalizeH="0" baseline="0" dirty="0">
+              <a:rPr kumimoji="0" lang="cs-CZ" altLang="cs-CZ" sz="1600" b="0" i="0" u="none" strike="noStrike" cap="none" normalizeH="0" baseline="0" dirty="0">
                 <a:ln>
                   <a:noFill/>
                 </a:ln>
@@ -10776,14 +11571,14 @@
                   <a:schemeClr val="tx1"/>
                 </a:solidFill>
                 <a:effectLst/>
-                <a:latin typeface="Aptos" panose="020B0004020202020204" pitchFamily="34" charset="0"/>
+                <a:latin typeface="+mn-lt"/>
                 <a:ea typeface="Times New Roman" panose="02020603050405020304" pitchFamily="18" charset="0"/>
                 <a:cs typeface="Times New Roman" panose="02020603050405020304" pitchFamily="18" charset="0"/>
               </a:rPr>
               <a:t>[3] 	</a:t>
             </a:r>
             <a:r>
-              <a:rPr kumimoji="0" lang="cs-CZ" altLang="cs-CZ" sz="2000" b="0" i="1" u="none" strike="noStrike" cap="none" normalizeH="0" baseline="0" dirty="0">
+              <a:rPr kumimoji="0" lang="cs-CZ" altLang="cs-CZ" sz="1600" b="0" i="1" u="none" strike="noStrike" cap="none" normalizeH="0" baseline="0" dirty="0">
                 <a:ln>
                   <a:noFill/>
                 </a:ln>
@@ -10791,14 +11586,14 @@
                   <a:schemeClr val="tx1"/>
                 </a:solidFill>
                 <a:effectLst/>
-                <a:latin typeface="Aptos" panose="020B0004020202020204" pitchFamily="34" charset="0"/>
+                <a:latin typeface="+mn-lt"/>
                 <a:ea typeface="Times New Roman" panose="02020603050405020304" pitchFamily="18" charset="0"/>
                 <a:cs typeface="Times New Roman" panose="02020603050405020304" pitchFamily="18" charset="0"/>
               </a:rPr>
               <a:t>uk-SMART-THINGS-541426874 (624×624)</a:t>
             </a:r>
             <a:r>
-              <a:rPr kumimoji="0" lang="cs-CZ" altLang="cs-CZ" sz="2000" b="0" i="0" u="none" strike="noStrike" cap="none" normalizeH="0" baseline="0" dirty="0">
+              <a:rPr kumimoji="0" lang="cs-CZ" altLang="cs-CZ" sz="1600" b="0" i="0" u="none" strike="noStrike" cap="none" normalizeH="0" baseline="0" dirty="0">
                 <a:ln>
                   <a:noFill/>
                 </a:ln>
@@ -10806,103 +11601,13 @@
                   <a:schemeClr val="tx1"/>
                 </a:solidFill>
                 <a:effectLst/>
-                <a:latin typeface="Aptos" panose="020B0004020202020204" pitchFamily="34" charset="0"/>
+                <a:latin typeface="+mn-lt"/>
                 <a:ea typeface="Times New Roman" panose="02020603050405020304" pitchFamily="18" charset="0"/>
                 <a:cs typeface="Times New Roman" panose="02020603050405020304" pitchFamily="18" charset="0"/>
               </a:rPr>
-              <a:t> [online]. [</a:t>
-            </a:r>
-            <a:r>
-              <a:rPr kumimoji="0" lang="cs-CZ" altLang="cs-CZ" sz="2000" b="0" i="0" u="none" strike="noStrike" cap="none" normalizeH="0" baseline="0" dirty="0" err="1">
-                <a:ln>
-                  <a:noFill/>
-                </a:ln>
-                <a:solidFill>
-                  <a:schemeClr val="tx1"/>
-                </a:solidFill>
-                <a:effectLst/>
-                <a:latin typeface="Aptos" panose="020B0004020202020204" pitchFamily="34" charset="0"/>
-                <a:ea typeface="Times New Roman" panose="02020603050405020304" pitchFamily="18" charset="0"/>
-                <a:cs typeface="Times New Roman" panose="02020603050405020304" pitchFamily="18" charset="0"/>
-              </a:rPr>
-              <a:t>accessed</a:t>
-            </a:r>
-            <a:r>
-              <a:rPr kumimoji="0" lang="cs-CZ" altLang="cs-CZ" sz="2000" b="0" i="0" u="none" strike="noStrike" cap="none" normalizeH="0" baseline="0" dirty="0">
-                <a:ln>
-                  <a:noFill/>
-                </a:ln>
-                <a:solidFill>
-                  <a:schemeClr val="tx1"/>
-                </a:solidFill>
-                <a:effectLst/>
-                <a:latin typeface="Aptos" panose="020B0004020202020204" pitchFamily="34" charset="0"/>
-                <a:ea typeface="Times New Roman" panose="02020603050405020304" pitchFamily="18" charset="0"/>
-                <a:cs typeface="Times New Roman" panose="02020603050405020304" pitchFamily="18" charset="0"/>
-              </a:rPr>
-              <a:t>. 2025-05-11]. </a:t>
-            </a:r>
-            <a:r>
-              <a:rPr kumimoji="0" lang="cs-CZ" altLang="cs-CZ" sz="2000" b="0" i="0" u="none" strike="noStrike" cap="none" normalizeH="0" baseline="0" dirty="0" err="1">
-                <a:ln>
-                  <a:noFill/>
-                </a:ln>
-                <a:solidFill>
-                  <a:schemeClr val="tx1"/>
-                </a:solidFill>
-                <a:effectLst/>
-                <a:latin typeface="Aptos" panose="020B0004020202020204" pitchFamily="34" charset="0"/>
-                <a:ea typeface="Times New Roman" panose="02020603050405020304" pitchFamily="18" charset="0"/>
-                <a:cs typeface="Times New Roman" panose="02020603050405020304" pitchFamily="18" charset="0"/>
-              </a:rPr>
-              <a:t>Available</a:t>
-            </a:r>
-            <a:r>
-              <a:rPr kumimoji="0" lang="cs-CZ" altLang="cs-CZ" sz="2000" b="0" i="0" u="none" strike="noStrike" cap="none" normalizeH="0" baseline="0" dirty="0">
-                <a:ln>
-                  <a:noFill/>
-                </a:ln>
-                <a:solidFill>
-                  <a:schemeClr val="tx1"/>
-                </a:solidFill>
-                <a:effectLst/>
-                <a:latin typeface="Aptos" panose="020B0004020202020204" pitchFamily="34" charset="0"/>
-                <a:ea typeface="Times New Roman" panose="02020603050405020304" pitchFamily="18" charset="0"/>
-                <a:cs typeface="Times New Roman" panose="02020603050405020304" pitchFamily="18" charset="0"/>
-              </a:rPr>
-              <a:t> 	</a:t>
-            </a:r>
-            <a:r>
-              <a:rPr kumimoji="0" lang="cs-CZ" altLang="cs-CZ" sz="2000" b="0" i="0" u="none" strike="noStrike" cap="none" normalizeH="0" baseline="0" dirty="0" err="1">
-                <a:ln>
-                  <a:noFill/>
-                </a:ln>
-                <a:solidFill>
-                  <a:schemeClr val="tx1"/>
-                </a:solidFill>
-                <a:effectLst/>
-                <a:latin typeface="Aptos" panose="020B0004020202020204" pitchFamily="34" charset="0"/>
-                <a:ea typeface="Times New Roman" panose="02020603050405020304" pitchFamily="18" charset="0"/>
-                <a:cs typeface="Times New Roman" panose="02020603050405020304" pitchFamily="18" charset="0"/>
-              </a:rPr>
-              <a:t>at</a:t>
-            </a:r>
-            <a:r>
-              <a:rPr kumimoji="0" lang="cs-CZ" altLang="cs-CZ" sz="2000" b="0" i="0" u="none" strike="noStrike" cap="none" normalizeH="0" baseline="0" dirty="0">
-                <a:ln>
-                  <a:noFill/>
-                </a:ln>
-                <a:solidFill>
-                  <a:schemeClr val="tx1"/>
-                </a:solidFill>
-                <a:effectLst/>
-                <a:latin typeface="Aptos" panose="020B0004020202020204" pitchFamily="34" charset="0"/>
-                <a:ea typeface="Times New Roman" panose="02020603050405020304" pitchFamily="18" charset="0"/>
-                <a:cs typeface="Times New Roman" panose="02020603050405020304" pitchFamily="18" charset="0"/>
-              </a:rPr>
-              <a:t>: https://images.samsung.com/is/image/samsung/p6pim/uk/support/uk-SMART-THINGS-541426874?$624_624_PNG$</a:t>
-            </a:r>
-            <a:endParaRPr kumimoji="0" lang="cs-CZ" altLang="cs-CZ" sz="2000" b="0" i="0" u="none" strike="noStrike" cap="none" normalizeH="0" baseline="0" dirty="0">
+              <a:t> [online]. [vid. 2025-05-11]. Dostupné z: https://images.samsung.com/is/image/samsung/p6pim/uk/support/uk-SMART-THINGS-541426874?$624_624_PNG$</a:t>
+            </a:r>
+            <a:endParaRPr kumimoji="0" lang="cs-CZ" altLang="cs-CZ" sz="1600" b="0" i="0" u="none" strike="noStrike" cap="none" normalizeH="0" baseline="0" dirty="0">
               <a:ln>
                 <a:noFill/>
               </a:ln>
@@ -10910,10 +11615,11 @@
                 <a:schemeClr val="tx1"/>
               </a:solidFill>
               <a:effectLst/>
+              <a:latin typeface="+mn-lt"/>
             </a:endParaRPr>
           </a:p>
           <a:p>
-            <a:pPr marL="0" marR="0" lvl="0" indent="0" defTabSz="914400" rtl="0" eaLnBrk="0" fontAlgn="base" latinLnBrk="0" hangingPunct="0">
+            <a:pPr marL="0" marR="0" lvl="0" indent="0" algn="l" defTabSz="914400" rtl="0" eaLnBrk="0" fontAlgn="base" latinLnBrk="0" hangingPunct="0">
               <a:lnSpc>
                 <a:spcPct val="100000"/>
               </a:lnSpc>
@@ -10921,7 +11627,7 @@
                 <a:spcPct val="0"/>
               </a:spcBef>
               <a:spcAft>
-                <a:spcPts val="1200"/>
+                <a:spcPct val="0"/>
               </a:spcAft>
               <a:buClrTx/>
               <a:buSzTx/>
@@ -10930,7 +11636,7 @@
               <a:tabLst/>
             </a:pPr>
             <a:r>
-              <a:rPr kumimoji="0" lang="cs-CZ" altLang="cs-CZ" sz="2000" b="0" i="0" u="none" strike="noStrike" cap="none" normalizeH="0" baseline="0" dirty="0">
+              <a:rPr kumimoji="0" lang="cs-CZ" altLang="cs-CZ" sz="1600" b="0" i="0" u="none" strike="noStrike" cap="none" normalizeH="0" baseline="0" dirty="0">
                 <a:ln>
                   <a:noFill/>
                 </a:ln>
@@ -10938,14 +11644,14 @@
                   <a:schemeClr val="tx1"/>
                 </a:solidFill>
                 <a:effectLst/>
-                <a:latin typeface="Aptos" panose="020B0004020202020204" pitchFamily="34" charset="0"/>
+                <a:latin typeface="+mn-lt"/>
                 <a:ea typeface="Times New Roman" panose="02020603050405020304" pitchFamily="18" charset="0"/>
                 <a:cs typeface="Times New Roman" panose="02020603050405020304" pitchFamily="18" charset="0"/>
               </a:rPr>
               <a:t>[4] 	</a:t>
             </a:r>
             <a:r>
-              <a:rPr kumimoji="0" lang="cs-CZ" altLang="cs-CZ" sz="2000" b="0" i="1" u="none" strike="noStrike" cap="none" normalizeH="0" baseline="0" dirty="0">
+              <a:rPr kumimoji="0" lang="cs-CZ" altLang="cs-CZ" sz="1600" b="0" i="1" u="none" strike="noStrike" cap="none" normalizeH="0" baseline="0" dirty="0">
                 <a:ln>
                   <a:noFill/>
                 </a:ln>
@@ -10953,14 +11659,14 @@
                   <a:schemeClr val="tx1"/>
                 </a:solidFill>
                 <a:effectLst/>
-                <a:latin typeface="Aptos" panose="020B0004020202020204" pitchFamily="34" charset="0"/>
+                <a:latin typeface="+mn-lt"/>
                 <a:ea typeface="Times New Roman" panose="02020603050405020304" pitchFamily="18" charset="0"/>
                 <a:cs typeface="Times New Roman" panose="02020603050405020304" pitchFamily="18" charset="0"/>
               </a:rPr>
               <a:t>ESP8266 </a:t>
             </a:r>
             <a:r>
-              <a:rPr kumimoji="0" lang="cs-CZ" altLang="cs-CZ" sz="2000" b="0" i="1" u="none" strike="noStrike" cap="none" normalizeH="0" baseline="0" dirty="0" err="1">
+              <a:rPr kumimoji="0" lang="cs-CZ" altLang="cs-CZ" sz="1600" b="0" i="1" u="none" strike="noStrike" cap="none" normalizeH="0" baseline="0" dirty="0" err="1">
                 <a:ln>
                   <a:noFill/>
                 </a:ln>
@@ -10968,14 +11674,14 @@
                   <a:schemeClr val="tx1"/>
                 </a:solidFill>
                 <a:effectLst/>
-                <a:latin typeface="Aptos" panose="020B0004020202020204" pitchFamily="34" charset="0"/>
+                <a:latin typeface="+mn-lt"/>
                 <a:ea typeface="Times New Roman" panose="02020603050405020304" pitchFamily="18" charset="0"/>
                 <a:cs typeface="Times New Roman" panose="02020603050405020304" pitchFamily="18" charset="0"/>
               </a:rPr>
               <a:t>Pinout</a:t>
             </a:r>
             <a:r>
-              <a:rPr kumimoji="0" lang="cs-CZ" altLang="cs-CZ" sz="2000" b="0" i="1" u="none" strike="noStrike" cap="none" normalizeH="0" baseline="0" dirty="0">
+              <a:rPr kumimoji="0" lang="cs-CZ" altLang="cs-CZ" sz="1600" b="0" i="1" u="none" strike="noStrike" cap="none" normalizeH="0" baseline="0" dirty="0">
                 <a:ln>
                   <a:noFill/>
                 </a:ln>
@@ -10983,14 +11689,14 @@
                   <a:schemeClr val="tx1"/>
                 </a:solidFill>
                 <a:effectLst/>
-                <a:latin typeface="Aptos" panose="020B0004020202020204" pitchFamily="34" charset="0"/>
+                <a:latin typeface="+mn-lt"/>
                 <a:ea typeface="Times New Roman" panose="02020603050405020304" pitchFamily="18" charset="0"/>
                 <a:cs typeface="Times New Roman" panose="02020603050405020304" pitchFamily="18" charset="0"/>
               </a:rPr>
               <a:t> Reference: </a:t>
             </a:r>
             <a:r>
-              <a:rPr kumimoji="0" lang="cs-CZ" altLang="cs-CZ" sz="2000" b="0" i="1" u="none" strike="noStrike" cap="none" normalizeH="0" baseline="0" dirty="0" err="1">
+              <a:rPr kumimoji="0" lang="cs-CZ" altLang="cs-CZ" sz="1600" b="0" i="1" u="none" strike="noStrike" cap="none" normalizeH="0" baseline="0" dirty="0" err="1">
                 <a:ln>
                   <a:noFill/>
                 </a:ln>
@@ -10998,14 +11704,14 @@
                   <a:schemeClr val="tx1"/>
                 </a:solidFill>
                 <a:effectLst/>
-                <a:latin typeface="Aptos" panose="020B0004020202020204" pitchFamily="34" charset="0"/>
+                <a:latin typeface="+mn-lt"/>
                 <a:ea typeface="Times New Roman" panose="02020603050405020304" pitchFamily="18" charset="0"/>
                 <a:cs typeface="Times New Roman" panose="02020603050405020304" pitchFamily="18" charset="0"/>
               </a:rPr>
               <a:t>How</a:t>
             </a:r>
             <a:r>
-              <a:rPr kumimoji="0" lang="cs-CZ" altLang="cs-CZ" sz="2000" b="0" i="1" u="none" strike="noStrike" cap="none" normalizeH="0" baseline="0" dirty="0">
+              <a:rPr kumimoji="0" lang="cs-CZ" altLang="cs-CZ" sz="1600" b="0" i="1" u="none" strike="noStrike" cap="none" normalizeH="0" baseline="0" dirty="0">
                 <a:ln>
                   <a:noFill/>
                 </a:ln>
@@ -11013,14 +11719,14 @@
                   <a:schemeClr val="tx1"/>
                 </a:solidFill>
                 <a:effectLst/>
-                <a:latin typeface="Aptos" panose="020B0004020202020204" pitchFamily="34" charset="0"/>
+                <a:latin typeface="+mn-lt"/>
                 <a:ea typeface="Times New Roman" panose="02020603050405020304" pitchFamily="18" charset="0"/>
                 <a:cs typeface="Times New Roman" panose="02020603050405020304" pitchFamily="18" charset="0"/>
               </a:rPr>
               <a:t> To Use ESP8266 GPIO </a:t>
             </a:r>
             <a:r>
-              <a:rPr kumimoji="0" lang="cs-CZ" altLang="cs-CZ" sz="2000" b="0" i="1" u="none" strike="noStrike" cap="none" normalizeH="0" baseline="0" dirty="0" err="1">
+              <a:rPr kumimoji="0" lang="cs-CZ" altLang="cs-CZ" sz="1600" b="0" i="1" u="none" strike="noStrike" cap="none" normalizeH="0" baseline="0" dirty="0" err="1">
                 <a:ln>
                   <a:noFill/>
                 </a:ln>
@@ -11028,14 +11734,14 @@
                   <a:schemeClr val="tx1"/>
                 </a:solidFill>
                 <a:effectLst/>
-                <a:latin typeface="Aptos" panose="020B0004020202020204" pitchFamily="34" charset="0"/>
+                <a:latin typeface="+mn-lt"/>
                 <a:ea typeface="Times New Roman" panose="02020603050405020304" pitchFamily="18" charset="0"/>
                 <a:cs typeface="Times New Roman" panose="02020603050405020304" pitchFamily="18" charset="0"/>
               </a:rPr>
               <a:t>Pins</a:t>
             </a:r>
             <a:r>
-              <a:rPr kumimoji="0" lang="cs-CZ" altLang="cs-CZ" sz="2000" b="0" i="0" u="none" strike="noStrike" cap="none" normalizeH="0" baseline="0" dirty="0">
+              <a:rPr kumimoji="0" lang="cs-CZ" altLang="cs-CZ" sz="1600" b="0" i="0" u="none" strike="noStrike" cap="none" normalizeH="0" baseline="0" dirty="0">
                 <a:ln>
                   <a:noFill/>
                 </a:ln>
@@ -11043,103 +11749,13 @@
                   <a:schemeClr val="tx1"/>
                 </a:solidFill>
                 <a:effectLst/>
-                <a:latin typeface="Aptos" panose="020B0004020202020204" pitchFamily="34" charset="0"/>
+                <a:latin typeface="+mn-lt"/>
                 <a:ea typeface="Times New Roman" panose="02020603050405020304" pitchFamily="18" charset="0"/>
                 <a:cs typeface="Times New Roman" panose="02020603050405020304" pitchFamily="18" charset="0"/>
               </a:rPr>
-              <a:t> [online]. [</a:t>
-            </a:r>
-            <a:r>
-              <a:rPr kumimoji="0" lang="cs-CZ" altLang="cs-CZ" sz="2000" b="0" i="0" u="none" strike="noStrike" cap="none" normalizeH="0" baseline="0" dirty="0" err="1">
-                <a:ln>
-                  <a:noFill/>
-                </a:ln>
-                <a:solidFill>
-                  <a:schemeClr val="tx1"/>
-                </a:solidFill>
-                <a:effectLst/>
-                <a:latin typeface="Aptos" panose="020B0004020202020204" pitchFamily="34" charset="0"/>
-                <a:ea typeface="Times New Roman" panose="02020603050405020304" pitchFamily="18" charset="0"/>
-                <a:cs typeface="Times New Roman" panose="02020603050405020304" pitchFamily="18" charset="0"/>
-              </a:rPr>
-              <a:t>accessed</a:t>
-            </a:r>
-            <a:r>
-              <a:rPr kumimoji="0" lang="cs-CZ" altLang="cs-CZ" sz="2000" b="0" i="0" u="none" strike="noStrike" cap="none" normalizeH="0" baseline="0" dirty="0">
-                <a:ln>
-                  <a:noFill/>
-                </a:ln>
-                <a:solidFill>
-                  <a:schemeClr val="tx1"/>
-                </a:solidFill>
-                <a:effectLst/>
-                <a:latin typeface="Aptos" panose="020B0004020202020204" pitchFamily="34" charset="0"/>
-                <a:ea typeface="Times New Roman" panose="02020603050405020304" pitchFamily="18" charset="0"/>
-                <a:cs typeface="Times New Roman" panose="02020603050405020304" pitchFamily="18" charset="0"/>
-              </a:rPr>
-              <a:t>. 2025-03-19]. </a:t>
-            </a:r>
-            <a:r>
-              <a:rPr kumimoji="0" lang="cs-CZ" altLang="cs-CZ" sz="2000" b="0" i="0" u="none" strike="noStrike" cap="none" normalizeH="0" baseline="0" dirty="0" err="1">
-                <a:ln>
-                  <a:noFill/>
-                </a:ln>
-                <a:solidFill>
-                  <a:schemeClr val="tx1"/>
-                </a:solidFill>
-                <a:effectLst/>
-                <a:latin typeface="Aptos" panose="020B0004020202020204" pitchFamily="34" charset="0"/>
-                <a:ea typeface="Times New Roman" panose="02020603050405020304" pitchFamily="18" charset="0"/>
-                <a:cs typeface="Times New Roman" panose="02020603050405020304" pitchFamily="18" charset="0"/>
-              </a:rPr>
-              <a:t>Available</a:t>
-            </a:r>
-            <a:r>
-              <a:rPr kumimoji="0" lang="cs-CZ" altLang="cs-CZ" sz="2000" b="0" i="0" u="none" strike="noStrike" cap="none" normalizeH="0" baseline="0" dirty="0">
-                <a:ln>
-                  <a:noFill/>
-                </a:ln>
-                <a:solidFill>
-                  <a:schemeClr val="tx1"/>
-                </a:solidFill>
-                <a:effectLst/>
-                <a:latin typeface="Aptos" panose="020B0004020202020204" pitchFamily="34" charset="0"/>
-                <a:ea typeface="Times New Roman" panose="02020603050405020304" pitchFamily="18" charset="0"/>
-                <a:cs typeface="Times New Roman" panose="02020603050405020304" pitchFamily="18" charset="0"/>
-              </a:rPr>
-              <a:t> 	</a:t>
-            </a:r>
-            <a:r>
-              <a:rPr kumimoji="0" lang="cs-CZ" altLang="cs-CZ" sz="2000" b="0" i="0" u="none" strike="noStrike" cap="none" normalizeH="0" baseline="0" dirty="0" err="1">
-                <a:ln>
-                  <a:noFill/>
-                </a:ln>
-                <a:solidFill>
-                  <a:schemeClr val="tx1"/>
-                </a:solidFill>
-                <a:effectLst/>
-                <a:latin typeface="Aptos" panose="020B0004020202020204" pitchFamily="34" charset="0"/>
-                <a:ea typeface="Times New Roman" panose="02020603050405020304" pitchFamily="18" charset="0"/>
-                <a:cs typeface="Times New Roman" panose="02020603050405020304" pitchFamily="18" charset="0"/>
-              </a:rPr>
-              <a:t>at</a:t>
-            </a:r>
-            <a:r>
-              <a:rPr kumimoji="0" lang="cs-CZ" altLang="cs-CZ" sz="2000" b="0" i="0" u="none" strike="noStrike" cap="none" normalizeH="0" baseline="0" dirty="0">
-                <a:ln>
-                  <a:noFill/>
-                </a:ln>
-                <a:solidFill>
-                  <a:schemeClr val="tx1"/>
-                </a:solidFill>
-                <a:effectLst/>
-                <a:latin typeface="Aptos" panose="020B0004020202020204" pitchFamily="34" charset="0"/>
-                <a:ea typeface="Times New Roman" panose="02020603050405020304" pitchFamily="18" charset="0"/>
-                <a:cs typeface="Times New Roman" panose="02020603050405020304" pitchFamily="18" charset="0"/>
-              </a:rPr>
-              <a:t>: https://electropeak.com/learn/esp8266-pinout-reference-how-to-use-esp8266-gpio-pins/</a:t>
-            </a:r>
-            <a:endParaRPr kumimoji="0" lang="cs-CZ" altLang="cs-CZ" sz="2000" b="0" i="0" u="none" strike="noStrike" cap="none" normalizeH="0" baseline="0" dirty="0">
+              <a:t> [online]. [vid. 2025-03-19]. Dostupné z: https://electropeak.com/learn/esp8266-pinout-reference-how-to-use-esp8266-gpio-pins/</a:t>
+            </a:r>
+            <a:endParaRPr kumimoji="0" lang="cs-CZ" altLang="cs-CZ" sz="1600" b="0" i="0" u="none" strike="noStrike" cap="none" normalizeH="0" baseline="0" dirty="0">
               <a:ln>
                 <a:noFill/>
               </a:ln>
@@ -11147,10 +11763,11 @@
                 <a:schemeClr val="tx1"/>
               </a:solidFill>
               <a:effectLst/>
+              <a:latin typeface="+mn-lt"/>
             </a:endParaRPr>
           </a:p>
           <a:p>
-            <a:pPr marL="0" marR="0" lvl="0" indent="0" defTabSz="914400" rtl="0" eaLnBrk="0" fontAlgn="base" latinLnBrk="0" hangingPunct="0">
+            <a:pPr marL="0" marR="0" lvl="0" indent="0" algn="l" defTabSz="914400" rtl="0" eaLnBrk="0" fontAlgn="base" latinLnBrk="0" hangingPunct="0">
               <a:lnSpc>
                 <a:spcPct val="100000"/>
               </a:lnSpc>
@@ -11158,7 +11775,7 @@
                 <a:spcPct val="0"/>
               </a:spcBef>
               <a:spcAft>
-                <a:spcPts val="1200"/>
+                <a:spcPct val="0"/>
               </a:spcAft>
               <a:buClrTx/>
               <a:buSzTx/>
@@ -11167,7 +11784,7 @@
               <a:tabLst/>
             </a:pPr>
             <a:r>
-              <a:rPr kumimoji="0" lang="cs-CZ" altLang="cs-CZ" sz="2000" b="0" i="0" u="none" strike="noStrike" cap="none" normalizeH="0" baseline="0" dirty="0">
+              <a:rPr kumimoji="0" lang="cs-CZ" altLang="cs-CZ" sz="1600" b="0" i="0" u="none" strike="noStrike" cap="none" normalizeH="0" baseline="0" dirty="0">
                 <a:ln>
                   <a:noFill/>
                 </a:ln>
@@ -11175,13 +11792,148 @@
                   <a:schemeClr val="tx1"/>
                 </a:solidFill>
                 <a:effectLst/>
-                <a:latin typeface="Aptos" panose="020B0004020202020204" pitchFamily="34" charset="0"/>
+                <a:latin typeface="+mn-lt"/>
                 <a:ea typeface="Times New Roman" panose="02020603050405020304" pitchFamily="18" charset="0"/>
                 <a:cs typeface="Times New Roman" panose="02020603050405020304" pitchFamily="18" charset="0"/>
               </a:rPr>
-              <a:t> </a:t>
-            </a:r>
-            <a:endParaRPr kumimoji="0" lang="cs-CZ" altLang="cs-CZ" sz="2000" b="0" i="0" u="none" strike="noStrike" cap="none" normalizeH="0" baseline="0" dirty="0">
+              <a:t>[5] 	</a:t>
+            </a:r>
+            <a:r>
+              <a:rPr kumimoji="0" lang="cs-CZ" altLang="cs-CZ" sz="1600" b="0" i="1" u="none" strike="noStrike" cap="none" normalizeH="0" baseline="0" dirty="0" err="1">
+                <a:ln>
+                  <a:noFill/>
+                </a:ln>
+                <a:solidFill>
+                  <a:schemeClr val="tx1"/>
+                </a:solidFill>
+                <a:effectLst/>
+                <a:latin typeface="+mn-lt"/>
+                <a:ea typeface="Times New Roman" panose="02020603050405020304" pitchFamily="18" charset="0"/>
+                <a:cs typeface="Times New Roman" panose="02020603050405020304" pitchFamily="18" charset="0"/>
+              </a:rPr>
+              <a:t>Creating</a:t>
+            </a:r>
+            <a:r>
+              <a:rPr kumimoji="0" lang="cs-CZ" altLang="cs-CZ" sz="1600" b="0" i="1" u="none" strike="noStrike" cap="none" normalizeH="0" baseline="0" dirty="0">
+                <a:ln>
+                  <a:noFill/>
+                </a:ln>
+                <a:solidFill>
+                  <a:schemeClr val="tx1"/>
+                </a:solidFill>
+                <a:effectLst/>
+                <a:latin typeface="+mn-lt"/>
+                <a:ea typeface="Times New Roman" panose="02020603050405020304" pitchFamily="18" charset="0"/>
+                <a:cs typeface="Times New Roman" panose="02020603050405020304" pitchFamily="18" charset="0"/>
+              </a:rPr>
+              <a:t> </a:t>
+            </a:r>
+            <a:r>
+              <a:rPr kumimoji="0" lang="cs-CZ" altLang="cs-CZ" sz="1600" b="0" i="1" u="none" strike="noStrike" cap="none" normalizeH="0" baseline="0" dirty="0" err="1">
+                <a:ln>
+                  <a:noFill/>
+                </a:ln>
+                <a:solidFill>
+                  <a:schemeClr val="tx1"/>
+                </a:solidFill>
+                <a:effectLst/>
+                <a:latin typeface="+mn-lt"/>
+                <a:ea typeface="Times New Roman" panose="02020603050405020304" pitchFamily="18" charset="0"/>
+                <a:cs typeface="Times New Roman" panose="02020603050405020304" pitchFamily="18" charset="0"/>
+              </a:rPr>
+              <a:t>your</a:t>
+            </a:r>
+            <a:r>
+              <a:rPr kumimoji="0" lang="cs-CZ" altLang="cs-CZ" sz="1600" b="0" i="1" u="none" strike="noStrike" cap="none" normalizeH="0" baseline="0" dirty="0">
+                <a:ln>
+                  <a:noFill/>
+                </a:ln>
+                <a:solidFill>
+                  <a:schemeClr val="tx1"/>
+                </a:solidFill>
+                <a:effectLst/>
+                <a:latin typeface="+mn-lt"/>
+                <a:ea typeface="Times New Roman" panose="02020603050405020304" pitchFamily="18" charset="0"/>
+                <a:cs typeface="Times New Roman" panose="02020603050405020304" pitchFamily="18" charset="0"/>
+              </a:rPr>
+              <a:t> </a:t>
+            </a:r>
+            <a:r>
+              <a:rPr kumimoji="0" lang="cs-CZ" altLang="cs-CZ" sz="1600" b="0" i="1" u="none" strike="noStrike" cap="none" normalizeH="0" baseline="0" dirty="0" err="1">
+                <a:ln>
+                  <a:noFill/>
+                </a:ln>
+                <a:solidFill>
+                  <a:schemeClr val="tx1"/>
+                </a:solidFill>
+                <a:effectLst/>
+                <a:latin typeface="+mn-lt"/>
+                <a:ea typeface="Times New Roman" panose="02020603050405020304" pitchFamily="18" charset="0"/>
+                <a:cs typeface="Times New Roman" panose="02020603050405020304" pitchFamily="18" charset="0"/>
+              </a:rPr>
+              <a:t>first</a:t>
+            </a:r>
+            <a:r>
+              <a:rPr kumimoji="0" lang="cs-CZ" altLang="cs-CZ" sz="1600" b="0" i="1" u="none" strike="noStrike" cap="none" normalizeH="0" baseline="0" dirty="0">
+                <a:ln>
+                  <a:noFill/>
+                </a:ln>
+                <a:solidFill>
+                  <a:schemeClr val="tx1"/>
+                </a:solidFill>
+                <a:effectLst/>
+                <a:latin typeface="+mn-lt"/>
+                <a:ea typeface="Times New Roman" panose="02020603050405020304" pitchFamily="18" charset="0"/>
+                <a:cs typeface="Times New Roman" panose="02020603050405020304" pitchFamily="18" charset="0"/>
+              </a:rPr>
+              <a:t> node</a:t>
+            </a:r>
+            <a:r>
+              <a:rPr kumimoji="0" lang="cs-CZ" altLang="cs-CZ" sz="1600" b="0" i="1" u="none" strike="noStrike" cap="none" normalizeH="0" baseline="0" dirty="0">
+                <a:ln>
+                  <a:noFill/>
+                </a:ln>
+                <a:solidFill>
+                  <a:schemeClr val="tx1"/>
+                </a:solidFill>
+                <a:effectLst/>
+                <a:latin typeface="+mn-lt"/>
+                <a:ea typeface="Times New Roman" panose="02020603050405020304" pitchFamily="18" charset="0"/>
+                <a:cs typeface="Arial" panose="020B0604020202020204" pitchFamily="34" charset="0"/>
+              </a:rPr>
+              <a:t> </a:t>
+            </a:r>
+            <a:r>
+              <a:rPr kumimoji="0" lang="cs-CZ" altLang="cs-CZ" sz="1600" b="0" i="1" u="none" strike="noStrike" cap="none" normalizeH="0" baseline="0" dirty="0">
+                <a:ln>
+                  <a:noFill/>
+                </a:ln>
+                <a:solidFill>
+                  <a:schemeClr val="tx1"/>
+                </a:solidFill>
+                <a:effectLst/>
+                <a:latin typeface="+mn-lt"/>
+                <a:ea typeface="Times New Roman" panose="02020603050405020304" pitchFamily="18" charset="0"/>
+                <a:cs typeface="Times New Roman" panose="02020603050405020304" pitchFamily="18" charset="0"/>
+              </a:rPr>
+              <a:t>: Node-RED</a:t>
+            </a:r>
+            <a:r>
+              <a:rPr kumimoji="0" lang="cs-CZ" altLang="cs-CZ" sz="1600" b="0" i="0" u="none" strike="noStrike" cap="none" normalizeH="0" baseline="0" dirty="0">
+                <a:ln>
+                  <a:noFill/>
+                </a:ln>
+                <a:solidFill>
+                  <a:schemeClr val="tx1"/>
+                </a:solidFill>
+                <a:effectLst/>
+                <a:latin typeface="+mn-lt"/>
+                <a:ea typeface="Times New Roman" panose="02020603050405020304" pitchFamily="18" charset="0"/>
+                <a:cs typeface="Times New Roman" panose="02020603050405020304" pitchFamily="18" charset="0"/>
+              </a:rPr>
+              <a:t> [online]. [vid. 2025-05-13]. Dostupné z: https://nodered.org/docs/creating-nodes/first-node</a:t>
+            </a:r>
+            <a:endParaRPr kumimoji="0" lang="cs-CZ" altLang="cs-CZ" sz="1600" b="0" i="0" u="none" strike="noStrike" cap="none" normalizeH="0" baseline="0" dirty="0">
               <a:ln>
                 <a:noFill/>
               </a:ln>
@@ -11189,7 +11941,50 @@
                 <a:schemeClr val="tx1"/>
               </a:solidFill>
               <a:effectLst/>
-              <a:latin typeface="Arial" panose="020B0604020202020204" pitchFamily="34" charset="0"/>
+              <a:latin typeface="+mn-lt"/>
+            </a:endParaRPr>
+          </a:p>
+          <a:p>
+            <a:pPr marL="0" marR="0" lvl="0" indent="0" algn="l" defTabSz="914400" rtl="0" eaLnBrk="0" fontAlgn="base" latinLnBrk="0" hangingPunct="0">
+              <a:lnSpc>
+                <a:spcPct val="100000"/>
+              </a:lnSpc>
+              <a:spcBef>
+                <a:spcPct val="0"/>
+              </a:spcBef>
+              <a:spcAft>
+                <a:spcPct val="0"/>
+              </a:spcAft>
+              <a:buClrTx/>
+              <a:buSzTx/>
+              <a:buFontTx/>
+              <a:buNone/>
+              <a:tabLst/>
+            </a:pPr>
+            <a:r>
+              <a:rPr kumimoji="0" lang="cs-CZ" altLang="cs-CZ" sz="1600" b="0" i="0" u="none" strike="noStrike" cap="none" normalizeH="0" baseline="0" dirty="0">
+                <a:ln>
+                  <a:noFill/>
+                </a:ln>
+                <a:solidFill>
+                  <a:schemeClr val="tx1"/>
+                </a:solidFill>
+                <a:effectLst/>
+                <a:latin typeface="+mn-lt"/>
+                <a:ea typeface="Times New Roman" panose="02020603050405020304" pitchFamily="18" charset="0"/>
+                <a:cs typeface="Times New Roman" panose="02020603050405020304" pitchFamily="18" charset="0"/>
+              </a:rPr>
+              <a:t> </a:t>
+            </a:r>
+            <a:endParaRPr kumimoji="0" lang="cs-CZ" altLang="cs-CZ" sz="1600" b="0" i="0" u="none" strike="noStrike" cap="none" normalizeH="0" baseline="0" dirty="0">
+              <a:ln>
+                <a:noFill/>
+              </a:ln>
+              <a:solidFill>
+                <a:schemeClr val="tx1"/>
+              </a:solidFill>
+              <a:effectLst/>
+              <a:latin typeface="+mn-lt"/>
             </a:endParaRPr>
           </a:p>
         </p:txBody>

--- a/prezentace/xnovm288-obhajoba (sablona bc).pptx
+++ b/prezentace/xnovm288-obhajoba (sablona bc).pptx
@@ -5,10 +5,10 @@
     <p:sldMasterId id="2147483648" r:id="rId4"/>
   </p:sldMasterIdLst>
   <p:notesMasterIdLst>
-    <p:notesMasterId r:id="rId21"/>
+    <p:notesMasterId r:id="rId22"/>
   </p:notesMasterIdLst>
   <p:handoutMasterIdLst>
-    <p:handoutMasterId r:id="rId22"/>
+    <p:handoutMasterId r:id="rId23"/>
   </p:handoutMasterIdLst>
   <p:sldIdLst>
     <p:sldId id="257" r:id="rId5"/>
@@ -23,10 +23,11 @@
     <p:sldId id="263" r:id="rId14"/>
     <p:sldId id="275" r:id="rId15"/>
     <p:sldId id="264" r:id="rId16"/>
-    <p:sldId id="266" r:id="rId17"/>
-    <p:sldId id="267" r:id="rId18"/>
-    <p:sldId id="273" r:id="rId19"/>
-    <p:sldId id="274" r:id="rId20"/>
+    <p:sldId id="276" r:id="rId17"/>
+    <p:sldId id="266" r:id="rId18"/>
+    <p:sldId id="267" r:id="rId19"/>
+    <p:sldId id="273" r:id="rId20"/>
+    <p:sldId id="274" r:id="rId21"/>
   </p:sldIdLst>
   <p:sldSz cx="18288000" cy="10287000"/>
   <p:notesSz cx="6797675" cy="9926638"/>
@@ -770,6 +771,123 @@
     <p:extLst>
       <p:ext uri="{BB962C8B-B14F-4D97-AF65-F5344CB8AC3E}">
         <p14:creationId xmlns:p14="http://schemas.microsoft.com/office/powerpoint/2010/main" val="1472806502"/>
+      </p:ext>
+    </p:extLst>
+  </p:cSld>
+  <p:clrMapOvr>
+    <a:masterClrMapping/>
+  </p:clrMapOvr>
+</p:notes>
+</file>
+
+<file path=ppt/notesSlides/notesSlide10.xml><?xml version="1.0" encoding="utf-8"?>
+<p:notes xmlns:a="http://schemas.openxmlformats.org/drawingml/2006/main" xmlns:r="http://schemas.openxmlformats.org/officeDocument/2006/relationships" xmlns:p="http://schemas.openxmlformats.org/presentationml/2006/main">
+  <p:cSld>
+    <p:spTree>
+      <p:nvGrpSpPr>
+        <p:cNvPr id="1" name=""/>
+        <p:cNvGrpSpPr/>
+        <p:nvPr/>
+      </p:nvGrpSpPr>
+      <p:grpSpPr>
+        <a:xfrm>
+          <a:off x="0" y="0"/>
+          <a:ext cx="0" cy="0"/>
+          <a:chOff x="0" y="0"/>
+          <a:chExt cx="0" cy="0"/>
+        </a:xfrm>
+      </p:grpSpPr>
+      <p:sp>
+        <p:nvSpPr>
+          <p:cNvPr id="2" name="Zástupný symbol pro obrázek snímku 1"/>
+          <p:cNvSpPr>
+            <a:spLocks noGrp="1" noRot="1" noChangeAspect="1"/>
+          </p:cNvSpPr>
+          <p:nvPr>
+            <p:ph type="sldImg"/>
+          </p:nvPr>
+        </p:nvSpPr>
+        <p:spPr/>
+      </p:sp>
+      <p:sp>
+        <p:nvSpPr>
+          <p:cNvPr id="3" name="Zástupný symbol pro poznámky 2"/>
+          <p:cNvSpPr>
+            <a:spLocks noGrp="1"/>
+          </p:cNvSpPr>
+          <p:nvPr>
+            <p:ph type="body" idx="1"/>
+          </p:nvPr>
+        </p:nvSpPr>
+        <p:spPr/>
+        <p:txBody>
+          <a:bodyPr/>
+          <a:lstStyle/>
+          <a:p>
+            <a:r>
+              <a:rPr lang="cs-CZ" dirty="0"/>
+              <a:t>	Tato práce bylo tvořena </a:t>
+            </a:r>
+            <a:r>
+              <a:rPr lang="cs-CZ" dirty="0" err="1"/>
+              <a:t>dvěmi</a:t>
+            </a:r>
+            <a:r>
+              <a:rPr lang="cs-CZ" dirty="0"/>
+              <a:t> hlavními částmi, kde první byla hlavní uzle, který je realizován jako vrstvený model tvořen </a:t>
+            </a:r>
+            <a:r>
+              <a:rPr lang="cs-CZ" dirty="0" err="1"/>
+              <a:t>dvěmi</a:t>
+            </a:r>
+            <a:r>
+              <a:rPr lang="cs-CZ" dirty="0"/>
+              <a:t> DLL a WPF okenní aplikací, která oproti ostatním .NET uživatelským rozhraním je modulární a není šířená pomocí </a:t>
+            </a:r>
+            <a:r>
+              <a:rPr lang="cs-CZ" dirty="0" err="1"/>
+              <a:t>storu</a:t>
+            </a:r>
+            <a:r>
+              <a:rPr lang="cs-CZ" dirty="0"/>
+              <a:t>. Při návrhu byl kladen důraz na modulárnost a snadné přidání vlastních protokolů. Logiku uživatel zadává textově.</a:t>
+            </a:r>
+          </a:p>
+          <a:p>
+            <a:r>
+              <a:rPr lang="cs-CZ" dirty="0"/>
+              <a:t>	druhou částí byli jednotlivé uzly, kdy kód který je společný byl psán jako knihovna, kterou je možné přenést i na jiné platformy než je ESP a Arduino, které byli použity pro vzorové uzly. Ty fungují jako HTTP server, se kterým se může bavit jak hlavní uzel, tak jakákoli jiná aplikace schopná přečíst jeho odpověď jenž je ve formátu JSON.</a:t>
+            </a:r>
+          </a:p>
+        </p:txBody>
+      </p:sp>
+      <p:sp>
+        <p:nvSpPr>
+          <p:cNvPr id="4" name="Zástupný symbol pro číslo snímku 3"/>
+          <p:cNvSpPr>
+            <a:spLocks noGrp="1"/>
+          </p:cNvSpPr>
+          <p:nvPr>
+            <p:ph type="sldNum" sz="quarter" idx="5"/>
+          </p:nvPr>
+        </p:nvSpPr>
+        <p:spPr/>
+        <p:txBody>
+          <a:bodyPr/>
+          <a:lstStyle/>
+          <a:p>
+            <a:fld id="{1A2A8A12-C138-49DA-8AA6-D12B63798F3E}" type="slidenum">
+              <a:rPr lang="cs-CZ" smtClean="0"/>
+              <a:t>12</a:t>
+            </a:fld>
+            <a:endParaRPr lang="cs-CZ"/>
+          </a:p>
+        </p:txBody>
+      </p:sp>
+    </p:spTree>
+    <p:extLst>
+      <p:ext uri="{BB962C8B-B14F-4D97-AF65-F5344CB8AC3E}">
+        <p14:creationId xmlns:p14="http://schemas.microsoft.com/office/powerpoint/2010/main" val="2905901304"/>
       </p:ext>
     </p:extLst>
   </p:cSld>
@@ -10491,32 +10609,74 @@
           <a:lstStyle/>
           <a:p>
             <a:pPr algn="just"/>
+            <a:endParaRPr lang="cs-CZ" dirty="0"/>
+          </a:p>
+          <a:p>
+            <a:pPr algn="just"/>
             <a:r>
               <a:rPr lang="cs-CZ" dirty="0"/>
-              <a:t>v této části především slovně shrnout výsledky práce, pokud jsou měření tak shrnout i výsledky měření,</a:t>
+              <a:t>Hlavní uzel</a:t>
+            </a:r>
+          </a:p>
+          <a:p>
+            <a:pPr lvl="1" algn="just"/>
+            <a:r>
+              <a:rPr lang="cs-CZ" dirty="0"/>
+              <a:t>Vrstvený model tvořen 2 DLL + WPF</a:t>
+            </a:r>
+          </a:p>
+          <a:p>
+            <a:pPr lvl="1" algn="just"/>
+            <a:r>
+              <a:rPr lang="cs-CZ" dirty="0"/>
+              <a:t>Modulárnost</a:t>
+            </a:r>
+          </a:p>
+          <a:p>
+            <a:pPr lvl="1" algn="just"/>
+            <a:r>
+              <a:rPr lang="cs-CZ" dirty="0"/>
+              <a:t>Logika zadávána v textové podobě bez nutnosti programování</a:t>
             </a:r>
           </a:p>
           <a:p>
             <a:pPr algn="just"/>
             <a:r>
               <a:rPr lang="cs-CZ" dirty="0"/>
-              <a:t>podstatné je ale dát zjištěné výsledky a data do souvislostí – tedy co to znamená, jak je interpretovat a jaký skvělý pokrok práce přinesla,</a:t>
-            </a:r>
-          </a:p>
-          <a:p>
-            <a:r>
-              <a:rPr lang="cs-CZ" b="1" dirty="0"/>
-              <a:t>Závěr by měly být max. na jedné stránce, pokud je tam nějaký zásadní graf pak max. na dvou.</a:t>
-            </a:r>
-          </a:p>
-          <a:p>
-            <a:endParaRPr lang="cs-CZ" b="1" dirty="0"/>
-          </a:p>
-          <a:p>
-            <a:pPr algn="just"/>
-            <a:r>
-              <a:rPr lang="cs-CZ" b="1" dirty="0"/>
-              <a:t>Závěr musí být úderný – ten spolu s Úvodem většinou komise poslouchá – tedy nebuďte skromní (ale zase to nepřežeňte, není to děkovačka za Nobelovu cenu!)</a:t>
+              <a:t>Uzly</a:t>
+            </a:r>
+          </a:p>
+          <a:p>
+            <a:pPr lvl="1" algn="just"/>
+            <a:r>
+              <a:rPr lang="cs-CZ" dirty="0"/>
+              <a:t>Společná část psána jako knihovna využívající abstrakci</a:t>
+            </a:r>
+          </a:p>
+          <a:p>
+            <a:pPr lvl="1" algn="just"/>
+            <a:r>
+              <a:rPr lang="cs-CZ" dirty="0"/>
+              <a:t>ESP8266 a </a:t>
+            </a:r>
+            <a:r>
+              <a:rPr lang="cs-CZ" dirty="0" err="1"/>
+              <a:t>ArduinoIDE</a:t>
+            </a:r>
+            <a:endParaRPr lang="cs-CZ" dirty="0"/>
+          </a:p>
+          <a:p>
+            <a:pPr lvl="1" algn="just"/>
+            <a:r>
+              <a:rPr lang="cs-CZ" dirty="0"/>
+              <a:t>HTTP server</a:t>
+            </a:r>
+          </a:p>
+          <a:p>
+            <a:pPr lvl="1" algn="just"/>
+            <a:r>
+              <a:rPr lang="cs-CZ" dirty="0"/>
+              <a:t>Data ve formátu JSON</a:t>
             </a:r>
           </a:p>
           <a:p>
@@ -10543,7 +10703,13 @@
   <p:cSld>
     <p:spTree>
       <p:nvGrpSpPr>
-        <p:cNvPr id="1" name=""/>
+        <p:cNvPr id="1" name="">
+          <a:extLst>
+            <a:ext uri="{FF2B5EF4-FFF2-40B4-BE49-F238E27FC236}">
+              <a16:creationId xmlns:a16="http://schemas.microsoft.com/office/drawing/2014/main" id="{2DF993AF-D69D-0C86-DFFF-4C6C4A76E768}"/>
+            </a:ext>
+          </a:extLst>
+        </p:cNvPr>
         <p:cNvGrpSpPr/>
         <p:nvPr/>
       </p:nvGrpSpPr>
@@ -10560,7 +10726,7 @@
           <p:cNvPr id="2" name="Zástupný text 1">
             <a:extLst>
               <a:ext uri="{FF2B5EF4-FFF2-40B4-BE49-F238E27FC236}">
-                <a16:creationId xmlns:a16="http://schemas.microsoft.com/office/drawing/2014/main" id="{32DEB359-6B80-3613-966B-FAA9301011F6}"/>
+                <a16:creationId xmlns:a16="http://schemas.microsoft.com/office/drawing/2014/main" id="{7B1F7191-BB35-EF55-B2CA-C23BD4663C02}"/>
               </a:ext>
             </a:extLst>
           </p:cNvPr>
@@ -10576,10 +10742,6 @@
           <a:bodyPr/>
           <a:lstStyle/>
           <a:p>
-            <a:r>
-              <a:rPr lang="cs-CZ" sz="8800" dirty="0"/>
-              <a:t>Otázka oponenta č.1</a:t>
-            </a:r>
             <a:endParaRPr lang="cs-CZ" dirty="0"/>
           </a:p>
         </p:txBody>
@@ -10589,7 +10751,7 @@
           <p:cNvPr id="3" name="Zástupný text 2">
             <a:extLst>
               <a:ext uri="{FF2B5EF4-FFF2-40B4-BE49-F238E27FC236}">
-                <a16:creationId xmlns:a16="http://schemas.microsoft.com/office/drawing/2014/main" id="{3E850045-51D5-2556-4104-278A4FD24E04}"/>
+                <a16:creationId xmlns:a16="http://schemas.microsoft.com/office/drawing/2014/main" id="{C3EDE2B2-52A3-8204-A483-F065347CE065}"/>
               </a:ext>
             </a:extLst>
           </p:cNvPr>
@@ -10614,181 +10776,43 @@
       </p:sp>
       <p:sp>
         <p:nvSpPr>
-          <p:cNvPr id="5" name="Zástupný text 4">
-            <a:extLst>
-              <a:ext uri="{FF2B5EF4-FFF2-40B4-BE49-F238E27FC236}">
-                <a16:creationId xmlns:a16="http://schemas.microsoft.com/office/drawing/2014/main" id="{F6EF8A6A-A94B-E009-2904-00483D9F88E4}"/>
-              </a:ext>
-            </a:extLst>
-          </p:cNvPr>
-          <p:cNvSpPr>
-            <a:spLocks noGrp="1"/>
-          </p:cNvSpPr>
-          <p:nvPr>
-            <p:ph type="body" sz="quarter" idx="16"/>
-          </p:nvPr>
+          <p:cNvPr id="7" name="TextovéPole 6">
+            <a:extLst>
+              <a:ext uri="{FF2B5EF4-FFF2-40B4-BE49-F238E27FC236}">
+                <a16:creationId xmlns:a16="http://schemas.microsoft.com/office/drawing/2014/main" id="{4F188EFA-52CF-6997-6ADE-A5737109D056}"/>
+              </a:ext>
+            </a:extLst>
+          </p:cNvPr>
+          <p:cNvSpPr txBox="1"/>
+          <p:nvPr/>
         </p:nvSpPr>
         <p:spPr>
           <a:xfrm>
-            <a:off x="1079500" y="3422469"/>
-            <a:ext cx="15680146" cy="5821414"/>
+            <a:off x="5395698" y="5143500"/>
+            <a:ext cx="7496604" cy="1200329"/>
           </a:xfrm>
+          <a:prstGeom prst="rect">
+            <a:avLst/>
+          </a:prstGeom>
+          <a:noFill/>
         </p:spPr>
         <p:txBody>
-          <a:bodyPr/>
+          <a:bodyPr wrap="none" rtlCol="0">
+            <a:spAutoFit/>
+          </a:bodyPr>
           <a:lstStyle/>
           <a:p>
-            <a:pPr marL="0" indent="0">
-              <a:buNone/>
-            </a:pPr>
-            <a:r>
-              <a:rPr lang="cs-CZ" sz="4800" dirty="0"/>
-              <a:t>„</a:t>
-            </a:r>
-            <a:r>
-              <a:rPr lang="cs-CZ" sz="4800" b="1" dirty="0">
-                <a:effectLst>
-                  <a:outerShdw blurRad="38100" dist="38100" dir="2700000" algn="tl">
-                    <a:srgbClr val="000000">
-                      <a:alpha val="43137"/>
-                    </a:srgbClr>
-                  </a:outerShdw>
-                </a:effectLst>
-              </a:rPr>
-              <a:t>Na str. 49 je uvedeno: „</a:t>
-            </a:r>
-            <a:r>
-              <a:rPr lang="cs-CZ" sz="4800" b="1" dirty="0" err="1">
-                <a:effectLst>
-                  <a:outerShdw blurRad="38100" dist="38100" dir="2700000" algn="tl">
-                    <a:srgbClr val="000000">
-                      <a:alpha val="43137"/>
-                    </a:srgbClr>
-                  </a:outerShdw>
-                </a:effectLst>
-              </a:rPr>
-              <a:t>For</a:t>
-            </a:r>
-            <a:r>
-              <a:rPr lang="cs-CZ" sz="4800" b="1" dirty="0">
-                <a:effectLst>
-                  <a:outerShdw blurRad="38100" dist="38100" dir="2700000" algn="tl">
-                    <a:srgbClr val="000000">
-                      <a:alpha val="43137"/>
-                    </a:srgbClr>
-                  </a:outerShdw>
-                </a:effectLst>
-              </a:rPr>
-              <a:t> byl zvolen místo </a:t>
-            </a:r>
-            <a:r>
-              <a:rPr lang="cs-CZ" sz="4800" b="1" dirty="0" err="1">
-                <a:effectLst>
-                  <a:outerShdw blurRad="38100" dist="38100" dir="2700000" algn="tl">
-                    <a:srgbClr val="000000">
-                      <a:alpha val="43137"/>
-                    </a:srgbClr>
-                  </a:outerShdw>
-                </a:effectLst>
-              </a:rPr>
-              <a:t>foreach</a:t>
-            </a:r>
-            <a:r>
-              <a:rPr lang="cs-CZ" sz="4800" b="1" dirty="0">
-                <a:effectLst>
-                  <a:outerShdw blurRad="38100" dist="38100" dir="2700000" algn="tl">
-                    <a:srgbClr val="000000">
-                      <a:alpha val="43137"/>
-                    </a:srgbClr>
-                  </a:outerShdw>
-                </a:effectLst>
-              </a:rPr>
-              <a:t> proto, aby bylo možné v chybové hlášce přesně určit místo, kde nastal problém.“ Vysvětlete rozdíl mezi příkazy </a:t>
-            </a:r>
-            <a:r>
-              <a:rPr lang="cs-CZ" sz="4800" b="1" dirty="0" err="1">
-                <a:effectLst>
-                  <a:outerShdw blurRad="38100" dist="38100" dir="2700000" algn="tl">
-                    <a:srgbClr val="000000">
-                      <a:alpha val="43137"/>
-                    </a:srgbClr>
-                  </a:outerShdw>
-                </a:effectLst>
-              </a:rPr>
-              <a:t>for</a:t>
-            </a:r>
-            <a:r>
-              <a:rPr lang="cs-CZ" sz="4800" b="1" dirty="0">
-                <a:effectLst>
-                  <a:outerShdw blurRad="38100" dist="38100" dir="2700000" algn="tl">
-                    <a:srgbClr val="000000">
-                      <a:alpha val="43137"/>
-                    </a:srgbClr>
-                  </a:outerShdw>
-                </a:effectLst>
-              </a:rPr>
-              <a:t> a </a:t>
-            </a:r>
-            <a:r>
-              <a:rPr lang="cs-CZ" sz="4800" b="1" dirty="0" err="1">
-                <a:effectLst>
-                  <a:outerShdw blurRad="38100" dist="38100" dir="2700000" algn="tl">
-                    <a:srgbClr val="000000">
-                      <a:alpha val="43137"/>
-                    </a:srgbClr>
-                  </a:outerShdw>
-                </a:effectLst>
-              </a:rPr>
-              <a:t>foreach</a:t>
-            </a:r>
-            <a:r>
-              <a:rPr lang="cs-CZ" sz="4800" b="1" dirty="0">
-                <a:effectLst>
-                  <a:outerShdw blurRad="38100" dist="38100" dir="2700000" algn="tl">
-                    <a:srgbClr val="000000">
-                      <a:alpha val="43137"/>
-                    </a:srgbClr>
-                  </a:outerShdw>
-                </a:effectLst>
-              </a:rPr>
-              <a:t> a proč druhý z nich neumožňuje přesné určení místa výskytu chyby. “</a:t>
-            </a:r>
-          </a:p>
-          <a:p>
-            <a:r>
-              <a:rPr lang="cs-CZ" b="1" dirty="0" err="1"/>
-              <a:t>For</a:t>
-            </a:r>
-            <a:r>
-              <a:rPr lang="cs-CZ" b="1" dirty="0"/>
-              <a:t> = k dispozici index</a:t>
-            </a:r>
-          </a:p>
-          <a:p>
-            <a:r>
-              <a:rPr lang="cs-CZ" b="1" dirty="0" err="1"/>
-              <a:t>Foreach</a:t>
-            </a:r>
-            <a:r>
-              <a:rPr lang="cs-CZ" b="1" dirty="0"/>
-              <a:t> = k dispozici prvek kolekce (v tomto případě znak)</a:t>
-            </a:r>
-          </a:p>
-          <a:p>
-            <a:endParaRPr lang="cs-CZ" b="1" dirty="0"/>
-          </a:p>
-          <a:p>
-            <a:pPr marL="0" indent="0" algn="just">
-              <a:buNone/>
-            </a:pPr>
-            <a:endParaRPr lang="cs-CZ" dirty="0"/>
+            <a:r>
+              <a:rPr lang="cs-CZ" sz="7200" dirty="0"/>
+              <a:t>Děkuji za pozornost</a:t>
+            </a:r>
           </a:p>
         </p:txBody>
       </p:sp>
     </p:spTree>
     <p:extLst>
       <p:ext uri="{BB962C8B-B14F-4D97-AF65-F5344CB8AC3E}">
-        <p14:creationId xmlns:p14="http://schemas.microsoft.com/office/powerpoint/2010/main" val="481893954"/>
+        <p14:creationId xmlns:p14="http://schemas.microsoft.com/office/powerpoint/2010/main" val="2179696907"/>
       </p:ext>
     </p:extLst>
   </p:cSld>
@@ -10838,6 +10862,266 @@
           <a:p>
             <a:r>
               <a:rPr lang="cs-CZ" sz="8800" dirty="0"/>
+              <a:t>Otázka oponenta č.1</a:t>
+            </a:r>
+            <a:endParaRPr lang="cs-CZ" dirty="0"/>
+          </a:p>
+        </p:txBody>
+      </p:sp>
+      <p:sp>
+        <p:nvSpPr>
+          <p:cNvPr id="3" name="Zástupný text 2">
+            <a:extLst>
+              <a:ext uri="{FF2B5EF4-FFF2-40B4-BE49-F238E27FC236}">
+                <a16:creationId xmlns:a16="http://schemas.microsoft.com/office/drawing/2014/main" id="{3E850045-51D5-2556-4104-278A4FD24E04}"/>
+              </a:ext>
+            </a:extLst>
+          </p:cNvPr>
+          <p:cNvSpPr>
+            <a:spLocks noGrp="1"/>
+          </p:cNvSpPr>
+          <p:nvPr>
+            <p:ph type="body" sz="quarter" idx="12"/>
+          </p:nvPr>
+        </p:nvSpPr>
+        <p:spPr/>
+        <p:txBody>
+          <a:bodyPr/>
+          <a:lstStyle/>
+          <a:p>
+            <a:r>
+              <a:rPr lang="pl-PL" sz="4400" b="1" dirty="0"/>
+              <a:t>Návrh a realizace kontrolního systému na WiFi síti</a:t>
+            </a:r>
+          </a:p>
+        </p:txBody>
+      </p:sp>
+      <p:sp>
+        <p:nvSpPr>
+          <p:cNvPr id="5" name="Zástupný text 4">
+            <a:extLst>
+              <a:ext uri="{FF2B5EF4-FFF2-40B4-BE49-F238E27FC236}">
+                <a16:creationId xmlns:a16="http://schemas.microsoft.com/office/drawing/2014/main" id="{F6EF8A6A-A94B-E009-2904-00483D9F88E4}"/>
+              </a:ext>
+            </a:extLst>
+          </p:cNvPr>
+          <p:cNvSpPr>
+            <a:spLocks noGrp="1"/>
+          </p:cNvSpPr>
+          <p:nvPr>
+            <p:ph type="body" sz="quarter" idx="16"/>
+          </p:nvPr>
+        </p:nvSpPr>
+        <p:spPr>
+          <a:xfrm>
+            <a:off x="1079500" y="3422469"/>
+            <a:ext cx="15680146" cy="5821414"/>
+          </a:xfrm>
+        </p:spPr>
+        <p:txBody>
+          <a:bodyPr/>
+          <a:lstStyle/>
+          <a:p>
+            <a:pPr marL="0" indent="0">
+              <a:buNone/>
+            </a:pPr>
+            <a:r>
+              <a:rPr lang="cs-CZ" sz="4800" dirty="0"/>
+              <a:t>„</a:t>
+            </a:r>
+            <a:r>
+              <a:rPr lang="cs-CZ" sz="4800" b="1" dirty="0">
+                <a:effectLst>
+                  <a:outerShdw blurRad="38100" dist="38100" dir="2700000" algn="tl">
+                    <a:srgbClr val="000000">
+                      <a:alpha val="43137"/>
+                    </a:srgbClr>
+                  </a:outerShdw>
+                </a:effectLst>
+              </a:rPr>
+              <a:t>Na str. 49 je uvedeno: „</a:t>
+            </a:r>
+            <a:r>
+              <a:rPr lang="cs-CZ" sz="4800" b="1" dirty="0" err="1">
+                <a:effectLst>
+                  <a:outerShdw blurRad="38100" dist="38100" dir="2700000" algn="tl">
+                    <a:srgbClr val="000000">
+                      <a:alpha val="43137"/>
+                    </a:srgbClr>
+                  </a:outerShdw>
+                </a:effectLst>
+              </a:rPr>
+              <a:t>For</a:t>
+            </a:r>
+            <a:r>
+              <a:rPr lang="cs-CZ" sz="4800" b="1" dirty="0">
+                <a:effectLst>
+                  <a:outerShdw blurRad="38100" dist="38100" dir="2700000" algn="tl">
+                    <a:srgbClr val="000000">
+                      <a:alpha val="43137"/>
+                    </a:srgbClr>
+                  </a:outerShdw>
+                </a:effectLst>
+              </a:rPr>
+              <a:t> byl zvolen místo </a:t>
+            </a:r>
+            <a:r>
+              <a:rPr lang="cs-CZ" sz="4800" b="1" dirty="0" err="1">
+                <a:effectLst>
+                  <a:outerShdw blurRad="38100" dist="38100" dir="2700000" algn="tl">
+                    <a:srgbClr val="000000">
+                      <a:alpha val="43137"/>
+                    </a:srgbClr>
+                  </a:outerShdw>
+                </a:effectLst>
+              </a:rPr>
+              <a:t>foreach</a:t>
+            </a:r>
+            <a:r>
+              <a:rPr lang="cs-CZ" sz="4800" b="1" dirty="0">
+                <a:effectLst>
+                  <a:outerShdw blurRad="38100" dist="38100" dir="2700000" algn="tl">
+                    <a:srgbClr val="000000">
+                      <a:alpha val="43137"/>
+                    </a:srgbClr>
+                  </a:outerShdw>
+                </a:effectLst>
+              </a:rPr>
+              <a:t> proto, aby bylo možné v chybové hlášce přesně určit místo, kde nastal problém.“ Vysvětlete rozdíl mezi příkazy </a:t>
+            </a:r>
+            <a:r>
+              <a:rPr lang="cs-CZ" sz="4800" b="1" dirty="0" err="1">
+                <a:effectLst>
+                  <a:outerShdw blurRad="38100" dist="38100" dir="2700000" algn="tl">
+                    <a:srgbClr val="000000">
+                      <a:alpha val="43137"/>
+                    </a:srgbClr>
+                  </a:outerShdw>
+                </a:effectLst>
+              </a:rPr>
+              <a:t>for</a:t>
+            </a:r>
+            <a:r>
+              <a:rPr lang="cs-CZ" sz="4800" b="1" dirty="0">
+                <a:effectLst>
+                  <a:outerShdw blurRad="38100" dist="38100" dir="2700000" algn="tl">
+                    <a:srgbClr val="000000">
+                      <a:alpha val="43137"/>
+                    </a:srgbClr>
+                  </a:outerShdw>
+                </a:effectLst>
+              </a:rPr>
+              <a:t> a </a:t>
+            </a:r>
+            <a:r>
+              <a:rPr lang="cs-CZ" sz="4800" b="1" dirty="0" err="1">
+                <a:effectLst>
+                  <a:outerShdw blurRad="38100" dist="38100" dir="2700000" algn="tl">
+                    <a:srgbClr val="000000">
+                      <a:alpha val="43137"/>
+                    </a:srgbClr>
+                  </a:outerShdw>
+                </a:effectLst>
+              </a:rPr>
+              <a:t>foreach</a:t>
+            </a:r>
+            <a:r>
+              <a:rPr lang="cs-CZ" sz="4800" b="1" dirty="0">
+                <a:effectLst>
+                  <a:outerShdw blurRad="38100" dist="38100" dir="2700000" algn="tl">
+                    <a:srgbClr val="000000">
+                      <a:alpha val="43137"/>
+                    </a:srgbClr>
+                  </a:outerShdw>
+                </a:effectLst>
+              </a:rPr>
+              <a:t> a proč druhý z nich neumožňuje přesné určení místa výskytu chyby. “</a:t>
+            </a:r>
+          </a:p>
+          <a:p>
+            <a:r>
+              <a:rPr lang="cs-CZ" b="1" dirty="0" err="1"/>
+              <a:t>For</a:t>
+            </a:r>
+            <a:r>
+              <a:rPr lang="cs-CZ" b="1" dirty="0"/>
+              <a:t> = k dispozici index</a:t>
+            </a:r>
+          </a:p>
+          <a:p>
+            <a:r>
+              <a:rPr lang="cs-CZ" b="1" dirty="0" err="1"/>
+              <a:t>Foreach</a:t>
+            </a:r>
+            <a:r>
+              <a:rPr lang="cs-CZ" b="1" dirty="0"/>
+              <a:t> = k dispozici prvek kolekce (v tomto případě znak)</a:t>
+            </a:r>
+          </a:p>
+          <a:p>
+            <a:endParaRPr lang="cs-CZ" b="1" dirty="0"/>
+          </a:p>
+          <a:p>
+            <a:pPr marL="0" indent="0" algn="just">
+              <a:buNone/>
+            </a:pPr>
+            <a:endParaRPr lang="cs-CZ" dirty="0"/>
+          </a:p>
+        </p:txBody>
+      </p:sp>
+    </p:spTree>
+    <p:extLst>
+      <p:ext uri="{BB962C8B-B14F-4D97-AF65-F5344CB8AC3E}">
+        <p14:creationId xmlns:p14="http://schemas.microsoft.com/office/powerpoint/2010/main" val="481893954"/>
+      </p:ext>
+    </p:extLst>
+  </p:cSld>
+  <p:clrMapOvr>
+    <a:masterClrMapping/>
+  </p:clrMapOvr>
+</p:sld>
+</file>
+
+<file path=ppt/slides/slide15.xml><?xml version="1.0" encoding="utf-8"?>
+<p:sld xmlns:a="http://schemas.openxmlformats.org/drawingml/2006/main" xmlns:r="http://schemas.openxmlformats.org/officeDocument/2006/relationships" xmlns:p="http://schemas.openxmlformats.org/presentationml/2006/main">
+  <p:cSld>
+    <p:spTree>
+      <p:nvGrpSpPr>
+        <p:cNvPr id="1" name=""/>
+        <p:cNvGrpSpPr/>
+        <p:nvPr/>
+      </p:nvGrpSpPr>
+      <p:grpSpPr>
+        <a:xfrm>
+          <a:off x="0" y="0"/>
+          <a:ext cx="0" cy="0"/>
+          <a:chOff x="0" y="0"/>
+          <a:chExt cx="0" cy="0"/>
+        </a:xfrm>
+      </p:grpSpPr>
+      <p:sp>
+        <p:nvSpPr>
+          <p:cNvPr id="2" name="Zástupný text 1">
+            <a:extLst>
+              <a:ext uri="{FF2B5EF4-FFF2-40B4-BE49-F238E27FC236}">
+                <a16:creationId xmlns:a16="http://schemas.microsoft.com/office/drawing/2014/main" id="{32DEB359-6B80-3613-966B-FAA9301011F6}"/>
+              </a:ext>
+            </a:extLst>
+          </p:cNvPr>
+          <p:cNvSpPr>
+            <a:spLocks noGrp="1"/>
+          </p:cNvSpPr>
+          <p:nvPr>
+            <p:ph type="body" sz="quarter" idx="10"/>
+          </p:nvPr>
+        </p:nvSpPr>
+        <p:spPr/>
+        <p:txBody>
+          <a:bodyPr/>
+          <a:lstStyle/>
+          <a:p>
+            <a:r>
+              <a:rPr lang="cs-CZ" sz="8800" dirty="0"/>
               <a:t>Otázka oponenta č.2</a:t>
             </a:r>
             <a:endParaRPr lang="cs-CZ" dirty="0"/>
@@ -10964,7 +11248,7 @@
 </p:sld>
 </file>
 
-<file path=ppt/slides/slide15.xml><?xml version="1.0" encoding="utf-8"?>
+<file path=ppt/slides/slide16.xml><?xml version="1.0" encoding="utf-8"?>
 <p:sld xmlns:a="http://schemas.openxmlformats.org/drawingml/2006/main" xmlns:r="http://schemas.openxmlformats.org/officeDocument/2006/relationships" xmlns:p="http://schemas.openxmlformats.org/presentationml/2006/main">
   <p:cSld>
     <p:spTree>
@@ -11129,7 +11413,7 @@
 </p:sld>
 </file>
 
-<file path=ppt/slides/slide16.xml><?xml version="1.0" encoding="utf-8"?>
+<file path=ppt/slides/slide17.xml><?xml version="1.0" encoding="utf-8"?>
 <p:sld xmlns:a="http://schemas.openxmlformats.org/drawingml/2006/main" xmlns:r="http://schemas.openxmlformats.org/officeDocument/2006/relationships" xmlns:p="http://schemas.openxmlformats.org/presentationml/2006/main">
   <p:cSld>
     <p:spTree>

--- a/prezentace/xnovm288-obhajoba (sablona bc).pptx
+++ b/prezentace/xnovm288-obhajoba (sablona bc).pptx
@@ -5,10 +5,10 @@
     <p:sldMasterId id="2147483648" r:id="rId4"/>
   </p:sldMasterIdLst>
   <p:notesMasterIdLst>
-    <p:notesMasterId r:id="rId22"/>
+    <p:notesMasterId r:id="rId24"/>
   </p:notesMasterIdLst>
   <p:handoutMasterIdLst>
-    <p:handoutMasterId r:id="rId23"/>
+    <p:handoutMasterId r:id="rId25"/>
   </p:handoutMasterIdLst>
   <p:sldIdLst>
     <p:sldId id="257" r:id="rId5"/>
@@ -24,10 +24,12 @@
     <p:sldId id="275" r:id="rId15"/>
     <p:sldId id="264" r:id="rId16"/>
     <p:sldId id="276" r:id="rId17"/>
-    <p:sldId id="266" r:id="rId18"/>
-    <p:sldId id="267" r:id="rId19"/>
-    <p:sldId id="273" r:id="rId20"/>
-    <p:sldId id="274" r:id="rId21"/>
+    <p:sldId id="277" r:id="rId18"/>
+    <p:sldId id="266" r:id="rId19"/>
+    <p:sldId id="267" r:id="rId20"/>
+    <p:sldId id="273" r:id="rId21"/>
+    <p:sldId id="274" r:id="rId22"/>
+    <p:sldId id="278" r:id="rId23"/>
   </p:sldIdLst>
   <p:sldSz cx="18288000" cy="10287000"/>
   <p:notesSz cx="6797675" cy="9926638"/>
@@ -231,7 +233,7 @@
           <a:p>
             <a:fld id="{13B1C12D-995C-4CE2-B7E9-F2AF6EAEF7B3}" type="datetimeFigureOut">
               <a:rPr lang="cs-CZ" smtClean="0"/>
-              <a:t>12.05.2025</a:t>
+              <a:t>19.05.2025</a:t>
             </a:fld>
             <a:endParaRPr lang="cs-CZ"/>
           </a:p>
@@ -408,7 +410,7 @@
           <a:p>
             <a:fld id="{50103AD6-614C-4B13-AA75-3193C707D39E}" type="datetimeFigureOut">
               <a:rPr lang="cs-CZ" smtClean="0"/>
-              <a:t>12.05.2025</a:t>
+              <a:t>19.05.2025</a:t>
             </a:fld>
             <a:endParaRPr lang="cs-CZ"/>
           </a:p>
@@ -2133,7 +2135,7 @@
             <a:fld id="{7A3072F3-67BD-48D5-A6DA-38E4E24F7F23}" type="datetime3">
               <a:rPr lang="cs-CZ" smtClean="0"/>
               <a:pPr/>
-              <a:t>12/05/25</a:t>
+              <a:t>19/05/25</a:t>
             </a:fld>
             <a:endParaRPr lang="en-US" dirty="0"/>
           </a:p>
@@ -6443,7 +6445,7 @@
             <a:fld id="{7A3072F3-67BD-48D5-A6DA-38E4E24F7F23}" type="datetime3">
               <a:rPr lang="cs-CZ" smtClean="0"/>
               <a:pPr/>
-              <a:t>12/05/25</a:t>
+              <a:t>19/05/25</a:t>
             </a:fld>
             <a:endParaRPr lang="en-US" dirty="0"/>
           </a:p>
@@ -6890,7 +6892,7 @@
             <a:fld id="{7A3072F3-67BD-48D5-A6DA-38E4E24F7F23}" type="datetime3">
               <a:rPr lang="cs-CZ" smtClean="0"/>
               <a:pPr/>
-              <a:t>12/05/25</a:t>
+              <a:t>19/05/25</a:t>
             </a:fld>
             <a:endParaRPr lang="en-US" dirty="0"/>
           </a:p>
@@ -7337,7 +7339,7 @@
             <a:fld id="{7A3072F3-67BD-48D5-A6DA-38E4E24F7F23}" type="datetime3">
               <a:rPr lang="cs-CZ" smtClean="0"/>
               <a:pPr/>
-              <a:t>12/05/25</a:t>
+              <a:t>19/05/25</a:t>
             </a:fld>
             <a:endParaRPr lang="en-US" dirty="0"/>
           </a:p>
@@ -9343,7 +9345,7 @@
             <a:fld id="{7A3072F3-67BD-48D5-A6DA-38E4E24F7F23}" type="datetime3">
               <a:rPr lang="cs-CZ" smtClean="0"/>
               <a:pPr/>
-              <a:t>12/05/25</a:t>
+              <a:t>19/05/25</a:t>
             </a:fld>
             <a:endParaRPr lang="en-US" dirty="0"/>
           </a:p>
@@ -10827,7 +10829,13 @@
   <p:cSld>
     <p:spTree>
       <p:nvGrpSpPr>
-        <p:cNvPr id="1" name=""/>
+        <p:cNvPr id="1" name="">
+          <a:extLst>
+            <a:ext uri="{FF2B5EF4-FFF2-40B4-BE49-F238E27FC236}">
+              <a16:creationId xmlns:a16="http://schemas.microsoft.com/office/drawing/2014/main" id="{9C62AD2F-0F3C-7948-2C51-0A019A7BA1F7}"/>
+            </a:ext>
+          </a:extLst>
+        </p:cNvPr>
         <p:cNvGrpSpPr/>
         <p:nvPr/>
       </p:nvGrpSpPr>
@@ -10844,36 +10852,7 @@
           <p:cNvPr id="2" name="Zástupný text 1">
             <a:extLst>
               <a:ext uri="{FF2B5EF4-FFF2-40B4-BE49-F238E27FC236}">
-                <a16:creationId xmlns:a16="http://schemas.microsoft.com/office/drawing/2014/main" id="{32DEB359-6B80-3613-966B-FAA9301011F6}"/>
-              </a:ext>
-            </a:extLst>
-          </p:cNvPr>
-          <p:cNvSpPr>
-            <a:spLocks noGrp="1"/>
-          </p:cNvSpPr>
-          <p:nvPr>
-            <p:ph type="body" sz="quarter" idx="10"/>
-          </p:nvPr>
-        </p:nvSpPr>
-        <p:spPr/>
-        <p:txBody>
-          <a:bodyPr/>
-          <a:lstStyle/>
-          <a:p>
-            <a:r>
-              <a:rPr lang="cs-CZ" sz="8800" dirty="0"/>
-              <a:t>Otázka oponenta č.1</a:t>
-            </a:r>
-            <a:endParaRPr lang="cs-CZ" dirty="0"/>
-          </a:p>
-        </p:txBody>
-      </p:sp>
-      <p:sp>
-        <p:nvSpPr>
-          <p:cNvPr id="3" name="Zástupný text 2">
-            <a:extLst>
-              <a:ext uri="{FF2B5EF4-FFF2-40B4-BE49-F238E27FC236}">
-                <a16:creationId xmlns:a16="http://schemas.microsoft.com/office/drawing/2014/main" id="{3E850045-51D5-2556-4104-278A4FD24E04}"/>
+                <a16:creationId xmlns:a16="http://schemas.microsoft.com/office/drawing/2014/main" id="{22CE71D2-80A4-2976-6445-C0304403073B}"/>
               </a:ext>
             </a:extLst>
           </p:cNvPr>
@@ -10886,22 +10865,35 @@
         </p:nvSpPr>
         <p:spPr/>
         <p:txBody>
-          <a:bodyPr/>
+          <a:bodyPr>
+            <a:normAutofit/>
+          </a:bodyPr>
           <a:lstStyle/>
           <a:p>
             <a:r>
-              <a:rPr lang="pl-PL" sz="4400" b="1" dirty="0"/>
+              <a:rPr lang="pl-PL" sz="9600" dirty="0">
+                <a:solidFill>
+                  <a:srgbClr val="FFFF00"/>
+                </a:solidFill>
+              </a:rPr>
               <a:t>Návrh a realizace kontrolního systému na WiFi síti</a:t>
             </a:r>
           </a:p>
-        </p:txBody>
-      </p:sp>
-      <p:sp>
-        <p:nvSpPr>
-          <p:cNvPr id="5" name="Zástupný text 4">
-            <a:extLst>
-              <a:ext uri="{FF2B5EF4-FFF2-40B4-BE49-F238E27FC236}">
-                <a16:creationId xmlns:a16="http://schemas.microsoft.com/office/drawing/2014/main" id="{F6EF8A6A-A94B-E009-2904-00483D9F88E4}"/>
+          <a:p>
+            <a:r>
+              <a:rPr lang="cs-CZ" sz="7200" b="0" dirty="0"/>
+              <a:t>obhajoba diplomové práce</a:t>
+            </a:r>
+            <a:endParaRPr lang="cs-CZ" dirty="0"/>
+          </a:p>
+        </p:txBody>
+      </p:sp>
+      <p:sp>
+        <p:nvSpPr>
+          <p:cNvPr id="3" name="Zástupný symbol pro datum 2">
+            <a:extLst>
+              <a:ext uri="{FF2B5EF4-FFF2-40B4-BE49-F238E27FC236}">
+                <a16:creationId xmlns:a16="http://schemas.microsoft.com/office/drawing/2014/main" id="{0794FD87-F93D-5E1A-619C-EE045E26635F}"/>
               </a:ext>
             </a:extLst>
           </p:cNvPr>
@@ -10909,162 +10901,50 @@
             <a:spLocks noGrp="1"/>
           </p:cNvSpPr>
           <p:nvPr>
-            <p:ph type="body" sz="quarter" idx="16"/>
+            <p:ph type="dt" sz="half" idx="2"/>
           </p:nvPr>
         </p:nvSpPr>
-        <p:spPr>
-          <a:xfrm>
-            <a:off x="1079500" y="3422469"/>
-            <a:ext cx="15680146" cy="5821414"/>
-          </a:xfrm>
-        </p:spPr>
+        <p:spPr/>
         <p:txBody>
           <a:bodyPr/>
           <a:lstStyle/>
           <a:p>
-            <a:pPr marL="0" indent="0">
-              <a:buNone/>
-            </a:pPr>
-            <a:r>
-              <a:rPr lang="cs-CZ" sz="4800" dirty="0"/>
-              <a:t>„</a:t>
-            </a:r>
-            <a:r>
-              <a:rPr lang="cs-CZ" sz="4800" b="1" dirty="0">
-                <a:effectLst>
-                  <a:outerShdw blurRad="38100" dist="38100" dir="2700000" algn="tl">
-                    <a:srgbClr val="000000">
-                      <a:alpha val="43137"/>
-                    </a:srgbClr>
-                  </a:outerShdw>
-                </a:effectLst>
-              </a:rPr>
-              <a:t>Na str. 49 je uvedeno: „</a:t>
-            </a:r>
-            <a:r>
-              <a:rPr lang="cs-CZ" sz="4800" b="1" dirty="0" err="1">
-                <a:effectLst>
-                  <a:outerShdw blurRad="38100" dist="38100" dir="2700000" algn="tl">
-                    <a:srgbClr val="000000">
-                      <a:alpha val="43137"/>
-                    </a:srgbClr>
-                  </a:outerShdw>
-                </a:effectLst>
-              </a:rPr>
-              <a:t>For</a:t>
-            </a:r>
-            <a:r>
-              <a:rPr lang="cs-CZ" sz="4800" b="1" dirty="0">
-                <a:effectLst>
-                  <a:outerShdw blurRad="38100" dist="38100" dir="2700000" algn="tl">
-                    <a:srgbClr val="000000">
-                      <a:alpha val="43137"/>
-                    </a:srgbClr>
-                  </a:outerShdw>
-                </a:effectLst>
-              </a:rPr>
-              <a:t> byl zvolen místo </a:t>
-            </a:r>
-            <a:r>
-              <a:rPr lang="cs-CZ" sz="4800" b="1" dirty="0" err="1">
-                <a:effectLst>
-                  <a:outerShdw blurRad="38100" dist="38100" dir="2700000" algn="tl">
-                    <a:srgbClr val="000000">
-                      <a:alpha val="43137"/>
-                    </a:srgbClr>
-                  </a:outerShdw>
-                </a:effectLst>
-              </a:rPr>
-              <a:t>foreach</a:t>
-            </a:r>
-            <a:r>
-              <a:rPr lang="cs-CZ" sz="4800" b="1" dirty="0">
-                <a:effectLst>
-                  <a:outerShdw blurRad="38100" dist="38100" dir="2700000" algn="tl">
-                    <a:srgbClr val="000000">
-                      <a:alpha val="43137"/>
-                    </a:srgbClr>
-                  </a:outerShdw>
-                </a:effectLst>
-              </a:rPr>
-              <a:t> proto, aby bylo možné v chybové hlášce přesně určit místo, kde nastal problém.“ Vysvětlete rozdíl mezi příkazy </a:t>
-            </a:r>
-            <a:r>
-              <a:rPr lang="cs-CZ" sz="4800" b="1" dirty="0" err="1">
-                <a:effectLst>
-                  <a:outerShdw blurRad="38100" dist="38100" dir="2700000" algn="tl">
-                    <a:srgbClr val="000000">
-                      <a:alpha val="43137"/>
-                    </a:srgbClr>
-                  </a:outerShdw>
-                </a:effectLst>
-              </a:rPr>
-              <a:t>for</a:t>
-            </a:r>
-            <a:r>
-              <a:rPr lang="cs-CZ" sz="4800" b="1" dirty="0">
-                <a:effectLst>
-                  <a:outerShdw blurRad="38100" dist="38100" dir="2700000" algn="tl">
-                    <a:srgbClr val="000000">
-                      <a:alpha val="43137"/>
-                    </a:srgbClr>
-                  </a:outerShdw>
-                </a:effectLst>
-              </a:rPr>
-              <a:t> a </a:t>
-            </a:r>
-            <a:r>
-              <a:rPr lang="cs-CZ" sz="4800" b="1" dirty="0" err="1">
-                <a:effectLst>
-                  <a:outerShdw blurRad="38100" dist="38100" dir="2700000" algn="tl">
-                    <a:srgbClr val="000000">
-                      <a:alpha val="43137"/>
-                    </a:srgbClr>
-                  </a:outerShdw>
-                </a:effectLst>
-              </a:rPr>
-              <a:t>foreach</a:t>
-            </a:r>
-            <a:r>
-              <a:rPr lang="cs-CZ" sz="4800" b="1" dirty="0">
-                <a:effectLst>
-                  <a:outerShdw blurRad="38100" dist="38100" dir="2700000" algn="tl">
-                    <a:srgbClr val="000000">
-                      <a:alpha val="43137"/>
-                    </a:srgbClr>
-                  </a:outerShdw>
-                </a:effectLst>
-              </a:rPr>
-              <a:t> a proč druhý z nich neumožňuje přesné určení místa výskytu chyby. “</a:t>
-            </a:r>
-          </a:p>
-          <a:p>
-            <a:r>
-              <a:rPr lang="cs-CZ" b="1" dirty="0" err="1"/>
-              <a:t>For</a:t>
-            </a:r>
-            <a:r>
-              <a:rPr lang="cs-CZ" b="1" dirty="0"/>
-              <a:t> = k dispozici index</a:t>
-            </a:r>
-          </a:p>
-          <a:p>
-            <a:r>
-              <a:rPr lang="cs-CZ" b="1" dirty="0" err="1"/>
-              <a:t>Foreach</a:t>
-            </a:r>
-            <a:r>
-              <a:rPr lang="cs-CZ" b="1" dirty="0"/>
-              <a:t> = k dispozici prvek kolekce (v tomto případě znak)</a:t>
-            </a:r>
-          </a:p>
-          <a:p>
-            <a:endParaRPr lang="cs-CZ" b="1" dirty="0"/>
-          </a:p>
-          <a:p>
-            <a:pPr marL="0" indent="0" algn="just">
-              <a:buNone/>
-            </a:pPr>
+            <a:fld id="{7A3072F3-67BD-48D5-A6DA-38E4E24F7F23}" type="datetime3">
+              <a:rPr lang="cs-CZ" smtClean="0"/>
+              <a:pPr/>
+              <a:t>19/05/25</a:t>
+            </a:fld>
+            <a:endParaRPr lang="en-US" dirty="0"/>
+          </a:p>
+        </p:txBody>
+      </p:sp>
+      <p:sp>
+        <p:nvSpPr>
+          <p:cNvPr id="4" name="Zástupný text 3">
+            <a:extLst>
+              <a:ext uri="{FF2B5EF4-FFF2-40B4-BE49-F238E27FC236}">
+                <a16:creationId xmlns:a16="http://schemas.microsoft.com/office/drawing/2014/main" id="{73998AA9-846F-5577-62E1-03C4D0C239A3}"/>
+              </a:ext>
+            </a:extLst>
+          </p:cNvPr>
+          <p:cNvSpPr>
+            <a:spLocks noGrp="1"/>
+          </p:cNvSpPr>
+          <p:nvPr>
+            <p:ph type="body" sz="quarter" idx="11"/>
+          </p:nvPr>
+        </p:nvSpPr>
+        <p:spPr/>
+        <p:txBody>
+          <a:bodyPr/>
+          <a:lstStyle/>
+          <a:p>
+            <a:r>
+              <a:rPr lang="cs-CZ" dirty="0"/>
+              <a:t>Bc. Martin Novák</a:t>
+            </a:r>
+          </a:p>
+          <a:p>
             <a:endParaRPr lang="cs-CZ" dirty="0"/>
           </a:p>
         </p:txBody>
@@ -11072,7 +10952,7 @@
     </p:spTree>
     <p:extLst>
       <p:ext uri="{BB962C8B-B14F-4D97-AF65-F5344CB8AC3E}">
-        <p14:creationId xmlns:p14="http://schemas.microsoft.com/office/powerpoint/2010/main" val="481893954"/>
+        <p14:creationId xmlns:p14="http://schemas.microsoft.com/office/powerpoint/2010/main" val="3073231818"/>
       </p:ext>
     </p:extLst>
   </p:cSld>
@@ -11122,6 +11002,266 @@
           <a:p>
             <a:r>
               <a:rPr lang="cs-CZ" sz="8800" dirty="0"/>
+              <a:t>Otázka oponenta č.1</a:t>
+            </a:r>
+            <a:endParaRPr lang="cs-CZ" dirty="0"/>
+          </a:p>
+        </p:txBody>
+      </p:sp>
+      <p:sp>
+        <p:nvSpPr>
+          <p:cNvPr id="3" name="Zástupný text 2">
+            <a:extLst>
+              <a:ext uri="{FF2B5EF4-FFF2-40B4-BE49-F238E27FC236}">
+                <a16:creationId xmlns:a16="http://schemas.microsoft.com/office/drawing/2014/main" id="{3E850045-51D5-2556-4104-278A4FD24E04}"/>
+              </a:ext>
+            </a:extLst>
+          </p:cNvPr>
+          <p:cNvSpPr>
+            <a:spLocks noGrp="1"/>
+          </p:cNvSpPr>
+          <p:nvPr>
+            <p:ph type="body" sz="quarter" idx="12"/>
+          </p:nvPr>
+        </p:nvSpPr>
+        <p:spPr/>
+        <p:txBody>
+          <a:bodyPr/>
+          <a:lstStyle/>
+          <a:p>
+            <a:r>
+              <a:rPr lang="pl-PL" sz="4400" b="1" dirty="0"/>
+              <a:t>Návrh a realizace kontrolního systému na WiFi síti</a:t>
+            </a:r>
+          </a:p>
+        </p:txBody>
+      </p:sp>
+      <p:sp>
+        <p:nvSpPr>
+          <p:cNvPr id="5" name="Zástupný text 4">
+            <a:extLst>
+              <a:ext uri="{FF2B5EF4-FFF2-40B4-BE49-F238E27FC236}">
+                <a16:creationId xmlns:a16="http://schemas.microsoft.com/office/drawing/2014/main" id="{F6EF8A6A-A94B-E009-2904-00483D9F88E4}"/>
+              </a:ext>
+            </a:extLst>
+          </p:cNvPr>
+          <p:cNvSpPr>
+            <a:spLocks noGrp="1"/>
+          </p:cNvSpPr>
+          <p:nvPr>
+            <p:ph type="body" sz="quarter" idx="16"/>
+          </p:nvPr>
+        </p:nvSpPr>
+        <p:spPr>
+          <a:xfrm>
+            <a:off x="1079500" y="3422469"/>
+            <a:ext cx="15680146" cy="5821414"/>
+          </a:xfrm>
+        </p:spPr>
+        <p:txBody>
+          <a:bodyPr/>
+          <a:lstStyle/>
+          <a:p>
+            <a:pPr marL="0" indent="0">
+              <a:buNone/>
+            </a:pPr>
+            <a:r>
+              <a:rPr lang="cs-CZ" sz="4800" dirty="0"/>
+              <a:t>„</a:t>
+            </a:r>
+            <a:r>
+              <a:rPr lang="cs-CZ" sz="4800" b="1" dirty="0">
+                <a:effectLst>
+                  <a:outerShdw blurRad="38100" dist="38100" dir="2700000" algn="tl">
+                    <a:srgbClr val="000000">
+                      <a:alpha val="43137"/>
+                    </a:srgbClr>
+                  </a:outerShdw>
+                </a:effectLst>
+              </a:rPr>
+              <a:t>Na str. 49 je uvedeno: „</a:t>
+            </a:r>
+            <a:r>
+              <a:rPr lang="cs-CZ" sz="4800" b="1" dirty="0" err="1">
+                <a:effectLst>
+                  <a:outerShdw blurRad="38100" dist="38100" dir="2700000" algn="tl">
+                    <a:srgbClr val="000000">
+                      <a:alpha val="43137"/>
+                    </a:srgbClr>
+                  </a:outerShdw>
+                </a:effectLst>
+              </a:rPr>
+              <a:t>For</a:t>
+            </a:r>
+            <a:r>
+              <a:rPr lang="cs-CZ" sz="4800" b="1" dirty="0">
+                <a:effectLst>
+                  <a:outerShdw blurRad="38100" dist="38100" dir="2700000" algn="tl">
+                    <a:srgbClr val="000000">
+                      <a:alpha val="43137"/>
+                    </a:srgbClr>
+                  </a:outerShdw>
+                </a:effectLst>
+              </a:rPr>
+              <a:t> byl zvolen místo </a:t>
+            </a:r>
+            <a:r>
+              <a:rPr lang="cs-CZ" sz="4800" b="1" dirty="0" err="1">
+                <a:effectLst>
+                  <a:outerShdw blurRad="38100" dist="38100" dir="2700000" algn="tl">
+                    <a:srgbClr val="000000">
+                      <a:alpha val="43137"/>
+                    </a:srgbClr>
+                  </a:outerShdw>
+                </a:effectLst>
+              </a:rPr>
+              <a:t>foreach</a:t>
+            </a:r>
+            <a:r>
+              <a:rPr lang="cs-CZ" sz="4800" b="1" dirty="0">
+                <a:effectLst>
+                  <a:outerShdw blurRad="38100" dist="38100" dir="2700000" algn="tl">
+                    <a:srgbClr val="000000">
+                      <a:alpha val="43137"/>
+                    </a:srgbClr>
+                  </a:outerShdw>
+                </a:effectLst>
+              </a:rPr>
+              <a:t> proto, aby bylo možné v chybové hlášce přesně určit místo, kde nastal problém.“ Vysvětlete rozdíl mezi příkazy </a:t>
+            </a:r>
+            <a:r>
+              <a:rPr lang="cs-CZ" sz="4800" b="1" dirty="0" err="1">
+                <a:effectLst>
+                  <a:outerShdw blurRad="38100" dist="38100" dir="2700000" algn="tl">
+                    <a:srgbClr val="000000">
+                      <a:alpha val="43137"/>
+                    </a:srgbClr>
+                  </a:outerShdw>
+                </a:effectLst>
+              </a:rPr>
+              <a:t>for</a:t>
+            </a:r>
+            <a:r>
+              <a:rPr lang="cs-CZ" sz="4800" b="1" dirty="0">
+                <a:effectLst>
+                  <a:outerShdw blurRad="38100" dist="38100" dir="2700000" algn="tl">
+                    <a:srgbClr val="000000">
+                      <a:alpha val="43137"/>
+                    </a:srgbClr>
+                  </a:outerShdw>
+                </a:effectLst>
+              </a:rPr>
+              <a:t> a </a:t>
+            </a:r>
+            <a:r>
+              <a:rPr lang="cs-CZ" sz="4800" b="1" dirty="0" err="1">
+                <a:effectLst>
+                  <a:outerShdw blurRad="38100" dist="38100" dir="2700000" algn="tl">
+                    <a:srgbClr val="000000">
+                      <a:alpha val="43137"/>
+                    </a:srgbClr>
+                  </a:outerShdw>
+                </a:effectLst>
+              </a:rPr>
+              <a:t>foreach</a:t>
+            </a:r>
+            <a:r>
+              <a:rPr lang="cs-CZ" sz="4800" b="1" dirty="0">
+                <a:effectLst>
+                  <a:outerShdw blurRad="38100" dist="38100" dir="2700000" algn="tl">
+                    <a:srgbClr val="000000">
+                      <a:alpha val="43137"/>
+                    </a:srgbClr>
+                  </a:outerShdw>
+                </a:effectLst>
+              </a:rPr>
+              <a:t> a proč druhý z nich neumožňuje přesné určení místa výskytu chyby. “</a:t>
+            </a:r>
+          </a:p>
+          <a:p>
+            <a:r>
+              <a:rPr lang="cs-CZ" b="1" dirty="0" err="1"/>
+              <a:t>For</a:t>
+            </a:r>
+            <a:r>
+              <a:rPr lang="cs-CZ" b="1" dirty="0"/>
+              <a:t> = k dispozici index</a:t>
+            </a:r>
+          </a:p>
+          <a:p>
+            <a:r>
+              <a:rPr lang="cs-CZ" b="1" dirty="0" err="1"/>
+              <a:t>Foreach</a:t>
+            </a:r>
+            <a:r>
+              <a:rPr lang="cs-CZ" b="1" dirty="0"/>
+              <a:t> = k dispozici prvek kolekce (v tomto případě znak)</a:t>
+            </a:r>
+          </a:p>
+          <a:p>
+            <a:endParaRPr lang="cs-CZ" b="1" dirty="0"/>
+          </a:p>
+          <a:p>
+            <a:pPr marL="0" indent="0" algn="just">
+              <a:buNone/>
+            </a:pPr>
+            <a:endParaRPr lang="cs-CZ" dirty="0"/>
+          </a:p>
+        </p:txBody>
+      </p:sp>
+    </p:spTree>
+    <p:extLst>
+      <p:ext uri="{BB962C8B-B14F-4D97-AF65-F5344CB8AC3E}">
+        <p14:creationId xmlns:p14="http://schemas.microsoft.com/office/powerpoint/2010/main" val="481893954"/>
+      </p:ext>
+    </p:extLst>
+  </p:cSld>
+  <p:clrMapOvr>
+    <a:masterClrMapping/>
+  </p:clrMapOvr>
+</p:sld>
+</file>
+
+<file path=ppt/slides/slide16.xml><?xml version="1.0" encoding="utf-8"?>
+<p:sld xmlns:a="http://schemas.openxmlformats.org/drawingml/2006/main" xmlns:r="http://schemas.openxmlformats.org/officeDocument/2006/relationships" xmlns:p="http://schemas.openxmlformats.org/presentationml/2006/main">
+  <p:cSld>
+    <p:spTree>
+      <p:nvGrpSpPr>
+        <p:cNvPr id="1" name=""/>
+        <p:cNvGrpSpPr/>
+        <p:nvPr/>
+      </p:nvGrpSpPr>
+      <p:grpSpPr>
+        <a:xfrm>
+          <a:off x="0" y="0"/>
+          <a:ext cx="0" cy="0"/>
+          <a:chOff x="0" y="0"/>
+          <a:chExt cx="0" cy="0"/>
+        </a:xfrm>
+      </p:grpSpPr>
+      <p:sp>
+        <p:nvSpPr>
+          <p:cNvPr id="2" name="Zástupný text 1">
+            <a:extLst>
+              <a:ext uri="{FF2B5EF4-FFF2-40B4-BE49-F238E27FC236}">
+                <a16:creationId xmlns:a16="http://schemas.microsoft.com/office/drawing/2014/main" id="{32DEB359-6B80-3613-966B-FAA9301011F6}"/>
+              </a:ext>
+            </a:extLst>
+          </p:cNvPr>
+          <p:cNvSpPr>
+            <a:spLocks noGrp="1"/>
+          </p:cNvSpPr>
+          <p:nvPr>
+            <p:ph type="body" sz="quarter" idx="10"/>
+          </p:nvPr>
+        </p:nvSpPr>
+        <p:spPr/>
+        <p:txBody>
+          <a:bodyPr/>
+          <a:lstStyle/>
+          <a:p>
+            <a:r>
+              <a:rPr lang="cs-CZ" sz="8800" dirty="0"/>
               <a:t>Otázka oponenta č.2</a:t>
             </a:r>
             <a:endParaRPr lang="cs-CZ" dirty="0"/>
@@ -11248,7 +11388,7 @@
 </p:sld>
 </file>
 
-<file path=ppt/slides/slide16.xml><?xml version="1.0" encoding="utf-8"?>
+<file path=ppt/slides/slide17.xml><?xml version="1.0" encoding="utf-8"?>
 <p:sld xmlns:a="http://schemas.openxmlformats.org/drawingml/2006/main" xmlns:r="http://schemas.openxmlformats.org/officeDocument/2006/relationships" xmlns:p="http://schemas.openxmlformats.org/presentationml/2006/main">
   <p:cSld>
     <p:spTree>
@@ -11413,7 +11553,7 @@
 </p:sld>
 </file>
 
-<file path=ppt/slides/slide17.xml><?xml version="1.0" encoding="utf-8"?>
+<file path=ppt/slides/slide18.xml><?xml version="1.0" encoding="utf-8"?>
 <p:sld xmlns:a="http://schemas.openxmlformats.org/drawingml/2006/main" xmlns:r="http://schemas.openxmlformats.org/officeDocument/2006/relationships" xmlns:p="http://schemas.openxmlformats.org/presentationml/2006/main">
   <p:cSld>
     <p:spTree>
@@ -12277,6 +12417,144 @@
     <p:extLst>
       <p:ext uri="{BB962C8B-B14F-4D97-AF65-F5344CB8AC3E}">
         <p14:creationId xmlns:p14="http://schemas.microsoft.com/office/powerpoint/2010/main" val="1464903595"/>
+      </p:ext>
+    </p:extLst>
+  </p:cSld>
+  <p:clrMapOvr>
+    <a:masterClrMapping/>
+  </p:clrMapOvr>
+</p:sld>
+</file>
+
+<file path=ppt/slides/slide19.xml><?xml version="1.0" encoding="utf-8"?>
+<p:sld xmlns:a="http://schemas.openxmlformats.org/drawingml/2006/main" xmlns:r="http://schemas.openxmlformats.org/officeDocument/2006/relationships" xmlns:p="http://schemas.openxmlformats.org/presentationml/2006/main">
+  <p:cSld>
+    <p:spTree>
+      <p:nvGrpSpPr>
+        <p:cNvPr id="1" name="">
+          <a:extLst>
+            <a:ext uri="{FF2B5EF4-FFF2-40B4-BE49-F238E27FC236}">
+              <a16:creationId xmlns:a16="http://schemas.microsoft.com/office/drawing/2014/main" id="{2D4659E6-184D-D30B-1A58-D27CE6821488}"/>
+            </a:ext>
+          </a:extLst>
+        </p:cNvPr>
+        <p:cNvGrpSpPr/>
+        <p:nvPr/>
+      </p:nvGrpSpPr>
+      <p:grpSpPr>
+        <a:xfrm>
+          <a:off x="0" y="0"/>
+          <a:ext cx="0" cy="0"/>
+          <a:chOff x="0" y="0"/>
+          <a:chExt cx="0" cy="0"/>
+        </a:xfrm>
+      </p:grpSpPr>
+      <p:sp>
+        <p:nvSpPr>
+          <p:cNvPr id="2" name="Zástupný text 1">
+            <a:extLst>
+              <a:ext uri="{FF2B5EF4-FFF2-40B4-BE49-F238E27FC236}">
+                <a16:creationId xmlns:a16="http://schemas.microsoft.com/office/drawing/2014/main" id="{EC695F83-62C9-B05D-89F8-3AABEA965723}"/>
+              </a:ext>
+            </a:extLst>
+          </p:cNvPr>
+          <p:cNvSpPr>
+            <a:spLocks noGrp="1"/>
+          </p:cNvSpPr>
+          <p:nvPr>
+            <p:ph type="body" sz="quarter" idx="12"/>
+          </p:nvPr>
+        </p:nvSpPr>
+        <p:spPr/>
+        <p:txBody>
+          <a:bodyPr>
+            <a:normAutofit/>
+          </a:bodyPr>
+          <a:lstStyle/>
+          <a:p>
+            <a:r>
+              <a:rPr lang="pl-PL" sz="9600" dirty="0">
+                <a:solidFill>
+                  <a:srgbClr val="FFFF00"/>
+                </a:solidFill>
+              </a:rPr>
+              <a:t>Návrh a realizace kontrolního systému na WiFi síti</a:t>
+            </a:r>
+          </a:p>
+          <a:p>
+            <a:r>
+              <a:rPr lang="cs-CZ" sz="7200" b="0" dirty="0"/>
+              <a:t>obhajoba diplomové práce</a:t>
+            </a:r>
+            <a:endParaRPr lang="cs-CZ" dirty="0"/>
+          </a:p>
+        </p:txBody>
+      </p:sp>
+      <p:sp>
+        <p:nvSpPr>
+          <p:cNvPr id="3" name="Zástupný symbol pro datum 2">
+            <a:extLst>
+              <a:ext uri="{FF2B5EF4-FFF2-40B4-BE49-F238E27FC236}">
+                <a16:creationId xmlns:a16="http://schemas.microsoft.com/office/drawing/2014/main" id="{C30FA574-4DB1-5871-C193-EF989EC9CBCA}"/>
+              </a:ext>
+            </a:extLst>
+          </p:cNvPr>
+          <p:cNvSpPr>
+            <a:spLocks noGrp="1"/>
+          </p:cNvSpPr>
+          <p:nvPr>
+            <p:ph type="dt" sz="half" idx="2"/>
+          </p:nvPr>
+        </p:nvSpPr>
+        <p:spPr/>
+        <p:txBody>
+          <a:bodyPr/>
+          <a:lstStyle/>
+          <a:p>
+            <a:fld id="{7A3072F3-67BD-48D5-A6DA-38E4E24F7F23}" type="datetime3">
+              <a:rPr lang="cs-CZ" smtClean="0"/>
+              <a:pPr/>
+              <a:t>19/05/25</a:t>
+            </a:fld>
+            <a:endParaRPr lang="en-US" dirty="0"/>
+          </a:p>
+        </p:txBody>
+      </p:sp>
+      <p:sp>
+        <p:nvSpPr>
+          <p:cNvPr id="4" name="Zástupný text 3">
+            <a:extLst>
+              <a:ext uri="{FF2B5EF4-FFF2-40B4-BE49-F238E27FC236}">
+                <a16:creationId xmlns:a16="http://schemas.microsoft.com/office/drawing/2014/main" id="{94BF4324-1B38-1C4F-D0BF-CF4349AB3055}"/>
+              </a:ext>
+            </a:extLst>
+          </p:cNvPr>
+          <p:cNvSpPr>
+            <a:spLocks noGrp="1"/>
+          </p:cNvSpPr>
+          <p:nvPr>
+            <p:ph type="body" sz="quarter" idx="11"/>
+          </p:nvPr>
+        </p:nvSpPr>
+        <p:spPr/>
+        <p:txBody>
+          <a:bodyPr/>
+          <a:lstStyle/>
+          <a:p>
+            <a:r>
+              <a:rPr lang="cs-CZ" dirty="0"/>
+              <a:t>Bc. Martin Novák</a:t>
+            </a:r>
+          </a:p>
+          <a:p>
+            <a:endParaRPr lang="cs-CZ" dirty="0"/>
+          </a:p>
+        </p:txBody>
+      </p:sp>
+    </p:spTree>
+    <p:extLst>
+      <p:ext uri="{BB962C8B-B14F-4D97-AF65-F5344CB8AC3E}">
+        <p14:creationId xmlns:p14="http://schemas.microsoft.com/office/powerpoint/2010/main" val="3413663657"/>
       </p:ext>
     </p:extLst>
   </p:cSld>
